--- a/기획서/문서/보스 기획서.pptx
+++ b/기획서/문서/보스 기획서.pptx
@@ -5,15 +5,20 @@
     <p:sldMasterId id="2147483684" r:id="rId1"/>
   </p:sldMasterIdLst>
   <p:notesMasterIdLst>
-    <p:notesMasterId r:id="rId5"/>
+    <p:notesMasterId r:id="rId10"/>
   </p:notesMasterIdLst>
   <p:handoutMasterIdLst>
-    <p:handoutMasterId r:id="rId6"/>
+    <p:handoutMasterId r:id="rId11"/>
   </p:handoutMasterIdLst>
   <p:sldIdLst>
     <p:sldId id="256" r:id="rId2"/>
     <p:sldId id="257" r:id="rId3"/>
     <p:sldId id="260" r:id="rId4"/>
+    <p:sldId id="264" r:id="rId5"/>
+    <p:sldId id="265" r:id="rId6"/>
+    <p:sldId id="261" r:id="rId7"/>
+    <p:sldId id="266" r:id="rId8"/>
+    <p:sldId id="267" r:id="rId9"/>
   </p:sldIdLst>
   <p:sldSz cx="17610138" cy="9906000"/>
   <p:notesSz cx="6858000" cy="9144000"/>
@@ -226,7 +231,7 @@
           <a:p>
             <a:fld id="{D686C50E-113A-4B4A-8A5C-9EE1E9DBA064}" type="datetimeFigureOut">
               <a:rPr lang="ko-KR" altLang="en-US" smtClean="0"/>
-              <a:t>2021-05-20</a:t>
+              <a:t>2021-06-04</a:t>
             </a:fld>
             <a:endParaRPr lang="ko-KR" altLang="en-US" dirty="0"/>
           </a:p>
@@ -403,7 +408,7 @@
           <a:p>
             <a:fld id="{40EC3B2E-CA71-40FC-A78E-FA212ABD0BB7}" type="datetimeFigureOut">
               <a:rPr lang="ko-KR" altLang="en-US" smtClean="0"/>
-              <a:t>2021-05-20</a:t>
+              <a:t>2021-06-04</a:t>
             </a:fld>
             <a:endParaRPr lang="ko-KR" altLang="en-US" dirty="0"/>
           </a:p>
@@ -801,7 +806,7 @@
           <a:p>
             <a:fld id="{F8CAAD71-D53C-4447-AAA3-BC9075A67E69}" type="datetimeFigureOut">
               <a:rPr lang="ko-KR" altLang="en-US" smtClean="0"/>
-              <a:t>2021-05-20</a:t>
+              <a:t>2021-06-04</a:t>
             </a:fld>
             <a:endParaRPr lang="ko-KR" altLang="en-US" dirty="0"/>
           </a:p>
@@ -971,7 +976,7 @@
           <a:p>
             <a:fld id="{F8CAAD71-D53C-4447-AAA3-BC9075A67E69}" type="datetimeFigureOut">
               <a:rPr lang="ko-KR" altLang="en-US" smtClean="0"/>
-              <a:t>2021-05-20</a:t>
+              <a:t>2021-06-04</a:t>
             </a:fld>
             <a:endParaRPr lang="ko-KR" altLang="en-US" dirty="0"/>
           </a:p>
@@ -1151,7 +1156,7 @@
           <a:p>
             <a:fld id="{F8CAAD71-D53C-4447-AAA3-BC9075A67E69}" type="datetimeFigureOut">
               <a:rPr lang="ko-KR" altLang="en-US" smtClean="0"/>
-              <a:t>2021-05-20</a:t>
+              <a:t>2021-06-04</a:t>
             </a:fld>
             <a:endParaRPr lang="ko-KR" altLang="en-US" dirty="0"/>
           </a:p>
@@ -1321,7 +1326,7 @@
           <a:p>
             <a:fld id="{F8CAAD71-D53C-4447-AAA3-BC9075A67E69}" type="datetimeFigureOut">
               <a:rPr lang="ko-KR" altLang="en-US" smtClean="0"/>
-              <a:t>2021-05-20</a:t>
+              <a:t>2021-06-04</a:t>
             </a:fld>
             <a:endParaRPr lang="ko-KR" altLang="en-US" dirty="0"/>
           </a:p>
@@ -1567,7 +1572,7 @@
           <a:p>
             <a:fld id="{F8CAAD71-D53C-4447-AAA3-BC9075A67E69}" type="datetimeFigureOut">
               <a:rPr lang="ko-KR" altLang="en-US" smtClean="0"/>
-              <a:t>2021-05-20</a:t>
+              <a:t>2021-06-04</a:t>
             </a:fld>
             <a:endParaRPr lang="ko-KR" altLang="en-US" dirty="0"/>
           </a:p>
@@ -1799,7 +1804,7 @@
           <a:p>
             <a:fld id="{F8CAAD71-D53C-4447-AAA3-BC9075A67E69}" type="datetimeFigureOut">
               <a:rPr lang="ko-KR" altLang="en-US" smtClean="0"/>
-              <a:t>2021-05-20</a:t>
+              <a:t>2021-06-04</a:t>
             </a:fld>
             <a:endParaRPr lang="ko-KR" altLang="en-US" dirty="0"/>
           </a:p>
@@ -2166,7 +2171,7 @@
           <a:p>
             <a:fld id="{F8CAAD71-D53C-4447-AAA3-BC9075A67E69}" type="datetimeFigureOut">
               <a:rPr lang="ko-KR" altLang="en-US" smtClean="0"/>
-              <a:t>2021-05-20</a:t>
+              <a:t>2021-06-04</a:t>
             </a:fld>
             <a:endParaRPr lang="ko-KR" altLang="en-US" dirty="0"/>
           </a:p>
@@ -2284,7 +2289,7 @@
           <a:p>
             <a:fld id="{F8CAAD71-D53C-4447-AAA3-BC9075A67E69}" type="datetimeFigureOut">
               <a:rPr lang="ko-KR" altLang="en-US" smtClean="0"/>
-              <a:t>2021-05-20</a:t>
+              <a:t>2021-06-04</a:t>
             </a:fld>
             <a:endParaRPr lang="ko-KR" altLang="en-US" dirty="0"/>
           </a:p>
@@ -2379,7 +2384,7 @@
           <a:p>
             <a:fld id="{F8CAAD71-D53C-4447-AAA3-BC9075A67E69}" type="datetimeFigureOut">
               <a:rPr lang="ko-KR" altLang="en-US" smtClean="0"/>
-              <a:t>2021-05-20</a:t>
+              <a:t>2021-06-04</a:t>
             </a:fld>
             <a:endParaRPr lang="ko-KR" altLang="en-US" dirty="0"/>
           </a:p>
@@ -2656,7 +2661,7 @@
           <a:p>
             <a:fld id="{F8CAAD71-D53C-4447-AAA3-BC9075A67E69}" type="datetimeFigureOut">
               <a:rPr lang="ko-KR" altLang="en-US" smtClean="0"/>
-              <a:t>2021-05-20</a:t>
+              <a:t>2021-06-04</a:t>
             </a:fld>
             <a:endParaRPr lang="ko-KR" altLang="en-US" dirty="0"/>
           </a:p>
@@ -2913,7 +2918,7 @@
           <a:p>
             <a:fld id="{F8CAAD71-D53C-4447-AAA3-BC9075A67E69}" type="datetimeFigureOut">
               <a:rPr lang="ko-KR" altLang="en-US" smtClean="0"/>
-              <a:t>2021-05-20</a:t>
+              <a:t>2021-06-04</a:t>
             </a:fld>
             <a:endParaRPr lang="ko-KR" altLang="en-US" dirty="0"/>
           </a:p>
@@ -3131,7 +3136,7 @@
           <a:p>
             <a:fld id="{F8CAAD71-D53C-4447-AAA3-BC9075A67E69}" type="datetimeFigureOut">
               <a:rPr lang="ko-KR" altLang="en-US" smtClean="0"/>
-              <a:t>2021-05-20</a:t>
+              <a:t>2021-06-04</a:t>
             </a:fld>
             <a:endParaRPr lang="ko-KR" altLang="en-US" dirty="0"/>
           </a:p>
@@ -3947,25 +3952,18 @@
           <a:p>
             <a:pPr algn="ctr"/>
             <a:r>
+              <a:rPr lang="ko-KR" altLang="en-US" b="1" dirty="0">
+                <a:latin typeface="메이플스토리" panose="02000300000000000000" pitchFamily="2" charset="-127"/>
+                <a:ea typeface="메이플스토리" panose="02000300000000000000" pitchFamily="2" charset="-127"/>
+              </a:rPr>
+              <a:t>보스</a:t>
+            </a:r>
+            <a:r>
               <a:rPr lang="en-US" altLang="ko-KR" b="1" dirty="0">
                 <a:latin typeface="메이플스토리" panose="02000300000000000000" pitchFamily="2" charset="-127"/>
                 <a:ea typeface="메이플스토리" panose="02000300000000000000" pitchFamily="2" charset="-127"/>
               </a:rPr>
-              <a:t>Level 2 Boss (</a:t>
-            </a:r>
-            <a:r>
-              <a:rPr lang="ko-KR" altLang="en-US" b="1" dirty="0">
-                <a:latin typeface="메이플스토리" panose="02000300000000000000" pitchFamily="2" charset="-127"/>
-                <a:ea typeface="메이플스토리" panose="02000300000000000000" pitchFamily="2" charset="-127"/>
-              </a:rPr>
-              <a:t>거대메카</a:t>
-            </a:r>
-            <a:r>
-              <a:rPr lang="en-US" altLang="ko-KR" b="1" dirty="0">
-                <a:latin typeface="메이플스토리" panose="02000300000000000000" pitchFamily="2" charset="-127"/>
-                <a:ea typeface="메이플스토리" panose="02000300000000000000" pitchFamily="2" charset="-127"/>
-              </a:rPr>
-              <a:t>) </a:t>
+              <a:t> </a:t>
             </a:r>
             <a:r>
               <a:rPr lang="ko-KR" altLang="en-US" b="1" dirty="0">
@@ -4739,6 +4737,3553 @@
     <p:extLst>
       <p:ext uri="{BB962C8B-B14F-4D97-AF65-F5344CB8AC3E}">
         <p14:creationId xmlns:p14="http://schemas.microsoft.com/office/powerpoint/2010/main" val="3082644402"/>
+      </p:ext>
+    </p:extLst>
+  </p:cSld>
+  <p:clrMapOvr>
+    <a:masterClrMapping/>
+  </p:clrMapOvr>
+</p:sld>
+</file>
+
+<file path=ppt/slides/slide4.xml><?xml version="1.0" encoding="utf-8"?>
+<p:sld xmlns:a="http://schemas.openxmlformats.org/drawingml/2006/main" xmlns:r="http://schemas.openxmlformats.org/officeDocument/2006/relationships" xmlns:p="http://schemas.openxmlformats.org/presentationml/2006/main">
+  <p:cSld>
+    <p:spTree>
+      <p:nvGrpSpPr>
+        <p:cNvPr id="1" name=""/>
+        <p:cNvGrpSpPr/>
+        <p:nvPr/>
+      </p:nvGrpSpPr>
+      <p:grpSpPr>
+        <a:xfrm>
+          <a:off x="0" y="0"/>
+          <a:ext cx="0" cy="0"/>
+          <a:chOff x="0" y="0"/>
+          <a:chExt cx="0" cy="0"/>
+        </a:xfrm>
+      </p:grpSpPr>
+      <p:sp>
+        <p:nvSpPr>
+          <p:cNvPr id="8" name="사각형: 둥근 모서리 7">
+            <a:extLst>
+              <a:ext uri="{FF2B5EF4-FFF2-40B4-BE49-F238E27FC236}">
+                <a16:creationId xmlns:a16="http://schemas.microsoft.com/office/drawing/2014/main" id="{6621E09A-072E-4221-9694-044F1CE109E0}"/>
+              </a:ext>
+            </a:extLst>
+          </p:cNvPr>
+          <p:cNvSpPr/>
+          <p:nvPr/>
+        </p:nvSpPr>
+        <p:spPr>
+          <a:xfrm>
+            <a:off x="101601" y="993855"/>
+            <a:ext cx="17406942" cy="318170"/>
+          </a:xfrm>
+          <a:prstGeom prst="roundRect">
+            <a:avLst/>
+          </a:prstGeom>
+          <a:solidFill>
+            <a:schemeClr val="tx1"/>
+          </a:solidFill>
+          <a:ln>
+            <a:noFill/>
+          </a:ln>
+        </p:spPr>
+        <p:style>
+          <a:lnRef idx="2">
+            <a:schemeClr val="accent1">
+              <a:shade val="50000"/>
+            </a:schemeClr>
+          </a:lnRef>
+          <a:fillRef idx="1">
+            <a:schemeClr val="accent1"/>
+          </a:fillRef>
+          <a:effectRef idx="0">
+            <a:schemeClr val="accent1"/>
+          </a:effectRef>
+          <a:fontRef idx="minor">
+            <a:schemeClr val="lt1"/>
+          </a:fontRef>
+        </p:style>
+        <p:txBody>
+          <a:bodyPr rtlCol="0" anchor="ctr"/>
+          <a:lstStyle/>
+          <a:p>
+            <a:pPr algn="ctr"/>
+            <a:r>
+              <a:rPr lang="ko-KR" altLang="en-US" b="1" dirty="0">
+                <a:latin typeface="메이플스토리" panose="02000300000000000000" pitchFamily="2" charset="-127"/>
+                <a:ea typeface="메이플스토리" panose="02000300000000000000" pitchFamily="2" charset="-127"/>
+              </a:rPr>
+              <a:t>보스</a:t>
+            </a:r>
+            <a:r>
+              <a:rPr lang="en-US" altLang="ko-KR" b="1" dirty="0">
+                <a:latin typeface="메이플스토리" panose="02000300000000000000" pitchFamily="2" charset="-127"/>
+                <a:ea typeface="메이플스토리" panose="02000300000000000000" pitchFamily="2" charset="-127"/>
+              </a:rPr>
+              <a:t> </a:t>
+            </a:r>
+            <a:r>
+              <a:rPr lang="ko-KR" altLang="en-US" b="1" dirty="0">
+                <a:latin typeface="메이플스토리" panose="02000300000000000000" pitchFamily="2" charset="-127"/>
+                <a:ea typeface="메이플스토리" panose="02000300000000000000" pitchFamily="2" charset="-127"/>
+              </a:rPr>
+              <a:t>등장 요소</a:t>
+            </a:r>
+          </a:p>
+        </p:txBody>
+      </p:sp>
+      <p:sp>
+        <p:nvSpPr>
+          <p:cNvPr id="9" name="직사각형 8">
+            <a:extLst>
+              <a:ext uri="{FF2B5EF4-FFF2-40B4-BE49-F238E27FC236}">
+                <a16:creationId xmlns:a16="http://schemas.microsoft.com/office/drawing/2014/main" id="{94F2371C-0352-412D-8908-A2E16DD190D5}"/>
+              </a:ext>
+            </a:extLst>
+          </p:cNvPr>
+          <p:cNvSpPr/>
+          <p:nvPr/>
+        </p:nvSpPr>
+        <p:spPr>
+          <a:xfrm>
+            <a:off x="8132804" y="33681"/>
+            <a:ext cx="1344535" cy="923330"/>
+          </a:xfrm>
+          <a:prstGeom prst="rect">
+            <a:avLst/>
+          </a:prstGeom>
+          <a:noFill/>
+        </p:spPr>
+        <p:txBody>
+          <a:bodyPr wrap="none" lIns="91440" tIns="45720" rIns="91440" bIns="45720">
+            <a:spAutoFit/>
+          </a:bodyPr>
+          <a:lstStyle/>
+          <a:p>
+            <a:pPr algn="ctr"/>
+            <a:r>
+              <a:rPr lang="en-US" altLang="ko-KR" sz="5400" b="1" dirty="0">
+                <a:ln w="0">
+                  <a:solidFill>
+                    <a:schemeClr val="bg1"/>
+                  </a:solidFill>
+                </a:ln>
+                <a:latin typeface="+mj-ea"/>
+                <a:ea typeface="+mj-ea"/>
+              </a:rPr>
+              <a:t>WA</a:t>
+            </a:r>
+          </a:p>
+        </p:txBody>
+      </p:sp>
+      <p:graphicFrame>
+        <p:nvGraphicFramePr>
+          <p:cNvPr id="2" name="표 2">
+            <a:extLst>
+              <a:ext uri="{FF2B5EF4-FFF2-40B4-BE49-F238E27FC236}">
+                <a16:creationId xmlns:a16="http://schemas.microsoft.com/office/drawing/2014/main" id="{FEA0F547-5237-41AE-AC7C-2839CEF6CB0C}"/>
+              </a:ext>
+            </a:extLst>
+          </p:cNvPr>
+          <p:cNvGraphicFramePr>
+            <a:graphicFrameLocks noGrp="1"/>
+          </p:cNvGraphicFramePr>
+          <p:nvPr>
+            <p:extLst>
+              <p:ext uri="{D42A27DB-BD31-4B8C-83A1-F6EECF244321}">
+                <p14:modId xmlns:p14="http://schemas.microsoft.com/office/powerpoint/2010/main" val="148367736"/>
+              </p:ext>
+            </p:extLst>
+          </p:nvPr>
+        </p:nvGraphicFramePr>
+        <p:xfrm>
+          <a:off x="101600" y="1454164"/>
+          <a:ext cx="17406941" cy="1981200"/>
+        </p:xfrm>
+        <a:graphic>
+          <a:graphicData uri="http://schemas.openxmlformats.org/drawingml/2006/table">
+            <a:tbl>
+              <a:tblPr firstRow="1" bandRow="1">
+                <a:tableStyleId>{5C22544A-7EE6-4342-B048-85BDC9FD1C3A}</a:tableStyleId>
+              </a:tblPr>
+              <a:tblGrid>
+                <a:gridCol w="4595185">
+                  <a:extLst>
+                    <a:ext uri="{9D8B030D-6E8A-4147-A177-3AD203B41FA5}">
+                      <a16:colId xmlns:a16="http://schemas.microsoft.com/office/drawing/2014/main" val="2045934317"/>
+                    </a:ext>
+                  </a:extLst>
+                </a:gridCol>
+                <a:gridCol w="12811756">
+                  <a:extLst>
+                    <a:ext uri="{9D8B030D-6E8A-4147-A177-3AD203B41FA5}">
+                      <a16:colId xmlns:a16="http://schemas.microsoft.com/office/drawing/2014/main" val="1006964532"/>
+                    </a:ext>
+                  </a:extLst>
+                </a:gridCol>
+              </a:tblGrid>
+              <a:tr h="124139">
+                <a:tc>
+                  <a:txBody>
+                    <a:bodyPr/>
+                    <a:lstStyle/>
+                    <a:p>
+                      <a:pPr algn="ctr" latinLnBrk="1"/>
+                      <a:r>
+                        <a:rPr lang="ko-KR" altLang="en-US" sz="2000" dirty="0">
+                          <a:solidFill>
+                            <a:sysClr val="windowText" lastClr="000000"/>
+                          </a:solidFill>
+                        </a:rPr>
+                        <a:t>등장 </a:t>
+                      </a:r>
+                      <a:r>
+                        <a:rPr lang="ko-KR" altLang="en-US" sz="2000" dirty="0" err="1">
+                          <a:solidFill>
+                            <a:sysClr val="windowText" lastClr="000000"/>
+                          </a:solidFill>
+                        </a:rPr>
+                        <a:t>기믹들</a:t>
+                      </a:r>
+                      <a:endParaRPr lang="ko-KR" altLang="en-US" sz="2000" dirty="0">
+                        <a:solidFill>
+                          <a:sysClr val="windowText" lastClr="000000"/>
+                        </a:solidFill>
+                      </a:endParaRPr>
+                    </a:p>
+                  </a:txBody>
+                  <a:tcPr anchor="ctr">
+                    <a:lnL w="12700" cap="flat" cmpd="sng" algn="ctr">
+                      <a:solidFill>
+                        <a:schemeClr val="tx1"/>
+                      </a:solidFill>
+                      <a:prstDash val="solid"/>
+                      <a:round/>
+                      <a:headEnd type="none" w="med" len="med"/>
+                      <a:tailEnd type="none" w="med" len="med"/>
+                    </a:lnL>
+                    <a:lnR w="12700" cap="flat" cmpd="sng" algn="ctr">
+                      <a:solidFill>
+                        <a:schemeClr val="tx1"/>
+                      </a:solidFill>
+                      <a:prstDash val="solid"/>
+                      <a:round/>
+                      <a:headEnd type="none" w="med" len="med"/>
+                      <a:tailEnd type="none" w="med" len="med"/>
+                    </a:lnR>
+                    <a:lnT w="12700" cap="flat" cmpd="sng" algn="ctr">
+                      <a:solidFill>
+                        <a:schemeClr val="tx1"/>
+                      </a:solidFill>
+                      <a:prstDash val="solid"/>
+                      <a:round/>
+                      <a:headEnd type="none" w="med" len="med"/>
+                      <a:tailEnd type="none" w="med" len="med"/>
+                    </a:lnT>
+                    <a:lnB w="12700" cap="flat" cmpd="sng" algn="ctr">
+                      <a:solidFill>
+                        <a:schemeClr val="tx1"/>
+                      </a:solidFill>
+                      <a:prstDash val="solid"/>
+                      <a:round/>
+                      <a:headEnd type="none" w="med" len="med"/>
+                      <a:tailEnd type="none" w="med" len="med"/>
+                    </a:lnB>
+                    <a:lnTlToBr w="12700" cmpd="sng">
+                      <a:noFill/>
+                      <a:prstDash val="solid"/>
+                    </a:lnTlToBr>
+                    <a:lnBlToTr w="12700" cmpd="sng">
+                      <a:noFill/>
+                      <a:prstDash val="solid"/>
+                    </a:lnBlToTr>
+                    <a:solidFill>
+                      <a:schemeClr val="bg1"/>
+                    </a:solidFill>
+                  </a:tcPr>
+                </a:tc>
+                <a:tc>
+                  <a:txBody>
+                    <a:bodyPr/>
+                    <a:lstStyle/>
+                    <a:p>
+                      <a:pPr algn="ctr" latinLnBrk="1"/>
+                      <a:r>
+                        <a:rPr lang="ko-KR" altLang="en-US" sz="2000" dirty="0">
+                          <a:solidFill>
+                            <a:sysClr val="windowText" lastClr="000000"/>
+                          </a:solidFill>
+                        </a:rPr>
+                        <a:t>요약</a:t>
+                      </a:r>
+                    </a:p>
+                  </a:txBody>
+                  <a:tcPr>
+                    <a:lnL w="12700" cap="flat" cmpd="sng" algn="ctr">
+                      <a:solidFill>
+                        <a:schemeClr val="tx1"/>
+                      </a:solidFill>
+                      <a:prstDash val="solid"/>
+                      <a:round/>
+                      <a:headEnd type="none" w="med" len="med"/>
+                      <a:tailEnd type="none" w="med" len="med"/>
+                    </a:lnL>
+                    <a:lnR w="12700" cap="flat" cmpd="sng" algn="ctr">
+                      <a:solidFill>
+                        <a:schemeClr val="tx1"/>
+                      </a:solidFill>
+                      <a:prstDash val="solid"/>
+                      <a:round/>
+                      <a:headEnd type="none" w="med" len="med"/>
+                      <a:tailEnd type="none" w="med" len="med"/>
+                    </a:lnR>
+                    <a:lnT w="12700" cap="flat" cmpd="sng" algn="ctr">
+                      <a:solidFill>
+                        <a:schemeClr val="tx1"/>
+                      </a:solidFill>
+                      <a:prstDash val="solid"/>
+                      <a:round/>
+                      <a:headEnd type="none" w="med" len="med"/>
+                      <a:tailEnd type="none" w="med" len="med"/>
+                    </a:lnT>
+                    <a:lnB w="12700" cap="flat" cmpd="sng" algn="ctr">
+                      <a:solidFill>
+                        <a:schemeClr val="tx1"/>
+                      </a:solidFill>
+                      <a:prstDash val="solid"/>
+                      <a:round/>
+                      <a:headEnd type="none" w="med" len="med"/>
+                      <a:tailEnd type="none" w="med" len="med"/>
+                    </a:lnB>
+                    <a:lnTlToBr w="12700" cmpd="sng">
+                      <a:noFill/>
+                      <a:prstDash val="solid"/>
+                    </a:lnTlToBr>
+                    <a:lnBlToTr w="12700" cmpd="sng">
+                      <a:noFill/>
+                      <a:prstDash val="solid"/>
+                    </a:lnBlToTr>
+                    <a:solidFill>
+                      <a:schemeClr val="bg1"/>
+                    </a:solidFill>
+                  </a:tcPr>
+                </a:tc>
+                <a:extLst>
+                  <a:ext uri="{0D108BD9-81ED-4DB2-BD59-A6C34878D82A}">
+                    <a16:rowId xmlns:a16="http://schemas.microsoft.com/office/drawing/2014/main" val="3215791778"/>
+                  </a:ext>
+                </a:extLst>
+              </a:tr>
+              <a:tr h="124139">
+                <a:tc>
+                  <a:txBody>
+                    <a:bodyPr/>
+                    <a:lstStyle/>
+                    <a:p>
+                      <a:pPr algn="ctr" latinLnBrk="1"/>
+                      <a:r>
+                        <a:rPr lang="en-US" altLang="ko-KR" sz="2000" dirty="0">
+                          <a:solidFill>
+                            <a:sysClr val="windowText" lastClr="000000"/>
+                          </a:solidFill>
+                        </a:rPr>
+                        <a:t>Shooter</a:t>
+                      </a:r>
+                      <a:endParaRPr lang="ko-KR" altLang="en-US" sz="2000" dirty="0">
+                        <a:solidFill>
+                          <a:sysClr val="windowText" lastClr="000000"/>
+                        </a:solidFill>
+                      </a:endParaRPr>
+                    </a:p>
+                  </a:txBody>
+                  <a:tcPr anchor="ctr">
+                    <a:lnL w="12700" cap="flat" cmpd="sng" algn="ctr">
+                      <a:solidFill>
+                        <a:schemeClr val="tx1"/>
+                      </a:solidFill>
+                      <a:prstDash val="solid"/>
+                      <a:round/>
+                      <a:headEnd type="none" w="med" len="med"/>
+                      <a:tailEnd type="none" w="med" len="med"/>
+                    </a:lnL>
+                    <a:lnR w="12700" cap="flat" cmpd="sng" algn="ctr">
+                      <a:solidFill>
+                        <a:schemeClr val="tx1"/>
+                      </a:solidFill>
+                      <a:prstDash val="solid"/>
+                      <a:round/>
+                      <a:headEnd type="none" w="med" len="med"/>
+                      <a:tailEnd type="none" w="med" len="med"/>
+                    </a:lnR>
+                    <a:lnT w="12700" cap="flat" cmpd="sng" algn="ctr">
+                      <a:solidFill>
+                        <a:schemeClr val="tx1"/>
+                      </a:solidFill>
+                      <a:prstDash val="solid"/>
+                      <a:round/>
+                      <a:headEnd type="none" w="med" len="med"/>
+                      <a:tailEnd type="none" w="med" len="med"/>
+                    </a:lnT>
+                    <a:lnB w="12700" cap="flat" cmpd="sng" algn="ctr">
+                      <a:solidFill>
+                        <a:schemeClr val="tx1"/>
+                      </a:solidFill>
+                      <a:prstDash val="solid"/>
+                      <a:round/>
+                      <a:headEnd type="none" w="med" len="med"/>
+                      <a:tailEnd type="none" w="med" len="med"/>
+                    </a:lnB>
+                    <a:lnTlToBr w="12700" cmpd="sng">
+                      <a:noFill/>
+                      <a:prstDash val="solid"/>
+                    </a:lnTlToBr>
+                    <a:lnBlToTr w="12700" cmpd="sng">
+                      <a:noFill/>
+                      <a:prstDash val="solid"/>
+                    </a:lnBlToTr>
+                    <a:solidFill>
+                      <a:schemeClr val="bg1"/>
+                    </a:solidFill>
+                  </a:tcPr>
+                </a:tc>
+                <a:tc>
+                  <a:txBody>
+                    <a:bodyPr/>
+                    <a:lstStyle/>
+                    <a:p>
+                      <a:pPr algn="l" latinLnBrk="1"/>
+                      <a:r>
+                        <a:rPr lang="ko-KR" altLang="en-US" sz="2000" dirty="0">
+                          <a:solidFill>
+                            <a:sysClr val="windowText" lastClr="000000"/>
+                          </a:solidFill>
+                        </a:rPr>
+                        <a:t>퍼즐요소의 </a:t>
+                      </a:r>
+                      <a:r>
+                        <a:rPr lang="en-US" altLang="ko-KR" sz="2000" dirty="0">
+                          <a:solidFill>
+                            <a:sysClr val="windowText" lastClr="000000"/>
+                          </a:solidFill>
+                        </a:rPr>
+                        <a:t>Shooter </a:t>
+                      </a:r>
+                      <a:r>
+                        <a:rPr lang="ko-KR" altLang="en-US" sz="2000" dirty="0">
+                          <a:solidFill>
+                            <a:sysClr val="windowText" lastClr="000000"/>
+                          </a:solidFill>
+                        </a:rPr>
+                        <a:t>와 동일하지만 한번 발사하면 스스로를 제거한다</a:t>
+                      </a:r>
+                      <a:r>
+                        <a:rPr lang="en-US" altLang="ko-KR" sz="2000" dirty="0">
+                          <a:solidFill>
+                            <a:sysClr val="windowText" lastClr="000000"/>
+                          </a:solidFill>
+                        </a:rPr>
+                        <a:t>.</a:t>
+                      </a:r>
+                      <a:endParaRPr lang="ko-KR" altLang="en-US" sz="2000" dirty="0">
+                        <a:solidFill>
+                          <a:sysClr val="windowText" lastClr="000000"/>
+                        </a:solidFill>
+                      </a:endParaRPr>
+                    </a:p>
+                  </a:txBody>
+                  <a:tcPr>
+                    <a:lnL w="12700" cap="flat" cmpd="sng" algn="ctr">
+                      <a:solidFill>
+                        <a:schemeClr val="tx1"/>
+                      </a:solidFill>
+                      <a:prstDash val="solid"/>
+                      <a:round/>
+                      <a:headEnd type="none" w="med" len="med"/>
+                      <a:tailEnd type="none" w="med" len="med"/>
+                    </a:lnL>
+                    <a:lnR w="12700" cap="flat" cmpd="sng" algn="ctr">
+                      <a:solidFill>
+                        <a:schemeClr val="tx1"/>
+                      </a:solidFill>
+                      <a:prstDash val="solid"/>
+                      <a:round/>
+                      <a:headEnd type="none" w="med" len="med"/>
+                      <a:tailEnd type="none" w="med" len="med"/>
+                    </a:lnR>
+                    <a:lnT w="12700" cap="flat" cmpd="sng" algn="ctr">
+                      <a:solidFill>
+                        <a:schemeClr val="tx1"/>
+                      </a:solidFill>
+                      <a:prstDash val="solid"/>
+                      <a:round/>
+                      <a:headEnd type="none" w="med" len="med"/>
+                      <a:tailEnd type="none" w="med" len="med"/>
+                    </a:lnT>
+                    <a:lnB w="12700" cap="flat" cmpd="sng" algn="ctr">
+                      <a:solidFill>
+                        <a:schemeClr val="tx1"/>
+                      </a:solidFill>
+                      <a:prstDash val="solid"/>
+                      <a:round/>
+                      <a:headEnd type="none" w="med" len="med"/>
+                      <a:tailEnd type="none" w="med" len="med"/>
+                    </a:lnB>
+                    <a:lnTlToBr w="12700" cmpd="sng">
+                      <a:noFill/>
+                      <a:prstDash val="solid"/>
+                    </a:lnTlToBr>
+                    <a:lnBlToTr w="12700" cmpd="sng">
+                      <a:noFill/>
+                      <a:prstDash val="solid"/>
+                    </a:lnBlToTr>
+                    <a:solidFill>
+                      <a:schemeClr val="bg1"/>
+                    </a:solidFill>
+                  </a:tcPr>
+                </a:tc>
+                <a:extLst>
+                  <a:ext uri="{0D108BD9-81ED-4DB2-BD59-A6C34878D82A}">
+                    <a16:rowId xmlns:a16="http://schemas.microsoft.com/office/drawing/2014/main" val="2230394961"/>
+                  </a:ext>
+                </a:extLst>
+              </a:tr>
+              <a:tr h="124139">
+                <a:tc>
+                  <a:txBody>
+                    <a:bodyPr/>
+                    <a:lstStyle/>
+                    <a:p>
+                      <a:pPr algn="ctr" latinLnBrk="1"/>
+                      <a:r>
+                        <a:rPr lang="en-US" altLang="ko-KR" sz="2000" dirty="0" err="1"/>
+                        <a:t>Spike_map</a:t>
+                      </a:r>
+                      <a:endParaRPr lang="ko-KR" altLang="en-US" sz="2000" dirty="0"/>
+                    </a:p>
+                  </a:txBody>
+                  <a:tcPr anchor="ctr">
+                    <a:lnL w="12700" cap="flat" cmpd="sng" algn="ctr">
+                      <a:solidFill>
+                        <a:schemeClr val="tx1"/>
+                      </a:solidFill>
+                      <a:prstDash val="solid"/>
+                      <a:round/>
+                      <a:headEnd type="none" w="med" len="med"/>
+                      <a:tailEnd type="none" w="med" len="med"/>
+                    </a:lnL>
+                    <a:lnR w="12700" cap="flat" cmpd="sng" algn="ctr">
+                      <a:solidFill>
+                        <a:schemeClr val="tx1"/>
+                      </a:solidFill>
+                      <a:prstDash val="solid"/>
+                      <a:round/>
+                      <a:headEnd type="none" w="med" len="med"/>
+                      <a:tailEnd type="none" w="med" len="med"/>
+                    </a:lnR>
+                    <a:lnT w="12700" cap="flat" cmpd="sng" algn="ctr">
+                      <a:solidFill>
+                        <a:schemeClr val="tx1"/>
+                      </a:solidFill>
+                      <a:prstDash val="solid"/>
+                      <a:round/>
+                      <a:headEnd type="none" w="med" len="med"/>
+                      <a:tailEnd type="none" w="med" len="med"/>
+                    </a:lnT>
+                    <a:lnB w="12700" cap="flat" cmpd="sng" algn="ctr">
+                      <a:solidFill>
+                        <a:schemeClr val="tx1"/>
+                      </a:solidFill>
+                      <a:prstDash val="solid"/>
+                      <a:round/>
+                      <a:headEnd type="none" w="med" len="med"/>
+                      <a:tailEnd type="none" w="med" len="med"/>
+                    </a:lnB>
+                    <a:lnTlToBr w="12700" cmpd="sng">
+                      <a:noFill/>
+                      <a:prstDash val="solid"/>
+                    </a:lnTlToBr>
+                    <a:lnBlToTr w="12700" cmpd="sng">
+                      <a:noFill/>
+                      <a:prstDash val="solid"/>
+                    </a:lnBlToTr>
+                    <a:solidFill>
+                      <a:schemeClr val="bg1"/>
+                    </a:solidFill>
+                  </a:tcPr>
+                </a:tc>
+                <a:tc>
+                  <a:txBody>
+                    <a:bodyPr/>
+                    <a:lstStyle/>
+                    <a:p>
+                      <a:pPr algn="l" latinLnBrk="1"/>
+                      <a:endParaRPr lang="ko-KR" altLang="en-US" sz="2000" dirty="0"/>
+                    </a:p>
+                  </a:txBody>
+                  <a:tcPr>
+                    <a:lnL w="12700" cap="flat" cmpd="sng" algn="ctr">
+                      <a:solidFill>
+                        <a:schemeClr val="tx1"/>
+                      </a:solidFill>
+                      <a:prstDash val="solid"/>
+                      <a:round/>
+                      <a:headEnd type="none" w="med" len="med"/>
+                      <a:tailEnd type="none" w="med" len="med"/>
+                    </a:lnL>
+                    <a:lnR w="12700" cap="flat" cmpd="sng" algn="ctr">
+                      <a:solidFill>
+                        <a:schemeClr val="tx1"/>
+                      </a:solidFill>
+                      <a:prstDash val="solid"/>
+                      <a:round/>
+                      <a:headEnd type="none" w="med" len="med"/>
+                      <a:tailEnd type="none" w="med" len="med"/>
+                    </a:lnR>
+                    <a:lnT w="12700" cap="flat" cmpd="sng" algn="ctr">
+                      <a:solidFill>
+                        <a:schemeClr val="tx1"/>
+                      </a:solidFill>
+                      <a:prstDash val="solid"/>
+                      <a:round/>
+                      <a:headEnd type="none" w="med" len="med"/>
+                      <a:tailEnd type="none" w="med" len="med"/>
+                    </a:lnT>
+                    <a:lnB w="12700" cap="flat" cmpd="sng" algn="ctr">
+                      <a:solidFill>
+                        <a:schemeClr val="tx1"/>
+                      </a:solidFill>
+                      <a:prstDash val="solid"/>
+                      <a:round/>
+                      <a:headEnd type="none" w="med" len="med"/>
+                      <a:tailEnd type="none" w="med" len="med"/>
+                    </a:lnB>
+                    <a:lnTlToBr w="12700" cmpd="sng">
+                      <a:noFill/>
+                      <a:prstDash val="solid"/>
+                    </a:lnTlToBr>
+                    <a:lnBlToTr w="12700" cmpd="sng">
+                      <a:noFill/>
+                      <a:prstDash val="solid"/>
+                    </a:lnBlToTr>
+                    <a:solidFill>
+                      <a:schemeClr val="bg1"/>
+                    </a:solidFill>
+                  </a:tcPr>
+                </a:tc>
+                <a:extLst>
+                  <a:ext uri="{0D108BD9-81ED-4DB2-BD59-A6C34878D82A}">
+                    <a16:rowId xmlns:a16="http://schemas.microsoft.com/office/drawing/2014/main" val="3357624662"/>
+                  </a:ext>
+                </a:extLst>
+              </a:tr>
+              <a:tr h="124139">
+                <a:tc>
+                  <a:txBody>
+                    <a:bodyPr/>
+                    <a:lstStyle/>
+                    <a:p>
+                      <a:pPr algn="ctr" latinLnBrk="1"/>
+                      <a:r>
+                        <a:rPr lang="en-US" altLang="ko-KR" sz="2000" dirty="0" err="1"/>
+                        <a:t>Laser_Barrel</a:t>
+                      </a:r>
+                      <a:endParaRPr lang="ko-KR" altLang="en-US" sz="2000" dirty="0"/>
+                    </a:p>
+                  </a:txBody>
+                  <a:tcPr anchor="ctr">
+                    <a:lnL w="12700" cap="flat" cmpd="sng" algn="ctr">
+                      <a:solidFill>
+                        <a:schemeClr val="tx1"/>
+                      </a:solidFill>
+                      <a:prstDash val="solid"/>
+                      <a:round/>
+                      <a:headEnd type="none" w="med" len="med"/>
+                      <a:tailEnd type="none" w="med" len="med"/>
+                    </a:lnL>
+                    <a:lnR w="12700" cap="flat" cmpd="sng" algn="ctr">
+                      <a:solidFill>
+                        <a:schemeClr val="tx1"/>
+                      </a:solidFill>
+                      <a:prstDash val="solid"/>
+                      <a:round/>
+                      <a:headEnd type="none" w="med" len="med"/>
+                      <a:tailEnd type="none" w="med" len="med"/>
+                    </a:lnR>
+                    <a:lnT w="12700" cap="flat" cmpd="sng" algn="ctr">
+                      <a:solidFill>
+                        <a:schemeClr val="tx1"/>
+                      </a:solidFill>
+                      <a:prstDash val="solid"/>
+                      <a:round/>
+                      <a:headEnd type="none" w="med" len="med"/>
+                      <a:tailEnd type="none" w="med" len="med"/>
+                    </a:lnT>
+                    <a:lnB w="12700" cap="flat" cmpd="sng" algn="ctr">
+                      <a:solidFill>
+                        <a:schemeClr val="tx1"/>
+                      </a:solidFill>
+                      <a:prstDash val="solid"/>
+                      <a:round/>
+                      <a:headEnd type="none" w="med" len="med"/>
+                      <a:tailEnd type="none" w="med" len="med"/>
+                    </a:lnB>
+                    <a:lnTlToBr w="12700" cmpd="sng">
+                      <a:noFill/>
+                      <a:prstDash val="solid"/>
+                    </a:lnTlToBr>
+                    <a:lnBlToTr w="12700" cmpd="sng">
+                      <a:noFill/>
+                      <a:prstDash val="solid"/>
+                    </a:lnBlToTr>
+                    <a:solidFill>
+                      <a:schemeClr val="bg1"/>
+                    </a:solidFill>
+                  </a:tcPr>
+                </a:tc>
+                <a:tc>
+                  <a:txBody>
+                    <a:bodyPr/>
+                    <a:lstStyle/>
+                    <a:p>
+                      <a:pPr algn="l" latinLnBrk="1"/>
+                      <a:r>
+                        <a:rPr lang="ko-KR" altLang="en-US" sz="2000" dirty="0"/>
+                        <a:t>원기둥에 </a:t>
+                      </a:r>
+                      <a:r>
+                        <a:rPr lang="en-US" altLang="ko-KR" sz="2000" dirty="0"/>
+                        <a:t>Laser</a:t>
+                      </a:r>
+                      <a:r>
+                        <a:rPr lang="ko-KR" altLang="en-US" sz="2000" dirty="0"/>
+                        <a:t>를 </a:t>
+                      </a:r>
+                      <a:r>
+                        <a:rPr lang="ko-KR" altLang="en-US" sz="2000" dirty="0" err="1"/>
+                        <a:t>달아놓은</a:t>
+                      </a:r>
+                      <a:r>
+                        <a:rPr lang="ko-KR" altLang="en-US" sz="2000" dirty="0"/>
+                        <a:t> 방해요소</a:t>
+                      </a:r>
+                    </a:p>
+                  </a:txBody>
+                  <a:tcPr>
+                    <a:lnL w="12700" cap="flat" cmpd="sng" algn="ctr">
+                      <a:solidFill>
+                        <a:schemeClr val="tx1"/>
+                      </a:solidFill>
+                      <a:prstDash val="solid"/>
+                      <a:round/>
+                      <a:headEnd type="none" w="med" len="med"/>
+                      <a:tailEnd type="none" w="med" len="med"/>
+                    </a:lnL>
+                    <a:lnR w="12700" cap="flat" cmpd="sng" algn="ctr">
+                      <a:solidFill>
+                        <a:schemeClr val="tx1"/>
+                      </a:solidFill>
+                      <a:prstDash val="solid"/>
+                      <a:round/>
+                      <a:headEnd type="none" w="med" len="med"/>
+                      <a:tailEnd type="none" w="med" len="med"/>
+                    </a:lnR>
+                    <a:lnT w="12700" cap="flat" cmpd="sng" algn="ctr">
+                      <a:solidFill>
+                        <a:schemeClr val="tx1"/>
+                      </a:solidFill>
+                      <a:prstDash val="solid"/>
+                      <a:round/>
+                      <a:headEnd type="none" w="med" len="med"/>
+                      <a:tailEnd type="none" w="med" len="med"/>
+                    </a:lnT>
+                    <a:lnB w="12700" cap="flat" cmpd="sng" algn="ctr">
+                      <a:solidFill>
+                        <a:schemeClr val="tx1"/>
+                      </a:solidFill>
+                      <a:prstDash val="solid"/>
+                      <a:round/>
+                      <a:headEnd type="none" w="med" len="med"/>
+                      <a:tailEnd type="none" w="med" len="med"/>
+                    </a:lnB>
+                    <a:lnTlToBr w="12700" cmpd="sng">
+                      <a:noFill/>
+                      <a:prstDash val="solid"/>
+                    </a:lnTlToBr>
+                    <a:lnBlToTr w="12700" cmpd="sng">
+                      <a:noFill/>
+                      <a:prstDash val="solid"/>
+                    </a:lnBlToTr>
+                    <a:solidFill>
+                      <a:schemeClr val="bg1"/>
+                    </a:solidFill>
+                  </a:tcPr>
+                </a:tc>
+                <a:extLst>
+                  <a:ext uri="{0D108BD9-81ED-4DB2-BD59-A6C34878D82A}">
+                    <a16:rowId xmlns:a16="http://schemas.microsoft.com/office/drawing/2014/main" val="3394986258"/>
+                  </a:ext>
+                </a:extLst>
+              </a:tr>
+              <a:tr h="124139">
+                <a:tc>
+                  <a:txBody>
+                    <a:bodyPr/>
+                    <a:lstStyle/>
+                    <a:p>
+                      <a:pPr algn="ctr" latinLnBrk="1"/>
+                      <a:endParaRPr lang="ko-KR" altLang="en-US" sz="2000" dirty="0"/>
+                    </a:p>
+                  </a:txBody>
+                  <a:tcPr anchor="ctr">
+                    <a:lnL w="12700" cap="flat" cmpd="sng" algn="ctr">
+                      <a:solidFill>
+                        <a:schemeClr val="tx1"/>
+                      </a:solidFill>
+                      <a:prstDash val="solid"/>
+                      <a:round/>
+                      <a:headEnd type="none" w="med" len="med"/>
+                      <a:tailEnd type="none" w="med" len="med"/>
+                    </a:lnL>
+                    <a:lnR w="12700" cap="flat" cmpd="sng" algn="ctr">
+                      <a:solidFill>
+                        <a:schemeClr val="tx1"/>
+                      </a:solidFill>
+                      <a:prstDash val="solid"/>
+                      <a:round/>
+                      <a:headEnd type="none" w="med" len="med"/>
+                      <a:tailEnd type="none" w="med" len="med"/>
+                    </a:lnR>
+                    <a:lnT w="12700" cap="flat" cmpd="sng" algn="ctr">
+                      <a:solidFill>
+                        <a:schemeClr val="tx1"/>
+                      </a:solidFill>
+                      <a:prstDash val="solid"/>
+                      <a:round/>
+                      <a:headEnd type="none" w="med" len="med"/>
+                      <a:tailEnd type="none" w="med" len="med"/>
+                    </a:lnT>
+                    <a:lnB w="12700" cap="flat" cmpd="sng" algn="ctr">
+                      <a:solidFill>
+                        <a:schemeClr val="tx1"/>
+                      </a:solidFill>
+                      <a:prstDash val="solid"/>
+                      <a:round/>
+                      <a:headEnd type="none" w="med" len="med"/>
+                      <a:tailEnd type="none" w="med" len="med"/>
+                    </a:lnB>
+                    <a:lnTlToBr w="12700" cmpd="sng">
+                      <a:noFill/>
+                      <a:prstDash val="solid"/>
+                    </a:lnTlToBr>
+                    <a:lnBlToTr w="12700" cmpd="sng">
+                      <a:noFill/>
+                      <a:prstDash val="solid"/>
+                    </a:lnBlToTr>
+                    <a:solidFill>
+                      <a:schemeClr val="bg1"/>
+                    </a:solidFill>
+                  </a:tcPr>
+                </a:tc>
+                <a:tc>
+                  <a:txBody>
+                    <a:bodyPr/>
+                    <a:lstStyle/>
+                    <a:p>
+                      <a:pPr algn="l" latinLnBrk="1"/>
+                      <a:endParaRPr lang="ko-KR" altLang="en-US" sz="2000" dirty="0"/>
+                    </a:p>
+                  </a:txBody>
+                  <a:tcPr>
+                    <a:lnL w="12700" cap="flat" cmpd="sng" algn="ctr">
+                      <a:solidFill>
+                        <a:schemeClr val="tx1"/>
+                      </a:solidFill>
+                      <a:prstDash val="solid"/>
+                      <a:round/>
+                      <a:headEnd type="none" w="med" len="med"/>
+                      <a:tailEnd type="none" w="med" len="med"/>
+                    </a:lnL>
+                    <a:lnR w="12700" cap="flat" cmpd="sng" algn="ctr">
+                      <a:solidFill>
+                        <a:schemeClr val="tx1"/>
+                      </a:solidFill>
+                      <a:prstDash val="solid"/>
+                      <a:round/>
+                      <a:headEnd type="none" w="med" len="med"/>
+                      <a:tailEnd type="none" w="med" len="med"/>
+                    </a:lnR>
+                    <a:lnT w="12700" cap="flat" cmpd="sng" algn="ctr">
+                      <a:solidFill>
+                        <a:schemeClr val="tx1"/>
+                      </a:solidFill>
+                      <a:prstDash val="solid"/>
+                      <a:round/>
+                      <a:headEnd type="none" w="med" len="med"/>
+                      <a:tailEnd type="none" w="med" len="med"/>
+                    </a:lnT>
+                    <a:lnB w="12700" cap="flat" cmpd="sng" algn="ctr">
+                      <a:solidFill>
+                        <a:schemeClr val="tx1"/>
+                      </a:solidFill>
+                      <a:prstDash val="solid"/>
+                      <a:round/>
+                      <a:headEnd type="none" w="med" len="med"/>
+                      <a:tailEnd type="none" w="med" len="med"/>
+                    </a:lnB>
+                    <a:lnTlToBr w="12700" cmpd="sng">
+                      <a:noFill/>
+                      <a:prstDash val="solid"/>
+                    </a:lnTlToBr>
+                    <a:lnBlToTr w="12700" cmpd="sng">
+                      <a:noFill/>
+                      <a:prstDash val="solid"/>
+                    </a:lnBlToTr>
+                    <a:solidFill>
+                      <a:schemeClr val="bg1"/>
+                    </a:solidFill>
+                  </a:tcPr>
+                </a:tc>
+                <a:extLst>
+                  <a:ext uri="{0D108BD9-81ED-4DB2-BD59-A6C34878D82A}">
+                    <a16:rowId xmlns:a16="http://schemas.microsoft.com/office/drawing/2014/main" val="167414824"/>
+                  </a:ext>
+                </a:extLst>
+              </a:tr>
+            </a:tbl>
+          </a:graphicData>
+        </a:graphic>
+      </p:graphicFrame>
+    </p:spTree>
+    <p:extLst>
+      <p:ext uri="{BB962C8B-B14F-4D97-AF65-F5344CB8AC3E}">
+        <p14:creationId xmlns:p14="http://schemas.microsoft.com/office/powerpoint/2010/main" val="3496579384"/>
+      </p:ext>
+    </p:extLst>
+  </p:cSld>
+  <p:clrMapOvr>
+    <a:masterClrMapping/>
+  </p:clrMapOvr>
+</p:sld>
+</file>
+
+<file path=ppt/slides/slide5.xml><?xml version="1.0" encoding="utf-8"?>
+<p:sld xmlns:a="http://schemas.openxmlformats.org/drawingml/2006/main" xmlns:r="http://schemas.openxmlformats.org/officeDocument/2006/relationships" xmlns:p="http://schemas.openxmlformats.org/presentationml/2006/main">
+  <p:cSld>
+    <p:spTree>
+      <p:nvGrpSpPr>
+        <p:cNvPr id="1" name=""/>
+        <p:cNvGrpSpPr/>
+        <p:nvPr/>
+      </p:nvGrpSpPr>
+      <p:grpSpPr>
+        <a:xfrm>
+          <a:off x="0" y="0"/>
+          <a:ext cx="0" cy="0"/>
+          <a:chOff x="0" y="0"/>
+          <a:chExt cx="0" cy="0"/>
+        </a:xfrm>
+      </p:grpSpPr>
+      <p:sp>
+        <p:nvSpPr>
+          <p:cNvPr id="8" name="사각형: 둥근 모서리 7">
+            <a:extLst>
+              <a:ext uri="{FF2B5EF4-FFF2-40B4-BE49-F238E27FC236}">
+                <a16:creationId xmlns:a16="http://schemas.microsoft.com/office/drawing/2014/main" id="{6621E09A-072E-4221-9694-044F1CE109E0}"/>
+              </a:ext>
+            </a:extLst>
+          </p:cNvPr>
+          <p:cNvSpPr/>
+          <p:nvPr/>
+        </p:nvSpPr>
+        <p:spPr>
+          <a:xfrm>
+            <a:off x="101601" y="993855"/>
+            <a:ext cx="17406942" cy="318170"/>
+          </a:xfrm>
+          <a:prstGeom prst="roundRect">
+            <a:avLst/>
+          </a:prstGeom>
+          <a:solidFill>
+            <a:schemeClr val="tx1"/>
+          </a:solidFill>
+          <a:ln>
+            <a:noFill/>
+          </a:ln>
+        </p:spPr>
+        <p:style>
+          <a:lnRef idx="2">
+            <a:schemeClr val="accent1">
+              <a:shade val="50000"/>
+            </a:schemeClr>
+          </a:lnRef>
+          <a:fillRef idx="1">
+            <a:schemeClr val="accent1"/>
+          </a:fillRef>
+          <a:effectRef idx="0">
+            <a:schemeClr val="accent1"/>
+          </a:effectRef>
+          <a:fontRef idx="minor">
+            <a:schemeClr val="lt1"/>
+          </a:fontRef>
+        </p:style>
+        <p:txBody>
+          <a:bodyPr rtlCol="0" anchor="ctr"/>
+          <a:lstStyle/>
+          <a:p>
+            <a:pPr algn="ctr"/>
+            <a:r>
+              <a:rPr lang="ko-KR" altLang="en-US" b="1" dirty="0">
+                <a:latin typeface="메이플스토리" panose="02000300000000000000" pitchFamily="2" charset="-127"/>
+                <a:ea typeface="메이플스토리" panose="02000300000000000000" pitchFamily="2" charset="-127"/>
+              </a:rPr>
+              <a:t>보스 패턴 루틴</a:t>
+            </a:r>
+          </a:p>
+        </p:txBody>
+      </p:sp>
+      <p:sp>
+        <p:nvSpPr>
+          <p:cNvPr id="9" name="직사각형 8">
+            <a:extLst>
+              <a:ext uri="{FF2B5EF4-FFF2-40B4-BE49-F238E27FC236}">
+                <a16:creationId xmlns:a16="http://schemas.microsoft.com/office/drawing/2014/main" id="{94F2371C-0352-412D-8908-A2E16DD190D5}"/>
+              </a:ext>
+            </a:extLst>
+          </p:cNvPr>
+          <p:cNvSpPr/>
+          <p:nvPr/>
+        </p:nvSpPr>
+        <p:spPr>
+          <a:xfrm>
+            <a:off x="8132804" y="33681"/>
+            <a:ext cx="1344535" cy="923330"/>
+          </a:xfrm>
+          <a:prstGeom prst="rect">
+            <a:avLst/>
+          </a:prstGeom>
+          <a:noFill/>
+        </p:spPr>
+        <p:txBody>
+          <a:bodyPr wrap="none" lIns="91440" tIns="45720" rIns="91440" bIns="45720">
+            <a:spAutoFit/>
+          </a:bodyPr>
+          <a:lstStyle/>
+          <a:p>
+            <a:pPr algn="ctr"/>
+            <a:r>
+              <a:rPr lang="en-US" altLang="ko-KR" sz="5400" b="1" dirty="0">
+                <a:ln w="0">
+                  <a:solidFill>
+                    <a:schemeClr val="bg1"/>
+                  </a:solidFill>
+                </a:ln>
+                <a:latin typeface="+mj-ea"/>
+                <a:ea typeface="+mj-ea"/>
+              </a:rPr>
+              <a:t>WA</a:t>
+            </a:r>
+          </a:p>
+        </p:txBody>
+      </p:sp>
+      <p:grpSp>
+        <p:nvGrpSpPr>
+          <p:cNvPr id="22" name="그룹 21">
+            <a:extLst>
+              <a:ext uri="{FF2B5EF4-FFF2-40B4-BE49-F238E27FC236}">
+                <a16:creationId xmlns:a16="http://schemas.microsoft.com/office/drawing/2014/main" id="{9CA8963E-8485-4BAC-83D6-1AEA9DF62E4B}"/>
+              </a:ext>
+            </a:extLst>
+          </p:cNvPr>
+          <p:cNvGrpSpPr/>
+          <p:nvPr/>
+        </p:nvGrpSpPr>
+        <p:grpSpPr>
+          <a:xfrm>
+            <a:off x="3259091" y="3028659"/>
+            <a:ext cx="11091956" cy="3848681"/>
+            <a:chOff x="2648109" y="2966466"/>
+            <a:chExt cx="8022336" cy="2783586"/>
+          </a:xfrm>
+        </p:grpSpPr>
+        <p:sp>
+          <p:nvSpPr>
+            <p:cNvPr id="21" name="화살표: U자형 20">
+              <a:extLst>
+                <a:ext uri="{FF2B5EF4-FFF2-40B4-BE49-F238E27FC236}">
+                  <a16:creationId xmlns:a16="http://schemas.microsoft.com/office/drawing/2014/main" id="{F0DE6018-0478-4DBD-97DA-BF86BED516B0}"/>
+                </a:ext>
+              </a:extLst>
+            </p:cNvPr>
+            <p:cNvSpPr/>
+            <p:nvPr/>
+          </p:nvSpPr>
+          <p:spPr>
+            <a:xfrm flipH="1">
+              <a:off x="3035807" y="2966466"/>
+              <a:ext cx="6950022" cy="1207770"/>
+            </a:xfrm>
+            <a:prstGeom prst="uturnArrow">
+              <a:avLst>
+                <a:gd name="adj1" fmla="val 21972"/>
+                <a:gd name="adj2" fmla="val 25000"/>
+                <a:gd name="adj3" fmla="val 19801"/>
+                <a:gd name="adj4" fmla="val 43750"/>
+                <a:gd name="adj5" fmla="val 75000"/>
+              </a:avLst>
+            </a:prstGeom>
+            <a:solidFill>
+              <a:schemeClr val="accent2">
+                <a:lumMod val="60000"/>
+                <a:lumOff val="40000"/>
+              </a:schemeClr>
+            </a:solidFill>
+            <a:ln>
+              <a:solidFill>
+                <a:schemeClr val="bg1"/>
+              </a:solidFill>
+            </a:ln>
+          </p:spPr>
+          <p:style>
+            <a:lnRef idx="2">
+              <a:schemeClr val="accent1">
+                <a:shade val="50000"/>
+              </a:schemeClr>
+            </a:lnRef>
+            <a:fillRef idx="1">
+              <a:schemeClr val="accent1"/>
+            </a:fillRef>
+            <a:effectRef idx="0">
+              <a:schemeClr val="accent1"/>
+            </a:effectRef>
+            <a:fontRef idx="minor">
+              <a:schemeClr val="lt1"/>
+            </a:fontRef>
+          </p:style>
+          <p:txBody>
+            <a:bodyPr rtlCol="0" anchor="ctr"/>
+            <a:lstStyle/>
+            <a:p>
+              <a:pPr algn="ctr"/>
+              <a:endParaRPr lang="ko-KR" altLang="en-US">
+                <a:solidFill>
+                  <a:schemeClr val="tx1"/>
+                </a:solidFill>
+              </a:endParaRPr>
+            </a:p>
+          </p:txBody>
+        </p:sp>
+        <p:sp>
+          <p:nvSpPr>
+            <p:cNvPr id="16" name="화살표: 오른쪽 15">
+              <a:extLst>
+                <a:ext uri="{FF2B5EF4-FFF2-40B4-BE49-F238E27FC236}">
+                  <a16:creationId xmlns:a16="http://schemas.microsoft.com/office/drawing/2014/main" id="{60C8BD17-6070-46EF-A745-E813865E2480}"/>
+                </a:ext>
+              </a:extLst>
+            </p:cNvPr>
+            <p:cNvSpPr/>
+            <p:nvPr/>
+          </p:nvSpPr>
+          <p:spPr>
+            <a:xfrm>
+              <a:off x="4233069" y="4698492"/>
+              <a:ext cx="560832" cy="499872"/>
+            </a:xfrm>
+            <a:prstGeom prst="rightArrow">
+              <a:avLst/>
+            </a:prstGeom>
+            <a:solidFill>
+              <a:schemeClr val="accent2">
+                <a:lumMod val="60000"/>
+                <a:lumOff val="40000"/>
+              </a:schemeClr>
+            </a:solidFill>
+            <a:ln>
+              <a:solidFill>
+                <a:schemeClr val="bg1"/>
+              </a:solidFill>
+            </a:ln>
+          </p:spPr>
+          <p:style>
+            <a:lnRef idx="2">
+              <a:schemeClr val="accent1">
+                <a:shade val="50000"/>
+              </a:schemeClr>
+            </a:lnRef>
+            <a:fillRef idx="1">
+              <a:schemeClr val="accent1"/>
+            </a:fillRef>
+            <a:effectRef idx="0">
+              <a:schemeClr val="accent1"/>
+            </a:effectRef>
+            <a:fontRef idx="minor">
+              <a:schemeClr val="lt1"/>
+            </a:fontRef>
+          </p:style>
+          <p:txBody>
+            <a:bodyPr rtlCol="0" anchor="ctr"/>
+            <a:lstStyle/>
+            <a:p>
+              <a:pPr algn="ctr"/>
+              <a:endParaRPr lang="ko-KR" altLang="en-US"/>
+            </a:p>
+          </p:txBody>
+        </p:sp>
+        <p:sp>
+          <p:nvSpPr>
+            <p:cNvPr id="17" name="화살표: 오른쪽 16">
+              <a:extLst>
+                <a:ext uri="{FF2B5EF4-FFF2-40B4-BE49-F238E27FC236}">
+                  <a16:creationId xmlns:a16="http://schemas.microsoft.com/office/drawing/2014/main" id="{99676225-DF1E-4618-8327-C4FE8954FAE0}"/>
+                </a:ext>
+              </a:extLst>
+            </p:cNvPr>
+            <p:cNvSpPr/>
+            <p:nvPr/>
+          </p:nvSpPr>
+          <p:spPr>
+            <a:xfrm>
+              <a:off x="6378861" y="4707636"/>
+              <a:ext cx="560832" cy="499872"/>
+            </a:xfrm>
+            <a:prstGeom prst="rightArrow">
+              <a:avLst/>
+            </a:prstGeom>
+            <a:solidFill>
+              <a:schemeClr val="accent2">
+                <a:lumMod val="60000"/>
+                <a:lumOff val="40000"/>
+              </a:schemeClr>
+            </a:solidFill>
+            <a:ln>
+              <a:solidFill>
+                <a:schemeClr val="bg1"/>
+              </a:solidFill>
+            </a:ln>
+          </p:spPr>
+          <p:style>
+            <a:lnRef idx="2">
+              <a:schemeClr val="accent1">
+                <a:shade val="50000"/>
+              </a:schemeClr>
+            </a:lnRef>
+            <a:fillRef idx="1">
+              <a:schemeClr val="accent1"/>
+            </a:fillRef>
+            <a:effectRef idx="0">
+              <a:schemeClr val="accent1"/>
+            </a:effectRef>
+            <a:fontRef idx="minor">
+              <a:schemeClr val="lt1"/>
+            </a:fontRef>
+          </p:style>
+          <p:txBody>
+            <a:bodyPr rtlCol="0" anchor="ctr"/>
+            <a:lstStyle/>
+            <a:p>
+              <a:pPr algn="ctr"/>
+              <a:endParaRPr lang="ko-KR" altLang="en-US"/>
+            </a:p>
+          </p:txBody>
+        </p:sp>
+        <p:sp>
+          <p:nvSpPr>
+            <p:cNvPr id="18" name="화살표: 오른쪽 17">
+              <a:extLst>
+                <a:ext uri="{FF2B5EF4-FFF2-40B4-BE49-F238E27FC236}">
+                  <a16:creationId xmlns:a16="http://schemas.microsoft.com/office/drawing/2014/main" id="{2E1F25B7-FB68-40EC-9790-4E998111C5AC}"/>
+                </a:ext>
+              </a:extLst>
+            </p:cNvPr>
+            <p:cNvSpPr/>
+            <p:nvPr/>
+          </p:nvSpPr>
+          <p:spPr>
+            <a:xfrm>
+              <a:off x="8524653" y="4698492"/>
+              <a:ext cx="560832" cy="499872"/>
+            </a:xfrm>
+            <a:prstGeom prst="rightArrow">
+              <a:avLst/>
+            </a:prstGeom>
+            <a:solidFill>
+              <a:schemeClr val="accent2">
+                <a:lumMod val="60000"/>
+                <a:lumOff val="40000"/>
+              </a:schemeClr>
+            </a:solidFill>
+            <a:ln>
+              <a:solidFill>
+                <a:schemeClr val="bg1"/>
+              </a:solidFill>
+            </a:ln>
+          </p:spPr>
+          <p:style>
+            <a:lnRef idx="2">
+              <a:schemeClr val="accent1">
+                <a:shade val="50000"/>
+              </a:schemeClr>
+            </a:lnRef>
+            <a:fillRef idx="1">
+              <a:schemeClr val="accent1"/>
+            </a:fillRef>
+            <a:effectRef idx="0">
+              <a:schemeClr val="accent1"/>
+            </a:effectRef>
+            <a:fontRef idx="minor">
+              <a:schemeClr val="lt1"/>
+            </a:fontRef>
+          </p:style>
+          <p:txBody>
+            <a:bodyPr rtlCol="0" anchor="ctr"/>
+            <a:lstStyle/>
+            <a:p>
+              <a:pPr algn="ctr"/>
+              <a:endParaRPr lang="ko-KR" altLang="en-US"/>
+            </a:p>
+          </p:txBody>
+        </p:sp>
+        <p:grpSp>
+          <p:nvGrpSpPr>
+            <p:cNvPr id="6" name="그룹 5">
+              <a:extLst>
+                <a:ext uri="{FF2B5EF4-FFF2-40B4-BE49-F238E27FC236}">
+                  <a16:creationId xmlns:a16="http://schemas.microsoft.com/office/drawing/2014/main" id="{4B5AED00-992B-46AF-A014-DC82D5D8FF7B}"/>
+                </a:ext>
+              </a:extLst>
+            </p:cNvPr>
+            <p:cNvGrpSpPr/>
+            <p:nvPr/>
+          </p:nvGrpSpPr>
+          <p:grpSpPr>
+            <a:xfrm>
+              <a:off x="2648109" y="4155948"/>
+              <a:ext cx="8022336" cy="1594104"/>
+              <a:chOff x="2648109" y="3660648"/>
+              <a:chExt cx="8022336" cy="1594104"/>
+            </a:xfrm>
+          </p:grpSpPr>
+          <p:sp>
+            <p:nvSpPr>
+              <p:cNvPr id="4" name="사각형: 둥근 모서리 3">
+                <a:extLst>
+                  <a:ext uri="{FF2B5EF4-FFF2-40B4-BE49-F238E27FC236}">
+                    <a16:creationId xmlns:a16="http://schemas.microsoft.com/office/drawing/2014/main" id="{D7E8FC86-6833-4393-B18C-95906BB79F75}"/>
+                  </a:ext>
+                </a:extLst>
+              </p:cNvPr>
+              <p:cNvSpPr/>
+              <p:nvPr/>
+            </p:nvSpPr>
+            <p:spPr>
+              <a:xfrm>
+                <a:off x="2648109" y="3660648"/>
+                <a:ext cx="1584960" cy="1584960"/>
+              </a:xfrm>
+              <a:prstGeom prst="roundRect">
+                <a:avLst/>
+              </a:prstGeom>
+              <a:solidFill>
+                <a:schemeClr val="accent4">
+                  <a:lumMod val="40000"/>
+                  <a:lumOff val="60000"/>
+                </a:schemeClr>
+              </a:solidFill>
+              <a:ln w="38100">
+                <a:solidFill>
+                  <a:schemeClr val="bg1"/>
+                </a:solidFill>
+              </a:ln>
+            </p:spPr>
+            <p:style>
+              <a:lnRef idx="2">
+                <a:schemeClr val="accent1">
+                  <a:shade val="50000"/>
+                </a:schemeClr>
+              </a:lnRef>
+              <a:fillRef idx="1">
+                <a:schemeClr val="accent1"/>
+              </a:fillRef>
+              <a:effectRef idx="0">
+                <a:schemeClr val="accent1"/>
+              </a:effectRef>
+              <a:fontRef idx="minor">
+                <a:schemeClr val="lt1"/>
+              </a:fontRef>
+            </p:style>
+            <p:txBody>
+              <a:bodyPr rtlCol="0" anchor="ctr"/>
+              <a:lstStyle/>
+              <a:p>
+                <a:pPr algn="ctr"/>
+                <a:r>
+                  <a:rPr lang="ko-KR" altLang="en-US" sz="3200" b="1" dirty="0">
+                    <a:solidFill>
+                      <a:sysClr val="windowText" lastClr="000000"/>
+                    </a:solidFill>
+                  </a:rPr>
+                  <a:t>패턴</a:t>
+                </a:r>
+                <a:r>
+                  <a:rPr lang="en-US" altLang="ko-KR" sz="3200" b="1" dirty="0">
+                    <a:solidFill>
+                      <a:sysClr val="windowText" lastClr="000000"/>
+                    </a:solidFill>
+                  </a:rPr>
+                  <a:t>1</a:t>
+                </a:r>
+                <a:endParaRPr lang="ko-KR" altLang="en-US" sz="3200" b="1" dirty="0">
+                  <a:solidFill>
+                    <a:sysClr val="windowText" lastClr="000000"/>
+                  </a:solidFill>
+                </a:endParaRPr>
+              </a:p>
+            </p:txBody>
+          </p:sp>
+          <p:sp>
+            <p:nvSpPr>
+              <p:cNvPr id="7" name="사각형: 둥근 모서리 6">
+                <a:extLst>
+                  <a:ext uri="{FF2B5EF4-FFF2-40B4-BE49-F238E27FC236}">
+                    <a16:creationId xmlns:a16="http://schemas.microsoft.com/office/drawing/2014/main" id="{1BBC3A37-81C1-4302-9D0F-1058C6CE77FD}"/>
+                  </a:ext>
+                </a:extLst>
+              </p:cNvPr>
+              <p:cNvSpPr/>
+              <p:nvPr/>
+            </p:nvSpPr>
+            <p:spPr>
+              <a:xfrm>
+                <a:off x="4793901" y="3660648"/>
+                <a:ext cx="1584960" cy="1584960"/>
+              </a:xfrm>
+              <a:prstGeom prst="roundRect">
+                <a:avLst/>
+              </a:prstGeom>
+              <a:ln w="38100">
+                <a:solidFill>
+                  <a:schemeClr val="tx1"/>
+                </a:solidFill>
+              </a:ln>
+            </p:spPr>
+            <p:style>
+              <a:lnRef idx="2">
+                <a:schemeClr val="accent1">
+                  <a:shade val="50000"/>
+                </a:schemeClr>
+              </a:lnRef>
+              <a:fillRef idx="1">
+                <a:schemeClr val="accent1"/>
+              </a:fillRef>
+              <a:effectRef idx="0">
+                <a:schemeClr val="accent1"/>
+              </a:effectRef>
+              <a:fontRef idx="minor">
+                <a:schemeClr val="lt1"/>
+              </a:fontRef>
+            </p:style>
+            <p:txBody>
+              <a:bodyPr rtlCol="0" anchor="ctr"/>
+              <a:lstStyle/>
+              <a:p>
+                <a:pPr algn="ctr"/>
+                <a:r>
+                  <a:rPr lang="ko-KR" altLang="en-US" sz="3200" b="1" dirty="0"/>
+                  <a:t>패턴</a:t>
+                </a:r>
+                <a:r>
+                  <a:rPr lang="en-US" altLang="ko-KR" sz="3200" b="1" dirty="0"/>
+                  <a:t>2</a:t>
+                </a:r>
+                <a:endParaRPr lang="ko-KR" altLang="en-US" sz="3200" b="1" dirty="0"/>
+              </a:p>
+            </p:txBody>
+          </p:sp>
+          <p:sp>
+            <p:nvSpPr>
+              <p:cNvPr id="10" name="사각형: 둥근 모서리 9">
+                <a:extLst>
+                  <a:ext uri="{FF2B5EF4-FFF2-40B4-BE49-F238E27FC236}">
+                    <a16:creationId xmlns:a16="http://schemas.microsoft.com/office/drawing/2014/main" id="{ED116475-8087-4C8F-91C9-49D2DBDDCE0E}"/>
+                  </a:ext>
+                </a:extLst>
+              </p:cNvPr>
+              <p:cNvSpPr/>
+              <p:nvPr/>
+            </p:nvSpPr>
+            <p:spPr>
+              <a:xfrm>
+                <a:off x="9085485" y="3669792"/>
+                <a:ext cx="1584960" cy="1584960"/>
+              </a:xfrm>
+              <a:prstGeom prst="roundRect">
+                <a:avLst/>
+              </a:prstGeom>
+              <a:ln w="38100">
+                <a:solidFill>
+                  <a:schemeClr val="tx1"/>
+                </a:solidFill>
+              </a:ln>
+            </p:spPr>
+            <p:style>
+              <a:lnRef idx="2">
+                <a:schemeClr val="accent1">
+                  <a:shade val="50000"/>
+                </a:schemeClr>
+              </a:lnRef>
+              <a:fillRef idx="1">
+                <a:schemeClr val="accent1"/>
+              </a:fillRef>
+              <a:effectRef idx="0">
+                <a:schemeClr val="accent1"/>
+              </a:effectRef>
+              <a:fontRef idx="minor">
+                <a:schemeClr val="lt1"/>
+              </a:fontRef>
+            </p:style>
+            <p:txBody>
+              <a:bodyPr rtlCol="0" anchor="ctr"/>
+              <a:lstStyle/>
+              <a:p>
+                <a:pPr algn="ctr"/>
+                <a:r>
+                  <a:rPr lang="ko-KR" altLang="en-US" sz="3200" b="1" dirty="0"/>
+                  <a:t>패턴</a:t>
+                </a:r>
+                <a:r>
+                  <a:rPr lang="en-US" altLang="ko-KR" sz="3200" b="1" dirty="0"/>
+                  <a:t>3</a:t>
+                </a:r>
+                <a:endParaRPr lang="ko-KR" altLang="en-US" sz="3200" b="1" dirty="0"/>
+              </a:p>
+            </p:txBody>
+          </p:sp>
+          <p:sp>
+            <p:nvSpPr>
+              <p:cNvPr id="12" name="사각형: 둥근 모서리 11">
+                <a:extLst>
+                  <a:ext uri="{FF2B5EF4-FFF2-40B4-BE49-F238E27FC236}">
+                    <a16:creationId xmlns:a16="http://schemas.microsoft.com/office/drawing/2014/main" id="{F510A881-9A22-4D84-908B-B2FBB193824D}"/>
+                  </a:ext>
+                </a:extLst>
+              </p:cNvPr>
+              <p:cNvSpPr/>
+              <p:nvPr/>
+            </p:nvSpPr>
+            <p:spPr>
+              <a:xfrm>
+                <a:off x="6939693" y="3660648"/>
+                <a:ext cx="1584960" cy="1584960"/>
+              </a:xfrm>
+              <a:prstGeom prst="roundRect">
+                <a:avLst/>
+              </a:prstGeom>
+              <a:solidFill>
+                <a:schemeClr val="accent4">
+                  <a:lumMod val="40000"/>
+                  <a:lumOff val="60000"/>
+                </a:schemeClr>
+              </a:solidFill>
+              <a:ln w="38100">
+                <a:solidFill>
+                  <a:schemeClr val="bg1"/>
+                </a:solidFill>
+              </a:ln>
+            </p:spPr>
+            <p:style>
+              <a:lnRef idx="2">
+                <a:schemeClr val="accent1">
+                  <a:shade val="50000"/>
+                </a:schemeClr>
+              </a:lnRef>
+              <a:fillRef idx="1">
+                <a:schemeClr val="accent1"/>
+              </a:fillRef>
+              <a:effectRef idx="0">
+                <a:schemeClr val="accent1"/>
+              </a:effectRef>
+              <a:fontRef idx="minor">
+                <a:schemeClr val="lt1"/>
+              </a:fontRef>
+            </p:style>
+            <p:txBody>
+              <a:bodyPr rtlCol="0" anchor="ctr"/>
+              <a:lstStyle/>
+              <a:p>
+                <a:pPr algn="ctr"/>
+                <a:r>
+                  <a:rPr lang="ko-KR" altLang="en-US" sz="3200" b="1" dirty="0">
+                    <a:solidFill>
+                      <a:sysClr val="windowText" lastClr="000000"/>
+                    </a:solidFill>
+                  </a:rPr>
+                  <a:t>패턴</a:t>
+                </a:r>
+                <a:r>
+                  <a:rPr lang="en-US" altLang="ko-KR" sz="3200" b="1" dirty="0">
+                    <a:solidFill>
+                      <a:sysClr val="windowText" lastClr="000000"/>
+                    </a:solidFill>
+                  </a:rPr>
+                  <a:t>1</a:t>
+                </a:r>
+                <a:endParaRPr lang="ko-KR" altLang="en-US" sz="3200" b="1" dirty="0">
+                  <a:solidFill>
+                    <a:sysClr val="windowText" lastClr="000000"/>
+                  </a:solidFill>
+                </a:endParaRPr>
+              </a:p>
+            </p:txBody>
+          </p:sp>
+        </p:grpSp>
+      </p:grpSp>
+    </p:spTree>
+    <p:extLst>
+      <p:ext uri="{BB962C8B-B14F-4D97-AF65-F5344CB8AC3E}">
+        <p14:creationId xmlns:p14="http://schemas.microsoft.com/office/powerpoint/2010/main" val="2618681647"/>
+      </p:ext>
+    </p:extLst>
+  </p:cSld>
+  <p:clrMapOvr>
+    <a:masterClrMapping/>
+  </p:clrMapOvr>
+</p:sld>
+</file>
+
+<file path=ppt/slides/slide6.xml><?xml version="1.0" encoding="utf-8"?>
+<p:sld xmlns:a="http://schemas.openxmlformats.org/drawingml/2006/main" xmlns:r="http://schemas.openxmlformats.org/officeDocument/2006/relationships" xmlns:p="http://schemas.openxmlformats.org/presentationml/2006/main">
+  <p:cSld>
+    <p:spTree>
+      <p:nvGrpSpPr>
+        <p:cNvPr id="1" name=""/>
+        <p:cNvGrpSpPr/>
+        <p:nvPr/>
+      </p:nvGrpSpPr>
+      <p:grpSpPr>
+        <a:xfrm>
+          <a:off x="0" y="0"/>
+          <a:ext cx="0" cy="0"/>
+          <a:chOff x="0" y="0"/>
+          <a:chExt cx="0" cy="0"/>
+        </a:xfrm>
+      </p:grpSpPr>
+      <p:sp>
+        <p:nvSpPr>
+          <p:cNvPr id="4" name="사각형: 둥근 모서리 3">
+            <a:extLst>
+              <a:ext uri="{FF2B5EF4-FFF2-40B4-BE49-F238E27FC236}">
+                <a16:creationId xmlns:a16="http://schemas.microsoft.com/office/drawing/2014/main" id="{C3EDDF7F-C7DA-4344-A53E-3B2080B67532}"/>
+              </a:ext>
+            </a:extLst>
+          </p:cNvPr>
+          <p:cNvSpPr/>
+          <p:nvPr/>
+        </p:nvSpPr>
+        <p:spPr>
+          <a:xfrm>
+            <a:off x="101601" y="993855"/>
+            <a:ext cx="17406942" cy="318170"/>
+          </a:xfrm>
+          <a:prstGeom prst="roundRect">
+            <a:avLst/>
+          </a:prstGeom>
+          <a:solidFill>
+            <a:schemeClr val="tx1"/>
+          </a:solidFill>
+          <a:ln>
+            <a:noFill/>
+          </a:ln>
+        </p:spPr>
+        <p:style>
+          <a:lnRef idx="2">
+            <a:schemeClr val="accent1">
+              <a:shade val="50000"/>
+            </a:schemeClr>
+          </a:lnRef>
+          <a:fillRef idx="1">
+            <a:schemeClr val="accent1"/>
+          </a:fillRef>
+          <a:effectRef idx="0">
+            <a:schemeClr val="accent1"/>
+          </a:effectRef>
+          <a:fontRef idx="minor">
+            <a:schemeClr val="lt1"/>
+          </a:fontRef>
+        </p:style>
+        <p:txBody>
+          <a:bodyPr rtlCol="0" anchor="ctr"/>
+          <a:lstStyle/>
+          <a:p>
+            <a:pPr algn="ctr"/>
+            <a:r>
+              <a:rPr lang="ko-KR" altLang="en-US" b="1" dirty="0">
+                <a:latin typeface="메이플스토리" panose="02000300000000000000" pitchFamily="2" charset="-127"/>
+                <a:ea typeface="메이플스토리" panose="02000300000000000000" pitchFamily="2" charset="-127"/>
+              </a:rPr>
+              <a:t>보스</a:t>
+            </a:r>
+            <a:r>
+              <a:rPr lang="en-US" altLang="ko-KR" b="1" dirty="0">
+                <a:latin typeface="메이플스토리" panose="02000300000000000000" pitchFamily="2" charset="-127"/>
+                <a:ea typeface="메이플스토리" panose="02000300000000000000" pitchFamily="2" charset="-127"/>
+              </a:rPr>
+              <a:t> </a:t>
+            </a:r>
+            <a:r>
+              <a:rPr lang="ko-KR" altLang="en-US" b="1" dirty="0">
+                <a:latin typeface="메이플스토리" panose="02000300000000000000" pitchFamily="2" charset="-127"/>
+                <a:ea typeface="메이플스토리" panose="02000300000000000000" pitchFamily="2" charset="-127"/>
+              </a:rPr>
+              <a:t>전투 패턴</a:t>
+            </a:r>
+            <a:r>
+              <a:rPr lang="en-US" altLang="ko-KR" b="1" dirty="0">
+                <a:latin typeface="메이플스토리" panose="02000300000000000000" pitchFamily="2" charset="-127"/>
+                <a:ea typeface="메이플스토리" panose="02000300000000000000" pitchFamily="2" charset="-127"/>
+              </a:rPr>
+              <a:t>1</a:t>
+            </a:r>
+            <a:endParaRPr lang="ko-KR" altLang="en-US" b="1" dirty="0">
+              <a:latin typeface="메이플스토리" panose="02000300000000000000" pitchFamily="2" charset="-127"/>
+              <a:ea typeface="메이플스토리" panose="02000300000000000000" pitchFamily="2" charset="-127"/>
+            </a:endParaRPr>
+          </a:p>
+        </p:txBody>
+      </p:sp>
+      <p:sp>
+        <p:nvSpPr>
+          <p:cNvPr id="5" name="직사각형 4">
+            <a:extLst>
+              <a:ext uri="{FF2B5EF4-FFF2-40B4-BE49-F238E27FC236}">
+                <a16:creationId xmlns:a16="http://schemas.microsoft.com/office/drawing/2014/main" id="{D81A64FA-EA23-440A-B69D-0844B84B5458}"/>
+              </a:ext>
+            </a:extLst>
+          </p:cNvPr>
+          <p:cNvSpPr/>
+          <p:nvPr/>
+        </p:nvSpPr>
+        <p:spPr>
+          <a:xfrm>
+            <a:off x="8132804" y="33681"/>
+            <a:ext cx="1344535" cy="923330"/>
+          </a:xfrm>
+          <a:prstGeom prst="rect">
+            <a:avLst/>
+          </a:prstGeom>
+          <a:noFill/>
+        </p:spPr>
+        <p:txBody>
+          <a:bodyPr wrap="none" lIns="91440" tIns="45720" rIns="91440" bIns="45720">
+            <a:spAutoFit/>
+          </a:bodyPr>
+          <a:lstStyle/>
+          <a:p>
+            <a:pPr algn="ctr"/>
+            <a:r>
+              <a:rPr lang="en-US" altLang="ko-KR" sz="5400" b="1" dirty="0">
+                <a:ln w="0">
+                  <a:solidFill>
+                    <a:schemeClr val="bg1"/>
+                  </a:solidFill>
+                </a:ln>
+                <a:latin typeface="+mj-ea"/>
+                <a:ea typeface="+mj-ea"/>
+              </a:rPr>
+              <a:t>WA</a:t>
+            </a:r>
+          </a:p>
+        </p:txBody>
+      </p:sp>
+      <p:grpSp>
+        <p:nvGrpSpPr>
+          <p:cNvPr id="90" name="그룹 89">
+            <a:extLst>
+              <a:ext uri="{FF2B5EF4-FFF2-40B4-BE49-F238E27FC236}">
+                <a16:creationId xmlns:a16="http://schemas.microsoft.com/office/drawing/2014/main" id="{21DAC304-BFEC-4E38-822B-79ECB15C2725}"/>
+              </a:ext>
+            </a:extLst>
+          </p:cNvPr>
+          <p:cNvGrpSpPr/>
+          <p:nvPr/>
+        </p:nvGrpSpPr>
+        <p:grpSpPr>
+          <a:xfrm>
+            <a:off x="8805069" y="1502033"/>
+            <a:ext cx="6296889" cy="7793564"/>
+            <a:chOff x="11110054" y="1770744"/>
+            <a:chExt cx="6296889" cy="7793564"/>
+          </a:xfrm>
+        </p:grpSpPr>
+        <p:grpSp>
+          <p:nvGrpSpPr>
+            <p:cNvPr id="87" name="그룹 86">
+              <a:extLst>
+                <a:ext uri="{FF2B5EF4-FFF2-40B4-BE49-F238E27FC236}">
+                  <a16:creationId xmlns:a16="http://schemas.microsoft.com/office/drawing/2014/main" id="{44AB9F80-D5EA-4B19-BBB8-5601CFE18B86}"/>
+                </a:ext>
+              </a:extLst>
+            </p:cNvPr>
+            <p:cNvGrpSpPr/>
+            <p:nvPr/>
+          </p:nvGrpSpPr>
+          <p:grpSpPr>
+            <a:xfrm>
+              <a:off x="11110054" y="2263272"/>
+              <a:ext cx="6296889" cy="7301036"/>
+              <a:chOff x="10631083" y="2002013"/>
+              <a:chExt cx="6296889" cy="7301036"/>
+            </a:xfrm>
+          </p:grpSpPr>
+          <p:sp>
+            <p:nvSpPr>
+              <p:cNvPr id="63" name="직사각형 62">
+                <a:extLst>
+                  <a:ext uri="{FF2B5EF4-FFF2-40B4-BE49-F238E27FC236}">
+                    <a16:creationId xmlns:a16="http://schemas.microsoft.com/office/drawing/2014/main" id="{226B775B-8D5D-4BE2-80C1-4488ACB0B01C}"/>
+                  </a:ext>
+                </a:extLst>
+              </p:cNvPr>
+              <p:cNvSpPr/>
+              <p:nvPr/>
+            </p:nvSpPr>
+            <p:spPr>
+              <a:xfrm>
+                <a:off x="10631083" y="2002013"/>
+                <a:ext cx="5400000" cy="3600000"/>
+              </a:xfrm>
+              <a:prstGeom prst="rect">
+                <a:avLst/>
+              </a:prstGeom>
+              <a:solidFill>
+                <a:schemeClr val="tx1">
+                  <a:lumMod val="85000"/>
+                  <a:lumOff val="15000"/>
+                </a:schemeClr>
+              </a:solidFill>
+              <a:ln>
+                <a:noFill/>
+              </a:ln>
+            </p:spPr>
+            <p:style>
+              <a:lnRef idx="2">
+                <a:schemeClr val="accent1">
+                  <a:shade val="50000"/>
+                </a:schemeClr>
+              </a:lnRef>
+              <a:fillRef idx="1">
+                <a:schemeClr val="accent1"/>
+              </a:fillRef>
+              <a:effectRef idx="0">
+                <a:schemeClr val="accent1"/>
+              </a:effectRef>
+              <a:fontRef idx="minor">
+                <a:schemeClr val="lt1"/>
+              </a:fontRef>
+            </p:style>
+            <p:txBody>
+              <a:bodyPr rtlCol="0" anchor="ctr"/>
+              <a:lstStyle/>
+              <a:p>
+                <a:pPr algn="ctr"/>
+                <a:endParaRPr lang="ko-KR" altLang="en-US"/>
+              </a:p>
+            </p:txBody>
+          </p:sp>
+          <p:grpSp>
+            <p:nvGrpSpPr>
+              <p:cNvPr id="56" name="그룹 55">
+                <a:extLst>
+                  <a:ext uri="{FF2B5EF4-FFF2-40B4-BE49-F238E27FC236}">
+                    <a16:creationId xmlns:a16="http://schemas.microsoft.com/office/drawing/2014/main" id="{3DD0853D-A75E-4BB8-91F5-D6C4150C8B40}"/>
+                  </a:ext>
+                </a:extLst>
+              </p:cNvPr>
+              <p:cNvGrpSpPr/>
+              <p:nvPr/>
+            </p:nvGrpSpPr>
+            <p:grpSpPr>
+              <a:xfrm>
+                <a:off x="14523548" y="2779181"/>
+                <a:ext cx="1080000" cy="1080000"/>
+                <a:chOff x="1335024" y="6116132"/>
+                <a:chExt cx="2160000" cy="2160000"/>
+              </a:xfrm>
+            </p:grpSpPr>
+            <p:sp>
+              <p:nvSpPr>
+                <p:cNvPr id="53" name="타원 52">
+                  <a:extLst>
+                    <a:ext uri="{FF2B5EF4-FFF2-40B4-BE49-F238E27FC236}">
+                      <a16:creationId xmlns:a16="http://schemas.microsoft.com/office/drawing/2014/main" id="{6D655177-175F-4C32-86EB-4EF92F7156D8}"/>
+                    </a:ext>
+                  </a:extLst>
+                </p:cNvPr>
+                <p:cNvSpPr/>
+                <p:nvPr/>
+              </p:nvSpPr>
+              <p:spPr>
+                <a:xfrm>
+                  <a:off x="1335024" y="6116132"/>
+                  <a:ext cx="2160000" cy="2160000"/>
+                </a:xfrm>
+                <a:prstGeom prst="ellipse">
+                  <a:avLst/>
+                </a:prstGeom>
+                <a:solidFill>
+                  <a:srgbClr val="FF0000">
+                    <a:alpha val="20000"/>
+                  </a:srgbClr>
+                </a:solidFill>
+                <a:ln>
+                  <a:solidFill>
+                    <a:schemeClr val="bg1"/>
+                  </a:solidFill>
+                </a:ln>
+              </p:spPr>
+              <p:style>
+                <a:lnRef idx="2">
+                  <a:schemeClr val="accent1">
+                    <a:shade val="50000"/>
+                  </a:schemeClr>
+                </a:lnRef>
+                <a:fillRef idx="1">
+                  <a:schemeClr val="accent1"/>
+                </a:fillRef>
+                <a:effectRef idx="0">
+                  <a:schemeClr val="accent1"/>
+                </a:effectRef>
+                <a:fontRef idx="minor">
+                  <a:schemeClr val="lt1"/>
+                </a:fontRef>
+              </p:style>
+              <p:txBody>
+                <a:bodyPr rtlCol="0" anchor="ctr"/>
+                <a:lstStyle/>
+                <a:p>
+                  <a:pPr algn="ctr"/>
+                  <a:endParaRPr lang="ko-KR" altLang="en-US"/>
+                </a:p>
+              </p:txBody>
+            </p:sp>
+            <p:sp>
+              <p:nvSpPr>
+                <p:cNvPr id="48" name="타원 47">
+                  <a:extLst>
+                    <a:ext uri="{FF2B5EF4-FFF2-40B4-BE49-F238E27FC236}">
+                      <a16:creationId xmlns:a16="http://schemas.microsoft.com/office/drawing/2014/main" id="{4FC910DE-B106-4C9C-80D4-999AE3AC5B2D}"/>
+                    </a:ext>
+                  </a:extLst>
+                </p:cNvPr>
+                <p:cNvSpPr/>
+                <p:nvPr/>
+              </p:nvSpPr>
+              <p:spPr>
+                <a:xfrm>
+                  <a:off x="2055024" y="6836132"/>
+                  <a:ext cx="720000" cy="720000"/>
+                </a:xfrm>
+                <a:prstGeom prst="ellipse">
+                  <a:avLst/>
+                </a:prstGeom>
+                <a:solidFill>
+                  <a:schemeClr val="tx2"/>
+                </a:solidFill>
+                <a:ln>
+                  <a:solidFill>
+                    <a:schemeClr val="tx1"/>
+                  </a:solidFill>
+                </a:ln>
+              </p:spPr>
+              <p:style>
+                <a:lnRef idx="2">
+                  <a:schemeClr val="accent1">
+                    <a:shade val="50000"/>
+                  </a:schemeClr>
+                </a:lnRef>
+                <a:fillRef idx="1">
+                  <a:schemeClr val="accent1"/>
+                </a:fillRef>
+                <a:effectRef idx="0">
+                  <a:schemeClr val="accent1"/>
+                </a:effectRef>
+                <a:fontRef idx="minor">
+                  <a:schemeClr val="lt1"/>
+                </a:fontRef>
+              </p:style>
+              <p:txBody>
+                <a:bodyPr rtlCol="0" anchor="ctr"/>
+                <a:lstStyle/>
+                <a:p>
+                  <a:pPr algn="ctr"/>
+                  <a:endParaRPr lang="ko-KR" altLang="en-US" dirty="0"/>
+                </a:p>
+              </p:txBody>
+            </p:sp>
+          </p:grpSp>
+          <p:grpSp>
+            <p:nvGrpSpPr>
+              <p:cNvPr id="57" name="그룹 56">
+                <a:extLst>
+                  <a:ext uri="{FF2B5EF4-FFF2-40B4-BE49-F238E27FC236}">
+                    <a16:creationId xmlns:a16="http://schemas.microsoft.com/office/drawing/2014/main" id="{2E3A5378-5295-4BF9-A652-FC6620833CBC}"/>
+                  </a:ext>
+                </a:extLst>
+              </p:cNvPr>
+              <p:cNvGrpSpPr/>
+              <p:nvPr/>
+            </p:nvGrpSpPr>
+            <p:grpSpPr>
+              <a:xfrm>
+                <a:off x="11079623" y="2235169"/>
+                <a:ext cx="1080000" cy="1080000"/>
+                <a:chOff x="1335024" y="6116132"/>
+                <a:chExt cx="2160000" cy="2160000"/>
+              </a:xfrm>
+            </p:grpSpPr>
+            <p:sp>
+              <p:nvSpPr>
+                <p:cNvPr id="58" name="타원 57">
+                  <a:extLst>
+                    <a:ext uri="{FF2B5EF4-FFF2-40B4-BE49-F238E27FC236}">
+                      <a16:creationId xmlns:a16="http://schemas.microsoft.com/office/drawing/2014/main" id="{1C5546C5-813E-404D-92D0-56F81D9CE913}"/>
+                    </a:ext>
+                  </a:extLst>
+                </p:cNvPr>
+                <p:cNvSpPr/>
+                <p:nvPr/>
+              </p:nvSpPr>
+              <p:spPr>
+                <a:xfrm>
+                  <a:off x="1335024" y="6116132"/>
+                  <a:ext cx="2160000" cy="2160000"/>
+                </a:xfrm>
+                <a:prstGeom prst="ellipse">
+                  <a:avLst/>
+                </a:prstGeom>
+                <a:solidFill>
+                  <a:srgbClr val="FF0000">
+                    <a:alpha val="20000"/>
+                  </a:srgbClr>
+                </a:solidFill>
+                <a:ln>
+                  <a:solidFill>
+                    <a:schemeClr val="bg1"/>
+                  </a:solidFill>
+                </a:ln>
+              </p:spPr>
+              <p:style>
+                <a:lnRef idx="2">
+                  <a:schemeClr val="accent1">
+                    <a:shade val="50000"/>
+                  </a:schemeClr>
+                </a:lnRef>
+                <a:fillRef idx="1">
+                  <a:schemeClr val="accent1"/>
+                </a:fillRef>
+                <a:effectRef idx="0">
+                  <a:schemeClr val="accent1"/>
+                </a:effectRef>
+                <a:fontRef idx="minor">
+                  <a:schemeClr val="lt1"/>
+                </a:fontRef>
+              </p:style>
+              <p:txBody>
+                <a:bodyPr rtlCol="0" anchor="ctr"/>
+                <a:lstStyle/>
+                <a:p>
+                  <a:pPr algn="ctr"/>
+                  <a:endParaRPr lang="ko-KR" altLang="en-US"/>
+                </a:p>
+              </p:txBody>
+            </p:sp>
+            <p:sp>
+              <p:nvSpPr>
+                <p:cNvPr id="59" name="타원 58">
+                  <a:extLst>
+                    <a:ext uri="{FF2B5EF4-FFF2-40B4-BE49-F238E27FC236}">
+                      <a16:creationId xmlns:a16="http://schemas.microsoft.com/office/drawing/2014/main" id="{1C35D61E-7DB3-4D61-ADA2-397E645A3987}"/>
+                    </a:ext>
+                  </a:extLst>
+                </p:cNvPr>
+                <p:cNvSpPr/>
+                <p:nvPr/>
+              </p:nvSpPr>
+              <p:spPr>
+                <a:xfrm>
+                  <a:off x="2055024" y="6836132"/>
+                  <a:ext cx="720000" cy="720000"/>
+                </a:xfrm>
+                <a:prstGeom prst="ellipse">
+                  <a:avLst/>
+                </a:prstGeom>
+                <a:solidFill>
+                  <a:schemeClr val="tx2"/>
+                </a:solidFill>
+                <a:ln>
+                  <a:solidFill>
+                    <a:schemeClr val="tx1"/>
+                  </a:solidFill>
+                </a:ln>
+              </p:spPr>
+              <p:style>
+                <a:lnRef idx="2">
+                  <a:schemeClr val="accent1">
+                    <a:shade val="50000"/>
+                  </a:schemeClr>
+                </a:lnRef>
+                <a:fillRef idx="1">
+                  <a:schemeClr val="accent1"/>
+                </a:fillRef>
+                <a:effectRef idx="0">
+                  <a:schemeClr val="accent1"/>
+                </a:effectRef>
+                <a:fontRef idx="minor">
+                  <a:schemeClr val="lt1"/>
+                </a:fontRef>
+              </p:style>
+              <p:txBody>
+                <a:bodyPr rtlCol="0" anchor="ctr"/>
+                <a:lstStyle/>
+                <a:p>
+                  <a:pPr algn="ctr"/>
+                  <a:endParaRPr lang="ko-KR" altLang="en-US" dirty="0"/>
+                </a:p>
+              </p:txBody>
+            </p:sp>
+          </p:grpSp>
+          <p:grpSp>
+            <p:nvGrpSpPr>
+              <p:cNvPr id="60" name="그룹 59">
+                <a:extLst>
+                  <a:ext uri="{FF2B5EF4-FFF2-40B4-BE49-F238E27FC236}">
+                    <a16:creationId xmlns:a16="http://schemas.microsoft.com/office/drawing/2014/main" id="{5FEEB4F8-135B-433D-BD36-94541678CC73}"/>
+                  </a:ext>
+                </a:extLst>
+              </p:cNvPr>
+              <p:cNvGrpSpPr/>
+              <p:nvPr/>
+            </p:nvGrpSpPr>
+            <p:grpSpPr>
+              <a:xfrm>
+                <a:off x="11799623" y="4150538"/>
+                <a:ext cx="1080000" cy="1080000"/>
+                <a:chOff x="1335024" y="6116132"/>
+                <a:chExt cx="2160000" cy="2160000"/>
+              </a:xfrm>
+            </p:grpSpPr>
+            <p:sp>
+              <p:nvSpPr>
+                <p:cNvPr id="61" name="타원 60">
+                  <a:extLst>
+                    <a:ext uri="{FF2B5EF4-FFF2-40B4-BE49-F238E27FC236}">
+                      <a16:creationId xmlns:a16="http://schemas.microsoft.com/office/drawing/2014/main" id="{530AFC74-DDBD-4758-8D7C-C4F2F63A9011}"/>
+                    </a:ext>
+                  </a:extLst>
+                </p:cNvPr>
+                <p:cNvSpPr/>
+                <p:nvPr/>
+              </p:nvSpPr>
+              <p:spPr>
+                <a:xfrm>
+                  <a:off x="1335024" y="6116132"/>
+                  <a:ext cx="2160000" cy="2160000"/>
+                </a:xfrm>
+                <a:prstGeom prst="ellipse">
+                  <a:avLst/>
+                </a:prstGeom>
+                <a:solidFill>
+                  <a:srgbClr val="FF0000">
+                    <a:alpha val="20000"/>
+                  </a:srgbClr>
+                </a:solidFill>
+                <a:ln>
+                  <a:solidFill>
+                    <a:schemeClr val="bg1"/>
+                  </a:solidFill>
+                </a:ln>
+              </p:spPr>
+              <p:style>
+                <a:lnRef idx="2">
+                  <a:schemeClr val="accent1">
+                    <a:shade val="50000"/>
+                  </a:schemeClr>
+                </a:lnRef>
+                <a:fillRef idx="1">
+                  <a:schemeClr val="accent1"/>
+                </a:fillRef>
+                <a:effectRef idx="0">
+                  <a:schemeClr val="accent1"/>
+                </a:effectRef>
+                <a:fontRef idx="minor">
+                  <a:schemeClr val="lt1"/>
+                </a:fontRef>
+              </p:style>
+              <p:txBody>
+                <a:bodyPr rtlCol="0" anchor="ctr"/>
+                <a:lstStyle/>
+                <a:p>
+                  <a:pPr algn="ctr"/>
+                  <a:endParaRPr lang="ko-KR" altLang="en-US"/>
+                </a:p>
+              </p:txBody>
+            </p:sp>
+            <p:sp>
+              <p:nvSpPr>
+                <p:cNvPr id="62" name="타원 61">
+                  <a:extLst>
+                    <a:ext uri="{FF2B5EF4-FFF2-40B4-BE49-F238E27FC236}">
+                      <a16:creationId xmlns:a16="http://schemas.microsoft.com/office/drawing/2014/main" id="{98AC89E4-19A8-4FE8-8D7A-8E16731D71F6}"/>
+                    </a:ext>
+                  </a:extLst>
+                </p:cNvPr>
+                <p:cNvSpPr/>
+                <p:nvPr/>
+              </p:nvSpPr>
+              <p:spPr>
+                <a:xfrm>
+                  <a:off x="2055024" y="6836132"/>
+                  <a:ext cx="720000" cy="720000"/>
+                </a:xfrm>
+                <a:prstGeom prst="ellipse">
+                  <a:avLst/>
+                </a:prstGeom>
+                <a:solidFill>
+                  <a:schemeClr val="tx2"/>
+                </a:solidFill>
+                <a:ln>
+                  <a:solidFill>
+                    <a:schemeClr val="tx1"/>
+                  </a:solidFill>
+                </a:ln>
+              </p:spPr>
+              <p:style>
+                <a:lnRef idx="2">
+                  <a:schemeClr val="accent1">
+                    <a:shade val="50000"/>
+                  </a:schemeClr>
+                </a:lnRef>
+                <a:fillRef idx="1">
+                  <a:schemeClr val="accent1"/>
+                </a:fillRef>
+                <a:effectRef idx="0">
+                  <a:schemeClr val="accent1"/>
+                </a:effectRef>
+                <a:fontRef idx="minor">
+                  <a:schemeClr val="lt1"/>
+                </a:fontRef>
+              </p:style>
+              <p:txBody>
+                <a:bodyPr rtlCol="0" anchor="ctr"/>
+                <a:lstStyle/>
+                <a:p>
+                  <a:pPr algn="ctr"/>
+                  <a:endParaRPr lang="ko-KR" altLang="en-US" dirty="0"/>
+                </a:p>
+              </p:txBody>
+            </p:sp>
+          </p:grpSp>
+          <p:sp>
+            <p:nvSpPr>
+              <p:cNvPr id="66" name="직사각형 65">
+                <a:extLst>
+                  <a:ext uri="{FF2B5EF4-FFF2-40B4-BE49-F238E27FC236}">
+                    <a16:creationId xmlns:a16="http://schemas.microsoft.com/office/drawing/2014/main" id="{E751F438-86AA-463B-8514-F04856C71885}"/>
+                  </a:ext>
+                </a:extLst>
+              </p:cNvPr>
+              <p:cNvSpPr/>
+              <p:nvPr/>
+            </p:nvSpPr>
+            <p:spPr>
+              <a:xfrm>
+                <a:off x="10631083" y="5703049"/>
+                <a:ext cx="5400000" cy="3600000"/>
+              </a:xfrm>
+              <a:prstGeom prst="rect">
+                <a:avLst/>
+              </a:prstGeom>
+              <a:solidFill>
+                <a:schemeClr val="tx1">
+                  <a:lumMod val="85000"/>
+                  <a:lumOff val="15000"/>
+                </a:schemeClr>
+              </a:solidFill>
+              <a:ln>
+                <a:noFill/>
+              </a:ln>
+            </p:spPr>
+            <p:style>
+              <a:lnRef idx="2">
+                <a:schemeClr val="accent1">
+                  <a:shade val="50000"/>
+                </a:schemeClr>
+              </a:lnRef>
+              <a:fillRef idx="1">
+                <a:schemeClr val="accent1"/>
+              </a:fillRef>
+              <a:effectRef idx="0">
+                <a:schemeClr val="accent1"/>
+              </a:effectRef>
+              <a:fontRef idx="minor">
+                <a:schemeClr val="lt1"/>
+              </a:fontRef>
+            </p:style>
+            <p:txBody>
+              <a:bodyPr rtlCol="0" anchor="ctr"/>
+              <a:lstStyle/>
+              <a:p>
+                <a:pPr algn="ctr"/>
+                <a:endParaRPr lang="ko-KR" altLang="en-US"/>
+              </a:p>
+            </p:txBody>
+          </p:sp>
+          <p:grpSp>
+            <p:nvGrpSpPr>
+              <p:cNvPr id="67" name="그룹 66">
+                <a:extLst>
+                  <a:ext uri="{FF2B5EF4-FFF2-40B4-BE49-F238E27FC236}">
+                    <a16:creationId xmlns:a16="http://schemas.microsoft.com/office/drawing/2014/main" id="{33B25AA0-2FE8-401C-B454-C9BB1087E9CB}"/>
+                  </a:ext>
+                </a:extLst>
+              </p:cNvPr>
+              <p:cNvGrpSpPr/>
+              <p:nvPr/>
+            </p:nvGrpSpPr>
+            <p:grpSpPr>
+              <a:xfrm>
+                <a:off x="14523548" y="6480217"/>
+                <a:ext cx="1080000" cy="1080000"/>
+                <a:chOff x="1335024" y="6116132"/>
+                <a:chExt cx="2160000" cy="2160000"/>
+              </a:xfrm>
+            </p:grpSpPr>
+            <p:sp>
+              <p:nvSpPr>
+                <p:cNvPr id="68" name="타원 67">
+                  <a:extLst>
+                    <a:ext uri="{FF2B5EF4-FFF2-40B4-BE49-F238E27FC236}">
+                      <a16:creationId xmlns:a16="http://schemas.microsoft.com/office/drawing/2014/main" id="{AB02998C-0D5C-4373-A927-083F16ED9DFF}"/>
+                    </a:ext>
+                  </a:extLst>
+                </p:cNvPr>
+                <p:cNvSpPr/>
+                <p:nvPr/>
+              </p:nvSpPr>
+              <p:spPr>
+                <a:xfrm>
+                  <a:off x="1335024" y="6116132"/>
+                  <a:ext cx="2160000" cy="2160000"/>
+                </a:xfrm>
+                <a:prstGeom prst="ellipse">
+                  <a:avLst/>
+                </a:prstGeom>
+                <a:solidFill>
+                  <a:srgbClr val="FF0000">
+                    <a:alpha val="20000"/>
+                  </a:srgbClr>
+                </a:solidFill>
+                <a:ln>
+                  <a:solidFill>
+                    <a:schemeClr val="bg1"/>
+                  </a:solidFill>
+                </a:ln>
+              </p:spPr>
+              <p:style>
+                <a:lnRef idx="2">
+                  <a:schemeClr val="accent1">
+                    <a:shade val="50000"/>
+                  </a:schemeClr>
+                </a:lnRef>
+                <a:fillRef idx="1">
+                  <a:schemeClr val="accent1"/>
+                </a:fillRef>
+                <a:effectRef idx="0">
+                  <a:schemeClr val="accent1"/>
+                </a:effectRef>
+                <a:fontRef idx="minor">
+                  <a:schemeClr val="lt1"/>
+                </a:fontRef>
+              </p:style>
+              <p:txBody>
+                <a:bodyPr rtlCol="0" anchor="ctr"/>
+                <a:lstStyle/>
+                <a:p>
+                  <a:pPr algn="ctr"/>
+                  <a:endParaRPr lang="ko-KR" altLang="en-US"/>
+                </a:p>
+              </p:txBody>
+            </p:sp>
+            <p:sp>
+              <p:nvSpPr>
+                <p:cNvPr id="69" name="타원 68">
+                  <a:extLst>
+                    <a:ext uri="{FF2B5EF4-FFF2-40B4-BE49-F238E27FC236}">
+                      <a16:creationId xmlns:a16="http://schemas.microsoft.com/office/drawing/2014/main" id="{540F390A-5EF2-47E6-B37B-FECD325DAA85}"/>
+                    </a:ext>
+                  </a:extLst>
+                </p:cNvPr>
+                <p:cNvSpPr/>
+                <p:nvPr/>
+              </p:nvSpPr>
+              <p:spPr>
+                <a:xfrm>
+                  <a:off x="2055024" y="6836132"/>
+                  <a:ext cx="720000" cy="720000"/>
+                </a:xfrm>
+                <a:prstGeom prst="ellipse">
+                  <a:avLst/>
+                </a:prstGeom>
+                <a:solidFill>
+                  <a:schemeClr val="tx2"/>
+                </a:solidFill>
+                <a:ln>
+                  <a:solidFill>
+                    <a:schemeClr val="tx1"/>
+                  </a:solidFill>
+                </a:ln>
+              </p:spPr>
+              <p:style>
+                <a:lnRef idx="2">
+                  <a:schemeClr val="accent1">
+                    <a:shade val="50000"/>
+                  </a:schemeClr>
+                </a:lnRef>
+                <a:fillRef idx="1">
+                  <a:schemeClr val="accent1"/>
+                </a:fillRef>
+                <a:effectRef idx="0">
+                  <a:schemeClr val="accent1"/>
+                </a:effectRef>
+                <a:fontRef idx="minor">
+                  <a:schemeClr val="lt1"/>
+                </a:fontRef>
+              </p:style>
+              <p:txBody>
+                <a:bodyPr rtlCol="0" anchor="ctr"/>
+                <a:lstStyle/>
+                <a:p>
+                  <a:pPr algn="ctr"/>
+                  <a:endParaRPr lang="ko-KR" altLang="en-US" dirty="0"/>
+                </a:p>
+              </p:txBody>
+            </p:sp>
+          </p:grpSp>
+          <p:grpSp>
+            <p:nvGrpSpPr>
+              <p:cNvPr id="70" name="그룹 69">
+                <a:extLst>
+                  <a:ext uri="{FF2B5EF4-FFF2-40B4-BE49-F238E27FC236}">
+                    <a16:creationId xmlns:a16="http://schemas.microsoft.com/office/drawing/2014/main" id="{5BE818E8-5D6F-46EE-90D4-634469F2B016}"/>
+                  </a:ext>
+                </a:extLst>
+              </p:cNvPr>
+              <p:cNvGrpSpPr/>
+              <p:nvPr/>
+            </p:nvGrpSpPr>
+            <p:grpSpPr>
+              <a:xfrm>
+                <a:off x="11079623" y="5936205"/>
+                <a:ext cx="1080000" cy="1080000"/>
+                <a:chOff x="1335024" y="6116132"/>
+                <a:chExt cx="2160000" cy="2160000"/>
+              </a:xfrm>
+            </p:grpSpPr>
+            <p:sp>
+              <p:nvSpPr>
+                <p:cNvPr id="71" name="타원 70">
+                  <a:extLst>
+                    <a:ext uri="{FF2B5EF4-FFF2-40B4-BE49-F238E27FC236}">
+                      <a16:creationId xmlns:a16="http://schemas.microsoft.com/office/drawing/2014/main" id="{DF6BD834-51E7-49D1-ACD2-7A2A02A76631}"/>
+                    </a:ext>
+                  </a:extLst>
+                </p:cNvPr>
+                <p:cNvSpPr/>
+                <p:nvPr/>
+              </p:nvSpPr>
+              <p:spPr>
+                <a:xfrm>
+                  <a:off x="1335024" y="6116132"/>
+                  <a:ext cx="2160000" cy="2160000"/>
+                </a:xfrm>
+                <a:prstGeom prst="ellipse">
+                  <a:avLst/>
+                </a:prstGeom>
+                <a:solidFill>
+                  <a:srgbClr val="FF0000">
+                    <a:alpha val="20000"/>
+                  </a:srgbClr>
+                </a:solidFill>
+                <a:ln>
+                  <a:solidFill>
+                    <a:schemeClr val="bg1"/>
+                  </a:solidFill>
+                </a:ln>
+              </p:spPr>
+              <p:style>
+                <a:lnRef idx="2">
+                  <a:schemeClr val="accent1">
+                    <a:shade val="50000"/>
+                  </a:schemeClr>
+                </a:lnRef>
+                <a:fillRef idx="1">
+                  <a:schemeClr val="accent1"/>
+                </a:fillRef>
+                <a:effectRef idx="0">
+                  <a:schemeClr val="accent1"/>
+                </a:effectRef>
+                <a:fontRef idx="minor">
+                  <a:schemeClr val="lt1"/>
+                </a:fontRef>
+              </p:style>
+              <p:txBody>
+                <a:bodyPr rtlCol="0" anchor="ctr"/>
+                <a:lstStyle/>
+                <a:p>
+                  <a:pPr algn="ctr"/>
+                  <a:endParaRPr lang="ko-KR" altLang="en-US"/>
+                </a:p>
+              </p:txBody>
+            </p:sp>
+            <p:sp>
+              <p:nvSpPr>
+                <p:cNvPr id="72" name="타원 71">
+                  <a:extLst>
+                    <a:ext uri="{FF2B5EF4-FFF2-40B4-BE49-F238E27FC236}">
+                      <a16:creationId xmlns:a16="http://schemas.microsoft.com/office/drawing/2014/main" id="{D7C000C5-2CDF-4951-804F-AA32089CF9FF}"/>
+                    </a:ext>
+                  </a:extLst>
+                </p:cNvPr>
+                <p:cNvSpPr/>
+                <p:nvPr/>
+              </p:nvSpPr>
+              <p:spPr>
+                <a:xfrm>
+                  <a:off x="2055024" y="6836132"/>
+                  <a:ext cx="720000" cy="720000"/>
+                </a:xfrm>
+                <a:prstGeom prst="ellipse">
+                  <a:avLst/>
+                </a:prstGeom>
+                <a:solidFill>
+                  <a:schemeClr val="tx2"/>
+                </a:solidFill>
+                <a:ln>
+                  <a:solidFill>
+                    <a:schemeClr val="tx1"/>
+                  </a:solidFill>
+                </a:ln>
+              </p:spPr>
+              <p:style>
+                <a:lnRef idx="2">
+                  <a:schemeClr val="accent1">
+                    <a:shade val="50000"/>
+                  </a:schemeClr>
+                </a:lnRef>
+                <a:fillRef idx="1">
+                  <a:schemeClr val="accent1"/>
+                </a:fillRef>
+                <a:effectRef idx="0">
+                  <a:schemeClr val="accent1"/>
+                </a:effectRef>
+                <a:fontRef idx="minor">
+                  <a:schemeClr val="lt1"/>
+                </a:fontRef>
+              </p:style>
+              <p:txBody>
+                <a:bodyPr rtlCol="0" anchor="ctr"/>
+                <a:lstStyle/>
+                <a:p>
+                  <a:pPr algn="ctr"/>
+                  <a:endParaRPr lang="ko-KR" altLang="en-US" dirty="0"/>
+                </a:p>
+              </p:txBody>
+            </p:sp>
+          </p:grpSp>
+          <p:grpSp>
+            <p:nvGrpSpPr>
+              <p:cNvPr id="73" name="그룹 72">
+                <a:extLst>
+                  <a:ext uri="{FF2B5EF4-FFF2-40B4-BE49-F238E27FC236}">
+                    <a16:creationId xmlns:a16="http://schemas.microsoft.com/office/drawing/2014/main" id="{7547DC9C-E71E-4B5E-A958-CBF3742C661E}"/>
+                  </a:ext>
+                </a:extLst>
+              </p:cNvPr>
+              <p:cNvGrpSpPr/>
+              <p:nvPr/>
+            </p:nvGrpSpPr>
+            <p:grpSpPr>
+              <a:xfrm>
+                <a:off x="11799623" y="7851574"/>
+                <a:ext cx="1080000" cy="1080000"/>
+                <a:chOff x="1335024" y="6116132"/>
+                <a:chExt cx="2160000" cy="2160000"/>
+              </a:xfrm>
+            </p:grpSpPr>
+            <p:sp>
+              <p:nvSpPr>
+                <p:cNvPr id="74" name="타원 73">
+                  <a:extLst>
+                    <a:ext uri="{FF2B5EF4-FFF2-40B4-BE49-F238E27FC236}">
+                      <a16:creationId xmlns:a16="http://schemas.microsoft.com/office/drawing/2014/main" id="{AC4979AA-1549-4528-BEFD-F5953874F54B}"/>
+                    </a:ext>
+                  </a:extLst>
+                </p:cNvPr>
+                <p:cNvSpPr/>
+                <p:nvPr/>
+              </p:nvSpPr>
+              <p:spPr>
+                <a:xfrm>
+                  <a:off x="1335024" y="6116132"/>
+                  <a:ext cx="2160000" cy="2160000"/>
+                </a:xfrm>
+                <a:prstGeom prst="ellipse">
+                  <a:avLst/>
+                </a:prstGeom>
+                <a:solidFill>
+                  <a:srgbClr val="FF0000">
+                    <a:alpha val="20000"/>
+                  </a:srgbClr>
+                </a:solidFill>
+                <a:ln>
+                  <a:solidFill>
+                    <a:schemeClr val="bg1"/>
+                  </a:solidFill>
+                </a:ln>
+              </p:spPr>
+              <p:style>
+                <a:lnRef idx="2">
+                  <a:schemeClr val="accent1">
+                    <a:shade val="50000"/>
+                  </a:schemeClr>
+                </a:lnRef>
+                <a:fillRef idx="1">
+                  <a:schemeClr val="accent1"/>
+                </a:fillRef>
+                <a:effectRef idx="0">
+                  <a:schemeClr val="accent1"/>
+                </a:effectRef>
+                <a:fontRef idx="minor">
+                  <a:schemeClr val="lt1"/>
+                </a:fontRef>
+              </p:style>
+              <p:txBody>
+                <a:bodyPr rtlCol="0" anchor="ctr"/>
+                <a:lstStyle/>
+                <a:p>
+                  <a:pPr algn="ctr"/>
+                  <a:endParaRPr lang="ko-KR" altLang="en-US"/>
+                </a:p>
+              </p:txBody>
+            </p:sp>
+            <p:sp>
+              <p:nvSpPr>
+                <p:cNvPr id="75" name="타원 74">
+                  <a:extLst>
+                    <a:ext uri="{FF2B5EF4-FFF2-40B4-BE49-F238E27FC236}">
+                      <a16:creationId xmlns:a16="http://schemas.microsoft.com/office/drawing/2014/main" id="{62780FE8-21E2-482F-98F9-2ABAAB977147}"/>
+                    </a:ext>
+                  </a:extLst>
+                </p:cNvPr>
+                <p:cNvSpPr/>
+                <p:nvPr/>
+              </p:nvSpPr>
+              <p:spPr>
+                <a:xfrm>
+                  <a:off x="2055024" y="6836132"/>
+                  <a:ext cx="720000" cy="720000"/>
+                </a:xfrm>
+                <a:prstGeom prst="ellipse">
+                  <a:avLst/>
+                </a:prstGeom>
+                <a:solidFill>
+                  <a:schemeClr val="tx2"/>
+                </a:solidFill>
+                <a:ln>
+                  <a:solidFill>
+                    <a:schemeClr val="tx1"/>
+                  </a:solidFill>
+                </a:ln>
+              </p:spPr>
+              <p:style>
+                <a:lnRef idx="2">
+                  <a:schemeClr val="accent1">
+                    <a:shade val="50000"/>
+                  </a:schemeClr>
+                </a:lnRef>
+                <a:fillRef idx="1">
+                  <a:schemeClr val="accent1"/>
+                </a:fillRef>
+                <a:effectRef idx="0">
+                  <a:schemeClr val="accent1"/>
+                </a:effectRef>
+                <a:fontRef idx="minor">
+                  <a:schemeClr val="lt1"/>
+                </a:fontRef>
+              </p:style>
+              <p:txBody>
+                <a:bodyPr rtlCol="0" anchor="ctr"/>
+                <a:lstStyle/>
+                <a:p>
+                  <a:pPr algn="ctr"/>
+                  <a:endParaRPr lang="ko-KR" altLang="en-US" dirty="0"/>
+                </a:p>
+              </p:txBody>
+            </p:sp>
+          </p:grpSp>
+          <p:sp>
+            <p:nvSpPr>
+              <p:cNvPr id="76" name="타원 75">
+                <a:extLst>
+                  <a:ext uri="{FF2B5EF4-FFF2-40B4-BE49-F238E27FC236}">
+                    <a16:creationId xmlns:a16="http://schemas.microsoft.com/office/drawing/2014/main" id="{13F18427-B8AD-4441-947D-9ED6592D632B}"/>
+                  </a:ext>
+                </a:extLst>
+              </p:cNvPr>
+              <p:cNvSpPr/>
+              <p:nvPr/>
+            </p:nvSpPr>
+            <p:spPr>
+              <a:xfrm>
+                <a:off x="12879623" y="3315169"/>
+                <a:ext cx="180000" cy="180000"/>
+              </a:xfrm>
+              <a:prstGeom prst="ellipse">
+                <a:avLst/>
+              </a:prstGeom>
+              <a:solidFill>
+                <a:srgbClr val="92D050"/>
+              </a:solidFill>
+              <a:ln>
+                <a:solidFill>
+                  <a:schemeClr val="tx1"/>
+                </a:solidFill>
+              </a:ln>
+            </p:spPr>
+            <p:style>
+              <a:lnRef idx="2">
+                <a:schemeClr val="accent1">
+                  <a:shade val="50000"/>
+                </a:schemeClr>
+              </a:lnRef>
+              <a:fillRef idx="1">
+                <a:schemeClr val="accent1"/>
+              </a:fillRef>
+              <a:effectRef idx="0">
+                <a:schemeClr val="accent1"/>
+              </a:effectRef>
+              <a:fontRef idx="minor">
+                <a:schemeClr val="lt1"/>
+              </a:fontRef>
+            </p:style>
+            <p:txBody>
+              <a:bodyPr rtlCol="0" anchor="ctr"/>
+              <a:lstStyle/>
+              <a:p>
+                <a:pPr algn="ctr"/>
+                <a:endParaRPr lang="ko-KR" altLang="en-US" dirty="0"/>
+              </a:p>
+            </p:txBody>
+          </p:sp>
+          <p:sp>
+            <p:nvSpPr>
+              <p:cNvPr id="78" name="직사각형 77">
+                <a:extLst>
+                  <a:ext uri="{FF2B5EF4-FFF2-40B4-BE49-F238E27FC236}">
+                    <a16:creationId xmlns:a16="http://schemas.microsoft.com/office/drawing/2014/main" id="{383A9B33-7E55-49D6-B244-EBB165BDC6F6}"/>
+                  </a:ext>
+                </a:extLst>
+              </p:cNvPr>
+              <p:cNvSpPr/>
+              <p:nvPr/>
+            </p:nvSpPr>
+            <p:spPr>
+              <a:xfrm>
+                <a:off x="16162539" y="2002013"/>
+                <a:ext cx="703658" cy="3600000"/>
+              </a:xfrm>
+              <a:prstGeom prst="rect">
+                <a:avLst/>
+              </a:prstGeom>
+              <a:solidFill>
+                <a:schemeClr val="tx1">
+                  <a:lumMod val="85000"/>
+                  <a:lumOff val="15000"/>
+                </a:schemeClr>
+              </a:solidFill>
+              <a:ln>
+                <a:noFill/>
+              </a:ln>
+            </p:spPr>
+            <p:style>
+              <a:lnRef idx="2">
+                <a:schemeClr val="accent1">
+                  <a:shade val="50000"/>
+                </a:schemeClr>
+              </a:lnRef>
+              <a:fillRef idx="1">
+                <a:schemeClr val="accent1"/>
+              </a:fillRef>
+              <a:effectRef idx="0">
+                <a:schemeClr val="accent1"/>
+              </a:effectRef>
+              <a:fontRef idx="minor">
+                <a:schemeClr val="lt1"/>
+              </a:fontRef>
+            </p:style>
+            <p:txBody>
+              <a:bodyPr rtlCol="0" anchor="ctr"/>
+              <a:lstStyle/>
+              <a:p>
+                <a:pPr algn="ctr"/>
+                <a:endParaRPr lang="ko-KR" altLang="en-US"/>
+              </a:p>
+            </p:txBody>
+          </p:sp>
+          <p:sp>
+            <p:nvSpPr>
+              <p:cNvPr id="79" name="직사각형 78">
+                <a:extLst>
+                  <a:ext uri="{FF2B5EF4-FFF2-40B4-BE49-F238E27FC236}">
+                    <a16:creationId xmlns:a16="http://schemas.microsoft.com/office/drawing/2014/main" id="{2AE3D17C-66D2-4B48-BF10-2DF9BB29A1BB}"/>
+                  </a:ext>
+                </a:extLst>
+              </p:cNvPr>
+              <p:cNvSpPr/>
+              <p:nvPr/>
+            </p:nvSpPr>
+            <p:spPr>
+              <a:xfrm>
+                <a:off x="16197796" y="5703049"/>
+                <a:ext cx="703658" cy="3600000"/>
+              </a:xfrm>
+              <a:prstGeom prst="rect">
+                <a:avLst/>
+              </a:prstGeom>
+              <a:solidFill>
+                <a:schemeClr val="tx1">
+                  <a:lumMod val="85000"/>
+                  <a:lumOff val="15000"/>
+                </a:schemeClr>
+              </a:solidFill>
+              <a:ln>
+                <a:noFill/>
+              </a:ln>
+            </p:spPr>
+            <p:style>
+              <a:lnRef idx="2">
+                <a:schemeClr val="accent1">
+                  <a:shade val="50000"/>
+                </a:schemeClr>
+              </a:lnRef>
+              <a:fillRef idx="1">
+                <a:schemeClr val="accent1"/>
+              </a:fillRef>
+              <a:effectRef idx="0">
+                <a:schemeClr val="accent1"/>
+              </a:effectRef>
+              <a:fontRef idx="minor">
+                <a:schemeClr val="lt1"/>
+              </a:fontRef>
+            </p:style>
+            <p:txBody>
+              <a:bodyPr rtlCol="0" anchor="ctr"/>
+              <a:lstStyle/>
+              <a:p>
+                <a:pPr algn="ctr"/>
+                <a:endParaRPr lang="ko-KR" altLang="en-US"/>
+              </a:p>
+            </p:txBody>
+          </p:sp>
+          <p:sp>
+            <p:nvSpPr>
+              <p:cNvPr id="80" name="곱하기 기호 79">
+                <a:extLst>
+                  <a:ext uri="{FF2B5EF4-FFF2-40B4-BE49-F238E27FC236}">
+                    <a16:creationId xmlns:a16="http://schemas.microsoft.com/office/drawing/2014/main" id="{DC24E799-2618-4D17-8CE4-F9B5F4378140}"/>
+                  </a:ext>
+                </a:extLst>
+              </p:cNvPr>
+              <p:cNvSpPr/>
+              <p:nvPr/>
+            </p:nvSpPr>
+            <p:spPr>
+              <a:xfrm>
+                <a:off x="16171277" y="7124701"/>
+                <a:ext cx="756695" cy="756695"/>
+              </a:xfrm>
+              <a:prstGeom prst="mathMultiply">
+                <a:avLst/>
+              </a:prstGeom>
+              <a:solidFill>
+                <a:srgbClr val="FF0000"/>
+              </a:solidFill>
+              <a:ln>
+                <a:solidFill>
+                  <a:srgbClr val="C00000"/>
+                </a:solidFill>
+              </a:ln>
+            </p:spPr>
+            <p:style>
+              <a:lnRef idx="2">
+                <a:schemeClr val="accent1">
+                  <a:shade val="50000"/>
+                </a:schemeClr>
+              </a:lnRef>
+              <a:fillRef idx="1">
+                <a:schemeClr val="accent1"/>
+              </a:fillRef>
+              <a:effectRef idx="0">
+                <a:schemeClr val="accent1"/>
+              </a:effectRef>
+              <a:fontRef idx="minor">
+                <a:schemeClr val="lt1"/>
+              </a:fontRef>
+            </p:style>
+            <p:txBody>
+              <a:bodyPr rtlCol="0" anchor="ctr"/>
+              <a:lstStyle/>
+              <a:p>
+                <a:pPr algn="ctr"/>
+                <a:endParaRPr lang="ko-KR" altLang="en-US"/>
+              </a:p>
+            </p:txBody>
+          </p:sp>
+          <p:sp>
+            <p:nvSpPr>
+              <p:cNvPr id="82" name="원형: 비어 있음 81">
+                <a:extLst>
+                  <a:ext uri="{FF2B5EF4-FFF2-40B4-BE49-F238E27FC236}">
+                    <a16:creationId xmlns:a16="http://schemas.microsoft.com/office/drawing/2014/main" id="{0D0A220E-4F14-4356-9B14-871AA5CCB26F}"/>
+                  </a:ext>
+                </a:extLst>
+              </p:cNvPr>
+              <p:cNvSpPr/>
+              <p:nvPr/>
+            </p:nvSpPr>
+            <p:spPr>
+              <a:xfrm>
+                <a:off x="16275061" y="3562706"/>
+                <a:ext cx="478613" cy="478613"/>
+              </a:xfrm>
+              <a:prstGeom prst="donut">
+                <a:avLst/>
+              </a:prstGeom>
+              <a:solidFill>
+                <a:srgbClr val="92D050"/>
+              </a:solidFill>
+              <a:ln>
+                <a:noFill/>
+              </a:ln>
+            </p:spPr>
+            <p:style>
+              <a:lnRef idx="2">
+                <a:schemeClr val="accent1">
+                  <a:shade val="50000"/>
+                </a:schemeClr>
+              </a:lnRef>
+              <a:fillRef idx="1">
+                <a:schemeClr val="accent1"/>
+              </a:fillRef>
+              <a:effectRef idx="0">
+                <a:schemeClr val="accent1"/>
+              </a:effectRef>
+              <a:fontRef idx="minor">
+                <a:schemeClr val="lt1"/>
+              </a:fontRef>
+            </p:style>
+            <p:txBody>
+              <a:bodyPr rtlCol="0" anchor="ctr"/>
+              <a:lstStyle/>
+              <a:p>
+                <a:pPr algn="ctr"/>
+                <a:endParaRPr lang="ko-KR" altLang="en-US">
+                  <a:solidFill>
+                    <a:srgbClr val="92D050"/>
+                  </a:solidFill>
+                </a:endParaRPr>
+              </a:p>
+            </p:txBody>
+          </p:sp>
+          <p:sp>
+            <p:nvSpPr>
+              <p:cNvPr id="84" name="타원 83">
+                <a:extLst>
+                  <a:ext uri="{FF2B5EF4-FFF2-40B4-BE49-F238E27FC236}">
+                    <a16:creationId xmlns:a16="http://schemas.microsoft.com/office/drawing/2014/main" id="{C8EA1668-9A15-4BCA-BEC2-3310B3FBEB27}"/>
+                  </a:ext>
+                </a:extLst>
+              </p:cNvPr>
+              <p:cNvSpPr/>
+              <p:nvPr/>
+            </p:nvSpPr>
+            <p:spPr>
+              <a:xfrm>
+                <a:off x="14529890" y="6656205"/>
+                <a:ext cx="180000" cy="180000"/>
+              </a:xfrm>
+              <a:prstGeom prst="ellipse">
+                <a:avLst/>
+              </a:prstGeom>
+              <a:solidFill>
+                <a:srgbClr val="92D050"/>
+              </a:solidFill>
+              <a:ln>
+                <a:solidFill>
+                  <a:schemeClr val="tx1"/>
+                </a:solidFill>
+              </a:ln>
+            </p:spPr>
+            <p:style>
+              <a:lnRef idx="2">
+                <a:schemeClr val="accent1">
+                  <a:shade val="50000"/>
+                </a:schemeClr>
+              </a:lnRef>
+              <a:fillRef idx="1">
+                <a:schemeClr val="accent1"/>
+              </a:fillRef>
+              <a:effectRef idx="0">
+                <a:schemeClr val="accent1"/>
+              </a:effectRef>
+              <a:fontRef idx="minor">
+                <a:schemeClr val="lt1"/>
+              </a:fontRef>
+            </p:style>
+            <p:txBody>
+              <a:bodyPr rtlCol="0" anchor="ctr"/>
+              <a:lstStyle/>
+              <a:p>
+                <a:pPr algn="ctr"/>
+                <a:endParaRPr lang="ko-KR" altLang="en-US" dirty="0"/>
+              </a:p>
+            </p:txBody>
+          </p:sp>
+        </p:grpSp>
+        <p:sp>
+          <p:nvSpPr>
+            <p:cNvPr id="89" name="TextBox 88">
+              <a:extLst>
+                <a:ext uri="{FF2B5EF4-FFF2-40B4-BE49-F238E27FC236}">
+                  <a16:creationId xmlns:a16="http://schemas.microsoft.com/office/drawing/2014/main" id="{2A6ACB24-370F-4E8D-ABD4-7C99378BAB63}"/>
+                </a:ext>
+              </a:extLst>
+            </p:cNvPr>
+            <p:cNvSpPr txBox="1"/>
+            <p:nvPr/>
+          </p:nvSpPr>
+          <p:spPr>
+            <a:xfrm>
+              <a:off x="11110054" y="1770744"/>
+              <a:ext cx="6235114" cy="369332"/>
+            </a:xfrm>
+            <a:prstGeom prst="rect">
+              <a:avLst/>
+            </a:prstGeom>
+            <a:solidFill>
+              <a:schemeClr val="tx1">
+                <a:lumMod val="85000"/>
+                <a:lumOff val="15000"/>
+              </a:schemeClr>
+            </a:solidFill>
+            <a:ln>
+              <a:noFill/>
+            </a:ln>
+          </p:spPr>
+          <p:txBody>
+            <a:bodyPr wrap="square" rtlCol="0">
+              <a:spAutoFit/>
+            </a:bodyPr>
+            <a:lstStyle/>
+            <a:p>
+              <a:r>
+                <a:rPr lang="ko-KR" altLang="en-US" dirty="0">
+                  <a:solidFill>
+                    <a:schemeClr val="bg1"/>
+                  </a:solidFill>
+                </a:rPr>
+                <a:t>새롭게 생성되는 </a:t>
+              </a:r>
+              <a:r>
+                <a:rPr lang="en-US" altLang="ko-KR" dirty="0" err="1">
+                  <a:solidFill>
+                    <a:schemeClr val="bg1"/>
+                  </a:solidFill>
+                </a:rPr>
+                <a:t>Laser_Barrel</a:t>
+              </a:r>
+              <a:r>
+                <a:rPr lang="ko-KR" altLang="en-US" dirty="0">
+                  <a:solidFill>
+                    <a:schemeClr val="bg1"/>
+                  </a:solidFill>
+                </a:rPr>
+                <a:t>의 </a:t>
+              </a:r>
+              <a:r>
+                <a:rPr lang="ko-KR" altLang="en-US" dirty="0" err="1">
+                  <a:solidFill>
+                    <a:schemeClr val="bg1"/>
+                  </a:solidFill>
+                </a:rPr>
+                <a:t>위치예시</a:t>
+              </a:r>
+              <a:endParaRPr lang="ko-KR" altLang="en-US" dirty="0">
+                <a:solidFill>
+                  <a:schemeClr val="bg1"/>
+                </a:solidFill>
+              </a:endParaRPr>
+            </a:p>
+          </p:txBody>
+        </p:sp>
+      </p:grpSp>
+      <p:pic>
+        <p:nvPicPr>
+          <p:cNvPr id="92" name="그림 91">
+            <a:extLst>
+              <a:ext uri="{FF2B5EF4-FFF2-40B4-BE49-F238E27FC236}">
+                <a16:creationId xmlns:a16="http://schemas.microsoft.com/office/drawing/2014/main" id="{E869217F-851B-4551-B802-F299D86B6492}"/>
+              </a:ext>
+            </a:extLst>
+          </p:cNvPr>
+          <p:cNvPicPr>
+            <a:picLocks noChangeAspect="1"/>
+          </p:cNvPicPr>
+          <p:nvPr/>
+        </p:nvPicPr>
+        <p:blipFill>
+          <a:blip r:embed="rId2">
+            <a:extLst>
+              <a:ext uri="{28A0092B-C50C-407E-A947-70E740481C1C}">
+                <a14:useLocalDpi xmlns:a14="http://schemas.microsoft.com/office/drawing/2010/main" val="0"/>
+              </a:ext>
+            </a:extLst>
+          </a:blip>
+          <a:stretch>
+            <a:fillRect/>
+          </a:stretch>
+        </p:blipFill>
+        <p:spPr>
+          <a:xfrm>
+            <a:off x="2287180" y="1348869"/>
+            <a:ext cx="6235114" cy="8309164"/>
+          </a:xfrm>
+          <a:prstGeom prst="rect">
+            <a:avLst/>
+          </a:prstGeom>
+        </p:spPr>
+      </p:pic>
+    </p:spTree>
+    <p:extLst>
+      <p:ext uri="{BB962C8B-B14F-4D97-AF65-F5344CB8AC3E}">
+        <p14:creationId xmlns:p14="http://schemas.microsoft.com/office/powerpoint/2010/main" val="1923584299"/>
+      </p:ext>
+    </p:extLst>
+  </p:cSld>
+  <p:clrMapOvr>
+    <a:masterClrMapping/>
+  </p:clrMapOvr>
+</p:sld>
+</file>
+
+<file path=ppt/slides/slide7.xml><?xml version="1.0" encoding="utf-8"?>
+<p:sld xmlns:a="http://schemas.openxmlformats.org/drawingml/2006/main" xmlns:r="http://schemas.openxmlformats.org/officeDocument/2006/relationships" xmlns:p="http://schemas.openxmlformats.org/presentationml/2006/main">
+  <p:cSld>
+    <p:spTree>
+      <p:nvGrpSpPr>
+        <p:cNvPr id="1" name=""/>
+        <p:cNvGrpSpPr/>
+        <p:nvPr/>
+      </p:nvGrpSpPr>
+      <p:grpSpPr>
+        <a:xfrm>
+          <a:off x="0" y="0"/>
+          <a:ext cx="0" cy="0"/>
+          <a:chOff x="0" y="0"/>
+          <a:chExt cx="0" cy="0"/>
+        </a:xfrm>
+      </p:grpSpPr>
+      <p:sp>
+        <p:nvSpPr>
+          <p:cNvPr id="4" name="사각형: 둥근 모서리 3">
+            <a:extLst>
+              <a:ext uri="{FF2B5EF4-FFF2-40B4-BE49-F238E27FC236}">
+                <a16:creationId xmlns:a16="http://schemas.microsoft.com/office/drawing/2014/main" id="{C3EDDF7F-C7DA-4344-A53E-3B2080B67532}"/>
+              </a:ext>
+            </a:extLst>
+          </p:cNvPr>
+          <p:cNvSpPr/>
+          <p:nvPr/>
+        </p:nvSpPr>
+        <p:spPr>
+          <a:xfrm>
+            <a:off x="101601" y="993855"/>
+            <a:ext cx="17406942" cy="318170"/>
+          </a:xfrm>
+          <a:prstGeom prst="roundRect">
+            <a:avLst/>
+          </a:prstGeom>
+          <a:solidFill>
+            <a:schemeClr val="tx1"/>
+          </a:solidFill>
+          <a:ln>
+            <a:noFill/>
+          </a:ln>
+        </p:spPr>
+        <p:style>
+          <a:lnRef idx="2">
+            <a:schemeClr val="accent1">
+              <a:shade val="50000"/>
+            </a:schemeClr>
+          </a:lnRef>
+          <a:fillRef idx="1">
+            <a:schemeClr val="accent1"/>
+          </a:fillRef>
+          <a:effectRef idx="0">
+            <a:schemeClr val="accent1"/>
+          </a:effectRef>
+          <a:fontRef idx="minor">
+            <a:schemeClr val="lt1"/>
+          </a:fontRef>
+        </p:style>
+        <p:txBody>
+          <a:bodyPr rtlCol="0" anchor="ctr"/>
+          <a:lstStyle/>
+          <a:p>
+            <a:pPr algn="ctr"/>
+            <a:r>
+              <a:rPr lang="ko-KR" altLang="en-US" b="1" dirty="0">
+                <a:latin typeface="메이플스토리" panose="02000300000000000000" pitchFamily="2" charset="-127"/>
+                <a:ea typeface="메이플스토리" panose="02000300000000000000" pitchFamily="2" charset="-127"/>
+              </a:rPr>
+              <a:t>보스</a:t>
+            </a:r>
+            <a:r>
+              <a:rPr lang="en-US" altLang="ko-KR" b="1" dirty="0">
+                <a:latin typeface="메이플스토리" panose="02000300000000000000" pitchFamily="2" charset="-127"/>
+                <a:ea typeface="메이플스토리" panose="02000300000000000000" pitchFamily="2" charset="-127"/>
+              </a:rPr>
+              <a:t> </a:t>
+            </a:r>
+            <a:r>
+              <a:rPr lang="ko-KR" altLang="en-US" b="1" dirty="0">
+                <a:latin typeface="메이플스토리" panose="02000300000000000000" pitchFamily="2" charset="-127"/>
+                <a:ea typeface="메이플스토리" panose="02000300000000000000" pitchFamily="2" charset="-127"/>
+              </a:rPr>
+              <a:t>전투 패턴</a:t>
+            </a:r>
+            <a:r>
+              <a:rPr lang="en-US" altLang="ko-KR" b="1" dirty="0">
+                <a:latin typeface="메이플스토리" panose="02000300000000000000" pitchFamily="2" charset="-127"/>
+                <a:ea typeface="메이플스토리" panose="02000300000000000000" pitchFamily="2" charset="-127"/>
+              </a:rPr>
+              <a:t>2</a:t>
+            </a:r>
+            <a:endParaRPr lang="ko-KR" altLang="en-US" b="1" dirty="0">
+              <a:latin typeface="메이플스토리" panose="02000300000000000000" pitchFamily="2" charset="-127"/>
+              <a:ea typeface="메이플스토리" panose="02000300000000000000" pitchFamily="2" charset="-127"/>
+            </a:endParaRPr>
+          </a:p>
+        </p:txBody>
+      </p:sp>
+      <p:sp>
+        <p:nvSpPr>
+          <p:cNvPr id="5" name="직사각형 4">
+            <a:extLst>
+              <a:ext uri="{FF2B5EF4-FFF2-40B4-BE49-F238E27FC236}">
+                <a16:creationId xmlns:a16="http://schemas.microsoft.com/office/drawing/2014/main" id="{D81A64FA-EA23-440A-B69D-0844B84B5458}"/>
+              </a:ext>
+            </a:extLst>
+          </p:cNvPr>
+          <p:cNvSpPr/>
+          <p:nvPr/>
+        </p:nvSpPr>
+        <p:spPr>
+          <a:xfrm>
+            <a:off x="8132804" y="33681"/>
+            <a:ext cx="1344535" cy="923330"/>
+          </a:xfrm>
+          <a:prstGeom prst="rect">
+            <a:avLst/>
+          </a:prstGeom>
+          <a:noFill/>
+        </p:spPr>
+        <p:txBody>
+          <a:bodyPr wrap="none" lIns="91440" tIns="45720" rIns="91440" bIns="45720">
+            <a:spAutoFit/>
+          </a:bodyPr>
+          <a:lstStyle/>
+          <a:p>
+            <a:pPr algn="ctr"/>
+            <a:r>
+              <a:rPr lang="en-US" altLang="ko-KR" sz="5400" b="1" dirty="0">
+                <a:ln w="0">
+                  <a:solidFill>
+                    <a:schemeClr val="bg1"/>
+                  </a:solidFill>
+                </a:ln>
+                <a:latin typeface="+mj-ea"/>
+                <a:ea typeface="+mj-ea"/>
+              </a:rPr>
+              <a:t>WA</a:t>
+            </a:r>
+          </a:p>
+        </p:txBody>
+      </p:sp>
+      <p:sp>
+        <p:nvSpPr>
+          <p:cNvPr id="34" name="직사각형 33">
+            <a:extLst>
+              <a:ext uri="{FF2B5EF4-FFF2-40B4-BE49-F238E27FC236}">
+                <a16:creationId xmlns:a16="http://schemas.microsoft.com/office/drawing/2014/main" id="{5D794C17-E28F-40F1-9CE7-C5B24616B277}"/>
+              </a:ext>
+            </a:extLst>
+          </p:cNvPr>
+          <p:cNvSpPr/>
+          <p:nvPr/>
+        </p:nvSpPr>
+        <p:spPr>
+          <a:xfrm>
+            <a:off x="12108543" y="3721760"/>
+            <a:ext cx="5400000" cy="3600000"/>
+          </a:xfrm>
+          <a:prstGeom prst="rect">
+            <a:avLst/>
+          </a:prstGeom>
+          <a:solidFill>
+            <a:schemeClr val="tx1">
+              <a:lumMod val="85000"/>
+              <a:lumOff val="15000"/>
+            </a:schemeClr>
+          </a:solidFill>
+          <a:ln>
+            <a:noFill/>
+          </a:ln>
+        </p:spPr>
+        <p:style>
+          <a:lnRef idx="2">
+            <a:schemeClr val="accent1">
+              <a:shade val="50000"/>
+            </a:schemeClr>
+          </a:lnRef>
+          <a:fillRef idx="1">
+            <a:schemeClr val="accent1"/>
+          </a:fillRef>
+          <a:effectRef idx="0">
+            <a:schemeClr val="accent1"/>
+          </a:effectRef>
+          <a:fontRef idx="minor">
+            <a:schemeClr val="lt1"/>
+          </a:fontRef>
+        </p:style>
+        <p:txBody>
+          <a:bodyPr rtlCol="0" anchor="ctr"/>
+          <a:lstStyle/>
+          <a:p>
+            <a:pPr algn="ctr"/>
+            <a:endParaRPr lang="ko-KR" altLang="en-US"/>
+          </a:p>
+        </p:txBody>
+      </p:sp>
+    </p:spTree>
+    <p:extLst>
+      <p:ext uri="{BB962C8B-B14F-4D97-AF65-F5344CB8AC3E}">
+        <p14:creationId xmlns:p14="http://schemas.microsoft.com/office/powerpoint/2010/main" val="1130128591"/>
+      </p:ext>
+    </p:extLst>
+  </p:cSld>
+  <p:clrMapOvr>
+    <a:masterClrMapping/>
+  </p:clrMapOvr>
+</p:sld>
+</file>
+
+<file path=ppt/slides/slide8.xml><?xml version="1.0" encoding="utf-8"?>
+<p:sld xmlns:a="http://schemas.openxmlformats.org/drawingml/2006/main" xmlns:r="http://schemas.openxmlformats.org/officeDocument/2006/relationships" xmlns:p="http://schemas.openxmlformats.org/presentationml/2006/main">
+  <p:cSld>
+    <p:spTree>
+      <p:nvGrpSpPr>
+        <p:cNvPr id="1" name=""/>
+        <p:cNvGrpSpPr/>
+        <p:nvPr/>
+      </p:nvGrpSpPr>
+      <p:grpSpPr>
+        <a:xfrm>
+          <a:off x="0" y="0"/>
+          <a:ext cx="0" cy="0"/>
+          <a:chOff x="0" y="0"/>
+          <a:chExt cx="0" cy="0"/>
+        </a:xfrm>
+      </p:grpSpPr>
+      <p:sp>
+        <p:nvSpPr>
+          <p:cNvPr id="4" name="사각형: 둥근 모서리 3">
+            <a:extLst>
+              <a:ext uri="{FF2B5EF4-FFF2-40B4-BE49-F238E27FC236}">
+                <a16:creationId xmlns:a16="http://schemas.microsoft.com/office/drawing/2014/main" id="{C3EDDF7F-C7DA-4344-A53E-3B2080B67532}"/>
+              </a:ext>
+            </a:extLst>
+          </p:cNvPr>
+          <p:cNvSpPr/>
+          <p:nvPr/>
+        </p:nvSpPr>
+        <p:spPr>
+          <a:xfrm>
+            <a:off x="101601" y="993855"/>
+            <a:ext cx="17406942" cy="318170"/>
+          </a:xfrm>
+          <a:prstGeom prst="roundRect">
+            <a:avLst/>
+          </a:prstGeom>
+          <a:solidFill>
+            <a:schemeClr val="tx1"/>
+          </a:solidFill>
+          <a:ln>
+            <a:noFill/>
+          </a:ln>
+        </p:spPr>
+        <p:style>
+          <a:lnRef idx="2">
+            <a:schemeClr val="accent1">
+              <a:shade val="50000"/>
+            </a:schemeClr>
+          </a:lnRef>
+          <a:fillRef idx="1">
+            <a:schemeClr val="accent1"/>
+          </a:fillRef>
+          <a:effectRef idx="0">
+            <a:schemeClr val="accent1"/>
+          </a:effectRef>
+          <a:fontRef idx="minor">
+            <a:schemeClr val="lt1"/>
+          </a:fontRef>
+        </p:style>
+        <p:txBody>
+          <a:bodyPr rtlCol="0" anchor="ctr"/>
+          <a:lstStyle/>
+          <a:p>
+            <a:pPr algn="ctr"/>
+            <a:r>
+              <a:rPr lang="ko-KR" altLang="en-US" b="1" dirty="0">
+                <a:latin typeface="메이플스토리" panose="02000300000000000000" pitchFamily="2" charset="-127"/>
+                <a:ea typeface="메이플스토리" panose="02000300000000000000" pitchFamily="2" charset="-127"/>
+              </a:rPr>
+              <a:t>보스</a:t>
+            </a:r>
+            <a:r>
+              <a:rPr lang="en-US" altLang="ko-KR" b="1" dirty="0">
+                <a:latin typeface="메이플스토리" panose="02000300000000000000" pitchFamily="2" charset="-127"/>
+                <a:ea typeface="메이플스토리" panose="02000300000000000000" pitchFamily="2" charset="-127"/>
+              </a:rPr>
+              <a:t> </a:t>
+            </a:r>
+            <a:r>
+              <a:rPr lang="ko-KR" altLang="en-US" b="1" dirty="0">
+                <a:latin typeface="메이플스토리" panose="02000300000000000000" pitchFamily="2" charset="-127"/>
+                <a:ea typeface="메이플스토리" panose="02000300000000000000" pitchFamily="2" charset="-127"/>
+              </a:rPr>
+              <a:t>전투 패턴</a:t>
+            </a:r>
+            <a:r>
+              <a:rPr lang="en-US" altLang="ko-KR" b="1" dirty="0">
+                <a:latin typeface="메이플스토리" panose="02000300000000000000" pitchFamily="2" charset="-127"/>
+                <a:ea typeface="메이플스토리" panose="02000300000000000000" pitchFamily="2" charset="-127"/>
+              </a:rPr>
+              <a:t>3</a:t>
+            </a:r>
+            <a:endParaRPr lang="ko-KR" altLang="en-US" b="1" dirty="0">
+              <a:latin typeface="메이플스토리" panose="02000300000000000000" pitchFamily="2" charset="-127"/>
+              <a:ea typeface="메이플스토리" panose="02000300000000000000" pitchFamily="2" charset="-127"/>
+            </a:endParaRPr>
+          </a:p>
+        </p:txBody>
+      </p:sp>
+      <p:sp>
+        <p:nvSpPr>
+          <p:cNvPr id="5" name="직사각형 4">
+            <a:extLst>
+              <a:ext uri="{FF2B5EF4-FFF2-40B4-BE49-F238E27FC236}">
+                <a16:creationId xmlns:a16="http://schemas.microsoft.com/office/drawing/2014/main" id="{D81A64FA-EA23-440A-B69D-0844B84B5458}"/>
+              </a:ext>
+            </a:extLst>
+          </p:cNvPr>
+          <p:cNvSpPr/>
+          <p:nvPr/>
+        </p:nvSpPr>
+        <p:spPr>
+          <a:xfrm>
+            <a:off x="8132804" y="33681"/>
+            <a:ext cx="1344535" cy="923330"/>
+          </a:xfrm>
+          <a:prstGeom prst="rect">
+            <a:avLst/>
+          </a:prstGeom>
+          <a:noFill/>
+        </p:spPr>
+        <p:txBody>
+          <a:bodyPr wrap="none" lIns="91440" tIns="45720" rIns="91440" bIns="45720">
+            <a:spAutoFit/>
+          </a:bodyPr>
+          <a:lstStyle/>
+          <a:p>
+            <a:pPr algn="ctr"/>
+            <a:r>
+              <a:rPr lang="en-US" altLang="ko-KR" sz="5400" b="1" dirty="0">
+                <a:ln w="0">
+                  <a:solidFill>
+                    <a:schemeClr val="bg1"/>
+                  </a:solidFill>
+                </a:ln>
+                <a:latin typeface="+mj-ea"/>
+                <a:ea typeface="+mj-ea"/>
+              </a:rPr>
+              <a:t>WA</a:t>
+            </a:r>
+          </a:p>
+        </p:txBody>
+      </p:sp>
+      <p:pic>
+        <p:nvPicPr>
+          <p:cNvPr id="3" name="그림 2">
+            <a:extLst>
+              <a:ext uri="{FF2B5EF4-FFF2-40B4-BE49-F238E27FC236}">
+                <a16:creationId xmlns:a16="http://schemas.microsoft.com/office/drawing/2014/main" id="{527488DA-A396-48F8-8AD5-9F3CBAE244A1}"/>
+              </a:ext>
+            </a:extLst>
+          </p:cNvPr>
+          <p:cNvPicPr>
+            <a:picLocks noChangeAspect="1"/>
+          </p:cNvPicPr>
+          <p:nvPr/>
+        </p:nvPicPr>
+        <p:blipFill>
+          <a:blip r:embed="rId2">
+            <a:extLst>
+              <a:ext uri="{28A0092B-C50C-407E-A947-70E740481C1C}">
+                <a14:useLocalDpi xmlns:a14="http://schemas.microsoft.com/office/drawing/2010/main" val="0"/>
+              </a:ext>
+            </a:extLst>
+          </a:blip>
+          <a:stretch>
+            <a:fillRect/>
+          </a:stretch>
+        </p:blipFill>
+        <p:spPr>
+          <a:xfrm>
+            <a:off x="101601" y="1475276"/>
+            <a:ext cx="7664703" cy="4603923"/>
+          </a:xfrm>
+          <a:prstGeom prst="rect">
+            <a:avLst/>
+          </a:prstGeom>
+        </p:spPr>
+      </p:pic>
+    </p:spTree>
+    <p:extLst>
+      <p:ext uri="{BB962C8B-B14F-4D97-AF65-F5344CB8AC3E}">
+        <p14:creationId xmlns:p14="http://schemas.microsoft.com/office/powerpoint/2010/main" val="1335835539"/>
       </p:ext>
     </p:extLst>
   </p:cSld>

--- a/기획서/문서/보스 기획서.pptx
+++ b/기획서/문서/보스 기획서.pptx
@@ -5,10 +5,10 @@
     <p:sldMasterId id="2147483684" r:id="rId1"/>
   </p:sldMasterIdLst>
   <p:notesMasterIdLst>
-    <p:notesMasterId r:id="rId10"/>
+    <p:notesMasterId r:id="rId11"/>
   </p:notesMasterIdLst>
   <p:handoutMasterIdLst>
-    <p:handoutMasterId r:id="rId11"/>
+    <p:handoutMasterId r:id="rId12"/>
   </p:handoutMasterIdLst>
   <p:sldIdLst>
     <p:sldId id="256" r:id="rId2"/>
@@ -19,6 +19,7 @@
     <p:sldId id="261" r:id="rId7"/>
     <p:sldId id="266" r:id="rId8"/>
     <p:sldId id="267" r:id="rId9"/>
+    <p:sldId id="268" r:id="rId10"/>
   </p:sldIdLst>
   <p:sldSz cx="17610138" cy="9906000"/>
   <p:notesSz cx="6858000" cy="9144000"/>
@@ -6255,7 +6256,7 @@
                 </a:r>
                 <a:r>
                   <a:rPr lang="en-US" altLang="ko-KR" sz="3200" b="1" dirty="0"/>
-                  <a:t>3</a:t>
+                  <a:t>4</a:t>
                 </a:r>
                 <a:endParaRPr lang="ko-KR" altLang="en-US" sz="3200" b="1" dirty="0"/>
               </a:p>
@@ -6282,14 +6283,11 @@
                 <a:avLst/>
               </a:prstGeom>
               <a:solidFill>
-                <a:schemeClr val="accent4">
-                  <a:lumMod val="40000"/>
-                  <a:lumOff val="60000"/>
-                </a:schemeClr>
+                <a:schemeClr val="accent1"/>
               </a:solidFill>
               <a:ln w="38100">
                 <a:solidFill>
-                  <a:schemeClr val="bg1"/>
+                  <a:schemeClr val="tx1"/>
                 </a:solidFill>
               </a:ln>
             </p:spPr>
@@ -6317,7 +6315,7 @@
                 <a:r>
                   <a:rPr lang="ko-KR" altLang="en-US" sz="3200" b="1" dirty="0">
                     <a:solidFill>
-                      <a:sysClr val="windowText" lastClr="000000"/>
+                      <a:schemeClr val="bg1"/>
                     </a:solidFill>
                   </a:rPr>
                   <a:t>패턴</a:t>
@@ -6325,14 +6323,14 @@
                 <a:r>
                   <a:rPr lang="en-US" altLang="ko-KR" sz="3200" b="1" dirty="0">
                     <a:solidFill>
-                      <a:sysClr val="windowText" lastClr="000000"/>
+                      <a:schemeClr val="bg1"/>
                     </a:solidFill>
                   </a:rPr>
-                  <a:t>1</a:t>
+                  <a:t>3</a:t>
                 </a:r>
                 <a:endParaRPr lang="ko-KR" altLang="en-US" sz="3200" b="1" dirty="0">
                   <a:solidFill>
-                    <a:sysClr val="windowText" lastClr="000000"/>
+                    <a:schemeClr val="bg1"/>
                   </a:solidFill>
                 </a:endParaRPr>
               </a:p>
@@ -8034,10 +8032,10 @@
       </p:sp>
       <p:sp>
         <p:nvSpPr>
-          <p:cNvPr id="34" name="직사각형 33">
+          <p:cNvPr id="73" name="직사각형 72">
             <a:extLst>
               <a:ext uri="{FF2B5EF4-FFF2-40B4-BE49-F238E27FC236}">
-                <a16:creationId xmlns:a16="http://schemas.microsoft.com/office/drawing/2014/main" id="{5D794C17-E28F-40F1-9CE7-C5B24616B277}"/>
+                <a16:creationId xmlns:a16="http://schemas.microsoft.com/office/drawing/2014/main" id="{E736627D-6ADB-4D9E-8365-DF877C858F7B}"/>
               </a:ext>
             </a:extLst>
           </p:cNvPr>
@@ -8046,16 +8044,16 @@
         </p:nvSpPr>
         <p:spPr>
           <a:xfrm>
-            <a:off x="12108543" y="3721760"/>
-            <a:ext cx="5400000" cy="3600000"/>
+            <a:off x="10833692" y="1512878"/>
+            <a:ext cx="1096813" cy="3010209"/>
           </a:xfrm>
           <a:prstGeom prst="rect">
             <a:avLst/>
           </a:prstGeom>
           <a:solidFill>
-            <a:schemeClr val="tx1">
-              <a:lumMod val="85000"/>
-              <a:lumOff val="15000"/>
+            <a:schemeClr val="accent2">
+              <a:lumMod val="60000"/>
+              <a:lumOff val="40000"/>
             </a:schemeClr>
           </a:solidFill>
           <a:ln>
@@ -8083,7 +8081,3665 @@
           <a:lstStyle/>
           <a:p>
             <a:pPr algn="ctr"/>
+            <a:r>
+              <a:rPr lang="en-US" altLang="ko-KR" dirty="0">
+                <a:solidFill>
+                  <a:schemeClr val="tx1"/>
+                </a:solidFill>
+              </a:rPr>
+              <a:t>2</a:t>
+            </a:r>
+            <a:r>
+              <a:rPr lang="ko-KR" altLang="en-US" dirty="0">
+                <a:solidFill>
+                  <a:schemeClr val="tx1"/>
+                </a:solidFill>
+              </a:rPr>
+              <a:t>차</a:t>
+            </a:r>
+            <a:endParaRPr lang="en-US" altLang="ko-KR" dirty="0">
+              <a:solidFill>
+                <a:schemeClr val="tx1"/>
+              </a:solidFill>
+            </a:endParaRPr>
+          </a:p>
+          <a:p>
+            <a:pPr algn="ctr"/>
+            <a:r>
+              <a:rPr lang="ko-KR" altLang="en-US" dirty="0">
+                <a:solidFill>
+                  <a:schemeClr val="tx1"/>
+                </a:solidFill>
+              </a:rPr>
+              <a:t>발사</a:t>
+            </a:r>
+          </a:p>
+        </p:txBody>
+      </p:sp>
+      <p:grpSp>
+        <p:nvGrpSpPr>
+          <p:cNvPr id="95" name="그룹 94">
+            <a:extLst>
+              <a:ext uri="{FF2B5EF4-FFF2-40B4-BE49-F238E27FC236}">
+                <a16:creationId xmlns:a16="http://schemas.microsoft.com/office/drawing/2014/main" id="{F4D1EFD0-9AFA-4793-BF5B-7B4A38FC47F9}"/>
+              </a:ext>
+            </a:extLst>
+          </p:cNvPr>
+          <p:cNvGrpSpPr/>
+          <p:nvPr/>
+        </p:nvGrpSpPr>
+        <p:grpSpPr>
+          <a:xfrm>
+            <a:off x="12071181" y="1508273"/>
+            <a:ext cx="3846436" cy="3014814"/>
+            <a:chOff x="10488543" y="1348869"/>
+            <a:chExt cx="7020000" cy="5502235"/>
+          </a:xfrm>
+        </p:grpSpPr>
+        <p:sp>
+          <p:nvSpPr>
+            <p:cNvPr id="96" name="직사각형 95">
+              <a:extLst>
+                <a:ext uri="{FF2B5EF4-FFF2-40B4-BE49-F238E27FC236}">
+                  <a16:creationId xmlns:a16="http://schemas.microsoft.com/office/drawing/2014/main" id="{188D9122-DE0C-4BCB-B74C-2D0D2A312988}"/>
+                </a:ext>
+              </a:extLst>
+            </p:cNvPr>
+            <p:cNvSpPr/>
+            <p:nvPr/>
+          </p:nvSpPr>
+          <p:spPr>
+            <a:xfrm>
+              <a:off x="10488543" y="1348869"/>
+              <a:ext cx="7020000" cy="5502235"/>
+            </a:xfrm>
+            <a:prstGeom prst="rect">
+              <a:avLst/>
+            </a:prstGeom>
+            <a:solidFill>
+              <a:schemeClr val="tx1">
+                <a:lumMod val="85000"/>
+                <a:lumOff val="15000"/>
+              </a:schemeClr>
+            </a:solidFill>
+            <a:ln>
+              <a:noFill/>
+            </a:ln>
+          </p:spPr>
+          <p:style>
+            <a:lnRef idx="2">
+              <a:schemeClr val="accent1">
+                <a:shade val="50000"/>
+              </a:schemeClr>
+            </a:lnRef>
+            <a:fillRef idx="1">
+              <a:schemeClr val="accent1"/>
+            </a:fillRef>
+            <a:effectRef idx="0">
+              <a:schemeClr val="accent1"/>
+            </a:effectRef>
+            <a:fontRef idx="minor">
+              <a:schemeClr val="lt1"/>
+            </a:fontRef>
+          </p:style>
+          <p:txBody>
+            <a:bodyPr rtlCol="0" anchor="ctr"/>
+            <a:lstStyle/>
+            <a:p>
+              <a:pPr algn="ctr"/>
+              <a:endParaRPr lang="ko-KR" altLang="en-US"/>
+            </a:p>
+          </p:txBody>
+        </p:sp>
+        <p:pic>
+          <p:nvPicPr>
+            <p:cNvPr id="97" name="Picture 2" descr="Gore Icon #207998 - Free Icons Library">
+              <a:extLst>
+                <a:ext uri="{FF2B5EF4-FFF2-40B4-BE49-F238E27FC236}">
+                  <a16:creationId xmlns:a16="http://schemas.microsoft.com/office/drawing/2014/main" id="{84E54A88-E80B-4527-A4B1-E0A79CFBBB94}"/>
+                </a:ext>
+              </a:extLst>
+            </p:cNvPr>
+            <p:cNvPicPr>
+              <a:picLocks noChangeAspect="1" noChangeArrowheads="1"/>
+            </p:cNvPicPr>
+            <p:nvPr/>
+          </p:nvPicPr>
+          <p:blipFill>
+            <a:blip r:embed="rId2">
+              <a:duotone>
+                <a:schemeClr val="accent2">
+                  <a:shade val="45000"/>
+                  <a:satMod val="135000"/>
+                </a:schemeClr>
+                <a:prstClr val="white"/>
+              </a:duotone>
+              <a:extLst>
+                <a:ext uri="{BEBA8EAE-BF5A-486C-A8C5-ECC9F3942E4B}">
+                  <a14:imgProps xmlns:a14="http://schemas.microsoft.com/office/drawing/2010/main">
+                    <a14:imgLayer r:embed="rId3">
+                      <a14:imgEffect>
+                        <a14:backgroundRemoval t="7000" b="93500" l="10000" r="90000">
+                          <a14:foregroundMark x1="36029" y1="78500" x2="56500" y2="84500"/>
+                          <a14:foregroundMark x1="31272" y1="77106" x2="32618" y2="77500"/>
+                          <a14:foregroundMark x1="27500" y1="76000" x2="29644" y2="76628"/>
+                          <a14:foregroundMark x1="56500" y1="84500" x2="69500" y2="81000"/>
+                          <a14:foregroundMark x1="48000" y1="92000" x2="52000" y2="93500"/>
+                          <a14:foregroundMark x1="16000" y1="10000" x2="16500" y2="9000"/>
+                          <a14:foregroundMark x1="82500" y1="7000" x2="82500" y2="7000"/>
+                          <a14:backgroundMark x1="32500" y1="77500" x2="32500" y2="78500"/>
+                          <a14:backgroundMark x1="32500" y1="75500" x2="32000" y2="77000"/>
+                          <a14:backgroundMark x1="31000" y1="76000" x2="31500" y2="77000"/>
+                          <a14:backgroundMark x1="31500" y1="77500" x2="31000" y2="77500"/>
+                          <a14:backgroundMark x1="30500" y1="77000" x2="30500" y2="77000"/>
+                          <a14:backgroundMark x1="30500" y1="76000" x2="30500" y2="76000"/>
+                        </a14:backgroundRemoval>
+                      </a14:imgEffect>
+                    </a14:imgLayer>
+                  </a14:imgProps>
+                </a:ext>
+                <a:ext uri="{28A0092B-C50C-407E-A947-70E740481C1C}">
+                  <a14:useLocalDpi xmlns:a14="http://schemas.microsoft.com/office/drawing/2010/main" val="0"/>
+                </a:ext>
+              </a:extLst>
+            </a:blip>
+            <a:srcRect/>
+            <a:stretch>
+              <a:fillRect/>
+            </a:stretch>
+          </p:blipFill>
+          <p:spPr bwMode="auto">
+            <a:xfrm>
+              <a:off x="13586161" y="2129374"/>
+              <a:ext cx="780161" cy="780161"/>
+            </a:xfrm>
+            <a:prstGeom prst="rect">
+              <a:avLst/>
+            </a:prstGeom>
+            <a:noFill/>
+            <a:extLst>
+              <a:ext uri="{909E8E84-426E-40DD-AFC4-6F175D3DCCD1}">
+                <a14:hiddenFill xmlns:a14="http://schemas.microsoft.com/office/drawing/2010/main">
+                  <a:solidFill>
+                    <a:srgbClr val="FFFFFF"/>
+                  </a:solidFill>
+                </a14:hiddenFill>
+              </a:ext>
+            </a:extLst>
+          </p:spPr>
+        </p:pic>
+        <p:grpSp>
+          <p:nvGrpSpPr>
+            <p:cNvPr id="98" name="그룹 97">
+              <a:extLst>
+                <a:ext uri="{FF2B5EF4-FFF2-40B4-BE49-F238E27FC236}">
+                  <a16:creationId xmlns:a16="http://schemas.microsoft.com/office/drawing/2014/main" id="{3E3DBAE4-00D4-4A4E-8468-E48D53A85DF9}"/>
+                </a:ext>
+              </a:extLst>
+            </p:cNvPr>
+            <p:cNvGrpSpPr/>
+            <p:nvPr/>
+          </p:nvGrpSpPr>
+          <p:grpSpPr>
+            <a:xfrm>
+              <a:off x="12356242" y="3559987"/>
+              <a:ext cx="3240000" cy="2160000"/>
+              <a:chOff x="10900979" y="4604282"/>
+              <a:chExt cx="3240000" cy="2160000"/>
+            </a:xfrm>
+          </p:grpSpPr>
+          <p:sp>
+            <p:nvSpPr>
+              <p:cNvPr id="99" name="직사각형 98">
+                <a:extLst>
+                  <a:ext uri="{FF2B5EF4-FFF2-40B4-BE49-F238E27FC236}">
+                    <a16:creationId xmlns:a16="http://schemas.microsoft.com/office/drawing/2014/main" id="{04180F6B-A264-4D2F-9320-0F84141A2F3F}"/>
+                  </a:ext>
+                </a:extLst>
+              </p:cNvPr>
+              <p:cNvSpPr/>
+              <p:nvPr/>
+            </p:nvSpPr>
+            <p:spPr>
+              <a:xfrm>
+                <a:off x="10900979" y="4604282"/>
+                <a:ext cx="1080000" cy="1080000"/>
+              </a:xfrm>
+              <a:prstGeom prst="rect">
+                <a:avLst/>
+              </a:prstGeom>
+              <a:solidFill>
+                <a:schemeClr val="tx2">
+                  <a:lumMod val="20000"/>
+                  <a:lumOff val="80000"/>
+                </a:schemeClr>
+              </a:solidFill>
+              <a:ln>
+                <a:solidFill>
+                  <a:schemeClr val="tx1"/>
+                </a:solidFill>
+              </a:ln>
+            </p:spPr>
+            <p:style>
+              <a:lnRef idx="2">
+                <a:schemeClr val="accent1">
+                  <a:shade val="50000"/>
+                </a:schemeClr>
+              </a:lnRef>
+              <a:fillRef idx="1">
+                <a:schemeClr val="accent1"/>
+              </a:fillRef>
+              <a:effectRef idx="0">
+                <a:schemeClr val="accent1"/>
+              </a:effectRef>
+              <a:fontRef idx="minor">
+                <a:schemeClr val="lt1"/>
+              </a:fontRef>
+            </p:style>
+            <p:txBody>
+              <a:bodyPr rtlCol="0" anchor="ctr"/>
+              <a:lstStyle/>
+              <a:p>
+                <a:pPr algn="ctr"/>
+                <a:endParaRPr lang="en-US" altLang="ko-KR" dirty="0"/>
+              </a:p>
+            </p:txBody>
+          </p:sp>
+          <p:sp>
+            <p:nvSpPr>
+              <p:cNvPr id="100" name="직사각형 99">
+                <a:extLst>
+                  <a:ext uri="{FF2B5EF4-FFF2-40B4-BE49-F238E27FC236}">
+                    <a16:creationId xmlns:a16="http://schemas.microsoft.com/office/drawing/2014/main" id="{E7A89377-F886-4F9C-8675-14D842B40778}"/>
+                  </a:ext>
+                </a:extLst>
+              </p:cNvPr>
+              <p:cNvSpPr/>
+              <p:nvPr/>
+            </p:nvSpPr>
+            <p:spPr>
+              <a:xfrm>
+                <a:off x="11980979" y="4604282"/>
+                <a:ext cx="1080000" cy="1080000"/>
+              </a:xfrm>
+              <a:prstGeom prst="rect">
+                <a:avLst/>
+              </a:prstGeom>
+              <a:solidFill>
+                <a:schemeClr val="tx2">
+                  <a:lumMod val="20000"/>
+                  <a:lumOff val="80000"/>
+                </a:schemeClr>
+              </a:solidFill>
+              <a:ln>
+                <a:solidFill>
+                  <a:schemeClr val="tx1"/>
+                </a:solidFill>
+              </a:ln>
+            </p:spPr>
+            <p:style>
+              <a:lnRef idx="2">
+                <a:schemeClr val="accent1">
+                  <a:shade val="50000"/>
+                </a:schemeClr>
+              </a:lnRef>
+              <a:fillRef idx="1">
+                <a:schemeClr val="accent1"/>
+              </a:fillRef>
+              <a:effectRef idx="0">
+                <a:schemeClr val="accent1"/>
+              </a:effectRef>
+              <a:fontRef idx="minor">
+                <a:schemeClr val="lt1"/>
+              </a:fontRef>
+            </p:style>
+            <p:txBody>
+              <a:bodyPr rtlCol="0" anchor="ctr"/>
+              <a:lstStyle/>
+              <a:p>
+                <a:pPr algn="ctr"/>
+                <a:endParaRPr lang="en-US" altLang="ko-KR" dirty="0"/>
+              </a:p>
+            </p:txBody>
+          </p:sp>
+          <p:sp>
+            <p:nvSpPr>
+              <p:cNvPr id="101" name="직사각형 100">
+                <a:extLst>
+                  <a:ext uri="{FF2B5EF4-FFF2-40B4-BE49-F238E27FC236}">
+                    <a16:creationId xmlns:a16="http://schemas.microsoft.com/office/drawing/2014/main" id="{8BF0B50B-5561-4E74-B31B-51FA2616AF47}"/>
+                  </a:ext>
+                </a:extLst>
+              </p:cNvPr>
+              <p:cNvSpPr/>
+              <p:nvPr/>
+            </p:nvSpPr>
+            <p:spPr>
+              <a:xfrm>
+                <a:off x="13060979" y="4604282"/>
+                <a:ext cx="1080000" cy="1080000"/>
+              </a:xfrm>
+              <a:prstGeom prst="rect">
+                <a:avLst/>
+              </a:prstGeom>
+              <a:solidFill>
+                <a:schemeClr val="tx2">
+                  <a:lumMod val="20000"/>
+                  <a:lumOff val="80000"/>
+                </a:schemeClr>
+              </a:solidFill>
+              <a:ln>
+                <a:solidFill>
+                  <a:schemeClr val="tx1"/>
+                </a:solidFill>
+              </a:ln>
+            </p:spPr>
+            <p:style>
+              <a:lnRef idx="2">
+                <a:schemeClr val="accent1">
+                  <a:shade val="50000"/>
+                </a:schemeClr>
+              </a:lnRef>
+              <a:fillRef idx="1">
+                <a:schemeClr val="accent1"/>
+              </a:fillRef>
+              <a:effectRef idx="0">
+                <a:schemeClr val="accent1"/>
+              </a:effectRef>
+              <a:fontRef idx="minor">
+                <a:schemeClr val="lt1"/>
+              </a:fontRef>
+            </p:style>
+            <p:txBody>
+              <a:bodyPr rtlCol="0" anchor="ctr"/>
+              <a:lstStyle/>
+              <a:p>
+                <a:pPr algn="ctr"/>
+                <a:endParaRPr lang="en-US" altLang="ko-KR" dirty="0"/>
+              </a:p>
+            </p:txBody>
+          </p:sp>
+          <p:sp>
+            <p:nvSpPr>
+              <p:cNvPr id="102" name="직사각형 101">
+                <a:extLst>
+                  <a:ext uri="{FF2B5EF4-FFF2-40B4-BE49-F238E27FC236}">
+                    <a16:creationId xmlns:a16="http://schemas.microsoft.com/office/drawing/2014/main" id="{40432ED3-8D1E-455D-B043-968A47ABDFD5}"/>
+                  </a:ext>
+                </a:extLst>
+              </p:cNvPr>
+              <p:cNvSpPr/>
+              <p:nvPr/>
+            </p:nvSpPr>
+            <p:spPr>
+              <a:xfrm>
+                <a:off x="10900979" y="5684282"/>
+                <a:ext cx="1080000" cy="1080000"/>
+              </a:xfrm>
+              <a:prstGeom prst="rect">
+                <a:avLst/>
+              </a:prstGeom>
+              <a:solidFill>
+                <a:schemeClr val="tx2">
+                  <a:lumMod val="20000"/>
+                  <a:lumOff val="80000"/>
+                </a:schemeClr>
+              </a:solidFill>
+              <a:ln>
+                <a:solidFill>
+                  <a:schemeClr val="tx1"/>
+                </a:solidFill>
+              </a:ln>
+            </p:spPr>
+            <p:style>
+              <a:lnRef idx="2">
+                <a:schemeClr val="accent1">
+                  <a:shade val="50000"/>
+                </a:schemeClr>
+              </a:lnRef>
+              <a:fillRef idx="1">
+                <a:schemeClr val="accent1"/>
+              </a:fillRef>
+              <a:effectRef idx="0">
+                <a:schemeClr val="accent1"/>
+              </a:effectRef>
+              <a:fontRef idx="minor">
+                <a:schemeClr val="lt1"/>
+              </a:fontRef>
+            </p:style>
+            <p:txBody>
+              <a:bodyPr rtlCol="0" anchor="ctr"/>
+              <a:lstStyle/>
+              <a:p>
+                <a:pPr algn="ctr"/>
+                <a:endParaRPr lang="en-US" altLang="ko-KR" dirty="0"/>
+              </a:p>
+            </p:txBody>
+          </p:sp>
+          <p:sp>
+            <p:nvSpPr>
+              <p:cNvPr id="103" name="직사각형 102">
+                <a:extLst>
+                  <a:ext uri="{FF2B5EF4-FFF2-40B4-BE49-F238E27FC236}">
+                    <a16:creationId xmlns:a16="http://schemas.microsoft.com/office/drawing/2014/main" id="{A5325E02-B3D4-4B35-93E6-2312C5776999}"/>
+                  </a:ext>
+                </a:extLst>
+              </p:cNvPr>
+              <p:cNvSpPr/>
+              <p:nvPr/>
+            </p:nvSpPr>
+            <p:spPr>
+              <a:xfrm>
+                <a:off x="11980979" y="5684282"/>
+                <a:ext cx="1080000" cy="1080000"/>
+              </a:xfrm>
+              <a:prstGeom prst="rect">
+                <a:avLst/>
+              </a:prstGeom>
+              <a:solidFill>
+                <a:schemeClr val="tx2">
+                  <a:lumMod val="20000"/>
+                  <a:lumOff val="80000"/>
+                </a:schemeClr>
+              </a:solidFill>
+              <a:ln>
+                <a:solidFill>
+                  <a:schemeClr val="tx1"/>
+                </a:solidFill>
+              </a:ln>
+            </p:spPr>
+            <p:style>
+              <a:lnRef idx="2">
+                <a:schemeClr val="accent1">
+                  <a:shade val="50000"/>
+                </a:schemeClr>
+              </a:lnRef>
+              <a:fillRef idx="1">
+                <a:schemeClr val="accent1"/>
+              </a:fillRef>
+              <a:effectRef idx="0">
+                <a:schemeClr val="accent1"/>
+              </a:effectRef>
+              <a:fontRef idx="minor">
+                <a:schemeClr val="lt1"/>
+              </a:fontRef>
+            </p:style>
+            <p:txBody>
+              <a:bodyPr rtlCol="0" anchor="ctr"/>
+              <a:lstStyle/>
+              <a:p>
+                <a:pPr algn="ctr"/>
+                <a:endParaRPr lang="en-US" altLang="ko-KR" dirty="0"/>
+              </a:p>
+            </p:txBody>
+          </p:sp>
+          <p:sp>
+            <p:nvSpPr>
+              <p:cNvPr id="104" name="직사각형 103">
+                <a:extLst>
+                  <a:ext uri="{FF2B5EF4-FFF2-40B4-BE49-F238E27FC236}">
+                    <a16:creationId xmlns:a16="http://schemas.microsoft.com/office/drawing/2014/main" id="{57E0CB19-759D-411A-93D9-B6C1B264686A}"/>
+                  </a:ext>
+                </a:extLst>
+              </p:cNvPr>
+              <p:cNvSpPr/>
+              <p:nvPr/>
+            </p:nvSpPr>
+            <p:spPr>
+              <a:xfrm>
+                <a:off x="13060979" y="5684282"/>
+                <a:ext cx="1080000" cy="1080000"/>
+              </a:xfrm>
+              <a:prstGeom prst="rect">
+                <a:avLst/>
+              </a:prstGeom>
+              <a:solidFill>
+                <a:schemeClr val="tx2">
+                  <a:lumMod val="20000"/>
+                  <a:lumOff val="80000"/>
+                </a:schemeClr>
+              </a:solidFill>
+              <a:ln>
+                <a:solidFill>
+                  <a:schemeClr val="tx1"/>
+                </a:solidFill>
+              </a:ln>
+            </p:spPr>
+            <p:style>
+              <a:lnRef idx="2">
+                <a:schemeClr val="accent1">
+                  <a:shade val="50000"/>
+                </a:schemeClr>
+              </a:lnRef>
+              <a:fillRef idx="1">
+                <a:schemeClr val="accent1"/>
+              </a:fillRef>
+              <a:effectRef idx="0">
+                <a:schemeClr val="accent1"/>
+              </a:effectRef>
+              <a:fontRef idx="minor">
+                <a:schemeClr val="lt1"/>
+              </a:fontRef>
+            </p:style>
+            <p:txBody>
+              <a:bodyPr rtlCol="0" anchor="ctr"/>
+              <a:lstStyle/>
+              <a:p>
+                <a:pPr algn="ctr"/>
+                <a:endParaRPr lang="en-US" altLang="ko-KR" dirty="0"/>
+              </a:p>
+            </p:txBody>
+          </p:sp>
+        </p:grpSp>
+      </p:grpSp>
+      <p:sp>
+        <p:nvSpPr>
+          <p:cNvPr id="111" name="타원 110">
+            <a:extLst>
+              <a:ext uri="{FF2B5EF4-FFF2-40B4-BE49-F238E27FC236}">
+                <a16:creationId xmlns:a16="http://schemas.microsoft.com/office/drawing/2014/main" id="{6BCC834B-739B-48E1-A21D-5CA453604FFD}"/>
+              </a:ext>
+            </a:extLst>
+          </p:cNvPr>
+          <p:cNvSpPr/>
+          <p:nvPr/>
+        </p:nvSpPr>
+        <p:spPr>
+          <a:xfrm>
+            <a:off x="13338309" y="3558473"/>
+            <a:ext cx="271471" cy="271471"/>
+          </a:xfrm>
+          <a:prstGeom prst="ellipse">
+            <a:avLst/>
+          </a:prstGeom>
+          <a:solidFill>
+            <a:srgbClr val="92D050"/>
+          </a:solidFill>
+          <a:ln>
+            <a:solidFill>
+              <a:schemeClr val="accent6">
+                <a:lumMod val="75000"/>
+              </a:schemeClr>
+            </a:solidFill>
+          </a:ln>
+        </p:spPr>
+        <p:style>
+          <a:lnRef idx="2">
+            <a:schemeClr val="accent1">
+              <a:shade val="50000"/>
+            </a:schemeClr>
+          </a:lnRef>
+          <a:fillRef idx="1">
+            <a:schemeClr val="accent1"/>
+          </a:fillRef>
+          <a:effectRef idx="0">
+            <a:schemeClr val="accent1"/>
+          </a:effectRef>
+          <a:fontRef idx="minor">
+            <a:schemeClr val="lt1"/>
+          </a:fontRef>
+        </p:style>
+        <p:txBody>
+          <a:bodyPr rtlCol="0" anchor="ctr"/>
+          <a:lstStyle/>
+          <a:p>
+            <a:pPr algn="ctr"/>
+            <a:r>
+              <a:rPr lang="en-US" altLang="ko-KR" dirty="0"/>
+              <a:t>P</a:t>
+            </a:r>
+            <a:endParaRPr lang="ko-KR" altLang="en-US" dirty="0"/>
+          </a:p>
+        </p:txBody>
+      </p:sp>
+      <p:cxnSp>
+        <p:nvCxnSpPr>
+          <p:cNvPr id="114" name="직선 화살표 연결선 113">
+            <a:extLst>
+              <a:ext uri="{FF2B5EF4-FFF2-40B4-BE49-F238E27FC236}">
+                <a16:creationId xmlns:a16="http://schemas.microsoft.com/office/drawing/2014/main" id="{986FD392-B60C-427F-84AA-4F94858B0E46}"/>
+              </a:ext>
+            </a:extLst>
+          </p:cNvPr>
+          <p:cNvCxnSpPr>
+            <a:cxnSpLocks/>
+          </p:cNvCxnSpPr>
+          <p:nvPr/>
+        </p:nvCxnSpPr>
+        <p:spPr>
+          <a:xfrm>
+            <a:off x="12900314" y="3527838"/>
+            <a:ext cx="2968336" cy="915334"/>
+          </a:xfrm>
+          <a:prstGeom prst="straightConnector1">
+            <a:avLst/>
+          </a:prstGeom>
+          <a:ln>
+            <a:solidFill>
+              <a:srgbClr val="FF0000"/>
+            </a:solidFill>
+            <a:tailEnd type="triangle"/>
+          </a:ln>
+        </p:spPr>
+        <p:style>
+          <a:lnRef idx="1">
+            <a:schemeClr val="accent1"/>
+          </a:lnRef>
+          <a:fillRef idx="0">
+            <a:schemeClr val="accent1"/>
+          </a:fillRef>
+          <a:effectRef idx="0">
+            <a:schemeClr val="accent1"/>
+          </a:effectRef>
+          <a:fontRef idx="minor">
+            <a:schemeClr val="tx1"/>
+          </a:fontRef>
+        </p:style>
+      </p:cxnSp>
+      <p:cxnSp>
+        <p:nvCxnSpPr>
+          <p:cNvPr id="121" name="직선 화살표 연결선 120">
+            <a:extLst>
+              <a:ext uri="{FF2B5EF4-FFF2-40B4-BE49-F238E27FC236}">
+                <a16:creationId xmlns:a16="http://schemas.microsoft.com/office/drawing/2014/main" id="{A4B49112-AC8E-410D-BF6C-5199C3639B8B}"/>
+              </a:ext>
+            </a:extLst>
+          </p:cNvPr>
+          <p:cNvCxnSpPr>
+            <a:cxnSpLocks/>
+          </p:cNvCxnSpPr>
+          <p:nvPr/>
+        </p:nvCxnSpPr>
+        <p:spPr>
+          <a:xfrm>
+            <a:off x="13066967" y="2559114"/>
+            <a:ext cx="650813" cy="1963973"/>
+          </a:xfrm>
+          <a:prstGeom prst="straightConnector1">
+            <a:avLst/>
+          </a:prstGeom>
+          <a:ln>
+            <a:solidFill>
+              <a:srgbClr val="FF0000"/>
+            </a:solidFill>
+            <a:tailEnd type="triangle"/>
+          </a:ln>
+        </p:spPr>
+        <p:style>
+          <a:lnRef idx="1">
+            <a:schemeClr val="accent1"/>
+          </a:lnRef>
+          <a:fillRef idx="0">
+            <a:schemeClr val="accent1"/>
+          </a:fillRef>
+          <a:effectRef idx="0">
+            <a:schemeClr val="accent1"/>
+          </a:effectRef>
+          <a:fontRef idx="minor">
+            <a:schemeClr val="tx1"/>
+          </a:fontRef>
+        </p:style>
+      </p:cxnSp>
+      <p:cxnSp>
+        <p:nvCxnSpPr>
+          <p:cNvPr id="124" name="직선 화살표 연결선 123">
+            <a:extLst>
+              <a:ext uri="{FF2B5EF4-FFF2-40B4-BE49-F238E27FC236}">
+                <a16:creationId xmlns:a16="http://schemas.microsoft.com/office/drawing/2014/main" id="{B3B572BC-8D7B-499A-8863-1DF912FCAFED}"/>
+              </a:ext>
+            </a:extLst>
+          </p:cNvPr>
+          <p:cNvCxnSpPr>
+            <a:cxnSpLocks/>
+          </p:cNvCxnSpPr>
+          <p:nvPr/>
+        </p:nvCxnSpPr>
+        <p:spPr>
+          <a:xfrm flipH="1">
+            <a:off x="13243534" y="2996210"/>
+            <a:ext cx="420246" cy="1485228"/>
+          </a:xfrm>
+          <a:prstGeom prst="straightConnector1">
+            <a:avLst/>
+          </a:prstGeom>
+          <a:ln>
+            <a:solidFill>
+              <a:srgbClr val="FF0000"/>
+            </a:solidFill>
+            <a:tailEnd type="triangle"/>
+          </a:ln>
+        </p:spPr>
+        <p:style>
+          <a:lnRef idx="1">
+            <a:schemeClr val="accent1"/>
+          </a:lnRef>
+          <a:fillRef idx="0">
+            <a:schemeClr val="accent1"/>
+          </a:fillRef>
+          <a:effectRef idx="0">
+            <a:schemeClr val="accent1"/>
+          </a:effectRef>
+          <a:fontRef idx="minor">
+            <a:schemeClr val="tx1"/>
+          </a:fontRef>
+        </p:style>
+      </p:cxnSp>
+      <p:cxnSp>
+        <p:nvCxnSpPr>
+          <p:cNvPr id="126" name="직선 화살표 연결선 125">
+            <a:extLst>
+              <a:ext uri="{FF2B5EF4-FFF2-40B4-BE49-F238E27FC236}">
+                <a16:creationId xmlns:a16="http://schemas.microsoft.com/office/drawing/2014/main" id="{838ED1D9-B06C-4189-999A-DA1E2072ADBE}"/>
+              </a:ext>
+            </a:extLst>
+          </p:cNvPr>
+          <p:cNvCxnSpPr>
+            <a:cxnSpLocks/>
+          </p:cNvCxnSpPr>
+          <p:nvPr/>
+        </p:nvCxnSpPr>
+        <p:spPr>
+          <a:xfrm flipH="1">
+            <a:off x="12463746" y="3202934"/>
+            <a:ext cx="1579506" cy="1294398"/>
+          </a:xfrm>
+          <a:prstGeom prst="straightConnector1">
+            <a:avLst/>
+          </a:prstGeom>
+          <a:ln>
+            <a:solidFill>
+              <a:srgbClr val="FF0000"/>
+            </a:solidFill>
+            <a:tailEnd type="triangle"/>
+          </a:ln>
+        </p:spPr>
+        <p:style>
+          <a:lnRef idx="1">
+            <a:schemeClr val="accent1"/>
+          </a:lnRef>
+          <a:fillRef idx="0">
+            <a:schemeClr val="accent1"/>
+          </a:fillRef>
+          <a:effectRef idx="0">
+            <a:schemeClr val="accent1"/>
+          </a:effectRef>
+          <a:fontRef idx="minor">
+            <a:schemeClr val="tx1"/>
+          </a:fontRef>
+        </p:style>
+      </p:cxnSp>
+      <p:cxnSp>
+        <p:nvCxnSpPr>
+          <p:cNvPr id="129" name="직선 화살표 연결선 128">
+            <a:extLst>
+              <a:ext uri="{FF2B5EF4-FFF2-40B4-BE49-F238E27FC236}">
+                <a16:creationId xmlns:a16="http://schemas.microsoft.com/office/drawing/2014/main" id="{3E8C41F6-B30E-40D7-963C-FEA71F332314}"/>
+              </a:ext>
+            </a:extLst>
+          </p:cNvPr>
+          <p:cNvCxnSpPr>
+            <a:cxnSpLocks/>
+          </p:cNvCxnSpPr>
+          <p:nvPr/>
+        </p:nvCxnSpPr>
+        <p:spPr>
+          <a:xfrm flipH="1">
+            <a:off x="12175821" y="2927730"/>
+            <a:ext cx="3069447" cy="1322024"/>
+          </a:xfrm>
+          <a:prstGeom prst="straightConnector1">
+            <a:avLst/>
+          </a:prstGeom>
+          <a:ln>
+            <a:solidFill>
+              <a:srgbClr val="FF0000"/>
+            </a:solidFill>
+            <a:tailEnd type="triangle"/>
+          </a:ln>
+        </p:spPr>
+        <p:style>
+          <a:lnRef idx="1">
+            <a:schemeClr val="accent1"/>
+          </a:lnRef>
+          <a:fillRef idx="0">
+            <a:schemeClr val="accent1"/>
+          </a:fillRef>
+          <a:effectRef idx="0">
+            <a:schemeClr val="accent1"/>
+          </a:effectRef>
+          <a:fontRef idx="minor">
+            <a:schemeClr val="tx1"/>
+          </a:fontRef>
+        </p:style>
+      </p:cxnSp>
+      <p:cxnSp>
+        <p:nvCxnSpPr>
+          <p:cNvPr id="131" name="직선 화살표 연결선 130">
+            <a:extLst>
+              <a:ext uri="{FF2B5EF4-FFF2-40B4-BE49-F238E27FC236}">
+                <a16:creationId xmlns:a16="http://schemas.microsoft.com/office/drawing/2014/main" id="{DE561894-75F0-4858-9E84-1F3B2FD7689A}"/>
+              </a:ext>
+            </a:extLst>
+          </p:cNvPr>
+          <p:cNvCxnSpPr>
+            <a:cxnSpLocks/>
+          </p:cNvCxnSpPr>
+          <p:nvPr/>
+        </p:nvCxnSpPr>
+        <p:spPr>
+          <a:xfrm flipH="1">
+            <a:off x="12214225" y="3615822"/>
+            <a:ext cx="3171720" cy="141502"/>
+          </a:xfrm>
+          <a:prstGeom prst="straightConnector1">
+            <a:avLst/>
+          </a:prstGeom>
+          <a:ln>
+            <a:solidFill>
+              <a:srgbClr val="FF0000"/>
+            </a:solidFill>
+            <a:tailEnd type="triangle"/>
+          </a:ln>
+        </p:spPr>
+        <p:style>
+          <a:lnRef idx="1">
+            <a:schemeClr val="accent1"/>
+          </a:lnRef>
+          <a:fillRef idx="0">
+            <a:schemeClr val="accent1"/>
+          </a:fillRef>
+          <a:effectRef idx="0">
+            <a:schemeClr val="accent1"/>
+          </a:effectRef>
+          <a:fontRef idx="minor">
+            <a:schemeClr val="tx1"/>
+          </a:fontRef>
+        </p:style>
+      </p:cxnSp>
+      <p:sp>
+        <p:nvSpPr>
+          <p:cNvPr id="105" name="타원 104">
+            <a:extLst>
+              <a:ext uri="{FF2B5EF4-FFF2-40B4-BE49-F238E27FC236}">
+                <a16:creationId xmlns:a16="http://schemas.microsoft.com/office/drawing/2014/main" id="{39367344-BB72-49C4-906F-73BD1F92FE20}"/>
+              </a:ext>
+            </a:extLst>
+          </p:cNvPr>
+          <p:cNvSpPr/>
+          <p:nvPr/>
+        </p:nvSpPr>
+        <p:spPr>
+          <a:xfrm>
+            <a:off x="13015292" y="2513677"/>
+            <a:ext cx="108000" cy="108000"/>
+          </a:xfrm>
+          <a:prstGeom prst="ellipse">
+            <a:avLst/>
+          </a:prstGeom>
+          <a:gradFill flip="none" rotWithShape="1">
+            <a:gsLst>
+              <a:gs pos="0">
+                <a:schemeClr val="accent3">
+                  <a:lumMod val="40000"/>
+                  <a:lumOff val="60000"/>
+                </a:schemeClr>
+              </a:gs>
+              <a:gs pos="46000">
+                <a:schemeClr val="accent3">
+                  <a:lumMod val="95000"/>
+                  <a:lumOff val="5000"/>
+                </a:schemeClr>
+              </a:gs>
+              <a:gs pos="100000">
+                <a:schemeClr val="accent3">
+                  <a:lumMod val="60000"/>
+                </a:schemeClr>
+              </a:gs>
+            </a:gsLst>
+            <a:path path="circle">
+              <a:fillToRect l="50000" t="130000" r="50000" b="-30000"/>
+            </a:path>
+            <a:tileRect/>
+          </a:gradFill>
+          <a:ln w="6350">
+            <a:solidFill>
+              <a:schemeClr val="bg1"/>
+            </a:solidFill>
+          </a:ln>
+        </p:spPr>
+        <p:style>
+          <a:lnRef idx="2">
+            <a:schemeClr val="accent1">
+              <a:shade val="50000"/>
+            </a:schemeClr>
+          </a:lnRef>
+          <a:fillRef idx="1">
+            <a:schemeClr val="accent1"/>
+          </a:fillRef>
+          <a:effectRef idx="0">
+            <a:schemeClr val="accent1"/>
+          </a:effectRef>
+          <a:fontRef idx="minor">
+            <a:schemeClr val="lt1"/>
+          </a:fontRef>
+        </p:style>
+        <p:txBody>
+          <a:bodyPr rtlCol="0" anchor="ctr"/>
+          <a:lstStyle/>
+          <a:p>
+            <a:pPr algn="ctr"/>
             <a:endParaRPr lang="ko-KR" altLang="en-US"/>
+          </a:p>
+        </p:txBody>
+      </p:sp>
+      <p:sp>
+        <p:nvSpPr>
+          <p:cNvPr id="106" name="타원 105">
+            <a:extLst>
+              <a:ext uri="{FF2B5EF4-FFF2-40B4-BE49-F238E27FC236}">
+                <a16:creationId xmlns:a16="http://schemas.microsoft.com/office/drawing/2014/main" id="{14E20AB2-730D-47FA-A9B4-3F4F13C59AC4}"/>
+              </a:ext>
+            </a:extLst>
+          </p:cNvPr>
+          <p:cNvSpPr/>
+          <p:nvPr/>
+        </p:nvSpPr>
+        <p:spPr>
+          <a:xfrm>
+            <a:off x="12846314" y="3473678"/>
+            <a:ext cx="108000" cy="108000"/>
+          </a:xfrm>
+          <a:prstGeom prst="ellipse">
+            <a:avLst/>
+          </a:prstGeom>
+          <a:gradFill flip="none" rotWithShape="1">
+            <a:gsLst>
+              <a:gs pos="0">
+                <a:schemeClr val="accent3">
+                  <a:lumMod val="40000"/>
+                  <a:lumOff val="60000"/>
+                </a:schemeClr>
+              </a:gs>
+              <a:gs pos="46000">
+                <a:schemeClr val="accent3">
+                  <a:lumMod val="95000"/>
+                  <a:lumOff val="5000"/>
+                </a:schemeClr>
+              </a:gs>
+              <a:gs pos="100000">
+                <a:schemeClr val="accent3">
+                  <a:lumMod val="60000"/>
+                </a:schemeClr>
+              </a:gs>
+            </a:gsLst>
+            <a:path path="circle">
+              <a:fillToRect l="50000" t="130000" r="50000" b="-30000"/>
+            </a:path>
+            <a:tileRect/>
+          </a:gradFill>
+          <a:ln w="6350">
+            <a:solidFill>
+              <a:schemeClr val="bg1"/>
+            </a:solidFill>
+          </a:ln>
+        </p:spPr>
+        <p:style>
+          <a:lnRef idx="2">
+            <a:schemeClr val="accent1">
+              <a:shade val="50000"/>
+            </a:schemeClr>
+          </a:lnRef>
+          <a:fillRef idx="1">
+            <a:schemeClr val="accent1"/>
+          </a:fillRef>
+          <a:effectRef idx="0">
+            <a:schemeClr val="accent1"/>
+          </a:effectRef>
+          <a:fontRef idx="minor">
+            <a:schemeClr val="lt1"/>
+          </a:fontRef>
+        </p:style>
+        <p:txBody>
+          <a:bodyPr rtlCol="0" anchor="ctr"/>
+          <a:lstStyle/>
+          <a:p>
+            <a:pPr algn="ctr"/>
+            <a:endParaRPr lang="ko-KR" altLang="en-US" dirty="0"/>
+          </a:p>
+        </p:txBody>
+      </p:sp>
+      <p:sp>
+        <p:nvSpPr>
+          <p:cNvPr id="107" name="타원 106">
+            <a:extLst>
+              <a:ext uri="{FF2B5EF4-FFF2-40B4-BE49-F238E27FC236}">
+                <a16:creationId xmlns:a16="http://schemas.microsoft.com/office/drawing/2014/main" id="{05A810FA-6AF5-4284-92D8-D8D0CECAC694}"/>
+              </a:ext>
+            </a:extLst>
+          </p:cNvPr>
+          <p:cNvSpPr/>
+          <p:nvPr/>
+        </p:nvSpPr>
+        <p:spPr>
+          <a:xfrm>
+            <a:off x="13609780" y="2945636"/>
+            <a:ext cx="108000" cy="108000"/>
+          </a:xfrm>
+          <a:prstGeom prst="ellipse">
+            <a:avLst/>
+          </a:prstGeom>
+          <a:gradFill flip="none" rotWithShape="1">
+            <a:gsLst>
+              <a:gs pos="0">
+                <a:schemeClr val="accent3">
+                  <a:lumMod val="40000"/>
+                  <a:lumOff val="60000"/>
+                </a:schemeClr>
+              </a:gs>
+              <a:gs pos="46000">
+                <a:schemeClr val="accent3">
+                  <a:lumMod val="95000"/>
+                  <a:lumOff val="5000"/>
+                </a:schemeClr>
+              </a:gs>
+              <a:gs pos="100000">
+                <a:schemeClr val="accent3">
+                  <a:lumMod val="60000"/>
+                </a:schemeClr>
+              </a:gs>
+            </a:gsLst>
+            <a:path path="circle">
+              <a:fillToRect l="50000" t="130000" r="50000" b="-30000"/>
+            </a:path>
+            <a:tileRect/>
+          </a:gradFill>
+          <a:ln w="6350">
+            <a:solidFill>
+              <a:schemeClr val="bg1"/>
+            </a:solidFill>
+          </a:ln>
+        </p:spPr>
+        <p:style>
+          <a:lnRef idx="2">
+            <a:schemeClr val="accent1">
+              <a:shade val="50000"/>
+            </a:schemeClr>
+          </a:lnRef>
+          <a:fillRef idx="1">
+            <a:schemeClr val="accent1"/>
+          </a:fillRef>
+          <a:effectRef idx="0">
+            <a:schemeClr val="accent1"/>
+          </a:effectRef>
+          <a:fontRef idx="minor">
+            <a:schemeClr val="lt1"/>
+          </a:fontRef>
+        </p:style>
+        <p:txBody>
+          <a:bodyPr rtlCol="0" anchor="ctr"/>
+          <a:lstStyle/>
+          <a:p>
+            <a:pPr algn="ctr"/>
+            <a:endParaRPr lang="ko-KR" altLang="en-US"/>
+          </a:p>
+        </p:txBody>
+      </p:sp>
+      <p:sp>
+        <p:nvSpPr>
+          <p:cNvPr id="108" name="타원 107">
+            <a:extLst>
+              <a:ext uri="{FF2B5EF4-FFF2-40B4-BE49-F238E27FC236}">
+                <a16:creationId xmlns:a16="http://schemas.microsoft.com/office/drawing/2014/main" id="{4EE8F8A7-4993-4F9B-9DB2-79CDBAF8AE27}"/>
+              </a:ext>
+            </a:extLst>
+          </p:cNvPr>
+          <p:cNvSpPr/>
+          <p:nvPr/>
+        </p:nvSpPr>
+        <p:spPr>
+          <a:xfrm>
+            <a:off x="13989251" y="3159437"/>
+            <a:ext cx="108000" cy="108000"/>
+          </a:xfrm>
+          <a:prstGeom prst="ellipse">
+            <a:avLst/>
+          </a:prstGeom>
+          <a:gradFill flip="none" rotWithShape="1">
+            <a:gsLst>
+              <a:gs pos="0">
+                <a:schemeClr val="accent3">
+                  <a:lumMod val="40000"/>
+                  <a:lumOff val="60000"/>
+                </a:schemeClr>
+              </a:gs>
+              <a:gs pos="46000">
+                <a:schemeClr val="accent3">
+                  <a:lumMod val="95000"/>
+                  <a:lumOff val="5000"/>
+                </a:schemeClr>
+              </a:gs>
+              <a:gs pos="100000">
+                <a:schemeClr val="accent3">
+                  <a:lumMod val="60000"/>
+                </a:schemeClr>
+              </a:gs>
+            </a:gsLst>
+            <a:path path="circle">
+              <a:fillToRect l="50000" t="130000" r="50000" b="-30000"/>
+            </a:path>
+            <a:tileRect/>
+          </a:gradFill>
+          <a:ln w="6350">
+            <a:solidFill>
+              <a:schemeClr val="bg1"/>
+            </a:solidFill>
+          </a:ln>
+        </p:spPr>
+        <p:style>
+          <a:lnRef idx="2">
+            <a:schemeClr val="accent1">
+              <a:shade val="50000"/>
+            </a:schemeClr>
+          </a:lnRef>
+          <a:fillRef idx="1">
+            <a:schemeClr val="accent1"/>
+          </a:fillRef>
+          <a:effectRef idx="0">
+            <a:schemeClr val="accent1"/>
+          </a:effectRef>
+          <a:fontRef idx="minor">
+            <a:schemeClr val="lt1"/>
+          </a:fontRef>
+        </p:style>
+        <p:txBody>
+          <a:bodyPr rtlCol="0" anchor="ctr"/>
+          <a:lstStyle/>
+          <a:p>
+            <a:pPr algn="ctr"/>
+            <a:endParaRPr lang="ko-KR" altLang="en-US"/>
+          </a:p>
+        </p:txBody>
+      </p:sp>
+      <p:sp>
+        <p:nvSpPr>
+          <p:cNvPr id="109" name="타원 108">
+            <a:extLst>
+              <a:ext uri="{FF2B5EF4-FFF2-40B4-BE49-F238E27FC236}">
+                <a16:creationId xmlns:a16="http://schemas.microsoft.com/office/drawing/2014/main" id="{146B30ED-70C5-4668-8426-AC78FB7C3585}"/>
+              </a:ext>
+            </a:extLst>
+          </p:cNvPr>
+          <p:cNvSpPr/>
+          <p:nvPr/>
+        </p:nvSpPr>
+        <p:spPr>
+          <a:xfrm>
+            <a:off x="15332200" y="3566257"/>
+            <a:ext cx="108000" cy="108000"/>
+          </a:xfrm>
+          <a:prstGeom prst="ellipse">
+            <a:avLst/>
+          </a:prstGeom>
+          <a:gradFill flip="none" rotWithShape="1">
+            <a:gsLst>
+              <a:gs pos="0">
+                <a:schemeClr val="accent3">
+                  <a:lumMod val="40000"/>
+                  <a:lumOff val="60000"/>
+                </a:schemeClr>
+              </a:gs>
+              <a:gs pos="46000">
+                <a:schemeClr val="accent3">
+                  <a:lumMod val="95000"/>
+                  <a:lumOff val="5000"/>
+                </a:schemeClr>
+              </a:gs>
+              <a:gs pos="100000">
+                <a:schemeClr val="accent3">
+                  <a:lumMod val="60000"/>
+                </a:schemeClr>
+              </a:gs>
+            </a:gsLst>
+            <a:path path="circle">
+              <a:fillToRect l="50000" t="130000" r="50000" b="-30000"/>
+            </a:path>
+            <a:tileRect/>
+          </a:gradFill>
+          <a:ln w="6350">
+            <a:solidFill>
+              <a:schemeClr val="bg1"/>
+            </a:solidFill>
+          </a:ln>
+        </p:spPr>
+        <p:style>
+          <a:lnRef idx="2">
+            <a:schemeClr val="accent1">
+              <a:shade val="50000"/>
+            </a:schemeClr>
+          </a:lnRef>
+          <a:fillRef idx="1">
+            <a:schemeClr val="accent1"/>
+          </a:fillRef>
+          <a:effectRef idx="0">
+            <a:schemeClr val="accent1"/>
+          </a:effectRef>
+          <a:fontRef idx="minor">
+            <a:schemeClr val="lt1"/>
+          </a:fontRef>
+        </p:style>
+        <p:txBody>
+          <a:bodyPr rtlCol="0" anchor="ctr"/>
+          <a:lstStyle/>
+          <a:p>
+            <a:pPr algn="ctr"/>
+            <a:endParaRPr lang="ko-KR" altLang="en-US"/>
+          </a:p>
+        </p:txBody>
+      </p:sp>
+      <p:sp>
+        <p:nvSpPr>
+          <p:cNvPr id="110" name="타원 109">
+            <a:extLst>
+              <a:ext uri="{FF2B5EF4-FFF2-40B4-BE49-F238E27FC236}">
+                <a16:creationId xmlns:a16="http://schemas.microsoft.com/office/drawing/2014/main" id="{A028F3AB-AFB4-47AF-8A9C-EF5FA2142347}"/>
+              </a:ext>
+            </a:extLst>
+          </p:cNvPr>
+          <p:cNvSpPr/>
+          <p:nvPr/>
+        </p:nvSpPr>
+        <p:spPr>
+          <a:xfrm>
+            <a:off x="15184223" y="2876230"/>
+            <a:ext cx="108000" cy="108000"/>
+          </a:xfrm>
+          <a:prstGeom prst="ellipse">
+            <a:avLst/>
+          </a:prstGeom>
+          <a:gradFill flip="none" rotWithShape="1">
+            <a:gsLst>
+              <a:gs pos="0">
+                <a:schemeClr val="accent3">
+                  <a:lumMod val="40000"/>
+                  <a:lumOff val="60000"/>
+                </a:schemeClr>
+              </a:gs>
+              <a:gs pos="46000">
+                <a:schemeClr val="accent3">
+                  <a:lumMod val="95000"/>
+                  <a:lumOff val="5000"/>
+                </a:schemeClr>
+              </a:gs>
+              <a:gs pos="100000">
+                <a:schemeClr val="accent3">
+                  <a:lumMod val="60000"/>
+                </a:schemeClr>
+              </a:gs>
+            </a:gsLst>
+            <a:path path="circle">
+              <a:fillToRect l="50000" t="130000" r="50000" b="-30000"/>
+            </a:path>
+            <a:tileRect/>
+          </a:gradFill>
+          <a:ln w="6350">
+            <a:solidFill>
+              <a:schemeClr val="bg1"/>
+            </a:solidFill>
+          </a:ln>
+        </p:spPr>
+        <p:style>
+          <a:lnRef idx="2">
+            <a:schemeClr val="accent1">
+              <a:shade val="50000"/>
+            </a:schemeClr>
+          </a:lnRef>
+          <a:fillRef idx="1">
+            <a:schemeClr val="accent1"/>
+          </a:fillRef>
+          <a:effectRef idx="0">
+            <a:schemeClr val="accent1"/>
+          </a:effectRef>
+          <a:fontRef idx="minor">
+            <a:schemeClr val="lt1"/>
+          </a:fontRef>
+        </p:style>
+        <p:txBody>
+          <a:bodyPr rtlCol="0" anchor="ctr"/>
+          <a:lstStyle/>
+          <a:p>
+            <a:pPr algn="ctr"/>
+            <a:endParaRPr lang="ko-KR" altLang="en-US"/>
+          </a:p>
+        </p:txBody>
+      </p:sp>
+      <p:sp>
+        <p:nvSpPr>
+          <p:cNvPr id="145" name="TextBox 144">
+            <a:extLst>
+              <a:ext uri="{FF2B5EF4-FFF2-40B4-BE49-F238E27FC236}">
+                <a16:creationId xmlns:a16="http://schemas.microsoft.com/office/drawing/2014/main" id="{CD14B1B0-0976-4A3E-BFB9-F8533B037D9E}"/>
+              </a:ext>
+            </a:extLst>
+          </p:cNvPr>
+          <p:cNvSpPr txBox="1"/>
+          <p:nvPr/>
+        </p:nvSpPr>
+        <p:spPr>
+          <a:xfrm>
+            <a:off x="10833691" y="4646630"/>
+            <a:ext cx="5083925" cy="369332"/>
+          </a:xfrm>
+          <a:prstGeom prst="rect">
+            <a:avLst/>
+          </a:prstGeom>
+          <a:solidFill>
+            <a:schemeClr val="accent1">
+              <a:lumMod val="40000"/>
+              <a:lumOff val="60000"/>
+            </a:schemeClr>
+          </a:solidFill>
+          <a:ln>
+            <a:solidFill>
+              <a:schemeClr val="bg1"/>
+            </a:solidFill>
+          </a:ln>
+        </p:spPr>
+        <p:txBody>
+          <a:bodyPr wrap="square" rtlCol="0">
+            <a:spAutoFit/>
+          </a:bodyPr>
+          <a:lstStyle/>
+          <a:p>
+            <a:pPr algn="ctr"/>
+            <a:r>
+              <a:rPr lang="ko-KR" altLang="en-US" dirty="0"/>
+              <a:t>동시 발사</a:t>
+            </a:r>
+            <a:r>
+              <a:rPr lang="en-US" altLang="ko-KR" dirty="0"/>
+              <a:t>X </a:t>
+            </a:r>
+            <a:r>
+              <a:rPr lang="en-US" altLang="ko-KR" sz="1400" dirty="0">
+                <a:solidFill>
+                  <a:srgbClr val="FF0000"/>
+                </a:solidFill>
+              </a:rPr>
+              <a:t>(</a:t>
+            </a:r>
+            <a:r>
+              <a:rPr lang="ko-KR" altLang="en-US" sz="1400" dirty="0" err="1">
+                <a:solidFill>
+                  <a:srgbClr val="FF0000"/>
+                </a:solidFill>
+              </a:rPr>
+              <a:t>랜덤한</a:t>
+            </a:r>
+            <a:r>
+              <a:rPr lang="ko-KR" altLang="en-US" sz="1400" dirty="0">
+                <a:solidFill>
+                  <a:srgbClr val="FF0000"/>
+                </a:solidFill>
+              </a:rPr>
+              <a:t> 순서로 발사</a:t>
+            </a:r>
+            <a:r>
+              <a:rPr lang="en-US" altLang="ko-KR" sz="1400" dirty="0">
+                <a:solidFill>
+                  <a:srgbClr val="FF0000"/>
+                </a:solidFill>
+              </a:rPr>
+              <a:t>)</a:t>
+            </a:r>
+            <a:endParaRPr lang="ko-KR" altLang="en-US" dirty="0">
+              <a:solidFill>
+                <a:srgbClr val="FF0000"/>
+              </a:solidFill>
+            </a:endParaRPr>
+          </a:p>
+        </p:txBody>
+      </p:sp>
+      <p:grpSp>
+        <p:nvGrpSpPr>
+          <p:cNvPr id="152" name="그룹 151">
+            <a:extLst>
+              <a:ext uri="{FF2B5EF4-FFF2-40B4-BE49-F238E27FC236}">
+                <a16:creationId xmlns:a16="http://schemas.microsoft.com/office/drawing/2014/main" id="{280AAC81-15D0-42DD-B97F-68914FD6CC37}"/>
+              </a:ext>
+            </a:extLst>
+          </p:cNvPr>
+          <p:cNvGrpSpPr/>
+          <p:nvPr/>
+        </p:nvGrpSpPr>
+        <p:grpSpPr>
+          <a:xfrm>
+            <a:off x="5349791" y="1508273"/>
+            <a:ext cx="5115703" cy="7987420"/>
+            <a:chOff x="5947155" y="1508273"/>
+            <a:chExt cx="5115703" cy="7987420"/>
+          </a:xfrm>
+        </p:grpSpPr>
+        <p:grpSp>
+          <p:nvGrpSpPr>
+            <p:cNvPr id="18" name="그룹 17">
+              <a:extLst>
+                <a:ext uri="{FF2B5EF4-FFF2-40B4-BE49-F238E27FC236}">
+                  <a16:creationId xmlns:a16="http://schemas.microsoft.com/office/drawing/2014/main" id="{31F9C2BB-8143-4ED2-9AA4-86189D82CD8A}"/>
+                </a:ext>
+              </a:extLst>
+            </p:cNvPr>
+            <p:cNvGrpSpPr/>
+            <p:nvPr/>
+          </p:nvGrpSpPr>
+          <p:grpSpPr>
+            <a:xfrm>
+              <a:off x="7216422" y="1508273"/>
+              <a:ext cx="3846436" cy="3014814"/>
+              <a:chOff x="10488543" y="1348869"/>
+              <a:chExt cx="7020000" cy="5502235"/>
+            </a:xfrm>
+          </p:grpSpPr>
+          <p:sp>
+            <p:nvSpPr>
+              <p:cNvPr id="6" name="직사각형 5">
+                <a:extLst>
+                  <a:ext uri="{FF2B5EF4-FFF2-40B4-BE49-F238E27FC236}">
+                    <a16:creationId xmlns:a16="http://schemas.microsoft.com/office/drawing/2014/main" id="{DF2AF17B-9335-43D3-B94F-6C1AADA397DC}"/>
+                  </a:ext>
+                </a:extLst>
+              </p:cNvPr>
+              <p:cNvSpPr/>
+              <p:nvPr/>
+            </p:nvSpPr>
+            <p:spPr>
+              <a:xfrm>
+                <a:off x="10488543" y="1348869"/>
+                <a:ext cx="7020000" cy="5502235"/>
+              </a:xfrm>
+              <a:prstGeom prst="rect">
+                <a:avLst/>
+              </a:prstGeom>
+              <a:solidFill>
+                <a:schemeClr val="tx1">
+                  <a:lumMod val="85000"/>
+                  <a:lumOff val="15000"/>
+                </a:schemeClr>
+              </a:solidFill>
+              <a:ln>
+                <a:noFill/>
+              </a:ln>
+            </p:spPr>
+            <p:style>
+              <a:lnRef idx="2">
+                <a:schemeClr val="accent1">
+                  <a:shade val="50000"/>
+                </a:schemeClr>
+              </a:lnRef>
+              <a:fillRef idx="1">
+                <a:schemeClr val="accent1"/>
+              </a:fillRef>
+              <a:effectRef idx="0">
+                <a:schemeClr val="accent1"/>
+              </a:effectRef>
+              <a:fontRef idx="minor">
+                <a:schemeClr val="lt1"/>
+              </a:fontRef>
+            </p:style>
+            <p:txBody>
+              <a:bodyPr rtlCol="0" anchor="ctr"/>
+              <a:lstStyle/>
+              <a:p>
+                <a:pPr algn="ctr"/>
+                <a:endParaRPr lang="ko-KR" altLang="en-US"/>
+              </a:p>
+            </p:txBody>
+          </p:sp>
+          <p:pic>
+            <p:nvPicPr>
+              <p:cNvPr id="7" name="Picture 2" descr="Gore Icon #207998 - Free Icons Library">
+                <a:extLst>
+                  <a:ext uri="{FF2B5EF4-FFF2-40B4-BE49-F238E27FC236}">
+                    <a16:creationId xmlns:a16="http://schemas.microsoft.com/office/drawing/2014/main" id="{5DBD8415-1508-4D02-BC7C-C154D8AAA946}"/>
+                  </a:ext>
+                </a:extLst>
+              </p:cNvPr>
+              <p:cNvPicPr>
+                <a:picLocks noChangeAspect="1" noChangeArrowheads="1"/>
+              </p:cNvPicPr>
+              <p:nvPr/>
+            </p:nvPicPr>
+            <p:blipFill>
+              <a:blip r:embed="rId2">
+                <a:duotone>
+                  <a:schemeClr val="accent2">
+                    <a:shade val="45000"/>
+                    <a:satMod val="135000"/>
+                  </a:schemeClr>
+                  <a:prstClr val="white"/>
+                </a:duotone>
+                <a:extLst>
+                  <a:ext uri="{BEBA8EAE-BF5A-486C-A8C5-ECC9F3942E4B}">
+                    <a14:imgProps xmlns:a14="http://schemas.microsoft.com/office/drawing/2010/main">
+                      <a14:imgLayer r:embed="rId3">
+                        <a14:imgEffect>
+                          <a14:backgroundRemoval t="7000" b="93500" l="10000" r="90000">
+                            <a14:foregroundMark x1="36029" y1="78500" x2="56500" y2="84500"/>
+                            <a14:foregroundMark x1="31272" y1="77106" x2="32618" y2="77500"/>
+                            <a14:foregroundMark x1="27500" y1="76000" x2="29644" y2="76628"/>
+                            <a14:foregroundMark x1="56500" y1="84500" x2="69500" y2="81000"/>
+                            <a14:foregroundMark x1="48000" y1="92000" x2="52000" y2="93500"/>
+                            <a14:foregroundMark x1="16000" y1="10000" x2="16500" y2="9000"/>
+                            <a14:foregroundMark x1="82500" y1="7000" x2="82500" y2="7000"/>
+                            <a14:backgroundMark x1="32500" y1="77500" x2="32500" y2="78500"/>
+                            <a14:backgroundMark x1="32500" y1="75500" x2="32000" y2="77000"/>
+                            <a14:backgroundMark x1="31000" y1="76000" x2="31500" y2="77000"/>
+                            <a14:backgroundMark x1="31500" y1="77500" x2="31000" y2="77500"/>
+                            <a14:backgroundMark x1="30500" y1="77000" x2="30500" y2="77000"/>
+                            <a14:backgroundMark x1="30500" y1="76000" x2="30500" y2="76000"/>
+                          </a14:backgroundRemoval>
+                        </a14:imgEffect>
+                      </a14:imgLayer>
+                    </a14:imgProps>
+                  </a:ext>
+                  <a:ext uri="{28A0092B-C50C-407E-A947-70E740481C1C}">
+                    <a14:useLocalDpi xmlns:a14="http://schemas.microsoft.com/office/drawing/2010/main" val="0"/>
+                  </a:ext>
+                </a:extLst>
+              </a:blip>
+              <a:srcRect/>
+              <a:stretch>
+                <a:fillRect/>
+              </a:stretch>
+            </p:blipFill>
+            <p:spPr bwMode="auto">
+              <a:xfrm>
+                <a:off x="13586161" y="2129374"/>
+                <a:ext cx="780161" cy="780161"/>
+              </a:xfrm>
+              <a:prstGeom prst="rect">
+                <a:avLst/>
+              </a:prstGeom>
+              <a:noFill/>
+              <a:extLst>
+                <a:ext uri="{909E8E84-426E-40DD-AFC4-6F175D3DCCD1}">
+                  <a14:hiddenFill xmlns:a14="http://schemas.microsoft.com/office/drawing/2010/main">
+                    <a:solidFill>
+                      <a:srgbClr val="FFFFFF"/>
+                    </a:solidFill>
+                  </a14:hiddenFill>
+                </a:ext>
+              </a:extLst>
+            </p:spPr>
+          </p:pic>
+          <p:grpSp>
+            <p:nvGrpSpPr>
+              <p:cNvPr id="8" name="그룹 7">
+                <a:extLst>
+                  <a:ext uri="{FF2B5EF4-FFF2-40B4-BE49-F238E27FC236}">
+                    <a16:creationId xmlns:a16="http://schemas.microsoft.com/office/drawing/2014/main" id="{D50C0584-EA13-4132-986F-7CB57FBCE36E}"/>
+                  </a:ext>
+                </a:extLst>
+              </p:cNvPr>
+              <p:cNvGrpSpPr/>
+              <p:nvPr/>
+            </p:nvGrpSpPr>
+            <p:grpSpPr>
+              <a:xfrm>
+                <a:off x="12356242" y="3559987"/>
+                <a:ext cx="3240000" cy="2160000"/>
+                <a:chOff x="10900979" y="4604282"/>
+                <a:chExt cx="3240000" cy="2160000"/>
+              </a:xfrm>
+            </p:grpSpPr>
+            <p:sp>
+              <p:nvSpPr>
+                <p:cNvPr id="9" name="직사각형 8">
+                  <a:extLst>
+                    <a:ext uri="{FF2B5EF4-FFF2-40B4-BE49-F238E27FC236}">
+                      <a16:creationId xmlns:a16="http://schemas.microsoft.com/office/drawing/2014/main" id="{1A0F8829-D67F-42A7-BD62-A82C74C76F81}"/>
+                    </a:ext>
+                  </a:extLst>
+                </p:cNvPr>
+                <p:cNvSpPr/>
+                <p:nvPr/>
+              </p:nvSpPr>
+              <p:spPr>
+                <a:xfrm>
+                  <a:off x="10900979" y="4604282"/>
+                  <a:ext cx="1080000" cy="1080000"/>
+                </a:xfrm>
+                <a:prstGeom prst="rect">
+                  <a:avLst/>
+                </a:prstGeom>
+                <a:solidFill>
+                  <a:schemeClr val="tx2">
+                    <a:lumMod val="20000"/>
+                    <a:lumOff val="80000"/>
+                  </a:schemeClr>
+                </a:solidFill>
+                <a:ln>
+                  <a:solidFill>
+                    <a:schemeClr val="tx1"/>
+                  </a:solidFill>
+                </a:ln>
+              </p:spPr>
+              <p:style>
+                <a:lnRef idx="2">
+                  <a:schemeClr val="accent1">
+                    <a:shade val="50000"/>
+                  </a:schemeClr>
+                </a:lnRef>
+                <a:fillRef idx="1">
+                  <a:schemeClr val="accent1"/>
+                </a:fillRef>
+                <a:effectRef idx="0">
+                  <a:schemeClr val="accent1"/>
+                </a:effectRef>
+                <a:fontRef idx="minor">
+                  <a:schemeClr val="lt1"/>
+                </a:fontRef>
+              </p:style>
+              <p:txBody>
+                <a:bodyPr rtlCol="0" anchor="ctr"/>
+                <a:lstStyle/>
+                <a:p>
+                  <a:pPr algn="ctr"/>
+                  <a:endParaRPr lang="en-US" altLang="ko-KR" dirty="0"/>
+                </a:p>
+              </p:txBody>
+            </p:sp>
+            <p:sp>
+              <p:nvSpPr>
+                <p:cNvPr id="10" name="직사각형 9">
+                  <a:extLst>
+                    <a:ext uri="{FF2B5EF4-FFF2-40B4-BE49-F238E27FC236}">
+                      <a16:creationId xmlns:a16="http://schemas.microsoft.com/office/drawing/2014/main" id="{176B1815-AB5E-474E-B12A-6E143B74C52A}"/>
+                    </a:ext>
+                  </a:extLst>
+                </p:cNvPr>
+                <p:cNvSpPr/>
+                <p:nvPr/>
+              </p:nvSpPr>
+              <p:spPr>
+                <a:xfrm>
+                  <a:off x="11980979" y="4604282"/>
+                  <a:ext cx="1080000" cy="1080000"/>
+                </a:xfrm>
+                <a:prstGeom prst="rect">
+                  <a:avLst/>
+                </a:prstGeom>
+                <a:solidFill>
+                  <a:schemeClr val="tx2">
+                    <a:lumMod val="20000"/>
+                    <a:lumOff val="80000"/>
+                  </a:schemeClr>
+                </a:solidFill>
+                <a:ln>
+                  <a:solidFill>
+                    <a:schemeClr val="tx1"/>
+                  </a:solidFill>
+                </a:ln>
+              </p:spPr>
+              <p:style>
+                <a:lnRef idx="2">
+                  <a:schemeClr val="accent1">
+                    <a:shade val="50000"/>
+                  </a:schemeClr>
+                </a:lnRef>
+                <a:fillRef idx="1">
+                  <a:schemeClr val="accent1"/>
+                </a:fillRef>
+                <a:effectRef idx="0">
+                  <a:schemeClr val="accent1"/>
+                </a:effectRef>
+                <a:fontRef idx="minor">
+                  <a:schemeClr val="lt1"/>
+                </a:fontRef>
+              </p:style>
+              <p:txBody>
+                <a:bodyPr rtlCol="0" anchor="ctr"/>
+                <a:lstStyle/>
+                <a:p>
+                  <a:pPr algn="ctr"/>
+                  <a:endParaRPr lang="en-US" altLang="ko-KR" dirty="0"/>
+                </a:p>
+              </p:txBody>
+            </p:sp>
+            <p:sp>
+              <p:nvSpPr>
+                <p:cNvPr id="11" name="직사각형 10">
+                  <a:extLst>
+                    <a:ext uri="{FF2B5EF4-FFF2-40B4-BE49-F238E27FC236}">
+                      <a16:creationId xmlns:a16="http://schemas.microsoft.com/office/drawing/2014/main" id="{F2123935-4EDB-4132-A5B7-6BD95EB78269}"/>
+                    </a:ext>
+                  </a:extLst>
+                </p:cNvPr>
+                <p:cNvSpPr/>
+                <p:nvPr/>
+              </p:nvSpPr>
+              <p:spPr>
+                <a:xfrm>
+                  <a:off x="13060979" y="4604282"/>
+                  <a:ext cx="1080000" cy="1080000"/>
+                </a:xfrm>
+                <a:prstGeom prst="rect">
+                  <a:avLst/>
+                </a:prstGeom>
+                <a:solidFill>
+                  <a:schemeClr val="tx2">
+                    <a:lumMod val="20000"/>
+                    <a:lumOff val="80000"/>
+                  </a:schemeClr>
+                </a:solidFill>
+                <a:ln>
+                  <a:solidFill>
+                    <a:schemeClr val="tx1"/>
+                  </a:solidFill>
+                </a:ln>
+              </p:spPr>
+              <p:style>
+                <a:lnRef idx="2">
+                  <a:schemeClr val="accent1">
+                    <a:shade val="50000"/>
+                  </a:schemeClr>
+                </a:lnRef>
+                <a:fillRef idx="1">
+                  <a:schemeClr val="accent1"/>
+                </a:fillRef>
+                <a:effectRef idx="0">
+                  <a:schemeClr val="accent1"/>
+                </a:effectRef>
+                <a:fontRef idx="minor">
+                  <a:schemeClr val="lt1"/>
+                </a:fontRef>
+              </p:style>
+              <p:txBody>
+                <a:bodyPr rtlCol="0" anchor="ctr"/>
+                <a:lstStyle/>
+                <a:p>
+                  <a:pPr algn="ctr"/>
+                  <a:endParaRPr lang="en-US" altLang="ko-KR" dirty="0"/>
+                </a:p>
+              </p:txBody>
+            </p:sp>
+            <p:sp>
+              <p:nvSpPr>
+                <p:cNvPr id="12" name="직사각형 11">
+                  <a:extLst>
+                    <a:ext uri="{FF2B5EF4-FFF2-40B4-BE49-F238E27FC236}">
+                      <a16:creationId xmlns:a16="http://schemas.microsoft.com/office/drawing/2014/main" id="{A20D5ADA-D66E-4FE8-A141-373153AAAA6A}"/>
+                    </a:ext>
+                  </a:extLst>
+                </p:cNvPr>
+                <p:cNvSpPr/>
+                <p:nvPr/>
+              </p:nvSpPr>
+              <p:spPr>
+                <a:xfrm>
+                  <a:off x="10900979" y="5684282"/>
+                  <a:ext cx="1080000" cy="1080000"/>
+                </a:xfrm>
+                <a:prstGeom prst="rect">
+                  <a:avLst/>
+                </a:prstGeom>
+                <a:solidFill>
+                  <a:schemeClr val="tx2">
+                    <a:lumMod val="20000"/>
+                    <a:lumOff val="80000"/>
+                  </a:schemeClr>
+                </a:solidFill>
+                <a:ln>
+                  <a:solidFill>
+                    <a:schemeClr val="tx1"/>
+                  </a:solidFill>
+                </a:ln>
+              </p:spPr>
+              <p:style>
+                <a:lnRef idx="2">
+                  <a:schemeClr val="accent1">
+                    <a:shade val="50000"/>
+                  </a:schemeClr>
+                </a:lnRef>
+                <a:fillRef idx="1">
+                  <a:schemeClr val="accent1"/>
+                </a:fillRef>
+                <a:effectRef idx="0">
+                  <a:schemeClr val="accent1"/>
+                </a:effectRef>
+                <a:fontRef idx="minor">
+                  <a:schemeClr val="lt1"/>
+                </a:fontRef>
+              </p:style>
+              <p:txBody>
+                <a:bodyPr rtlCol="0" anchor="ctr"/>
+                <a:lstStyle/>
+                <a:p>
+                  <a:pPr algn="ctr"/>
+                  <a:endParaRPr lang="en-US" altLang="ko-KR" dirty="0"/>
+                </a:p>
+              </p:txBody>
+            </p:sp>
+            <p:sp>
+              <p:nvSpPr>
+                <p:cNvPr id="13" name="직사각형 12">
+                  <a:extLst>
+                    <a:ext uri="{FF2B5EF4-FFF2-40B4-BE49-F238E27FC236}">
+                      <a16:creationId xmlns:a16="http://schemas.microsoft.com/office/drawing/2014/main" id="{B6E4A1BD-43F4-4947-9016-24C9D74F0F39}"/>
+                    </a:ext>
+                  </a:extLst>
+                </p:cNvPr>
+                <p:cNvSpPr/>
+                <p:nvPr/>
+              </p:nvSpPr>
+              <p:spPr>
+                <a:xfrm>
+                  <a:off x="11980979" y="5684282"/>
+                  <a:ext cx="1080000" cy="1080000"/>
+                </a:xfrm>
+                <a:prstGeom prst="rect">
+                  <a:avLst/>
+                </a:prstGeom>
+                <a:solidFill>
+                  <a:schemeClr val="tx2">
+                    <a:lumMod val="20000"/>
+                    <a:lumOff val="80000"/>
+                  </a:schemeClr>
+                </a:solidFill>
+                <a:ln>
+                  <a:solidFill>
+                    <a:schemeClr val="tx1"/>
+                  </a:solidFill>
+                </a:ln>
+              </p:spPr>
+              <p:style>
+                <a:lnRef idx="2">
+                  <a:schemeClr val="accent1">
+                    <a:shade val="50000"/>
+                  </a:schemeClr>
+                </a:lnRef>
+                <a:fillRef idx="1">
+                  <a:schemeClr val="accent1"/>
+                </a:fillRef>
+                <a:effectRef idx="0">
+                  <a:schemeClr val="accent1"/>
+                </a:effectRef>
+                <a:fontRef idx="minor">
+                  <a:schemeClr val="lt1"/>
+                </a:fontRef>
+              </p:style>
+              <p:txBody>
+                <a:bodyPr rtlCol="0" anchor="ctr"/>
+                <a:lstStyle/>
+                <a:p>
+                  <a:pPr algn="ctr"/>
+                  <a:endParaRPr lang="en-US" altLang="ko-KR" dirty="0"/>
+                </a:p>
+              </p:txBody>
+            </p:sp>
+            <p:sp>
+              <p:nvSpPr>
+                <p:cNvPr id="14" name="직사각형 13">
+                  <a:extLst>
+                    <a:ext uri="{FF2B5EF4-FFF2-40B4-BE49-F238E27FC236}">
+                      <a16:creationId xmlns:a16="http://schemas.microsoft.com/office/drawing/2014/main" id="{2AF2DBD0-4088-4791-8C31-637359410B9C}"/>
+                    </a:ext>
+                  </a:extLst>
+                </p:cNvPr>
+                <p:cNvSpPr/>
+                <p:nvPr/>
+              </p:nvSpPr>
+              <p:spPr>
+                <a:xfrm>
+                  <a:off x="13060979" y="5684282"/>
+                  <a:ext cx="1080000" cy="1080000"/>
+                </a:xfrm>
+                <a:prstGeom prst="rect">
+                  <a:avLst/>
+                </a:prstGeom>
+                <a:solidFill>
+                  <a:schemeClr val="tx2">
+                    <a:lumMod val="20000"/>
+                    <a:lumOff val="80000"/>
+                  </a:schemeClr>
+                </a:solidFill>
+                <a:ln>
+                  <a:solidFill>
+                    <a:schemeClr val="tx1"/>
+                  </a:solidFill>
+                </a:ln>
+              </p:spPr>
+              <p:style>
+                <a:lnRef idx="2">
+                  <a:schemeClr val="accent1">
+                    <a:shade val="50000"/>
+                  </a:schemeClr>
+                </a:lnRef>
+                <a:fillRef idx="1">
+                  <a:schemeClr val="accent1"/>
+                </a:fillRef>
+                <a:effectRef idx="0">
+                  <a:schemeClr val="accent1"/>
+                </a:effectRef>
+                <a:fontRef idx="minor">
+                  <a:schemeClr val="lt1"/>
+                </a:fontRef>
+              </p:style>
+              <p:txBody>
+                <a:bodyPr rtlCol="0" anchor="ctr"/>
+                <a:lstStyle/>
+                <a:p>
+                  <a:pPr algn="ctr"/>
+                  <a:endParaRPr lang="en-US" altLang="ko-KR" dirty="0"/>
+                </a:p>
+              </p:txBody>
+            </p:sp>
+          </p:grpSp>
+        </p:grpSp>
+        <p:sp>
+          <p:nvSpPr>
+            <p:cNvPr id="20" name="직사각형 19">
+              <a:extLst>
+                <a:ext uri="{FF2B5EF4-FFF2-40B4-BE49-F238E27FC236}">
+                  <a16:creationId xmlns:a16="http://schemas.microsoft.com/office/drawing/2014/main" id="{201A431F-993B-480C-BA75-9A054836852A}"/>
+                </a:ext>
+              </a:extLst>
+            </p:cNvPr>
+            <p:cNvSpPr/>
+            <p:nvPr/>
+          </p:nvSpPr>
+          <p:spPr>
+            <a:xfrm>
+              <a:off x="5947155" y="1512878"/>
+              <a:ext cx="1096813" cy="7982815"/>
+            </a:xfrm>
+            <a:prstGeom prst="rect">
+              <a:avLst/>
+            </a:prstGeom>
+            <a:solidFill>
+              <a:srgbClr val="92D050"/>
+            </a:solidFill>
+            <a:ln>
+              <a:noFill/>
+            </a:ln>
+          </p:spPr>
+          <p:style>
+            <a:lnRef idx="2">
+              <a:schemeClr val="accent1">
+                <a:shade val="50000"/>
+              </a:schemeClr>
+            </a:lnRef>
+            <a:fillRef idx="1">
+              <a:schemeClr val="accent1"/>
+            </a:fillRef>
+            <a:effectRef idx="0">
+              <a:schemeClr val="accent1"/>
+            </a:effectRef>
+            <a:fontRef idx="minor">
+              <a:schemeClr val="lt1"/>
+            </a:fontRef>
+          </p:style>
+          <p:txBody>
+            <a:bodyPr rtlCol="0" anchor="ctr"/>
+            <a:lstStyle/>
+            <a:p>
+              <a:pPr algn="ctr"/>
+              <a:r>
+                <a:rPr lang="en-US" altLang="ko-KR" dirty="0">
+                  <a:solidFill>
+                    <a:schemeClr val="tx1"/>
+                  </a:solidFill>
+                </a:rPr>
+                <a:t>1</a:t>
+              </a:r>
+              <a:r>
+                <a:rPr lang="ko-KR" altLang="en-US" dirty="0">
+                  <a:solidFill>
+                    <a:schemeClr val="tx1"/>
+                  </a:solidFill>
+                </a:rPr>
+                <a:t>차</a:t>
+              </a:r>
+              <a:endParaRPr lang="en-US" altLang="ko-KR" dirty="0">
+                <a:solidFill>
+                  <a:schemeClr val="tx1"/>
+                </a:solidFill>
+              </a:endParaRPr>
+            </a:p>
+            <a:p>
+              <a:pPr algn="ctr"/>
+              <a:r>
+                <a:rPr lang="ko-KR" altLang="en-US" dirty="0">
+                  <a:solidFill>
+                    <a:schemeClr val="tx1"/>
+                  </a:solidFill>
+                </a:rPr>
+                <a:t>발사</a:t>
+              </a:r>
+            </a:p>
+          </p:txBody>
+        </p:sp>
+        <p:sp>
+          <p:nvSpPr>
+            <p:cNvPr id="31" name="화살표: 아래쪽 30">
+              <a:extLst>
+                <a:ext uri="{FF2B5EF4-FFF2-40B4-BE49-F238E27FC236}">
+                  <a16:creationId xmlns:a16="http://schemas.microsoft.com/office/drawing/2014/main" id="{CABE2FE0-0153-4898-877B-D08C53225EB8}"/>
+                </a:ext>
+              </a:extLst>
+            </p:cNvPr>
+            <p:cNvSpPr/>
+            <p:nvPr/>
+          </p:nvSpPr>
+          <p:spPr>
+            <a:xfrm rot="4136066">
+              <a:off x="8489337" y="2139472"/>
+              <a:ext cx="131615" cy="591760"/>
+            </a:xfrm>
+            <a:prstGeom prst="downArrow">
+              <a:avLst/>
+            </a:prstGeom>
+            <a:solidFill>
+              <a:srgbClr val="FF0000"/>
+            </a:solidFill>
+            <a:ln>
+              <a:noFill/>
+            </a:ln>
+          </p:spPr>
+          <p:style>
+            <a:lnRef idx="2">
+              <a:schemeClr val="accent1">
+                <a:shade val="50000"/>
+              </a:schemeClr>
+            </a:lnRef>
+            <a:fillRef idx="1">
+              <a:schemeClr val="accent1"/>
+            </a:fillRef>
+            <a:effectRef idx="0">
+              <a:schemeClr val="accent1"/>
+            </a:effectRef>
+            <a:fontRef idx="minor">
+              <a:schemeClr val="lt1"/>
+            </a:fontRef>
+          </p:style>
+          <p:txBody>
+            <a:bodyPr rtlCol="0" anchor="ctr"/>
+            <a:lstStyle/>
+            <a:p>
+              <a:pPr algn="ctr"/>
+              <a:endParaRPr lang="ko-KR" altLang="en-US"/>
+            </a:p>
+          </p:txBody>
+        </p:sp>
+        <p:sp>
+          <p:nvSpPr>
+            <p:cNvPr id="44" name="화살표: 아래쪽 43">
+              <a:extLst>
+                <a:ext uri="{FF2B5EF4-FFF2-40B4-BE49-F238E27FC236}">
+                  <a16:creationId xmlns:a16="http://schemas.microsoft.com/office/drawing/2014/main" id="{55391DE1-D0CD-473A-AD8A-464A9E1056E5}"/>
+                </a:ext>
+              </a:extLst>
+            </p:cNvPr>
+            <p:cNvSpPr/>
+            <p:nvPr/>
+          </p:nvSpPr>
+          <p:spPr>
+            <a:xfrm rot="2141200">
+              <a:off x="8407635" y="2255374"/>
+              <a:ext cx="131615" cy="1302176"/>
+            </a:xfrm>
+            <a:prstGeom prst="downArrow">
+              <a:avLst/>
+            </a:prstGeom>
+            <a:solidFill>
+              <a:srgbClr val="FF0000"/>
+            </a:solidFill>
+            <a:ln>
+              <a:noFill/>
+            </a:ln>
+          </p:spPr>
+          <p:style>
+            <a:lnRef idx="2">
+              <a:schemeClr val="accent1">
+                <a:shade val="50000"/>
+              </a:schemeClr>
+            </a:lnRef>
+            <a:fillRef idx="1">
+              <a:schemeClr val="accent1"/>
+            </a:fillRef>
+            <a:effectRef idx="0">
+              <a:schemeClr val="accent1"/>
+            </a:effectRef>
+            <a:fontRef idx="minor">
+              <a:schemeClr val="lt1"/>
+            </a:fontRef>
+          </p:style>
+          <p:txBody>
+            <a:bodyPr rtlCol="0" anchor="ctr"/>
+            <a:lstStyle/>
+            <a:p>
+              <a:pPr algn="ctr"/>
+              <a:endParaRPr lang="ko-KR" altLang="en-US"/>
+            </a:p>
+          </p:txBody>
+        </p:sp>
+        <p:sp>
+          <p:nvSpPr>
+            <p:cNvPr id="45" name="화살표: 아래쪽 44">
+              <a:extLst>
+                <a:ext uri="{FF2B5EF4-FFF2-40B4-BE49-F238E27FC236}">
+                  <a16:creationId xmlns:a16="http://schemas.microsoft.com/office/drawing/2014/main" id="{0CAFA4F4-4251-4253-BDDB-45152CBE967F}"/>
+                </a:ext>
+              </a:extLst>
+            </p:cNvPr>
+            <p:cNvSpPr/>
+            <p:nvPr/>
+          </p:nvSpPr>
+          <p:spPr>
+            <a:xfrm rot="529138">
+              <a:off x="8798170" y="2398287"/>
+              <a:ext cx="131615" cy="524956"/>
+            </a:xfrm>
+            <a:prstGeom prst="downArrow">
+              <a:avLst/>
+            </a:prstGeom>
+            <a:solidFill>
+              <a:srgbClr val="FF0000"/>
+            </a:solidFill>
+            <a:ln>
+              <a:noFill/>
+            </a:ln>
+          </p:spPr>
+          <p:style>
+            <a:lnRef idx="2">
+              <a:schemeClr val="accent1">
+                <a:shade val="50000"/>
+              </a:schemeClr>
+            </a:lnRef>
+            <a:fillRef idx="1">
+              <a:schemeClr val="accent1"/>
+            </a:fillRef>
+            <a:effectRef idx="0">
+              <a:schemeClr val="accent1"/>
+            </a:effectRef>
+            <a:fontRef idx="minor">
+              <a:schemeClr val="lt1"/>
+            </a:fontRef>
+          </p:style>
+          <p:txBody>
+            <a:bodyPr rtlCol="0" anchor="ctr"/>
+            <a:lstStyle/>
+            <a:p>
+              <a:pPr algn="ctr"/>
+              <a:endParaRPr lang="ko-KR" altLang="en-US"/>
+            </a:p>
+          </p:txBody>
+        </p:sp>
+        <p:sp>
+          <p:nvSpPr>
+            <p:cNvPr id="46" name="화살표: 아래쪽 45">
+              <a:extLst>
+                <a:ext uri="{FF2B5EF4-FFF2-40B4-BE49-F238E27FC236}">
+                  <a16:creationId xmlns:a16="http://schemas.microsoft.com/office/drawing/2014/main" id="{99263455-26FA-43D8-8A12-3E4B7BEBC08E}"/>
+                </a:ext>
+              </a:extLst>
+            </p:cNvPr>
+            <p:cNvSpPr/>
+            <p:nvPr/>
+          </p:nvSpPr>
+          <p:spPr>
+            <a:xfrm rot="20637766">
+              <a:off x="9002607" y="2391859"/>
+              <a:ext cx="131615" cy="766675"/>
+            </a:xfrm>
+            <a:prstGeom prst="downArrow">
+              <a:avLst/>
+            </a:prstGeom>
+            <a:solidFill>
+              <a:srgbClr val="FF0000"/>
+            </a:solidFill>
+            <a:ln>
+              <a:noFill/>
+            </a:ln>
+          </p:spPr>
+          <p:style>
+            <a:lnRef idx="2">
+              <a:schemeClr val="accent1">
+                <a:shade val="50000"/>
+              </a:schemeClr>
+            </a:lnRef>
+            <a:fillRef idx="1">
+              <a:schemeClr val="accent1"/>
+            </a:fillRef>
+            <a:effectRef idx="0">
+              <a:schemeClr val="accent1"/>
+            </a:effectRef>
+            <a:fontRef idx="minor">
+              <a:schemeClr val="lt1"/>
+            </a:fontRef>
+          </p:style>
+          <p:txBody>
+            <a:bodyPr rtlCol="0" anchor="ctr"/>
+            <a:lstStyle/>
+            <a:p>
+              <a:pPr algn="ctr"/>
+              <a:endParaRPr lang="ko-KR" altLang="en-US"/>
+            </a:p>
+          </p:txBody>
+        </p:sp>
+        <p:sp>
+          <p:nvSpPr>
+            <p:cNvPr id="47" name="화살표: 아래쪽 46">
+              <a:extLst>
+                <a:ext uri="{FF2B5EF4-FFF2-40B4-BE49-F238E27FC236}">
+                  <a16:creationId xmlns:a16="http://schemas.microsoft.com/office/drawing/2014/main" id="{EF158D50-7427-4170-9907-C25EC8FDF9AB}"/>
+                </a:ext>
+              </a:extLst>
+            </p:cNvPr>
+            <p:cNvSpPr/>
+            <p:nvPr/>
+          </p:nvSpPr>
+          <p:spPr>
+            <a:xfrm rot="17596510">
+              <a:off x="9591164" y="1902853"/>
+              <a:ext cx="131615" cy="1437649"/>
+            </a:xfrm>
+            <a:prstGeom prst="downArrow">
+              <a:avLst/>
+            </a:prstGeom>
+            <a:solidFill>
+              <a:srgbClr val="FF0000"/>
+            </a:solidFill>
+            <a:ln>
+              <a:noFill/>
+            </a:ln>
+          </p:spPr>
+          <p:style>
+            <a:lnRef idx="2">
+              <a:schemeClr val="accent1">
+                <a:shade val="50000"/>
+              </a:schemeClr>
+            </a:lnRef>
+            <a:fillRef idx="1">
+              <a:schemeClr val="accent1"/>
+            </a:fillRef>
+            <a:effectRef idx="0">
+              <a:schemeClr val="accent1"/>
+            </a:effectRef>
+            <a:fontRef idx="minor">
+              <a:schemeClr val="lt1"/>
+            </a:fontRef>
+          </p:style>
+          <p:txBody>
+            <a:bodyPr rtlCol="0" anchor="ctr"/>
+            <a:lstStyle/>
+            <a:p>
+              <a:pPr algn="ctr"/>
+              <a:endParaRPr lang="ko-KR" altLang="en-US"/>
+            </a:p>
+          </p:txBody>
+        </p:sp>
+        <p:sp>
+          <p:nvSpPr>
+            <p:cNvPr id="48" name="화살표: 아래쪽 47">
+              <a:extLst>
+                <a:ext uri="{FF2B5EF4-FFF2-40B4-BE49-F238E27FC236}">
+                  <a16:creationId xmlns:a16="http://schemas.microsoft.com/office/drawing/2014/main" id="{FCC19D90-D686-4E23-AE1D-5FFC364E1540}"/>
+                </a:ext>
+              </a:extLst>
+            </p:cNvPr>
+            <p:cNvSpPr/>
+            <p:nvPr/>
+          </p:nvSpPr>
+          <p:spPr>
+            <a:xfrm rot="18543833">
+              <a:off x="9646688" y="2004321"/>
+              <a:ext cx="131615" cy="1919829"/>
+            </a:xfrm>
+            <a:prstGeom prst="downArrow">
+              <a:avLst/>
+            </a:prstGeom>
+            <a:solidFill>
+              <a:srgbClr val="FF0000"/>
+            </a:solidFill>
+            <a:ln>
+              <a:noFill/>
+            </a:ln>
+          </p:spPr>
+          <p:style>
+            <a:lnRef idx="2">
+              <a:schemeClr val="accent1">
+                <a:shade val="50000"/>
+              </a:schemeClr>
+            </a:lnRef>
+            <a:fillRef idx="1">
+              <a:schemeClr val="accent1"/>
+            </a:fillRef>
+            <a:effectRef idx="0">
+              <a:schemeClr val="accent1"/>
+            </a:effectRef>
+            <a:fontRef idx="minor">
+              <a:schemeClr val="lt1"/>
+            </a:fontRef>
+          </p:style>
+          <p:txBody>
+            <a:bodyPr rtlCol="0" anchor="ctr"/>
+            <a:lstStyle/>
+            <a:p>
+              <a:pPr algn="ctr"/>
+              <a:endParaRPr lang="ko-KR" altLang="en-US"/>
+            </a:p>
+          </p:txBody>
+        </p:sp>
+        <p:sp>
+          <p:nvSpPr>
+            <p:cNvPr id="49" name="타원 48">
+              <a:extLst>
+                <a:ext uri="{FF2B5EF4-FFF2-40B4-BE49-F238E27FC236}">
+                  <a16:creationId xmlns:a16="http://schemas.microsoft.com/office/drawing/2014/main" id="{8B096057-15C6-47DF-B696-C45C72C6E4E9}"/>
+                </a:ext>
+              </a:extLst>
+            </p:cNvPr>
+            <p:cNvSpPr/>
+            <p:nvPr/>
+          </p:nvSpPr>
+          <p:spPr>
+            <a:xfrm>
+              <a:off x="8805069" y="2194116"/>
+              <a:ext cx="229805" cy="229805"/>
+            </a:xfrm>
+            <a:prstGeom prst="ellipse">
+              <a:avLst/>
+            </a:prstGeom>
+            <a:solidFill>
+              <a:schemeClr val="accent2">
+                <a:lumMod val="75000"/>
+              </a:schemeClr>
+            </a:solidFill>
+            <a:ln>
+              <a:noFill/>
+            </a:ln>
+          </p:spPr>
+          <p:style>
+            <a:lnRef idx="2">
+              <a:schemeClr val="accent1">
+                <a:shade val="50000"/>
+              </a:schemeClr>
+            </a:lnRef>
+            <a:fillRef idx="1">
+              <a:schemeClr val="accent1"/>
+            </a:fillRef>
+            <a:effectRef idx="0">
+              <a:schemeClr val="accent1"/>
+            </a:effectRef>
+            <a:fontRef idx="minor">
+              <a:schemeClr val="lt1"/>
+            </a:fontRef>
+          </p:style>
+          <p:txBody>
+            <a:bodyPr rtlCol="0" anchor="ctr"/>
+            <a:lstStyle/>
+            <a:p>
+              <a:pPr algn="ctr"/>
+              <a:endParaRPr lang="ko-KR" altLang="en-US"/>
+            </a:p>
+          </p:txBody>
+        </p:sp>
+        <p:grpSp>
+          <p:nvGrpSpPr>
+            <p:cNvPr id="56" name="그룹 55">
+              <a:extLst>
+                <a:ext uri="{FF2B5EF4-FFF2-40B4-BE49-F238E27FC236}">
+                  <a16:creationId xmlns:a16="http://schemas.microsoft.com/office/drawing/2014/main" id="{1C3B93E1-5633-43C6-8924-ABA0B13AE764}"/>
+                </a:ext>
+              </a:extLst>
+            </p:cNvPr>
+            <p:cNvGrpSpPr/>
+            <p:nvPr/>
+          </p:nvGrpSpPr>
+          <p:grpSpPr>
+            <a:xfrm>
+              <a:off x="7211274" y="6480879"/>
+              <a:ext cx="3846436" cy="3014814"/>
+              <a:chOff x="10488543" y="1348869"/>
+              <a:chExt cx="7020000" cy="5502235"/>
+            </a:xfrm>
+          </p:grpSpPr>
+          <p:sp>
+            <p:nvSpPr>
+              <p:cNvPr id="57" name="직사각형 56">
+                <a:extLst>
+                  <a:ext uri="{FF2B5EF4-FFF2-40B4-BE49-F238E27FC236}">
+                    <a16:creationId xmlns:a16="http://schemas.microsoft.com/office/drawing/2014/main" id="{BE5E7799-A71C-45D9-BEE5-62387BAAA607}"/>
+                  </a:ext>
+                </a:extLst>
+              </p:cNvPr>
+              <p:cNvSpPr/>
+              <p:nvPr/>
+            </p:nvSpPr>
+            <p:spPr>
+              <a:xfrm>
+                <a:off x="10488543" y="1348869"/>
+                <a:ext cx="7020000" cy="5502235"/>
+              </a:xfrm>
+              <a:prstGeom prst="rect">
+                <a:avLst/>
+              </a:prstGeom>
+              <a:solidFill>
+                <a:schemeClr val="tx1">
+                  <a:lumMod val="85000"/>
+                  <a:lumOff val="15000"/>
+                </a:schemeClr>
+              </a:solidFill>
+              <a:ln>
+                <a:noFill/>
+              </a:ln>
+            </p:spPr>
+            <p:style>
+              <a:lnRef idx="2">
+                <a:schemeClr val="accent1">
+                  <a:shade val="50000"/>
+                </a:schemeClr>
+              </a:lnRef>
+              <a:fillRef idx="1">
+                <a:schemeClr val="accent1"/>
+              </a:fillRef>
+              <a:effectRef idx="0">
+                <a:schemeClr val="accent1"/>
+              </a:effectRef>
+              <a:fontRef idx="minor">
+                <a:schemeClr val="lt1"/>
+              </a:fontRef>
+            </p:style>
+            <p:txBody>
+              <a:bodyPr rtlCol="0" anchor="ctr"/>
+              <a:lstStyle/>
+              <a:p>
+                <a:pPr algn="ctr"/>
+                <a:endParaRPr lang="ko-KR" altLang="en-US"/>
+              </a:p>
+            </p:txBody>
+          </p:sp>
+          <p:pic>
+            <p:nvPicPr>
+              <p:cNvPr id="58" name="Picture 2" descr="Gore Icon #207998 - Free Icons Library">
+                <a:extLst>
+                  <a:ext uri="{FF2B5EF4-FFF2-40B4-BE49-F238E27FC236}">
+                    <a16:creationId xmlns:a16="http://schemas.microsoft.com/office/drawing/2014/main" id="{89B90FB0-2BCE-418B-81AB-1240C2402C5F}"/>
+                  </a:ext>
+                </a:extLst>
+              </p:cNvPr>
+              <p:cNvPicPr>
+                <a:picLocks noChangeAspect="1" noChangeArrowheads="1"/>
+              </p:cNvPicPr>
+              <p:nvPr/>
+            </p:nvPicPr>
+            <p:blipFill>
+              <a:blip r:embed="rId2">
+                <a:duotone>
+                  <a:schemeClr val="accent2">
+                    <a:shade val="45000"/>
+                    <a:satMod val="135000"/>
+                  </a:schemeClr>
+                  <a:prstClr val="white"/>
+                </a:duotone>
+                <a:extLst>
+                  <a:ext uri="{BEBA8EAE-BF5A-486C-A8C5-ECC9F3942E4B}">
+                    <a14:imgProps xmlns:a14="http://schemas.microsoft.com/office/drawing/2010/main">
+                      <a14:imgLayer r:embed="rId3">
+                        <a14:imgEffect>
+                          <a14:backgroundRemoval t="7000" b="93500" l="10000" r="90000">
+                            <a14:foregroundMark x1="36029" y1="78500" x2="56500" y2="84500"/>
+                            <a14:foregroundMark x1="31272" y1="77106" x2="32618" y2="77500"/>
+                            <a14:foregroundMark x1="27500" y1="76000" x2="29644" y2="76628"/>
+                            <a14:foregroundMark x1="56500" y1="84500" x2="69500" y2="81000"/>
+                            <a14:foregroundMark x1="48000" y1="92000" x2="52000" y2="93500"/>
+                            <a14:foregroundMark x1="16000" y1="10000" x2="16500" y2="9000"/>
+                            <a14:foregroundMark x1="82500" y1="7000" x2="82500" y2="7000"/>
+                            <a14:backgroundMark x1="32500" y1="77500" x2="32500" y2="78500"/>
+                            <a14:backgroundMark x1="32500" y1="75500" x2="32000" y2="77000"/>
+                            <a14:backgroundMark x1="31000" y1="76000" x2="31500" y2="77000"/>
+                            <a14:backgroundMark x1="31500" y1="77500" x2="31000" y2="77500"/>
+                            <a14:backgroundMark x1="30500" y1="77000" x2="30500" y2="77000"/>
+                            <a14:backgroundMark x1="30500" y1="76000" x2="30500" y2="76000"/>
+                          </a14:backgroundRemoval>
+                        </a14:imgEffect>
+                      </a14:imgLayer>
+                    </a14:imgProps>
+                  </a:ext>
+                  <a:ext uri="{28A0092B-C50C-407E-A947-70E740481C1C}">
+                    <a14:useLocalDpi xmlns:a14="http://schemas.microsoft.com/office/drawing/2010/main" val="0"/>
+                  </a:ext>
+                </a:extLst>
+              </a:blip>
+              <a:srcRect/>
+              <a:stretch>
+                <a:fillRect/>
+              </a:stretch>
+            </p:blipFill>
+            <p:spPr bwMode="auto">
+              <a:xfrm>
+                <a:off x="13586161" y="2129374"/>
+                <a:ext cx="780161" cy="780161"/>
+              </a:xfrm>
+              <a:prstGeom prst="rect">
+                <a:avLst/>
+              </a:prstGeom>
+              <a:noFill/>
+              <a:extLst>
+                <a:ext uri="{909E8E84-426E-40DD-AFC4-6F175D3DCCD1}">
+                  <a14:hiddenFill xmlns:a14="http://schemas.microsoft.com/office/drawing/2010/main">
+                    <a:solidFill>
+                      <a:srgbClr val="FFFFFF"/>
+                    </a:solidFill>
+                  </a14:hiddenFill>
+                </a:ext>
+              </a:extLst>
+            </p:spPr>
+          </p:pic>
+          <p:grpSp>
+            <p:nvGrpSpPr>
+              <p:cNvPr id="59" name="그룹 58">
+                <a:extLst>
+                  <a:ext uri="{FF2B5EF4-FFF2-40B4-BE49-F238E27FC236}">
+                    <a16:creationId xmlns:a16="http://schemas.microsoft.com/office/drawing/2014/main" id="{224678DF-F012-41DA-A11E-223F5AE6F4B3}"/>
+                  </a:ext>
+                </a:extLst>
+              </p:cNvPr>
+              <p:cNvGrpSpPr/>
+              <p:nvPr/>
+            </p:nvGrpSpPr>
+            <p:grpSpPr>
+              <a:xfrm>
+                <a:off x="12356242" y="3559987"/>
+                <a:ext cx="3240000" cy="2160000"/>
+                <a:chOff x="10900979" y="4604282"/>
+                <a:chExt cx="3240000" cy="2160000"/>
+              </a:xfrm>
+            </p:grpSpPr>
+            <p:sp>
+              <p:nvSpPr>
+                <p:cNvPr id="60" name="직사각형 59">
+                  <a:extLst>
+                    <a:ext uri="{FF2B5EF4-FFF2-40B4-BE49-F238E27FC236}">
+                      <a16:creationId xmlns:a16="http://schemas.microsoft.com/office/drawing/2014/main" id="{00B10DC0-C971-4559-A948-C8869BEBD199}"/>
+                    </a:ext>
+                  </a:extLst>
+                </p:cNvPr>
+                <p:cNvSpPr/>
+                <p:nvPr/>
+              </p:nvSpPr>
+              <p:spPr>
+                <a:xfrm>
+                  <a:off x="10900979" y="4604282"/>
+                  <a:ext cx="1080000" cy="1080000"/>
+                </a:xfrm>
+                <a:prstGeom prst="rect">
+                  <a:avLst/>
+                </a:prstGeom>
+                <a:solidFill>
+                  <a:schemeClr val="tx2">
+                    <a:lumMod val="20000"/>
+                    <a:lumOff val="80000"/>
+                  </a:schemeClr>
+                </a:solidFill>
+                <a:ln>
+                  <a:solidFill>
+                    <a:schemeClr val="tx1"/>
+                  </a:solidFill>
+                </a:ln>
+              </p:spPr>
+              <p:style>
+                <a:lnRef idx="2">
+                  <a:schemeClr val="accent1">
+                    <a:shade val="50000"/>
+                  </a:schemeClr>
+                </a:lnRef>
+                <a:fillRef idx="1">
+                  <a:schemeClr val="accent1"/>
+                </a:fillRef>
+                <a:effectRef idx="0">
+                  <a:schemeClr val="accent1"/>
+                </a:effectRef>
+                <a:fontRef idx="minor">
+                  <a:schemeClr val="lt1"/>
+                </a:fontRef>
+              </p:style>
+              <p:txBody>
+                <a:bodyPr rtlCol="0" anchor="ctr"/>
+                <a:lstStyle/>
+                <a:p>
+                  <a:pPr algn="ctr"/>
+                  <a:endParaRPr lang="en-US" altLang="ko-KR" dirty="0"/>
+                </a:p>
+              </p:txBody>
+            </p:sp>
+            <p:sp>
+              <p:nvSpPr>
+                <p:cNvPr id="61" name="직사각형 60">
+                  <a:extLst>
+                    <a:ext uri="{FF2B5EF4-FFF2-40B4-BE49-F238E27FC236}">
+                      <a16:creationId xmlns:a16="http://schemas.microsoft.com/office/drawing/2014/main" id="{718DD6D8-8A14-4C19-ACD1-BD8994012998}"/>
+                    </a:ext>
+                  </a:extLst>
+                </p:cNvPr>
+                <p:cNvSpPr/>
+                <p:nvPr/>
+              </p:nvSpPr>
+              <p:spPr>
+                <a:xfrm>
+                  <a:off x="11980979" y="4604282"/>
+                  <a:ext cx="1080000" cy="1080000"/>
+                </a:xfrm>
+                <a:prstGeom prst="rect">
+                  <a:avLst/>
+                </a:prstGeom>
+                <a:solidFill>
+                  <a:schemeClr val="tx2">
+                    <a:lumMod val="20000"/>
+                    <a:lumOff val="80000"/>
+                  </a:schemeClr>
+                </a:solidFill>
+                <a:ln>
+                  <a:solidFill>
+                    <a:schemeClr val="tx1"/>
+                  </a:solidFill>
+                </a:ln>
+              </p:spPr>
+              <p:style>
+                <a:lnRef idx="2">
+                  <a:schemeClr val="accent1">
+                    <a:shade val="50000"/>
+                  </a:schemeClr>
+                </a:lnRef>
+                <a:fillRef idx="1">
+                  <a:schemeClr val="accent1"/>
+                </a:fillRef>
+                <a:effectRef idx="0">
+                  <a:schemeClr val="accent1"/>
+                </a:effectRef>
+                <a:fontRef idx="minor">
+                  <a:schemeClr val="lt1"/>
+                </a:fontRef>
+              </p:style>
+              <p:txBody>
+                <a:bodyPr rtlCol="0" anchor="ctr"/>
+                <a:lstStyle/>
+                <a:p>
+                  <a:pPr algn="ctr"/>
+                  <a:endParaRPr lang="en-US" altLang="ko-KR" dirty="0"/>
+                </a:p>
+              </p:txBody>
+            </p:sp>
+            <p:sp>
+              <p:nvSpPr>
+                <p:cNvPr id="62" name="직사각형 61">
+                  <a:extLst>
+                    <a:ext uri="{FF2B5EF4-FFF2-40B4-BE49-F238E27FC236}">
+                      <a16:creationId xmlns:a16="http://schemas.microsoft.com/office/drawing/2014/main" id="{84B1A16F-063D-4CD7-B586-A8B270221909}"/>
+                    </a:ext>
+                  </a:extLst>
+                </p:cNvPr>
+                <p:cNvSpPr/>
+                <p:nvPr/>
+              </p:nvSpPr>
+              <p:spPr>
+                <a:xfrm>
+                  <a:off x="13060979" y="4604282"/>
+                  <a:ext cx="1080000" cy="1080000"/>
+                </a:xfrm>
+                <a:prstGeom prst="rect">
+                  <a:avLst/>
+                </a:prstGeom>
+                <a:solidFill>
+                  <a:schemeClr val="tx2">
+                    <a:lumMod val="20000"/>
+                    <a:lumOff val="80000"/>
+                  </a:schemeClr>
+                </a:solidFill>
+                <a:ln>
+                  <a:solidFill>
+                    <a:schemeClr val="tx1"/>
+                  </a:solidFill>
+                </a:ln>
+              </p:spPr>
+              <p:style>
+                <a:lnRef idx="2">
+                  <a:schemeClr val="accent1">
+                    <a:shade val="50000"/>
+                  </a:schemeClr>
+                </a:lnRef>
+                <a:fillRef idx="1">
+                  <a:schemeClr val="accent1"/>
+                </a:fillRef>
+                <a:effectRef idx="0">
+                  <a:schemeClr val="accent1"/>
+                </a:effectRef>
+                <a:fontRef idx="minor">
+                  <a:schemeClr val="lt1"/>
+                </a:fontRef>
+              </p:style>
+              <p:txBody>
+                <a:bodyPr rtlCol="0" anchor="ctr"/>
+                <a:lstStyle/>
+                <a:p>
+                  <a:pPr algn="ctr"/>
+                  <a:endParaRPr lang="en-US" altLang="ko-KR" dirty="0"/>
+                </a:p>
+              </p:txBody>
+            </p:sp>
+            <p:sp>
+              <p:nvSpPr>
+                <p:cNvPr id="63" name="직사각형 62">
+                  <a:extLst>
+                    <a:ext uri="{FF2B5EF4-FFF2-40B4-BE49-F238E27FC236}">
+                      <a16:creationId xmlns:a16="http://schemas.microsoft.com/office/drawing/2014/main" id="{4865522F-CA58-4133-A2DB-EDAC0DBBD0AE}"/>
+                    </a:ext>
+                  </a:extLst>
+                </p:cNvPr>
+                <p:cNvSpPr/>
+                <p:nvPr/>
+              </p:nvSpPr>
+              <p:spPr>
+                <a:xfrm>
+                  <a:off x="10900979" y="5684282"/>
+                  <a:ext cx="1080000" cy="1080000"/>
+                </a:xfrm>
+                <a:prstGeom prst="rect">
+                  <a:avLst/>
+                </a:prstGeom>
+                <a:solidFill>
+                  <a:schemeClr val="tx2">
+                    <a:lumMod val="20000"/>
+                    <a:lumOff val="80000"/>
+                  </a:schemeClr>
+                </a:solidFill>
+                <a:ln>
+                  <a:solidFill>
+                    <a:schemeClr val="tx1"/>
+                  </a:solidFill>
+                </a:ln>
+              </p:spPr>
+              <p:style>
+                <a:lnRef idx="2">
+                  <a:schemeClr val="accent1">
+                    <a:shade val="50000"/>
+                  </a:schemeClr>
+                </a:lnRef>
+                <a:fillRef idx="1">
+                  <a:schemeClr val="accent1"/>
+                </a:fillRef>
+                <a:effectRef idx="0">
+                  <a:schemeClr val="accent1"/>
+                </a:effectRef>
+                <a:fontRef idx="minor">
+                  <a:schemeClr val="lt1"/>
+                </a:fontRef>
+              </p:style>
+              <p:txBody>
+                <a:bodyPr rtlCol="0" anchor="ctr"/>
+                <a:lstStyle/>
+                <a:p>
+                  <a:pPr algn="ctr"/>
+                  <a:endParaRPr lang="en-US" altLang="ko-KR" dirty="0"/>
+                </a:p>
+              </p:txBody>
+            </p:sp>
+            <p:sp>
+              <p:nvSpPr>
+                <p:cNvPr id="64" name="직사각형 63">
+                  <a:extLst>
+                    <a:ext uri="{FF2B5EF4-FFF2-40B4-BE49-F238E27FC236}">
+                      <a16:creationId xmlns:a16="http://schemas.microsoft.com/office/drawing/2014/main" id="{C022A2C6-895C-4349-AC19-AEB268B7DB68}"/>
+                    </a:ext>
+                  </a:extLst>
+                </p:cNvPr>
+                <p:cNvSpPr/>
+                <p:nvPr/>
+              </p:nvSpPr>
+              <p:spPr>
+                <a:xfrm>
+                  <a:off x="11980979" y="5684282"/>
+                  <a:ext cx="1080000" cy="1080000"/>
+                </a:xfrm>
+                <a:prstGeom prst="rect">
+                  <a:avLst/>
+                </a:prstGeom>
+                <a:solidFill>
+                  <a:schemeClr val="tx2">
+                    <a:lumMod val="20000"/>
+                    <a:lumOff val="80000"/>
+                  </a:schemeClr>
+                </a:solidFill>
+                <a:ln>
+                  <a:solidFill>
+                    <a:schemeClr val="tx1"/>
+                  </a:solidFill>
+                </a:ln>
+              </p:spPr>
+              <p:style>
+                <a:lnRef idx="2">
+                  <a:schemeClr val="accent1">
+                    <a:shade val="50000"/>
+                  </a:schemeClr>
+                </a:lnRef>
+                <a:fillRef idx="1">
+                  <a:schemeClr val="accent1"/>
+                </a:fillRef>
+                <a:effectRef idx="0">
+                  <a:schemeClr val="accent1"/>
+                </a:effectRef>
+                <a:fontRef idx="minor">
+                  <a:schemeClr val="lt1"/>
+                </a:fontRef>
+              </p:style>
+              <p:txBody>
+                <a:bodyPr rtlCol="0" anchor="ctr"/>
+                <a:lstStyle/>
+                <a:p>
+                  <a:pPr algn="ctr"/>
+                  <a:endParaRPr lang="en-US" altLang="ko-KR" dirty="0"/>
+                </a:p>
+              </p:txBody>
+            </p:sp>
+            <p:sp>
+              <p:nvSpPr>
+                <p:cNvPr id="65" name="직사각형 64">
+                  <a:extLst>
+                    <a:ext uri="{FF2B5EF4-FFF2-40B4-BE49-F238E27FC236}">
+                      <a16:creationId xmlns:a16="http://schemas.microsoft.com/office/drawing/2014/main" id="{4431B446-7A64-4EB4-8FC4-65ABD0666DCD}"/>
+                    </a:ext>
+                  </a:extLst>
+                </p:cNvPr>
+                <p:cNvSpPr/>
+                <p:nvPr/>
+              </p:nvSpPr>
+              <p:spPr>
+                <a:xfrm>
+                  <a:off x="13060979" y="5684282"/>
+                  <a:ext cx="1080000" cy="1080000"/>
+                </a:xfrm>
+                <a:prstGeom prst="rect">
+                  <a:avLst/>
+                </a:prstGeom>
+                <a:solidFill>
+                  <a:schemeClr val="tx2">
+                    <a:lumMod val="20000"/>
+                    <a:lumOff val="80000"/>
+                  </a:schemeClr>
+                </a:solidFill>
+                <a:ln>
+                  <a:solidFill>
+                    <a:schemeClr val="tx1"/>
+                  </a:solidFill>
+                </a:ln>
+              </p:spPr>
+              <p:style>
+                <a:lnRef idx="2">
+                  <a:schemeClr val="accent1">
+                    <a:shade val="50000"/>
+                  </a:schemeClr>
+                </a:lnRef>
+                <a:fillRef idx="1">
+                  <a:schemeClr val="accent1"/>
+                </a:fillRef>
+                <a:effectRef idx="0">
+                  <a:schemeClr val="accent1"/>
+                </a:effectRef>
+                <a:fontRef idx="minor">
+                  <a:schemeClr val="lt1"/>
+                </a:fontRef>
+              </p:style>
+              <p:txBody>
+                <a:bodyPr rtlCol="0" anchor="ctr"/>
+                <a:lstStyle/>
+                <a:p>
+                  <a:pPr algn="ctr"/>
+                  <a:endParaRPr lang="en-US" altLang="ko-KR" dirty="0"/>
+                </a:p>
+              </p:txBody>
+            </p:sp>
+          </p:grpSp>
+        </p:grpSp>
+        <p:sp>
+          <p:nvSpPr>
+            <p:cNvPr id="66" name="타원 65">
+              <a:extLst>
+                <a:ext uri="{FF2B5EF4-FFF2-40B4-BE49-F238E27FC236}">
+                  <a16:creationId xmlns:a16="http://schemas.microsoft.com/office/drawing/2014/main" id="{011084E3-8C02-4F0C-B49A-011F2D0E1304}"/>
+                </a:ext>
+              </a:extLst>
+            </p:cNvPr>
+            <p:cNvSpPr/>
+            <p:nvPr/>
+          </p:nvSpPr>
+          <p:spPr>
+            <a:xfrm>
+              <a:off x="8155385" y="7486283"/>
+              <a:ext cx="108000" cy="108000"/>
+            </a:xfrm>
+            <a:prstGeom prst="ellipse">
+              <a:avLst/>
+            </a:prstGeom>
+            <a:gradFill flip="none" rotWithShape="1">
+              <a:gsLst>
+                <a:gs pos="0">
+                  <a:schemeClr val="accent3">
+                    <a:lumMod val="40000"/>
+                    <a:lumOff val="60000"/>
+                  </a:schemeClr>
+                </a:gs>
+                <a:gs pos="46000">
+                  <a:schemeClr val="accent3">
+                    <a:lumMod val="95000"/>
+                    <a:lumOff val="5000"/>
+                  </a:schemeClr>
+                </a:gs>
+                <a:gs pos="100000">
+                  <a:schemeClr val="accent3">
+                    <a:lumMod val="60000"/>
+                  </a:schemeClr>
+                </a:gs>
+              </a:gsLst>
+              <a:path path="circle">
+                <a:fillToRect l="50000" t="130000" r="50000" b="-30000"/>
+              </a:path>
+              <a:tileRect/>
+            </a:gradFill>
+            <a:ln>
+              <a:noFill/>
+            </a:ln>
+          </p:spPr>
+          <p:style>
+            <a:lnRef idx="2">
+              <a:schemeClr val="accent1">
+                <a:shade val="50000"/>
+              </a:schemeClr>
+            </a:lnRef>
+            <a:fillRef idx="1">
+              <a:schemeClr val="accent1"/>
+            </a:fillRef>
+            <a:effectRef idx="0">
+              <a:schemeClr val="accent1"/>
+            </a:effectRef>
+            <a:fontRef idx="minor">
+              <a:schemeClr val="lt1"/>
+            </a:fontRef>
+          </p:style>
+          <p:txBody>
+            <a:bodyPr rtlCol="0" anchor="ctr"/>
+            <a:lstStyle/>
+            <a:p>
+              <a:pPr algn="ctr"/>
+              <a:endParaRPr lang="ko-KR" altLang="en-US"/>
+            </a:p>
+          </p:txBody>
+        </p:sp>
+        <p:sp>
+          <p:nvSpPr>
+            <p:cNvPr id="67" name="타원 66">
+              <a:extLst>
+                <a:ext uri="{FF2B5EF4-FFF2-40B4-BE49-F238E27FC236}">
+                  <a16:creationId xmlns:a16="http://schemas.microsoft.com/office/drawing/2014/main" id="{60EF0D62-6733-4695-BAD5-05263F65C3E8}"/>
+                </a:ext>
+              </a:extLst>
+            </p:cNvPr>
+            <p:cNvSpPr/>
+            <p:nvPr/>
+          </p:nvSpPr>
+          <p:spPr>
+            <a:xfrm>
+              <a:off x="7986407" y="8446284"/>
+              <a:ext cx="108000" cy="108000"/>
+            </a:xfrm>
+            <a:prstGeom prst="ellipse">
+              <a:avLst/>
+            </a:prstGeom>
+            <a:gradFill flip="none" rotWithShape="1">
+              <a:gsLst>
+                <a:gs pos="0">
+                  <a:schemeClr val="accent3">
+                    <a:lumMod val="40000"/>
+                    <a:lumOff val="60000"/>
+                  </a:schemeClr>
+                </a:gs>
+                <a:gs pos="46000">
+                  <a:schemeClr val="accent3">
+                    <a:lumMod val="95000"/>
+                    <a:lumOff val="5000"/>
+                  </a:schemeClr>
+                </a:gs>
+                <a:gs pos="100000">
+                  <a:schemeClr val="accent3">
+                    <a:lumMod val="60000"/>
+                  </a:schemeClr>
+                </a:gs>
+              </a:gsLst>
+              <a:path path="circle">
+                <a:fillToRect l="50000" t="130000" r="50000" b="-30000"/>
+              </a:path>
+              <a:tileRect/>
+            </a:gradFill>
+            <a:ln>
+              <a:noFill/>
+            </a:ln>
+          </p:spPr>
+          <p:style>
+            <a:lnRef idx="2">
+              <a:schemeClr val="accent1">
+                <a:shade val="50000"/>
+              </a:schemeClr>
+            </a:lnRef>
+            <a:fillRef idx="1">
+              <a:schemeClr val="accent1"/>
+            </a:fillRef>
+            <a:effectRef idx="0">
+              <a:schemeClr val="accent1"/>
+            </a:effectRef>
+            <a:fontRef idx="minor">
+              <a:schemeClr val="lt1"/>
+            </a:fontRef>
+          </p:style>
+          <p:txBody>
+            <a:bodyPr rtlCol="0" anchor="ctr"/>
+            <a:lstStyle/>
+            <a:p>
+              <a:pPr algn="ctr"/>
+              <a:endParaRPr lang="ko-KR" altLang="en-US"/>
+            </a:p>
+          </p:txBody>
+        </p:sp>
+        <p:sp>
+          <p:nvSpPr>
+            <p:cNvPr id="68" name="타원 67">
+              <a:extLst>
+                <a:ext uri="{FF2B5EF4-FFF2-40B4-BE49-F238E27FC236}">
+                  <a16:creationId xmlns:a16="http://schemas.microsoft.com/office/drawing/2014/main" id="{5F94096B-E9CD-4692-8BF4-9A2341470C08}"/>
+                </a:ext>
+              </a:extLst>
+            </p:cNvPr>
+            <p:cNvSpPr/>
+            <p:nvPr/>
+          </p:nvSpPr>
+          <p:spPr>
+            <a:xfrm>
+              <a:off x="8749873" y="7918242"/>
+              <a:ext cx="108000" cy="108000"/>
+            </a:xfrm>
+            <a:prstGeom prst="ellipse">
+              <a:avLst/>
+            </a:prstGeom>
+            <a:gradFill flip="none" rotWithShape="1">
+              <a:gsLst>
+                <a:gs pos="0">
+                  <a:schemeClr val="accent3">
+                    <a:lumMod val="40000"/>
+                    <a:lumOff val="60000"/>
+                  </a:schemeClr>
+                </a:gs>
+                <a:gs pos="46000">
+                  <a:schemeClr val="accent3">
+                    <a:lumMod val="95000"/>
+                    <a:lumOff val="5000"/>
+                  </a:schemeClr>
+                </a:gs>
+                <a:gs pos="100000">
+                  <a:schemeClr val="accent3">
+                    <a:lumMod val="60000"/>
+                  </a:schemeClr>
+                </a:gs>
+              </a:gsLst>
+              <a:path path="circle">
+                <a:fillToRect l="50000" t="130000" r="50000" b="-30000"/>
+              </a:path>
+              <a:tileRect/>
+            </a:gradFill>
+            <a:ln>
+              <a:noFill/>
+            </a:ln>
+          </p:spPr>
+          <p:style>
+            <a:lnRef idx="2">
+              <a:schemeClr val="accent1">
+                <a:shade val="50000"/>
+              </a:schemeClr>
+            </a:lnRef>
+            <a:fillRef idx="1">
+              <a:schemeClr val="accent1"/>
+            </a:fillRef>
+            <a:effectRef idx="0">
+              <a:schemeClr val="accent1"/>
+            </a:effectRef>
+            <a:fontRef idx="minor">
+              <a:schemeClr val="lt1"/>
+            </a:fontRef>
+          </p:style>
+          <p:txBody>
+            <a:bodyPr rtlCol="0" anchor="ctr"/>
+            <a:lstStyle/>
+            <a:p>
+              <a:pPr algn="ctr"/>
+              <a:endParaRPr lang="ko-KR" altLang="en-US"/>
+            </a:p>
+          </p:txBody>
+        </p:sp>
+        <p:sp>
+          <p:nvSpPr>
+            <p:cNvPr id="69" name="타원 68">
+              <a:extLst>
+                <a:ext uri="{FF2B5EF4-FFF2-40B4-BE49-F238E27FC236}">
+                  <a16:creationId xmlns:a16="http://schemas.microsoft.com/office/drawing/2014/main" id="{2BDA4793-508B-47E2-A169-9C55F900981F}"/>
+                </a:ext>
+              </a:extLst>
+            </p:cNvPr>
+            <p:cNvSpPr/>
+            <p:nvPr/>
+          </p:nvSpPr>
+          <p:spPr>
+            <a:xfrm>
+              <a:off x="9129344" y="8132043"/>
+              <a:ext cx="108000" cy="108000"/>
+            </a:xfrm>
+            <a:prstGeom prst="ellipse">
+              <a:avLst/>
+            </a:prstGeom>
+            <a:gradFill flip="none" rotWithShape="1">
+              <a:gsLst>
+                <a:gs pos="0">
+                  <a:schemeClr val="accent3">
+                    <a:lumMod val="40000"/>
+                    <a:lumOff val="60000"/>
+                  </a:schemeClr>
+                </a:gs>
+                <a:gs pos="46000">
+                  <a:schemeClr val="accent3">
+                    <a:lumMod val="95000"/>
+                    <a:lumOff val="5000"/>
+                  </a:schemeClr>
+                </a:gs>
+                <a:gs pos="100000">
+                  <a:schemeClr val="accent3">
+                    <a:lumMod val="60000"/>
+                  </a:schemeClr>
+                </a:gs>
+              </a:gsLst>
+              <a:path path="circle">
+                <a:fillToRect l="50000" t="130000" r="50000" b="-30000"/>
+              </a:path>
+              <a:tileRect/>
+            </a:gradFill>
+            <a:ln>
+              <a:noFill/>
+            </a:ln>
+          </p:spPr>
+          <p:style>
+            <a:lnRef idx="2">
+              <a:schemeClr val="accent1">
+                <a:shade val="50000"/>
+              </a:schemeClr>
+            </a:lnRef>
+            <a:fillRef idx="1">
+              <a:schemeClr val="accent1"/>
+            </a:fillRef>
+            <a:effectRef idx="0">
+              <a:schemeClr val="accent1"/>
+            </a:effectRef>
+            <a:fontRef idx="minor">
+              <a:schemeClr val="lt1"/>
+            </a:fontRef>
+          </p:style>
+          <p:txBody>
+            <a:bodyPr rtlCol="0" anchor="ctr"/>
+            <a:lstStyle/>
+            <a:p>
+              <a:pPr algn="ctr"/>
+              <a:endParaRPr lang="ko-KR" altLang="en-US"/>
+            </a:p>
+          </p:txBody>
+        </p:sp>
+        <p:sp>
+          <p:nvSpPr>
+            <p:cNvPr id="70" name="타원 69">
+              <a:extLst>
+                <a:ext uri="{FF2B5EF4-FFF2-40B4-BE49-F238E27FC236}">
+                  <a16:creationId xmlns:a16="http://schemas.microsoft.com/office/drawing/2014/main" id="{BB3C194C-C334-441C-8321-4E24BCCE0053}"/>
+                </a:ext>
+              </a:extLst>
+            </p:cNvPr>
+            <p:cNvSpPr/>
+            <p:nvPr/>
+          </p:nvSpPr>
+          <p:spPr>
+            <a:xfrm>
+              <a:off x="10472293" y="8538863"/>
+              <a:ext cx="108000" cy="108000"/>
+            </a:xfrm>
+            <a:prstGeom prst="ellipse">
+              <a:avLst/>
+            </a:prstGeom>
+            <a:gradFill flip="none" rotWithShape="1">
+              <a:gsLst>
+                <a:gs pos="0">
+                  <a:schemeClr val="accent3">
+                    <a:lumMod val="40000"/>
+                    <a:lumOff val="60000"/>
+                  </a:schemeClr>
+                </a:gs>
+                <a:gs pos="46000">
+                  <a:schemeClr val="accent3">
+                    <a:lumMod val="95000"/>
+                    <a:lumOff val="5000"/>
+                  </a:schemeClr>
+                </a:gs>
+                <a:gs pos="100000">
+                  <a:schemeClr val="accent3">
+                    <a:lumMod val="60000"/>
+                  </a:schemeClr>
+                </a:gs>
+              </a:gsLst>
+              <a:path path="circle">
+                <a:fillToRect l="50000" t="130000" r="50000" b="-30000"/>
+              </a:path>
+              <a:tileRect/>
+            </a:gradFill>
+            <a:ln>
+              <a:noFill/>
+            </a:ln>
+          </p:spPr>
+          <p:style>
+            <a:lnRef idx="2">
+              <a:schemeClr val="accent1">
+                <a:shade val="50000"/>
+              </a:schemeClr>
+            </a:lnRef>
+            <a:fillRef idx="1">
+              <a:schemeClr val="accent1"/>
+            </a:fillRef>
+            <a:effectRef idx="0">
+              <a:schemeClr val="accent1"/>
+            </a:effectRef>
+            <a:fontRef idx="minor">
+              <a:schemeClr val="lt1"/>
+            </a:fontRef>
+          </p:style>
+          <p:txBody>
+            <a:bodyPr rtlCol="0" anchor="ctr"/>
+            <a:lstStyle/>
+            <a:p>
+              <a:pPr algn="ctr"/>
+              <a:endParaRPr lang="ko-KR" altLang="en-US"/>
+            </a:p>
+          </p:txBody>
+        </p:sp>
+        <p:sp>
+          <p:nvSpPr>
+            <p:cNvPr id="71" name="타원 70">
+              <a:extLst>
+                <a:ext uri="{FF2B5EF4-FFF2-40B4-BE49-F238E27FC236}">
+                  <a16:creationId xmlns:a16="http://schemas.microsoft.com/office/drawing/2014/main" id="{8EFF6D42-0343-4067-B3D8-0E749CCF7D6D}"/>
+                </a:ext>
+              </a:extLst>
+            </p:cNvPr>
+            <p:cNvSpPr/>
+            <p:nvPr/>
+          </p:nvSpPr>
+          <p:spPr>
+            <a:xfrm>
+              <a:off x="10324316" y="7848836"/>
+              <a:ext cx="108000" cy="108000"/>
+            </a:xfrm>
+            <a:prstGeom prst="ellipse">
+              <a:avLst/>
+            </a:prstGeom>
+            <a:gradFill flip="none" rotWithShape="1">
+              <a:gsLst>
+                <a:gs pos="0">
+                  <a:schemeClr val="accent3">
+                    <a:lumMod val="40000"/>
+                    <a:lumOff val="60000"/>
+                  </a:schemeClr>
+                </a:gs>
+                <a:gs pos="46000">
+                  <a:schemeClr val="accent3">
+                    <a:lumMod val="95000"/>
+                    <a:lumOff val="5000"/>
+                  </a:schemeClr>
+                </a:gs>
+                <a:gs pos="100000">
+                  <a:schemeClr val="accent3">
+                    <a:lumMod val="60000"/>
+                  </a:schemeClr>
+                </a:gs>
+              </a:gsLst>
+              <a:path path="circle">
+                <a:fillToRect l="50000" t="130000" r="50000" b="-30000"/>
+              </a:path>
+              <a:tileRect/>
+            </a:gradFill>
+            <a:ln>
+              <a:noFill/>
+            </a:ln>
+          </p:spPr>
+          <p:style>
+            <a:lnRef idx="2">
+              <a:schemeClr val="accent1">
+                <a:shade val="50000"/>
+              </a:schemeClr>
+            </a:lnRef>
+            <a:fillRef idx="1">
+              <a:schemeClr val="accent1"/>
+            </a:fillRef>
+            <a:effectRef idx="0">
+              <a:schemeClr val="accent1"/>
+            </a:effectRef>
+            <a:fontRef idx="minor">
+              <a:schemeClr val="lt1"/>
+            </a:fontRef>
+          </p:style>
+          <p:txBody>
+            <a:bodyPr rtlCol="0" anchor="ctr"/>
+            <a:lstStyle/>
+            <a:p>
+              <a:pPr algn="ctr"/>
+              <a:endParaRPr lang="ko-KR" altLang="en-US"/>
+            </a:p>
+          </p:txBody>
+        </p:sp>
+        <p:sp>
+          <p:nvSpPr>
+            <p:cNvPr id="72" name="화살표: 아래쪽 71">
+              <a:extLst>
+                <a:ext uri="{FF2B5EF4-FFF2-40B4-BE49-F238E27FC236}">
+                  <a16:creationId xmlns:a16="http://schemas.microsoft.com/office/drawing/2014/main" id="{69E41091-AD14-4370-9280-D48382DAF991}"/>
+                </a:ext>
+              </a:extLst>
+            </p:cNvPr>
+            <p:cNvSpPr/>
+            <p:nvPr/>
+          </p:nvSpPr>
+          <p:spPr>
+            <a:xfrm>
+              <a:off x="8741181" y="4607816"/>
+              <a:ext cx="796918" cy="1718559"/>
+            </a:xfrm>
+            <a:prstGeom prst="downArrow">
+              <a:avLst/>
+            </a:prstGeom>
+            <a:solidFill>
+              <a:schemeClr val="tx1">
+                <a:lumMod val="65000"/>
+                <a:lumOff val="35000"/>
+              </a:schemeClr>
+            </a:solidFill>
+            <a:ln>
+              <a:noFill/>
+            </a:ln>
+          </p:spPr>
+          <p:style>
+            <a:lnRef idx="2">
+              <a:schemeClr val="accent1">
+                <a:shade val="50000"/>
+              </a:schemeClr>
+            </a:lnRef>
+            <a:fillRef idx="1">
+              <a:schemeClr val="accent1"/>
+            </a:fillRef>
+            <a:effectRef idx="0">
+              <a:schemeClr val="accent1"/>
+            </a:effectRef>
+            <a:fontRef idx="minor">
+              <a:schemeClr val="lt1"/>
+            </a:fontRef>
+          </p:style>
+          <p:txBody>
+            <a:bodyPr rtlCol="0" anchor="ctr"/>
+            <a:lstStyle/>
+            <a:p>
+              <a:pPr algn="ctr"/>
+              <a:endParaRPr lang="ko-KR" altLang="en-US"/>
+            </a:p>
+          </p:txBody>
+        </p:sp>
+        <p:sp>
+          <p:nvSpPr>
+            <p:cNvPr id="146" name="타원 145">
+              <a:extLst>
+                <a:ext uri="{FF2B5EF4-FFF2-40B4-BE49-F238E27FC236}">
+                  <a16:creationId xmlns:a16="http://schemas.microsoft.com/office/drawing/2014/main" id="{5C195B1C-775E-4A28-95E8-0583F03107A6}"/>
+                </a:ext>
+              </a:extLst>
+            </p:cNvPr>
+            <p:cNvSpPr/>
+            <p:nvPr/>
+          </p:nvSpPr>
+          <p:spPr>
+            <a:xfrm>
+              <a:off x="9521125" y="8418548"/>
+              <a:ext cx="271471" cy="271471"/>
+            </a:xfrm>
+            <a:prstGeom prst="ellipse">
+              <a:avLst/>
+            </a:prstGeom>
+            <a:solidFill>
+              <a:srgbClr val="92D050"/>
+            </a:solidFill>
+            <a:ln>
+              <a:solidFill>
+                <a:schemeClr val="accent6">
+                  <a:lumMod val="75000"/>
+                </a:schemeClr>
+              </a:solidFill>
+            </a:ln>
+          </p:spPr>
+          <p:style>
+            <a:lnRef idx="2">
+              <a:schemeClr val="accent1">
+                <a:shade val="50000"/>
+              </a:schemeClr>
+            </a:lnRef>
+            <a:fillRef idx="1">
+              <a:schemeClr val="accent1"/>
+            </a:fillRef>
+            <a:effectRef idx="0">
+              <a:schemeClr val="accent1"/>
+            </a:effectRef>
+            <a:fontRef idx="minor">
+              <a:schemeClr val="lt1"/>
+            </a:fontRef>
+          </p:style>
+          <p:txBody>
+            <a:bodyPr rtlCol="0" anchor="ctr"/>
+            <a:lstStyle/>
+            <a:p>
+              <a:pPr algn="ctr"/>
+              <a:r>
+                <a:rPr lang="en-US" altLang="ko-KR" dirty="0"/>
+                <a:t>P</a:t>
+              </a:r>
+              <a:endParaRPr lang="ko-KR" altLang="en-US" dirty="0"/>
+            </a:p>
+          </p:txBody>
+        </p:sp>
+        <p:sp>
+          <p:nvSpPr>
+            <p:cNvPr id="147" name="타원 146">
+              <a:extLst>
+                <a:ext uri="{FF2B5EF4-FFF2-40B4-BE49-F238E27FC236}">
+                  <a16:creationId xmlns:a16="http://schemas.microsoft.com/office/drawing/2014/main" id="{20FFEEBE-2796-4B6A-AC5D-E32D4AE7EAD6}"/>
+                </a:ext>
+              </a:extLst>
+            </p:cNvPr>
+            <p:cNvSpPr/>
+            <p:nvPr/>
+          </p:nvSpPr>
+          <p:spPr>
+            <a:xfrm>
+              <a:off x="8894224" y="3437647"/>
+              <a:ext cx="271471" cy="271471"/>
+            </a:xfrm>
+            <a:prstGeom prst="ellipse">
+              <a:avLst/>
+            </a:prstGeom>
+            <a:solidFill>
+              <a:srgbClr val="92D050"/>
+            </a:solidFill>
+            <a:ln>
+              <a:solidFill>
+                <a:schemeClr val="accent6">
+                  <a:lumMod val="75000"/>
+                </a:schemeClr>
+              </a:solidFill>
+            </a:ln>
+          </p:spPr>
+          <p:style>
+            <a:lnRef idx="2">
+              <a:schemeClr val="accent1">
+                <a:shade val="50000"/>
+              </a:schemeClr>
+            </a:lnRef>
+            <a:fillRef idx="1">
+              <a:schemeClr val="accent1"/>
+            </a:fillRef>
+            <a:effectRef idx="0">
+              <a:schemeClr val="accent1"/>
+            </a:effectRef>
+            <a:fontRef idx="minor">
+              <a:schemeClr val="lt1"/>
+            </a:fontRef>
+          </p:style>
+          <p:txBody>
+            <a:bodyPr rtlCol="0" anchor="ctr"/>
+            <a:lstStyle/>
+            <a:p>
+              <a:pPr algn="ctr"/>
+              <a:r>
+                <a:rPr lang="en-US" altLang="ko-KR" dirty="0"/>
+                <a:t>P</a:t>
+              </a:r>
+              <a:endParaRPr lang="ko-KR" altLang="en-US" dirty="0"/>
+            </a:p>
+          </p:txBody>
+        </p:sp>
+      </p:grpSp>
+      <p:pic>
+        <p:nvPicPr>
+          <p:cNvPr id="154" name="그림 153">
+            <a:extLst>
+              <a:ext uri="{FF2B5EF4-FFF2-40B4-BE49-F238E27FC236}">
+                <a16:creationId xmlns:a16="http://schemas.microsoft.com/office/drawing/2014/main" id="{EF0BF182-8F8F-48F8-A4C2-6B6A4E01FD95}"/>
+              </a:ext>
+            </a:extLst>
+          </p:cNvPr>
+          <p:cNvPicPr>
+            <a:picLocks noChangeAspect="1"/>
+          </p:cNvPicPr>
+          <p:nvPr/>
+        </p:nvPicPr>
+        <p:blipFill>
+          <a:blip r:embed="rId4">
+            <a:extLst>
+              <a:ext uri="{28A0092B-C50C-407E-A947-70E740481C1C}">
+                <a14:useLocalDpi xmlns:a14="http://schemas.microsoft.com/office/drawing/2010/main" val="0"/>
+              </a:ext>
+            </a:extLst>
+          </a:blip>
+          <a:stretch>
+            <a:fillRect/>
+          </a:stretch>
+        </p:blipFill>
+        <p:spPr>
+          <a:xfrm>
+            <a:off x="106529" y="1518354"/>
+            <a:ext cx="4915021" cy="7977339"/>
+          </a:xfrm>
+          <a:prstGeom prst="rect">
+            <a:avLst/>
+          </a:prstGeom>
+        </p:spPr>
+      </p:pic>
+      <p:pic>
+        <p:nvPicPr>
+          <p:cNvPr id="156" name="그림 155">
+            <a:extLst>
+              <a:ext uri="{FF2B5EF4-FFF2-40B4-BE49-F238E27FC236}">
+                <a16:creationId xmlns:a16="http://schemas.microsoft.com/office/drawing/2014/main" id="{1EC9B8B5-22A7-4796-8DD5-2CBCE87F1FBF}"/>
+              </a:ext>
+            </a:extLst>
+          </p:cNvPr>
+          <p:cNvPicPr>
+            <a:picLocks noChangeAspect="1"/>
+          </p:cNvPicPr>
+          <p:nvPr/>
+        </p:nvPicPr>
+        <p:blipFill>
+          <a:blip r:embed="rId5">
+            <a:extLst>
+              <a:ext uri="{28A0092B-C50C-407E-A947-70E740481C1C}">
+                <a14:useLocalDpi xmlns:a14="http://schemas.microsoft.com/office/drawing/2010/main" val="0"/>
+              </a:ext>
+            </a:extLst>
+          </a:blip>
+          <a:stretch>
+            <a:fillRect/>
+          </a:stretch>
+        </p:blipFill>
+        <p:spPr>
+          <a:xfrm>
+            <a:off x="10779805" y="6063614"/>
+            <a:ext cx="5141691" cy="3432079"/>
+          </a:xfrm>
+          <a:prstGeom prst="rect">
+            <a:avLst/>
+          </a:prstGeom>
+        </p:spPr>
+      </p:pic>
+      <p:sp>
+        <p:nvSpPr>
+          <p:cNvPr id="157" name="TextBox 156">
+            <a:extLst>
+              <a:ext uri="{FF2B5EF4-FFF2-40B4-BE49-F238E27FC236}">
+                <a16:creationId xmlns:a16="http://schemas.microsoft.com/office/drawing/2014/main" id="{50635D8A-4A4D-4F93-90A5-0F667DC6CCB4}"/>
+              </a:ext>
+            </a:extLst>
+          </p:cNvPr>
+          <p:cNvSpPr txBox="1"/>
+          <p:nvPr/>
+        </p:nvSpPr>
+        <p:spPr>
+          <a:xfrm>
+            <a:off x="10770405" y="5597609"/>
+            <a:ext cx="5151091" cy="369332"/>
+          </a:xfrm>
+          <a:prstGeom prst="rect">
+            <a:avLst/>
+          </a:prstGeom>
+          <a:solidFill>
+            <a:schemeClr val="bg1">
+              <a:lumMod val="65000"/>
+            </a:schemeClr>
+          </a:solidFill>
+          <a:ln>
+            <a:noFill/>
+          </a:ln>
+        </p:spPr>
+        <p:txBody>
+          <a:bodyPr wrap="square" rtlCol="0">
+            <a:spAutoFit/>
+          </a:bodyPr>
+          <a:lstStyle/>
+          <a:p>
+            <a:pPr algn="ctr"/>
+            <a:r>
+              <a:rPr lang="ko-KR" altLang="en-US" dirty="0"/>
+              <a:t>예상 이미지 </a:t>
+            </a:r>
+            <a:r>
+              <a:rPr lang="en-US" altLang="ko-KR"/>
+              <a:t>(gif</a:t>
+            </a:r>
+            <a:r>
+              <a:rPr lang="en-US" altLang="ko-KR" dirty="0"/>
+              <a:t>)</a:t>
+            </a:r>
           </a:p>
         </p:txBody>
       </p:sp>
@@ -8244,12 +11900,130 @@
           </a:p>
         </p:txBody>
       </p:sp>
+      <p:sp>
+        <p:nvSpPr>
+          <p:cNvPr id="6" name="직사각형 5">
+            <a:extLst>
+              <a:ext uri="{FF2B5EF4-FFF2-40B4-BE49-F238E27FC236}">
+                <a16:creationId xmlns:a16="http://schemas.microsoft.com/office/drawing/2014/main" id="{6F11F13E-FA52-45EB-BAFC-030AA0351955}"/>
+              </a:ext>
+            </a:extLst>
+          </p:cNvPr>
+          <p:cNvSpPr/>
+          <p:nvPr/>
+        </p:nvSpPr>
+        <p:spPr>
+          <a:xfrm>
+            <a:off x="8132804" y="2722255"/>
+            <a:ext cx="8776353" cy="5850902"/>
+          </a:xfrm>
+          <a:prstGeom prst="rect">
+            <a:avLst/>
+          </a:prstGeom>
+          <a:solidFill>
+            <a:schemeClr val="tx1">
+              <a:lumMod val="85000"/>
+              <a:lumOff val="15000"/>
+            </a:schemeClr>
+          </a:solidFill>
+          <a:ln>
+            <a:noFill/>
+          </a:ln>
+        </p:spPr>
+        <p:style>
+          <a:lnRef idx="2">
+            <a:schemeClr val="accent1">
+              <a:shade val="50000"/>
+            </a:schemeClr>
+          </a:lnRef>
+          <a:fillRef idx="1">
+            <a:schemeClr val="accent1"/>
+          </a:fillRef>
+          <a:effectRef idx="0">
+            <a:schemeClr val="accent1"/>
+          </a:effectRef>
+          <a:fontRef idx="minor">
+            <a:schemeClr val="lt1"/>
+          </a:fontRef>
+        </p:style>
+        <p:txBody>
+          <a:bodyPr rtlCol="0" anchor="ctr"/>
+          <a:lstStyle/>
+          <a:p>
+            <a:pPr algn="ctr"/>
+            <a:endParaRPr lang="ko-KR" altLang="en-US"/>
+          </a:p>
+        </p:txBody>
+      </p:sp>
+      <p:sp>
+        <p:nvSpPr>
+          <p:cNvPr id="7" name="TextBox 6">
+            <a:extLst>
+              <a:ext uri="{FF2B5EF4-FFF2-40B4-BE49-F238E27FC236}">
+                <a16:creationId xmlns:a16="http://schemas.microsoft.com/office/drawing/2014/main" id="{85C08FB5-ED75-4261-BA30-59D751172FDB}"/>
+              </a:ext>
+            </a:extLst>
+          </p:cNvPr>
+          <p:cNvSpPr txBox="1"/>
+          <p:nvPr/>
+        </p:nvSpPr>
+        <p:spPr>
+          <a:xfrm>
+            <a:off x="8132803" y="2182575"/>
+            <a:ext cx="8776353" cy="369332"/>
+          </a:xfrm>
+          <a:prstGeom prst="rect">
+            <a:avLst/>
+          </a:prstGeom>
+          <a:solidFill>
+            <a:schemeClr val="tx1">
+              <a:lumMod val="85000"/>
+              <a:lumOff val="15000"/>
+            </a:schemeClr>
+          </a:solidFill>
+          <a:ln>
+            <a:noFill/>
+          </a:ln>
+        </p:spPr>
+        <p:txBody>
+          <a:bodyPr wrap="square" rtlCol="0">
+            <a:spAutoFit/>
+          </a:bodyPr>
+          <a:lstStyle/>
+          <a:p>
+            <a:r>
+              <a:rPr lang="en-US" altLang="ko-KR" dirty="0" err="1">
+                <a:solidFill>
+                  <a:schemeClr val="bg1"/>
+                </a:solidFill>
+              </a:rPr>
+              <a:t>Spike_Map</a:t>
+            </a:r>
+            <a:r>
+              <a:rPr lang="en-US" altLang="ko-KR" dirty="0">
+                <a:solidFill>
+                  <a:schemeClr val="bg1"/>
+                </a:solidFill>
+              </a:rPr>
+              <a:t> </a:t>
+            </a:r>
+            <a:r>
+              <a:rPr lang="ko-KR" altLang="en-US" dirty="0">
+                <a:solidFill>
+                  <a:schemeClr val="bg1"/>
+                </a:solidFill>
+              </a:rPr>
+              <a:t>생성 및 이동 예시</a:t>
+            </a:r>
+          </a:p>
+        </p:txBody>
+      </p:sp>
       <p:pic>
         <p:nvPicPr>
-          <p:cNvPr id="3" name="그림 2">
+          <p:cNvPr id="8" name="그림 7">
             <a:extLst>
               <a:ext uri="{FF2B5EF4-FFF2-40B4-BE49-F238E27FC236}">
-                <a16:creationId xmlns:a16="http://schemas.microsoft.com/office/drawing/2014/main" id="{527488DA-A396-48F8-8AD5-9F3CBAE244A1}"/>
+                <a16:creationId xmlns:a16="http://schemas.microsoft.com/office/drawing/2014/main" id="{484FC1BE-5906-41AF-BBE1-26A5527EE09B}"/>
               </a:ext>
             </a:extLst>
           </p:cNvPr>
@@ -8272,18 +12046,1703 @@
         </p:blipFill>
         <p:spPr>
           <a:xfrm>
-            <a:off x="101601" y="1475276"/>
-            <a:ext cx="7664703" cy="4603923"/>
+            <a:off x="526510" y="2182575"/>
+            <a:ext cx="5569490" cy="5723770"/>
           </a:xfrm>
           <a:prstGeom prst="rect">
             <a:avLst/>
           </a:prstGeom>
         </p:spPr>
       </p:pic>
+      <p:grpSp>
+        <p:nvGrpSpPr>
+          <p:cNvPr id="16" name="그룹 15">
+            <a:extLst>
+              <a:ext uri="{FF2B5EF4-FFF2-40B4-BE49-F238E27FC236}">
+                <a16:creationId xmlns:a16="http://schemas.microsoft.com/office/drawing/2014/main" id="{54C82077-CD23-43A1-81A7-4AD46955C259}"/>
+              </a:ext>
+            </a:extLst>
+          </p:cNvPr>
+          <p:cNvGrpSpPr/>
+          <p:nvPr/>
+        </p:nvGrpSpPr>
+        <p:grpSpPr>
+          <a:xfrm>
+            <a:off x="10900979" y="4567706"/>
+            <a:ext cx="3240000" cy="2160000"/>
+            <a:chOff x="10900979" y="4604282"/>
+            <a:chExt cx="3240000" cy="2160000"/>
+          </a:xfrm>
+        </p:grpSpPr>
+        <p:sp>
+          <p:nvSpPr>
+            <p:cNvPr id="9" name="직사각형 8">
+              <a:extLst>
+                <a:ext uri="{FF2B5EF4-FFF2-40B4-BE49-F238E27FC236}">
+                  <a16:creationId xmlns:a16="http://schemas.microsoft.com/office/drawing/2014/main" id="{5ECFCA14-C8D2-4BC9-92C2-AE00B2D17471}"/>
+                </a:ext>
+              </a:extLst>
+            </p:cNvPr>
+            <p:cNvSpPr/>
+            <p:nvPr/>
+          </p:nvSpPr>
+          <p:spPr>
+            <a:xfrm>
+              <a:off x="10900979" y="4604282"/>
+              <a:ext cx="1080000" cy="1080000"/>
+            </a:xfrm>
+            <a:prstGeom prst="rect">
+              <a:avLst/>
+            </a:prstGeom>
+            <a:solidFill>
+              <a:schemeClr val="tx2">
+                <a:lumMod val="20000"/>
+                <a:lumOff val="80000"/>
+              </a:schemeClr>
+            </a:solidFill>
+            <a:ln>
+              <a:solidFill>
+                <a:schemeClr val="tx1"/>
+              </a:solidFill>
+            </a:ln>
+          </p:spPr>
+          <p:style>
+            <a:lnRef idx="2">
+              <a:schemeClr val="accent1">
+                <a:shade val="50000"/>
+              </a:schemeClr>
+            </a:lnRef>
+            <a:fillRef idx="1">
+              <a:schemeClr val="accent1"/>
+            </a:fillRef>
+            <a:effectRef idx="0">
+              <a:schemeClr val="accent1"/>
+            </a:effectRef>
+            <a:fontRef idx="minor">
+              <a:schemeClr val="lt1"/>
+            </a:fontRef>
+          </p:style>
+          <p:txBody>
+            <a:bodyPr rtlCol="0" anchor="ctr"/>
+            <a:lstStyle/>
+            <a:p>
+              <a:pPr algn="ctr"/>
+              <a:endParaRPr lang="en-US" altLang="ko-KR" dirty="0"/>
+            </a:p>
+          </p:txBody>
+        </p:sp>
+        <p:sp>
+          <p:nvSpPr>
+            <p:cNvPr id="11" name="직사각형 10">
+              <a:extLst>
+                <a:ext uri="{FF2B5EF4-FFF2-40B4-BE49-F238E27FC236}">
+                  <a16:creationId xmlns:a16="http://schemas.microsoft.com/office/drawing/2014/main" id="{24A4D732-2BA5-411B-ACF6-A43530D34A9A}"/>
+                </a:ext>
+              </a:extLst>
+            </p:cNvPr>
+            <p:cNvSpPr/>
+            <p:nvPr/>
+          </p:nvSpPr>
+          <p:spPr>
+            <a:xfrm>
+              <a:off x="11980979" y="4604282"/>
+              <a:ext cx="1080000" cy="1080000"/>
+            </a:xfrm>
+            <a:prstGeom prst="rect">
+              <a:avLst/>
+            </a:prstGeom>
+            <a:solidFill>
+              <a:schemeClr val="tx2">
+                <a:lumMod val="20000"/>
+                <a:lumOff val="80000"/>
+              </a:schemeClr>
+            </a:solidFill>
+            <a:ln>
+              <a:solidFill>
+                <a:schemeClr val="tx1"/>
+              </a:solidFill>
+            </a:ln>
+          </p:spPr>
+          <p:style>
+            <a:lnRef idx="2">
+              <a:schemeClr val="accent1">
+                <a:shade val="50000"/>
+              </a:schemeClr>
+            </a:lnRef>
+            <a:fillRef idx="1">
+              <a:schemeClr val="accent1"/>
+            </a:fillRef>
+            <a:effectRef idx="0">
+              <a:schemeClr val="accent1"/>
+            </a:effectRef>
+            <a:fontRef idx="minor">
+              <a:schemeClr val="lt1"/>
+            </a:fontRef>
+          </p:style>
+          <p:txBody>
+            <a:bodyPr rtlCol="0" anchor="ctr"/>
+            <a:lstStyle/>
+            <a:p>
+              <a:pPr algn="ctr"/>
+              <a:endParaRPr lang="en-US" altLang="ko-KR" dirty="0"/>
+            </a:p>
+          </p:txBody>
+        </p:sp>
+        <p:sp>
+          <p:nvSpPr>
+            <p:cNvPr id="12" name="직사각형 11">
+              <a:extLst>
+                <a:ext uri="{FF2B5EF4-FFF2-40B4-BE49-F238E27FC236}">
+                  <a16:creationId xmlns:a16="http://schemas.microsoft.com/office/drawing/2014/main" id="{4C4F1C59-2E44-4780-8F2D-E7C35500914F}"/>
+                </a:ext>
+              </a:extLst>
+            </p:cNvPr>
+            <p:cNvSpPr/>
+            <p:nvPr/>
+          </p:nvSpPr>
+          <p:spPr>
+            <a:xfrm>
+              <a:off x="13060979" y="4604282"/>
+              <a:ext cx="1080000" cy="1080000"/>
+            </a:xfrm>
+            <a:prstGeom prst="rect">
+              <a:avLst/>
+            </a:prstGeom>
+            <a:solidFill>
+              <a:schemeClr val="tx2">
+                <a:lumMod val="20000"/>
+                <a:lumOff val="80000"/>
+              </a:schemeClr>
+            </a:solidFill>
+            <a:ln>
+              <a:solidFill>
+                <a:schemeClr val="tx1"/>
+              </a:solidFill>
+            </a:ln>
+          </p:spPr>
+          <p:style>
+            <a:lnRef idx="2">
+              <a:schemeClr val="accent1">
+                <a:shade val="50000"/>
+              </a:schemeClr>
+            </a:lnRef>
+            <a:fillRef idx="1">
+              <a:schemeClr val="accent1"/>
+            </a:fillRef>
+            <a:effectRef idx="0">
+              <a:schemeClr val="accent1"/>
+            </a:effectRef>
+            <a:fontRef idx="minor">
+              <a:schemeClr val="lt1"/>
+            </a:fontRef>
+          </p:style>
+          <p:txBody>
+            <a:bodyPr rtlCol="0" anchor="ctr"/>
+            <a:lstStyle/>
+            <a:p>
+              <a:pPr algn="ctr"/>
+              <a:endParaRPr lang="en-US" altLang="ko-KR" dirty="0"/>
+            </a:p>
+          </p:txBody>
+        </p:sp>
+        <p:sp>
+          <p:nvSpPr>
+            <p:cNvPr id="13" name="직사각형 12">
+              <a:extLst>
+                <a:ext uri="{FF2B5EF4-FFF2-40B4-BE49-F238E27FC236}">
+                  <a16:creationId xmlns:a16="http://schemas.microsoft.com/office/drawing/2014/main" id="{7797F4A3-E57F-4ECC-8769-2A3BBBA1360C}"/>
+                </a:ext>
+              </a:extLst>
+            </p:cNvPr>
+            <p:cNvSpPr/>
+            <p:nvPr/>
+          </p:nvSpPr>
+          <p:spPr>
+            <a:xfrm>
+              <a:off x="10900979" y="5684282"/>
+              <a:ext cx="1080000" cy="1080000"/>
+            </a:xfrm>
+            <a:prstGeom prst="rect">
+              <a:avLst/>
+            </a:prstGeom>
+            <a:solidFill>
+              <a:schemeClr val="tx2">
+                <a:lumMod val="20000"/>
+                <a:lumOff val="80000"/>
+              </a:schemeClr>
+            </a:solidFill>
+            <a:ln>
+              <a:solidFill>
+                <a:schemeClr val="tx1"/>
+              </a:solidFill>
+            </a:ln>
+          </p:spPr>
+          <p:style>
+            <a:lnRef idx="2">
+              <a:schemeClr val="accent1">
+                <a:shade val="50000"/>
+              </a:schemeClr>
+            </a:lnRef>
+            <a:fillRef idx="1">
+              <a:schemeClr val="accent1"/>
+            </a:fillRef>
+            <a:effectRef idx="0">
+              <a:schemeClr val="accent1"/>
+            </a:effectRef>
+            <a:fontRef idx="minor">
+              <a:schemeClr val="lt1"/>
+            </a:fontRef>
+          </p:style>
+          <p:txBody>
+            <a:bodyPr rtlCol="0" anchor="ctr"/>
+            <a:lstStyle/>
+            <a:p>
+              <a:pPr algn="ctr"/>
+              <a:endParaRPr lang="en-US" altLang="ko-KR" dirty="0"/>
+            </a:p>
+          </p:txBody>
+        </p:sp>
+        <p:sp>
+          <p:nvSpPr>
+            <p:cNvPr id="14" name="직사각형 13">
+              <a:extLst>
+                <a:ext uri="{FF2B5EF4-FFF2-40B4-BE49-F238E27FC236}">
+                  <a16:creationId xmlns:a16="http://schemas.microsoft.com/office/drawing/2014/main" id="{394CC29F-4F02-49A4-8DC4-29791B7C9FBC}"/>
+                </a:ext>
+              </a:extLst>
+            </p:cNvPr>
+            <p:cNvSpPr/>
+            <p:nvPr/>
+          </p:nvSpPr>
+          <p:spPr>
+            <a:xfrm>
+              <a:off x="11980979" y="5684282"/>
+              <a:ext cx="1080000" cy="1080000"/>
+            </a:xfrm>
+            <a:prstGeom prst="rect">
+              <a:avLst/>
+            </a:prstGeom>
+            <a:solidFill>
+              <a:schemeClr val="tx2">
+                <a:lumMod val="20000"/>
+                <a:lumOff val="80000"/>
+              </a:schemeClr>
+            </a:solidFill>
+            <a:ln>
+              <a:solidFill>
+                <a:schemeClr val="tx1"/>
+              </a:solidFill>
+            </a:ln>
+          </p:spPr>
+          <p:style>
+            <a:lnRef idx="2">
+              <a:schemeClr val="accent1">
+                <a:shade val="50000"/>
+              </a:schemeClr>
+            </a:lnRef>
+            <a:fillRef idx="1">
+              <a:schemeClr val="accent1"/>
+            </a:fillRef>
+            <a:effectRef idx="0">
+              <a:schemeClr val="accent1"/>
+            </a:effectRef>
+            <a:fontRef idx="minor">
+              <a:schemeClr val="lt1"/>
+            </a:fontRef>
+          </p:style>
+          <p:txBody>
+            <a:bodyPr rtlCol="0" anchor="ctr"/>
+            <a:lstStyle/>
+            <a:p>
+              <a:pPr algn="ctr"/>
+              <a:endParaRPr lang="en-US" altLang="ko-KR" dirty="0"/>
+            </a:p>
+          </p:txBody>
+        </p:sp>
+        <p:sp>
+          <p:nvSpPr>
+            <p:cNvPr id="15" name="직사각형 14">
+              <a:extLst>
+                <a:ext uri="{FF2B5EF4-FFF2-40B4-BE49-F238E27FC236}">
+                  <a16:creationId xmlns:a16="http://schemas.microsoft.com/office/drawing/2014/main" id="{6D5714E8-6B03-4186-9D1C-BBC46F0030CD}"/>
+                </a:ext>
+              </a:extLst>
+            </p:cNvPr>
+            <p:cNvSpPr/>
+            <p:nvPr/>
+          </p:nvSpPr>
+          <p:spPr>
+            <a:xfrm>
+              <a:off x="13060979" y="5684282"/>
+              <a:ext cx="1080000" cy="1080000"/>
+            </a:xfrm>
+            <a:prstGeom prst="rect">
+              <a:avLst/>
+            </a:prstGeom>
+            <a:solidFill>
+              <a:schemeClr val="tx2">
+                <a:lumMod val="20000"/>
+                <a:lumOff val="80000"/>
+              </a:schemeClr>
+            </a:solidFill>
+            <a:ln>
+              <a:solidFill>
+                <a:schemeClr val="tx1"/>
+              </a:solidFill>
+            </a:ln>
+          </p:spPr>
+          <p:style>
+            <a:lnRef idx="2">
+              <a:schemeClr val="accent1">
+                <a:shade val="50000"/>
+              </a:schemeClr>
+            </a:lnRef>
+            <a:fillRef idx="1">
+              <a:schemeClr val="accent1"/>
+            </a:fillRef>
+            <a:effectRef idx="0">
+              <a:schemeClr val="accent1"/>
+            </a:effectRef>
+            <a:fontRef idx="minor">
+              <a:schemeClr val="lt1"/>
+            </a:fontRef>
+          </p:style>
+          <p:txBody>
+            <a:bodyPr rtlCol="0" anchor="ctr"/>
+            <a:lstStyle/>
+            <a:p>
+              <a:pPr algn="ctr"/>
+              <a:endParaRPr lang="en-US" altLang="ko-KR" dirty="0"/>
+            </a:p>
+          </p:txBody>
+        </p:sp>
+      </p:grpSp>
+      <p:sp>
+        <p:nvSpPr>
+          <p:cNvPr id="17" name="직사각형 16">
+            <a:extLst>
+              <a:ext uri="{FF2B5EF4-FFF2-40B4-BE49-F238E27FC236}">
+                <a16:creationId xmlns:a16="http://schemas.microsoft.com/office/drawing/2014/main" id="{55A7B3ED-9BE9-4816-9AD1-179F26804E96}"/>
+              </a:ext>
+            </a:extLst>
+          </p:cNvPr>
+          <p:cNvSpPr/>
+          <p:nvPr/>
+        </p:nvSpPr>
+        <p:spPr>
+          <a:xfrm>
+            <a:off x="8864175" y="4351706"/>
+            <a:ext cx="216000" cy="2592000"/>
+          </a:xfrm>
+          <a:prstGeom prst="rect">
+            <a:avLst/>
+          </a:prstGeom>
+          <a:solidFill>
+            <a:schemeClr val="accent1">
+              <a:lumMod val="75000"/>
+            </a:schemeClr>
+          </a:solidFill>
+          <a:ln>
+            <a:solidFill>
+              <a:schemeClr val="bg1"/>
+            </a:solidFill>
+          </a:ln>
+        </p:spPr>
+        <p:style>
+          <a:lnRef idx="2">
+            <a:schemeClr val="accent1">
+              <a:shade val="50000"/>
+            </a:schemeClr>
+          </a:lnRef>
+          <a:fillRef idx="1">
+            <a:schemeClr val="accent1"/>
+          </a:fillRef>
+          <a:effectRef idx="0">
+            <a:schemeClr val="accent1"/>
+          </a:effectRef>
+          <a:fontRef idx="minor">
+            <a:schemeClr val="lt1"/>
+          </a:fontRef>
+        </p:style>
+        <p:txBody>
+          <a:bodyPr rtlCol="0" anchor="ctr"/>
+          <a:lstStyle/>
+          <a:p>
+            <a:pPr algn="ctr"/>
+            <a:endParaRPr lang="ko-KR" altLang="en-US"/>
+          </a:p>
+        </p:txBody>
+      </p:sp>
+      <p:sp>
+        <p:nvSpPr>
+          <p:cNvPr id="18" name="직사각형 17">
+            <a:extLst>
+              <a:ext uri="{FF2B5EF4-FFF2-40B4-BE49-F238E27FC236}">
+                <a16:creationId xmlns:a16="http://schemas.microsoft.com/office/drawing/2014/main" id="{D67FE6ED-3034-49F9-A95E-E7518F4D5ACC}"/>
+              </a:ext>
+            </a:extLst>
+          </p:cNvPr>
+          <p:cNvSpPr/>
+          <p:nvPr/>
+        </p:nvSpPr>
+        <p:spPr>
+          <a:xfrm>
+            <a:off x="15961783" y="4351706"/>
+            <a:ext cx="216000" cy="2592000"/>
+          </a:xfrm>
+          <a:prstGeom prst="rect">
+            <a:avLst/>
+          </a:prstGeom>
+          <a:solidFill>
+            <a:schemeClr val="accent1">
+              <a:lumMod val="75000"/>
+            </a:schemeClr>
+          </a:solidFill>
+          <a:ln>
+            <a:solidFill>
+              <a:schemeClr val="bg1"/>
+            </a:solidFill>
+          </a:ln>
+        </p:spPr>
+        <p:style>
+          <a:lnRef idx="2">
+            <a:schemeClr val="accent1">
+              <a:shade val="50000"/>
+            </a:schemeClr>
+          </a:lnRef>
+          <a:fillRef idx="1">
+            <a:schemeClr val="accent1"/>
+          </a:fillRef>
+          <a:effectRef idx="0">
+            <a:schemeClr val="accent1"/>
+          </a:effectRef>
+          <a:fontRef idx="minor">
+            <a:schemeClr val="lt1"/>
+          </a:fontRef>
+        </p:style>
+        <p:txBody>
+          <a:bodyPr rtlCol="0" anchor="ctr"/>
+          <a:lstStyle/>
+          <a:p>
+            <a:pPr algn="ctr"/>
+            <a:endParaRPr lang="ko-KR" altLang="en-US"/>
+          </a:p>
+        </p:txBody>
+      </p:sp>
+      <p:sp>
+        <p:nvSpPr>
+          <p:cNvPr id="19" name="타원 18">
+            <a:extLst>
+              <a:ext uri="{FF2B5EF4-FFF2-40B4-BE49-F238E27FC236}">
+                <a16:creationId xmlns:a16="http://schemas.microsoft.com/office/drawing/2014/main" id="{86C287E1-DA62-4982-A3D2-8C26CD08712B}"/>
+              </a:ext>
+            </a:extLst>
+          </p:cNvPr>
+          <p:cNvSpPr/>
+          <p:nvPr/>
+        </p:nvSpPr>
+        <p:spPr>
+          <a:xfrm>
+            <a:off x="8882175" y="5557706"/>
+            <a:ext cx="180000" cy="180000"/>
+          </a:xfrm>
+          <a:prstGeom prst="ellipse">
+            <a:avLst/>
+          </a:prstGeom>
+          <a:gradFill flip="none" rotWithShape="1">
+            <a:gsLst>
+              <a:gs pos="0">
+                <a:schemeClr val="accent3">
+                  <a:lumMod val="5000"/>
+                  <a:lumOff val="95000"/>
+                </a:schemeClr>
+              </a:gs>
+              <a:gs pos="74000">
+                <a:schemeClr val="accent3">
+                  <a:lumMod val="45000"/>
+                  <a:lumOff val="55000"/>
+                </a:schemeClr>
+              </a:gs>
+              <a:gs pos="83000">
+                <a:schemeClr val="accent3">
+                  <a:lumMod val="45000"/>
+                  <a:lumOff val="55000"/>
+                </a:schemeClr>
+              </a:gs>
+              <a:gs pos="100000">
+                <a:schemeClr val="accent3">
+                  <a:lumMod val="30000"/>
+                  <a:lumOff val="70000"/>
+                </a:schemeClr>
+              </a:gs>
+            </a:gsLst>
+            <a:lin ang="5400000" scaled="1"/>
+            <a:tileRect/>
+          </a:gradFill>
+          <a:ln>
+            <a:noFill/>
+          </a:ln>
+        </p:spPr>
+        <p:style>
+          <a:lnRef idx="2">
+            <a:schemeClr val="accent1">
+              <a:shade val="50000"/>
+            </a:schemeClr>
+          </a:lnRef>
+          <a:fillRef idx="1">
+            <a:schemeClr val="accent1"/>
+          </a:fillRef>
+          <a:effectRef idx="0">
+            <a:schemeClr val="accent1"/>
+          </a:effectRef>
+          <a:fontRef idx="minor">
+            <a:schemeClr val="lt1"/>
+          </a:fontRef>
+        </p:style>
+        <p:txBody>
+          <a:bodyPr rtlCol="0" anchor="ctr"/>
+          <a:lstStyle/>
+          <a:p>
+            <a:pPr algn="ctr"/>
+            <a:endParaRPr lang="ko-KR" altLang="en-US"/>
+          </a:p>
+        </p:txBody>
+      </p:sp>
+      <p:sp>
+        <p:nvSpPr>
+          <p:cNvPr id="20" name="타원 19">
+            <a:extLst>
+              <a:ext uri="{FF2B5EF4-FFF2-40B4-BE49-F238E27FC236}">
+                <a16:creationId xmlns:a16="http://schemas.microsoft.com/office/drawing/2014/main" id="{EB513906-95E1-425B-A222-15402B95817B}"/>
+              </a:ext>
+            </a:extLst>
+          </p:cNvPr>
+          <p:cNvSpPr/>
+          <p:nvPr/>
+        </p:nvSpPr>
+        <p:spPr>
+          <a:xfrm>
+            <a:off x="16453470" y="5557706"/>
+            <a:ext cx="180000" cy="180000"/>
+          </a:xfrm>
+          <a:prstGeom prst="ellipse">
+            <a:avLst/>
+          </a:prstGeom>
+          <a:gradFill flip="none" rotWithShape="1">
+            <a:gsLst>
+              <a:gs pos="0">
+                <a:schemeClr val="accent2">
+                  <a:lumMod val="0"/>
+                  <a:lumOff val="100000"/>
+                </a:schemeClr>
+              </a:gs>
+              <a:gs pos="35000">
+                <a:schemeClr val="accent2">
+                  <a:lumMod val="0"/>
+                  <a:lumOff val="100000"/>
+                </a:schemeClr>
+              </a:gs>
+              <a:gs pos="100000">
+                <a:schemeClr val="accent2">
+                  <a:lumMod val="100000"/>
+                </a:schemeClr>
+              </a:gs>
+            </a:gsLst>
+            <a:path path="circle">
+              <a:fillToRect l="50000" t="-80000" r="50000" b="180000"/>
+            </a:path>
+            <a:tileRect/>
+          </a:gradFill>
+          <a:ln>
+            <a:noFill/>
+          </a:ln>
+        </p:spPr>
+        <p:style>
+          <a:lnRef idx="2">
+            <a:schemeClr val="accent1">
+              <a:shade val="50000"/>
+            </a:schemeClr>
+          </a:lnRef>
+          <a:fillRef idx="1">
+            <a:schemeClr val="accent1"/>
+          </a:fillRef>
+          <a:effectRef idx="0">
+            <a:schemeClr val="accent1"/>
+          </a:effectRef>
+          <a:fontRef idx="minor">
+            <a:schemeClr val="lt1"/>
+          </a:fontRef>
+        </p:style>
+        <p:txBody>
+          <a:bodyPr rtlCol="0" anchor="ctr"/>
+          <a:lstStyle/>
+          <a:p>
+            <a:pPr algn="ctr"/>
+            <a:endParaRPr lang="ko-KR" altLang="en-US"/>
+          </a:p>
+        </p:txBody>
+      </p:sp>
+      <p:sp>
+        <p:nvSpPr>
+          <p:cNvPr id="21" name="타원 20">
+            <a:extLst>
+              <a:ext uri="{FF2B5EF4-FFF2-40B4-BE49-F238E27FC236}">
+                <a16:creationId xmlns:a16="http://schemas.microsoft.com/office/drawing/2014/main" id="{BA9975FA-CA07-4B9F-A896-E2589FEB595F}"/>
+              </a:ext>
+            </a:extLst>
+          </p:cNvPr>
+          <p:cNvSpPr/>
+          <p:nvPr/>
+        </p:nvSpPr>
+        <p:spPr>
+          <a:xfrm>
+            <a:off x="8408488" y="5557706"/>
+            <a:ext cx="180000" cy="180000"/>
+          </a:xfrm>
+          <a:prstGeom prst="ellipse">
+            <a:avLst/>
+          </a:prstGeom>
+          <a:gradFill flip="none" rotWithShape="1">
+            <a:gsLst>
+              <a:gs pos="0">
+                <a:schemeClr val="accent2">
+                  <a:lumMod val="0"/>
+                  <a:lumOff val="100000"/>
+                </a:schemeClr>
+              </a:gs>
+              <a:gs pos="35000">
+                <a:schemeClr val="accent2">
+                  <a:lumMod val="0"/>
+                  <a:lumOff val="100000"/>
+                </a:schemeClr>
+              </a:gs>
+              <a:gs pos="100000">
+                <a:schemeClr val="accent2">
+                  <a:lumMod val="100000"/>
+                </a:schemeClr>
+              </a:gs>
+            </a:gsLst>
+            <a:path path="circle">
+              <a:fillToRect l="50000" t="-80000" r="50000" b="180000"/>
+            </a:path>
+            <a:tileRect/>
+          </a:gradFill>
+          <a:ln>
+            <a:noFill/>
+          </a:ln>
+        </p:spPr>
+        <p:style>
+          <a:lnRef idx="2">
+            <a:schemeClr val="accent1">
+              <a:shade val="50000"/>
+            </a:schemeClr>
+          </a:lnRef>
+          <a:fillRef idx="1">
+            <a:schemeClr val="accent1"/>
+          </a:fillRef>
+          <a:effectRef idx="0">
+            <a:schemeClr val="accent1"/>
+          </a:effectRef>
+          <a:fontRef idx="minor">
+            <a:schemeClr val="lt1"/>
+          </a:fontRef>
+        </p:style>
+        <p:txBody>
+          <a:bodyPr rtlCol="0" anchor="ctr"/>
+          <a:lstStyle/>
+          <a:p>
+            <a:pPr algn="ctr"/>
+            <a:endParaRPr lang="ko-KR" altLang="en-US"/>
+          </a:p>
+        </p:txBody>
+      </p:sp>
+      <p:sp>
+        <p:nvSpPr>
+          <p:cNvPr id="22" name="타원 21">
+            <a:extLst>
+              <a:ext uri="{FF2B5EF4-FFF2-40B4-BE49-F238E27FC236}">
+                <a16:creationId xmlns:a16="http://schemas.microsoft.com/office/drawing/2014/main" id="{67EDC941-2006-4911-941E-F875018E1030}"/>
+              </a:ext>
+            </a:extLst>
+          </p:cNvPr>
+          <p:cNvSpPr/>
+          <p:nvPr/>
+        </p:nvSpPr>
+        <p:spPr>
+          <a:xfrm>
+            <a:off x="15979783" y="5557706"/>
+            <a:ext cx="180000" cy="180000"/>
+          </a:xfrm>
+          <a:prstGeom prst="ellipse">
+            <a:avLst/>
+          </a:prstGeom>
+          <a:gradFill flip="none" rotWithShape="1">
+            <a:gsLst>
+              <a:gs pos="0">
+                <a:schemeClr val="accent3">
+                  <a:lumMod val="5000"/>
+                  <a:lumOff val="95000"/>
+                </a:schemeClr>
+              </a:gs>
+              <a:gs pos="74000">
+                <a:schemeClr val="accent3">
+                  <a:lumMod val="45000"/>
+                  <a:lumOff val="55000"/>
+                </a:schemeClr>
+              </a:gs>
+              <a:gs pos="83000">
+                <a:schemeClr val="accent3">
+                  <a:lumMod val="45000"/>
+                  <a:lumOff val="55000"/>
+                </a:schemeClr>
+              </a:gs>
+              <a:gs pos="100000">
+                <a:schemeClr val="accent3">
+                  <a:lumMod val="30000"/>
+                  <a:lumOff val="70000"/>
+                </a:schemeClr>
+              </a:gs>
+            </a:gsLst>
+            <a:lin ang="5400000" scaled="1"/>
+            <a:tileRect/>
+          </a:gradFill>
+          <a:ln>
+            <a:noFill/>
+          </a:ln>
+        </p:spPr>
+        <p:style>
+          <a:lnRef idx="2">
+            <a:schemeClr val="accent1">
+              <a:shade val="50000"/>
+            </a:schemeClr>
+          </a:lnRef>
+          <a:fillRef idx="1">
+            <a:schemeClr val="accent1"/>
+          </a:fillRef>
+          <a:effectRef idx="0">
+            <a:schemeClr val="accent1"/>
+          </a:effectRef>
+          <a:fontRef idx="minor">
+            <a:schemeClr val="lt1"/>
+          </a:fontRef>
+        </p:style>
+        <p:txBody>
+          <a:bodyPr rtlCol="0" anchor="ctr"/>
+          <a:lstStyle/>
+          <a:p>
+            <a:pPr algn="ctr"/>
+            <a:endParaRPr lang="ko-KR" altLang="en-US"/>
+          </a:p>
+        </p:txBody>
+      </p:sp>
+      <p:sp>
+        <p:nvSpPr>
+          <p:cNvPr id="23" name="화살표: 오른쪽 22">
+            <a:extLst>
+              <a:ext uri="{FF2B5EF4-FFF2-40B4-BE49-F238E27FC236}">
+                <a16:creationId xmlns:a16="http://schemas.microsoft.com/office/drawing/2014/main" id="{40320259-58F3-4461-AE18-9AE4006CB475}"/>
+              </a:ext>
+            </a:extLst>
+          </p:cNvPr>
+          <p:cNvSpPr/>
+          <p:nvPr/>
+        </p:nvSpPr>
+        <p:spPr>
+          <a:xfrm>
+            <a:off x="9218689" y="5476469"/>
+            <a:ext cx="1184818" cy="342473"/>
+          </a:xfrm>
+          <a:prstGeom prst="rightArrow">
+            <a:avLst/>
+          </a:prstGeom>
+          <a:solidFill>
+            <a:srgbClr val="C00000"/>
+          </a:solidFill>
+          <a:ln>
+            <a:noFill/>
+          </a:ln>
+        </p:spPr>
+        <p:style>
+          <a:lnRef idx="2">
+            <a:schemeClr val="accent1">
+              <a:shade val="50000"/>
+            </a:schemeClr>
+          </a:lnRef>
+          <a:fillRef idx="1">
+            <a:schemeClr val="accent1"/>
+          </a:fillRef>
+          <a:effectRef idx="0">
+            <a:schemeClr val="accent1"/>
+          </a:effectRef>
+          <a:fontRef idx="minor">
+            <a:schemeClr val="lt1"/>
+          </a:fontRef>
+        </p:style>
+        <p:txBody>
+          <a:bodyPr rtlCol="0" anchor="ctr"/>
+          <a:lstStyle/>
+          <a:p>
+            <a:pPr algn="ctr"/>
+            <a:endParaRPr lang="ko-KR" altLang="en-US"/>
+          </a:p>
+        </p:txBody>
+      </p:sp>
+      <p:sp>
+        <p:nvSpPr>
+          <p:cNvPr id="24" name="화살표: 오른쪽 23">
+            <a:extLst>
+              <a:ext uri="{FF2B5EF4-FFF2-40B4-BE49-F238E27FC236}">
+                <a16:creationId xmlns:a16="http://schemas.microsoft.com/office/drawing/2014/main" id="{FCAC35A2-C378-4603-9E43-30336C6B1467}"/>
+              </a:ext>
+            </a:extLst>
+          </p:cNvPr>
+          <p:cNvSpPr/>
+          <p:nvPr/>
+        </p:nvSpPr>
+        <p:spPr>
+          <a:xfrm rot="10800000">
+            <a:off x="14638000" y="5476469"/>
+            <a:ext cx="1184818" cy="342473"/>
+          </a:xfrm>
+          <a:prstGeom prst="rightArrow">
+            <a:avLst/>
+          </a:prstGeom>
+          <a:solidFill>
+            <a:srgbClr val="C00000"/>
+          </a:solidFill>
+          <a:ln>
+            <a:noFill/>
+          </a:ln>
+        </p:spPr>
+        <p:style>
+          <a:lnRef idx="2">
+            <a:schemeClr val="accent1">
+              <a:shade val="50000"/>
+            </a:schemeClr>
+          </a:lnRef>
+          <a:fillRef idx="1">
+            <a:schemeClr val="accent1"/>
+          </a:fillRef>
+          <a:effectRef idx="0">
+            <a:schemeClr val="accent1"/>
+          </a:effectRef>
+          <a:fontRef idx="minor">
+            <a:schemeClr val="lt1"/>
+          </a:fontRef>
+        </p:style>
+        <p:txBody>
+          <a:bodyPr rtlCol="0" anchor="ctr"/>
+          <a:lstStyle/>
+          <a:p>
+            <a:pPr algn="ctr"/>
+            <a:endParaRPr lang="ko-KR" altLang="en-US"/>
+          </a:p>
+        </p:txBody>
+      </p:sp>
+      <p:sp>
+        <p:nvSpPr>
+          <p:cNvPr id="25" name="사각형: 둥근 모서리 24">
+            <a:extLst>
+              <a:ext uri="{FF2B5EF4-FFF2-40B4-BE49-F238E27FC236}">
+                <a16:creationId xmlns:a16="http://schemas.microsoft.com/office/drawing/2014/main" id="{53AE5A51-F6D9-4F0D-B28F-353FE2EDAE02}"/>
+              </a:ext>
+            </a:extLst>
+          </p:cNvPr>
+          <p:cNvSpPr/>
+          <p:nvPr/>
+        </p:nvSpPr>
+        <p:spPr>
+          <a:xfrm>
+            <a:off x="7709375" y="7774283"/>
+            <a:ext cx="2525599" cy="369332"/>
+          </a:xfrm>
+          <a:prstGeom prst="roundRect">
+            <a:avLst/>
+          </a:prstGeom>
+          <a:solidFill>
+            <a:schemeClr val="bg2">
+              <a:lumMod val="25000"/>
+            </a:schemeClr>
+          </a:solidFill>
+          <a:ln>
+            <a:solidFill>
+              <a:schemeClr val="bg1"/>
+            </a:solidFill>
+          </a:ln>
+        </p:spPr>
+        <p:style>
+          <a:lnRef idx="2">
+            <a:schemeClr val="accent1">
+              <a:shade val="50000"/>
+            </a:schemeClr>
+          </a:lnRef>
+          <a:fillRef idx="1">
+            <a:schemeClr val="accent1"/>
+          </a:fillRef>
+          <a:effectRef idx="0">
+            <a:schemeClr val="accent1"/>
+          </a:effectRef>
+          <a:fontRef idx="minor">
+            <a:schemeClr val="lt1"/>
+          </a:fontRef>
+        </p:style>
+        <p:txBody>
+          <a:bodyPr rtlCol="0" anchor="ctr"/>
+          <a:lstStyle/>
+          <a:p>
+            <a:pPr algn="ctr"/>
+            <a:r>
+              <a:rPr lang="en-US" altLang="ko-KR" dirty="0" err="1"/>
+              <a:t>Spike_Map</a:t>
+            </a:r>
+            <a:r>
+              <a:rPr lang="en-US" altLang="ko-KR" dirty="0"/>
+              <a:t>(x)</a:t>
+            </a:r>
+            <a:endParaRPr lang="ko-KR" altLang="en-US" dirty="0"/>
+          </a:p>
+        </p:txBody>
+      </p:sp>
+      <p:sp>
+        <p:nvSpPr>
+          <p:cNvPr id="26" name="사각형: 둥근 모서리 25">
+            <a:extLst>
+              <a:ext uri="{FF2B5EF4-FFF2-40B4-BE49-F238E27FC236}">
+                <a16:creationId xmlns:a16="http://schemas.microsoft.com/office/drawing/2014/main" id="{BE36E69F-978E-4EB1-BFF5-D69DA2042669}"/>
+              </a:ext>
+            </a:extLst>
+          </p:cNvPr>
+          <p:cNvSpPr/>
+          <p:nvPr/>
+        </p:nvSpPr>
+        <p:spPr>
+          <a:xfrm>
+            <a:off x="14806983" y="7774283"/>
+            <a:ext cx="2525599" cy="369332"/>
+          </a:xfrm>
+          <a:prstGeom prst="roundRect">
+            <a:avLst/>
+          </a:prstGeom>
+          <a:solidFill>
+            <a:schemeClr val="bg2">
+              <a:lumMod val="25000"/>
+            </a:schemeClr>
+          </a:solidFill>
+          <a:ln>
+            <a:solidFill>
+              <a:schemeClr val="bg1"/>
+            </a:solidFill>
+          </a:ln>
+        </p:spPr>
+        <p:style>
+          <a:lnRef idx="2">
+            <a:schemeClr val="accent1">
+              <a:shade val="50000"/>
+            </a:schemeClr>
+          </a:lnRef>
+          <a:fillRef idx="1">
+            <a:schemeClr val="accent1"/>
+          </a:fillRef>
+          <a:effectRef idx="0">
+            <a:schemeClr val="accent1"/>
+          </a:effectRef>
+          <a:fontRef idx="minor">
+            <a:schemeClr val="lt1"/>
+          </a:fontRef>
+        </p:style>
+        <p:txBody>
+          <a:bodyPr rtlCol="0" anchor="ctr"/>
+          <a:lstStyle/>
+          <a:p>
+            <a:pPr algn="ctr"/>
+            <a:r>
+              <a:rPr lang="en-US" altLang="ko-KR" dirty="0" err="1"/>
+              <a:t>Spike_Map</a:t>
+            </a:r>
+            <a:r>
+              <a:rPr lang="en-US" altLang="ko-KR" dirty="0"/>
+              <a:t>(y)</a:t>
+            </a:r>
+            <a:endParaRPr lang="ko-KR" altLang="en-US" dirty="0"/>
+          </a:p>
+        </p:txBody>
+      </p:sp>
+      <p:cxnSp>
+        <p:nvCxnSpPr>
+          <p:cNvPr id="28" name="직선 화살표 연결선 27">
+            <a:extLst>
+              <a:ext uri="{FF2B5EF4-FFF2-40B4-BE49-F238E27FC236}">
+                <a16:creationId xmlns:a16="http://schemas.microsoft.com/office/drawing/2014/main" id="{993BB743-60AC-48A5-AA21-39612FF6E42B}"/>
+              </a:ext>
+            </a:extLst>
+          </p:cNvPr>
+          <p:cNvCxnSpPr>
+            <a:stCxn id="25" idx="0"/>
+            <a:endCxn id="17" idx="2"/>
+          </p:cNvCxnSpPr>
+          <p:nvPr/>
+        </p:nvCxnSpPr>
+        <p:spPr>
+          <a:xfrm flipV="1">
+            <a:off x="8972175" y="6943706"/>
+            <a:ext cx="0" cy="830577"/>
+          </a:xfrm>
+          <a:prstGeom prst="straightConnector1">
+            <a:avLst/>
+          </a:prstGeom>
+          <a:ln w="38100">
+            <a:solidFill>
+              <a:schemeClr val="bg1"/>
+            </a:solidFill>
+            <a:tailEnd type="triangle"/>
+          </a:ln>
+        </p:spPr>
+        <p:style>
+          <a:lnRef idx="1">
+            <a:schemeClr val="accent1"/>
+          </a:lnRef>
+          <a:fillRef idx="0">
+            <a:schemeClr val="accent1"/>
+          </a:fillRef>
+          <a:effectRef idx="0">
+            <a:schemeClr val="accent1"/>
+          </a:effectRef>
+          <a:fontRef idx="minor">
+            <a:schemeClr val="tx1"/>
+          </a:fontRef>
+        </p:style>
+      </p:cxnSp>
+      <p:cxnSp>
+        <p:nvCxnSpPr>
+          <p:cNvPr id="29" name="직선 화살표 연결선 28">
+            <a:extLst>
+              <a:ext uri="{FF2B5EF4-FFF2-40B4-BE49-F238E27FC236}">
+                <a16:creationId xmlns:a16="http://schemas.microsoft.com/office/drawing/2014/main" id="{5366EE65-2A12-487D-BD83-DEFE75D9F95B}"/>
+              </a:ext>
+            </a:extLst>
+          </p:cNvPr>
+          <p:cNvCxnSpPr>
+            <a:cxnSpLocks/>
+            <a:stCxn id="26" idx="0"/>
+            <a:endCxn id="18" idx="2"/>
+          </p:cNvCxnSpPr>
+          <p:nvPr/>
+        </p:nvCxnSpPr>
+        <p:spPr>
+          <a:xfrm flipV="1">
+            <a:off x="16069783" y="6943706"/>
+            <a:ext cx="0" cy="830577"/>
+          </a:xfrm>
+          <a:prstGeom prst="straightConnector1">
+            <a:avLst/>
+          </a:prstGeom>
+          <a:ln w="38100">
+            <a:solidFill>
+              <a:schemeClr val="bg1"/>
+            </a:solidFill>
+            <a:tailEnd type="triangle"/>
+          </a:ln>
+        </p:spPr>
+        <p:style>
+          <a:lnRef idx="1">
+            <a:schemeClr val="accent1"/>
+          </a:lnRef>
+          <a:fillRef idx="0">
+            <a:schemeClr val="accent1"/>
+          </a:fillRef>
+          <a:effectRef idx="0">
+            <a:schemeClr val="accent1"/>
+          </a:effectRef>
+          <a:fontRef idx="minor">
+            <a:schemeClr val="tx1"/>
+          </a:fontRef>
+        </p:style>
+      </p:cxnSp>
+      <p:sp>
+        <p:nvSpPr>
+          <p:cNvPr id="32" name="사각형: 둥근 모서리 31">
+            <a:extLst>
+              <a:ext uri="{FF2B5EF4-FFF2-40B4-BE49-F238E27FC236}">
+                <a16:creationId xmlns:a16="http://schemas.microsoft.com/office/drawing/2014/main" id="{6710FC8D-F509-44E2-8FA2-89F1BC7ED42A}"/>
+              </a:ext>
+            </a:extLst>
+          </p:cNvPr>
+          <p:cNvSpPr/>
+          <p:nvPr/>
+        </p:nvSpPr>
+        <p:spPr>
+          <a:xfrm>
+            <a:off x="7709375" y="2955084"/>
+            <a:ext cx="2525599" cy="369332"/>
+          </a:xfrm>
+          <a:prstGeom prst="roundRect">
+            <a:avLst/>
+          </a:prstGeom>
+          <a:solidFill>
+            <a:schemeClr val="bg2">
+              <a:lumMod val="25000"/>
+            </a:schemeClr>
+          </a:solidFill>
+          <a:ln>
+            <a:solidFill>
+              <a:schemeClr val="bg1"/>
+            </a:solidFill>
+          </a:ln>
+        </p:spPr>
+        <p:style>
+          <a:lnRef idx="2">
+            <a:schemeClr val="accent1">
+              <a:shade val="50000"/>
+            </a:schemeClr>
+          </a:lnRef>
+          <a:fillRef idx="1">
+            <a:schemeClr val="accent1"/>
+          </a:fillRef>
+          <a:effectRef idx="0">
+            <a:schemeClr val="accent1"/>
+          </a:effectRef>
+          <a:fontRef idx="minor">
+            <a:schemeClr val="lt1"/>
+          </a:fontRef>
+        </p:style>
+        <p:txBody>
+          <a:bodyPr rtlCol="0" anchor="ctr"/>
+          <a:lstStyle/>
+          <a:p>
+            <a:pPr algn="ctr"/>
+            <a:r>
+              <a:rPr lang="en-US" altLang="ko-KR" dirty="0"/>
+              <a:t>S_M_Spawn1</a:t>
+            </a:r>
+            <a:endParaRPr lang="ko-KR" altLang="en-US" dirty="0"/>
+          </a:p>
+        </p:txBody>
+      </p:sp>
+      <p:sp>
+        <p:nvSpPr>
+          <p:cNvPr id="33" name="사각형: 둥근 모서리 32">
+            <a:extLst>
+              <a:ext uri="{FF2B5EF4-FFF2-40B4-BE49-F238E27FC236}">
+                <a16:creationId xmlns:a16="http://schemas.microsoft.com/office/drawing/2014/main" id="{3C2CC856-A68C-48D1-9DD6-772BCAD0F905}"/>
+              </a:ext>
+            </a:extLst>
+          </p:cNvPr>
+          <p:cNvSpPr/>
+          <p:nvPr/>
+        </p:nvSpPr>
+        <p:spPr>
+          <a:xfrm>
+            <a:off x="14806983" y="2955084"/>
+            <a:ext cx="2525599" cy="369332"/>
+          </a:xfrm>
+          <a:prstGeom prst="roundRect">
+            <a:avLst/>
+          </a:prstGeom>
+          <a:solidFill>
+            <a:schemeClr val="bg2">
+              <a:lumMod val="25000"/>
+            </a:schemeClr>
+          </a:solidFill>
+          <a:ln>
+            <a:solidFill>
+              <a:schemeClr val="bg1"/>
+            </a:solidFill>
+          </a:ln>
+        </p:spPr>
+        <p:style>
+          <a:lnRef idx="2">
+            <a:schemeClr val="accent1">
+              <a:shade val="50000"/>
+            </a:schemeClr>
+          </a:lnRef>
+          <a:fillRef idx="1">
+            <a:schemeClr val="accent1"/>
+          </a:fillRef>
+          <a:effectRef idx="0">
+            <a:schemeClr val="accent1"/>
+          </a:effectRef>
+          <a:fontRef idx="minor">
+            <a:schemeClr val="lt1"/>
+          </a:fontRef>
+        </p:style>
+        <p:txBody>
+          <a:bodyPr rtlCol="0" anchor="ctr"/>
+          <a:lstStyle/>
+          <a:p>
+            <a:pPr algn="ctr"/>
+            <a:r>
+              <a:rPr lang="en-US" altLang="ko-KR" dirty="0"/>
+              <a:t>S_M_Spawn2</a:t>
+            </a:r>
+            <a:endParaRPr lang="ko-KR" altLang="en-US" dirty="0"/>
+          </a:p>
+        </p:txBody>
+      </p:sp>
+      <p:cxnSp>
+        <p:nvCxnSpPr>
+          <p:cNvPr id="34" name="직선 화살표 연결선 33">
+            <a:extLst>
+              <a:ext uri="{FF2B5EF4-FFF2-40B4-BE49-F238E27FC236}">
+                <a16:creationId xmlns:a16="http://schemas.microsoft.com/office/drawing/2014/main" id="{0F948338-F92E-4D22-872F-DDEB04DF8AFD}"/>
+              </a:ext>
+            </a:extLst>
+          </p:cNvPr>
+          <p:cNvCxnSpPr>
+            <a:cxnSpLocks/>
+            <a:stCxn id="32" idx="2"/>
+            <a:endCxn id="19" idx="0"/>
+          </p:cNvCxnSpPr>
+          <p:nvPr/>
+        </p:nvCxnSpPr>
+        <p:spPr>
+          <a:xfrm>
+            <a:off x="8972175" y="3324416"/>
+            <a:ext cx="0" cy="2233290"/>
+          </a:xfrm>
+          <a:prstGeom prst="straightConnector1">
+            <a:avLst/>
+          </a:prstGeom>
+          <a:ln w="38100">
+            <a:solidFill>
+              <a:schemeClr val="bg1"/>
+            </a:solidFill>
+            <a:tailEnd type="triangle"/>
+          </a:ln>
+        </p:spPr>
+        <p:style>
+          <a:lnRef idx="1">
+            <a:schemeClr val="accent1"/>
+          </a:lnRef>
+          <a:fillRef idx="0">
+            <a:schemeClr val="accent1"/>
+          </a:fillRef>
+          <a:effectRef idx="0">
+            <a:schemeClr val="accent1"/>
+          </a:effectRef>
+          <a:fontRef idx="minor">
+            <a:schemeClr val="tx1"/>
+          </a:fontRef>
+        </p:style>
+      </p:cxnSp>
+      <p:cxnSp>
+        <p:nvCxnSpPr>
+          <p:cNvPr id="37" name="직선 화살표 연결선 36">
+            <a:extLst>
+              <a:ext uri="{FF2B5EF4-FFF2-40B4-BE49-F238E27FC236}">
+                <a16:creationId xmlns:a16="http://schemas.microsoft.com/office/drawing/2014/main" id="{A1C2B0BA-20BE-45E8-9B91-356E656E8DE0}"/>
+              </a:ext>
+            </a:extLst>
+          </p:cNvPr>
+          <p:cNvCxnSpPr>
+            <a:cxnSpLocks/>
+            <a:stCxn id="33" idx="2"/>
+            <a:endCxn id="22" idx="0"/>
+          </p:cNvCxnSpPr>
+          <p:nvPr/>
+        </p:nvCxnSpPr>
+        <p:spPr>
+          <a:xfrm>
+            <a:off x="16069783" y="3324416"/>
+            <a:ext cx="0" cy="2233290"/>
+          </a:xfrm>
+          <a:prstGeom prst="straightConnector1">
+            <a:avLst/>
+          </a:prstGeom>
+          <a:ln w="38100">
+            <a:solidFill>
+              <a:schemeClr val="bg1"/>
+            </a:solidFill>
+            <a:tailEnd type="triangle"/>
+          </a:ln>
+        </p:spPr>
+        <p:style>
+          <a:lnRef idx="1">
+            <a:schemeClr val="accent1"/>
+          </a:lnRef>
+          <a:fillRef idx="0">
+            <a:schemeClr val="accent1"/>
+          </a:fillRef>
+          <a:effectRef idx="0">
+            <a:schemeClr val="accent1"/>
+          </a:effectRef>
+          <a:fontRef idx="minor">
+            <a:schemeClr val="tx1"/>
+          </a:fontRef>
+        </p:style>
+      </p:cxnSp>
+      <p:sp>
+        <p:nvSpPr>
+          <p:cNvPr id="41" name="사각형: 둥근 모서리 40">
+            <a:extLst>
+              <a:ext uri="{FF2B5EF4-FFF2-40B4-BE49-F238E27FC236}">
+                <a16:creationId xmlns:a16="http://schemas.microsoft.com/office/drawing/2014/main" id="{79DB4BD8-973D-46A3-A8DE-A42C456C3232}"/>
+              </a:ext>
+            </a:extLst>
+          </p:cNvPr>
+          <p:cNvSpPr/>
+          <p:nvPr/>
+        </p:nvSpPr>
+        <p:spPr>
+          <a:xfrm>
+            <a:off x="16159783" y="3754724"/>
+            <a:ext cx="1325028" cy="369332"/>
+          </a:xfrm>
+          <a:prstGeom prst="roundRect">
+            <a:avLst/>
+          </a:prstGeom>
+          <a:solidFill>
+            <a:schemeClr val="bg2">
+              <a:lumMod val="25000"/>
+            </a:schemeClr>
+          </a:solidFill>
+          <a:ln>
+            <a:solidFill>
+              <a:schemeClr val="bg1"/>
+            </a:solidFill>
+          </a:ln>
+        </p:spPr>
+        <p:style>
+          <a:lnRef idx="2">
+            <a:schemeClr val="accent1">
+              <a:shade val="50000"/>
+            </a:schemeClr>
+          </a:lnRef>
+          <a:fillRef idx="1">
+            <a:schemeClr val="accent1"/>
+          </a:fillRef>
+          <a:effectRef idx="0">
+            <a:schemeClr val="accent1"/>
+          </a:effectRef>
+          <a:fontRef idx="minor">
+            <a:schemeClr val="lt1"/>
+          </a:fontRef>
+        </p:style>
+        <p:txBody>
+          <a:bodyPr rtlCol="0" anchor="ctr"/>
+          <a:lstStyle/>
+          <a:p>
+            <a:pPr algn="ctr"/>
+            <a:r>
+              <a:rPr lang="en-US" altLang="ko-KR" dirty="0"/>
+              <a:t>S_M_Goal1</a:t>
+            </a:r>
+            <a:endParaRPr lang="ko-KR" altLang="en-US" dirty="0"/>
+          </a:p>
+        </p:txBody>
+      </p:sp>
+      <p:cxnSp>
+        <p:nvCxnSpPr>
+          <p:cNvPr id="42" name="직선 화살표 연결선 41">
+            <a:extLst>
+              <a:ext uri="{FF2B5EF4-FFF2-40B4-BE49-F238E27FC236}">
+                <a16:creationId xmlns:a16="http://schemas.microsoft.com/office/drawing/2014/main" id="{E25EC41C-4021-4B6A-9811-AE39AFE3CDAF}"/>
+              </a:ext>
+            </a:extLst>
+          </p:cNvPr>
+          <p:cNvCxnSpPr>
+            <a:cxnSpLocks/>
+            <a:stCxn id="54" idx="2"/>
+            <a:endCxn id="21" idx="0"/>
+          </p:cNvCxnSpPr>
+          <p:nvPr/>
+        </p:nvCxnSpPr>
+        <p:spPr>
+          <a:xfrm>
+            <a:off x="8219661" y="4124056"/>
+            <a:ext cx="278827" cy="1433650"/>
+          </a:xfrm>
+          <a:prstGeom prst="straightConnector1">
+            <a:avLst/>
+          </a:prstGeom>
+          <a:ln w="38100">
+            <a:solidFill>
+              <a:schemeClr val="bg1"/>
+            </a:solidFill>
+            <a:tailEnd type="triangle"/>
+          </a:ln>
+        </p:spPr>
+        <p:style>
+          <a:lnRef idx="1">
+            <a:schemeClr val="accent1"/>
+          </a:lnRef>
+          <a:fillRef idx="0">
+            <a:schemeClr val="accent1"/>
+          </a:fillRef>
+          <a:effectRef idx="0">
+            <a:schemeClr val="accent1"/>
+          </a:effectRef>
+          <a:fontRef idx="minor">
+            <a:schemeClr val="tx1"/>
+          </a:fontRef>
+        </p:style>
+      </p:cxnSp>
+      <p:cxnSp>
+        <p:nvCxnSpPr>
+          <p:cNvPr id="45" name="직선 화살표 연결선 44">
+            <a:extLst>
+              <a:ext uri="{FF2B5EF4-FFF2-40B4-BE49-F238E27FC236}">
+                <a16:creationId xmlns:a16="http://schemas.microsoft.com/office/drawing/2014/main" id="{D3044BF6-A961-4F2D-80A9-C873EACA63A1}"/>
+              </a:ext>
+            </a:extLst>
+          </p:cNvPr>
+          <p:cNvCxnSpPr>
+            <a:cxnSpLocks/>
+            <a:stCxn id="41" idx="2"/>
+            <a:endCxn id="20" idx="0"/>
+          </p:cNvCxnSpPr>
+          <p:nvPr/>
+        </p:nvCxnSpPr>
+        <p:spPr>
+          <a:xfrm flipH="1">
+            <a:off x="16543470" y="4124056"/>
+            <a:ext cx="278827" cy="1433650"/>
+          </a:xfrm>
+          <a:prstGeom prst="straightConnector1">
+            <a:avLst/>
+          </a:prstGeom>
+          <a:ln w="38100">
+            <a:solidFill>
+              <a:schemeClr val="bg1"/>
+            </a:solidFill>
+            <a:tailEnd type="triangle"/>
+          </a:ln>
+        </p:spPr>
+        <p:style>
+          <a:lnRef idx="1">
+            <a:schemeClr val="accent1"/>
+          </a:lnRef>
+          <a:fillRef idx="0">
+            <a:schemeClr val="accent1"/>
+          </a:fillRef>
+          <a:effectRef idx="0">
+            <a:schemeClr val="accent1"/>
+          </a:effectRef>
+          <a:fontRef idx="minor">
+            <a:schemeClr val="tx1"/>
+          </a:fontRef>
+        </p:style>
+      </p:cxnSp>
+      <p:sp>
+        <p:nvSpPr>
+          <p:cNvPr id="54" name="사각형: 둥근 모서리 53">
+            <a:extLst>
+              <a:ext uri="{FF2B5EF4-FFF2-40B4-BE49-F238E27FC236}">
+                <a16:creationId xmlns:a16="http://schemas.microsoft.com/office/drawing/2014/main" id="{8962C636-36FE-49D1-A075-D03717B14B2B}"/>
+              </a:ext>
+            </a:extLst>
+          </p:cNvPr>
+          <p:cNvSpPr/>
+          <p:nvPr/>
+        </p:nvSpPr>
+        <p:spPr>
+          <a:xfrm>
+            <a:off x="7557147" y="3754724"/>
+            <a:ext cx="1325028" cy="369332"/>
+          </a:xfrm>
+          <a:prstGeom prst="roundRect">
+            <a:avLst/>
+          </a:prstGeom>
+          <a:solidFill>
+            <a:schemeClr val="bg2">
+              <a:lumMod val="25000"/>
+            </a:schemeClr>
+          </a:solidFill>
+          <a:ln>
+            <a:solidFill>
+              <a:schemeClr val="bg1"/>
+            </a:solidFill>
+          </a:ln>
+        </p:spPr>
+        <p:style>
+          <a:lnRef idx="2">
+            <a:schemeClr val="accent1">
+              <a:shade val="50000"/>
+            </a:schemeClr>
+          </a:lnRef>
+          <a:fillRef idx="1">
+            <a:schemeClr val="accent1"/>
+          </a:fillRef>
+          <a:effectRef idx="0">
+            <a:schemeClr val="accent1"/>
+          </a:effectRef>
+          <a:fontRef idx="minor">
+            <a:schemeClr val="lt1"/>
+          </a:fontRef>
+        </p:style>
+        <p:txBody>
+          <a:bodyPr rtlCol="0" anchor="ctr"/>
+          <a:lstStyle/>
+          <a:p>
+            <a:pPr algn="ctr"/>
+            <a:r>
+              <a:rPr lang="en-US" altLang="ko-KR" dirty="0"/>
+              <a:t>S_M_Goal2</a:t>
+            </a:r>
+            <a:endParaRPr lang="ko-KR" altLang="en-US" dirty="0"/>
+          </a:p>
+        </p:txBody>
+      </p:sp>
     </p:spTree>
     <p:extLst>
       <p:ext uri="{BB962C8B-B14F-4D97-AF65-F5344CB8AC3E}">
         <p14:creationId xmlns:p14="http://schemas.microsoft.com/office/powerpoint/2010/main" val="1335835539"/>
+      </p:ext>
+    </p:extLst>
+  </p:cSld>
+  <p:clrMapOvr>
+    <a:masterClrMapping/>
+  </p:clrMapOvr>
+</p:sld>
+</file>
+
+<file path=ppt/slides/slide9.xml><?xml version="1.0" encoding="utf-8"?>
+<p:sld xmlns:a="http://schemas.openxmlformats.org/drawingml/2006/main" xmlns:r="http://schemas.openxmlformats.org/officeDocument/2006/relationships" xmlns:p="http://schemas.openxmlformats.org/presentationml/2006/main">
+  <p:cSld>
+    <p:spTree>
+      <p:nvGrpSpPr>
+        <p:cNvPr id="1" name=""/>
+        <p:cNvGrpSpPr/>
+        <p:nvPr/>
+      </p:nvGrpSpPr>
+      <p:grpSpPr>
+        <a:xfrm>
+          <a:off x="0" y="0"/>
+          <a:ext cx="0" cy="0"/>
+          <a:chOff x="0" y="0"/>
+          <a:chExt cx="0" cy="0"/>
+        </a:xfrm>
+      </p:grpSpPr>
+      <p:sp>
+        <p:nvSpPr>
+          <p:cNvPr id="4" name="사각형: 둥근 모서리 3">
+            <a:extLst>
+              <a:ext uri="{FF2B5EF4-FFF2-40B4-BE49-F238E27FC236}">
+                <a16:creationId xmlns:a16="http://schemas.microsoft.com/office/drawing/2014/main" id="{C3EDDF7F-C7DA-4344-A53E-3B2080B67532}"/>
+              </a:ext>
+            </a:extLst>
+          </p:cNvPr>
+          <p:cNvSpPr/>
+          <p:nvPr/>
+        </p:nvSpPr>
+        <p:spPr>
+          <a:xfrm>
+            <a:off x="101601" y="993855"/>
+            <a:ext cx="17406942" cy="318170"/>
+          </a:xfrm>
+          <a:prstGeom prst="roundRect">
+            <a:avLst/>
+          </a:prstGeom>
+          <a:solidFill>
+            <a:schemeClr val="tx1"/>
+          </a:solidFill>
+          <a:ln>
+            <a:noFill/>
+          </a:ln>
+        </p:spPr>
+        <p:style>
+          <a:lnRef idx="2">
+            <a:schemeClr val="accent1">
+              <a:shade val="50000"/>
+            </a:schemeClr>
+          </a:lnRef>
+          <a:fillRef idx="1">
+            <a:schemeClr val="accent1"/>
+          </a:fillRef>
+          <a:effectRef idx="0">
+            <a:schemeClr val="accent1"/>
+          </a:effectRef>
+          <a:fontRef idx="minor">
+            <a:schemeClr val="lt1"/>
+          </a:fontRef>
+        </p:style>
+        <p:txBody>
+          <a:bodyPr rtlCol="0" anchor="ctr"/>
+          <a:lstStyle/>
+          <a:p>
+            <a:pPr algn="ctr"/>
+            <a:r>
+              <a:rPr lang="ko-KR" altLang="en-US" b="1" dirty="0">
+                <a:latin typeface="메이플스토리" panose="02000300000000000000" pitchFamily="2" charset="-127"/>
+                <a:ea typeface="메이플스토리" panose="02000300000000000000" pitchFamily="2" charset="-127"/>
+              </a:rPr>
+              <a:t>보스</a:t>
+            </a:r>
+            <a:r>
+              <a:rPr lang="en-US" altLang="ko-KR" b="1" dirty="0">
+                <a:latin typeface="메이플스토리" panose="02000300000000000000" pitchFamily="2" charset="-127"/>
+                <a:ea typeface="메이플스토리" panose="02000300000000000000" pitchFamily="2" charset="-127"/>
+              </a:rPr>
+              <a:t> </a:t>
+            </a:r>
+            <a:r>
+              <a:rPr lang="ko-KR" altLang="en-US" b="1" dirty="0">
+                <a:latin typeface="메이플스토리" panose="02000300000000000000" pitchFamily="2" charset="-127"/>
+                <a:ea typeface="메이플스토리" panose="02000300000000000000" pitchFamily="2" charset="-127"/>
+              </a:rPr>
+              <a:t>전투 패턴</a:t>
+            </a:r>
+            <a:r>
+              <a:rPr lang="en-US" altLang="ko-KR" b="1" dirty="0">
+                <a:latin typeface="메이플스토리" panose="02000300000000000000" pitchFamily="2" charset="-127"/>
+                <a:ea typeface="메이플스토리" panose="02000300000000000000" pitchFamily="2" charset="-127"/>
+              </a:rPr>
+              <a:t>4</a:t>
+            </a:r>
+            <a:endParaRPr lang="ko-KR" altLang="en-US" b="1" dirty="0">
+              <a:latin typeface="메이플스토리" panose="02000300000000000000" pitchFamily="2" charset="-127"/>
+              <a:ea typeface="메이플스토리" panose="02000300000000000000" pitchFamily="2" charset="-127"/>
+            </a:endParaRPr>
+          </a:p>
+        </p:txBody>
+      </p:sp>
+      <p:sp>
+        <p:nvSpPr>
+          <p:cNvPr id="5" name="직사각형 4">
+            <a:extLst>
+              <a:ext uri="{FF2B5EF4-FFF2-40B4-BE49-F238E27FC236}">
+                <a16:creationId xmlns:a16="http://schemas.microsoft.com/office/drawing/2014/main" id="{D81A64FA-EA23-440A-B69D-0844B84B5458}"/>
+              </a:ext>
+            </a:extLst>
+          </p:cNvPr>
+          <p:cNvSpPr/>
+          <p:nvPr/>
+        </p:nvSpPr>
+        <p:spPr>
+          <a:xfrm>
+            <a:off x="8132804" y="33681"/>
+            <a:ext cx="1344535" cy="923330"/>
+          </a:xfrm>
+          <a:prstGeom prst="rect">
+            <a:avLst/>
+          </a:prstGeom>
+          <a:noFill/>
+        </p:spPr>
+        <p:txBody>
+          <a:bodyPr wrap="none" lIns="91440" tIns="45720" rIns="91440" bIns="45720">
+            <a:spAutoFit/>
+          </a:bodyPr>
+          <a:lstStyle/>
+          <a:p>
+            <a:pPr algn="ctr"/>
+            <a:r>
+              <a:rPr lang="en-US" altLang="ko-KR" sz="5400" b="1" dirty="0">
+                <a:ln w="0">
+                  <a:solidFill>
+                    <a:schemeClr val="bg1"/>
+                  </a:solidFill>
+                </a:ln>
+                <a:latin typeface="+mj-ea"/>
+                <a:ea typeface="+mj-ea"/>
+              </a:rPr>
+              <a:t>WA</a:t>
+            </a:r>
+          </a:p>
+        </p:txBody>
+      </p:sp>
+    </p:spTree>
+    <p:extLst>
+      <p:ext uri="{BB962C8B-B14F-4D97-AF65-F5344CB8AC3E}">
+        <p14:creationId xmlns:p14="http://schemas.microsoft.com/office/powerpoint/2010/main" val="296902530"/>
       </p:ext>
     </p:extLst>
   </p:cSld>

--- a/기획서/문서/보스 기획서.pptx
+++ b/기획서/문서/보스 기획서.pptx
@@ -5,10 +5,10 @@
     <p:sldMasterId id="2147483684" r:id="rId1"/>
   </p:sldMasterIdLst>
   <p:notesMasterIdLst>
-    <p:notesMasterId r:id="rId11"/>
+    <p:notesMasterId r:id="rId10"/>
   </p:notesMasterIdLst>
   <p:handoutMasterIdLst>
-    <p:handoutMasterId r:id="rId12"/>
+    <p:handoutMasterId r:id="rId11"/>
   </p:handoutMasterIdLst>
   <p:sldIdLst>
     <p:sldId id="256" r:id="rId2"/>
@@ -19,7 +19,6 @@
     <p:sldId id="261" r:id="rId7"/>
     <p:sldId id="266" r:id="rId8"/>
     <p:sldId id="267" r:id="rId9"/>
-    <p:sldId id="268" r:id="rId10"/>
   </p:sldIdLst>
   <p:sldSz cx="17610138" cy="9906000"/>
   <p:notesSz cx="6858000" cy="9144000"/>
@@ -6256,7 +6255,7 @@
                 </a:r>
                 <a:r>
                   <a:rPr lang="en-US" altLang="ko-KR" sz="3200" b="1" dirty="0"/>
-                  <a:t>4</a:t>
+                  <a:t>3</a:t>
                 </a:r>
                 <a:endParaRPr lang="ko-KR" altLang="en-US" sz="3200" b="1" dirty="0"/>
               </a:p>
@@ -6283,11 +6282,14 @@
                 <a:avLst/>
               </a:prstGeom>
               <a:solidFill>
-                <a:schemeClr val="accent1"/>
+                <a:schemeClr val="accent4">
+                  <a:lumMod val="40000"/>
+                  <a:lumOff val="60000"/>
+                </a:schemeClr>
               </a:solidFill>
               <a:ln w="38100">
                 <a:solidFill>
-                  <a:schemeClr val="tx1"/>
+                  <a:schemeClr val="bg1"/>
                 </a:solidFill>
               </a:ln>
             </p:spPr>
@@ -6315,7 +6317,7 @@
                 <a:r>
                   <a:rPr lang="ko-KR" altLang="en-US" sz="3200" b="1" dirty="0">
                     <a:solidFill>
-                      <a:schemeClr val="bg1"/>
+                      <a:sysClr val="windowText" lastClr="000000"/>
                     </a:solidFill>
                   </a:rPr>
                   <a:t>패턴</a:t>
@@ -6323,14 +6325,14 @@
                 <a:r>
                   <a:rPr lang="en-US" altLang="ko-KR" sz="3200" b="1" dirty="0">
                     <a:solidFill>
-                      <a:schemeClr val="bg1"/>
+                      <a:sysClr val="windowText" lastClr="000000"/>
                     </a:solidFill>
                   </a:rPr>
-                  <a:t>3</a:t>
+                  <a:t>1</a:t>
                 </a:r>
                 <a:endParaRPr lang="ko-KR" altLang="en-US" sz="3200" b="1" dirty="0">
                   <a:solidFill>
-                    <a:schemeClr val="bg1"/>
+                    <a:sysClr val="windowText" lastClr="000000"/>
                   </a:solidFill>
                 </a:endParaRPr>
               </a:p>
@@ -8032,10 +8034,10 @@
       </p:sp>
       <p:sp>
         <p:nvSpPr>
-          <p:cNvPr id="73" name="직사각형 72">
+          <p:cNvPr id="34" name="직사각형 33">
             <a:extLst>
               <a:ext uri="{FF2B5EF4-FFF2-40B4-BE49-F238E27FC236}">
-                <a16:creationId xmlns:a16="http://schemas.microsoft.com/office/drawing/2014/main" id="{E736627D-6ADB-4D9E-8365-DF877C858F7B}"/>
+                <a16:creationId xmlns:a16="http://schemas.microsoft.com/office/drawing/2014/main" id="{5D794C17-E28F-40F1-9CE7-C5B24616B277}"/>
               </a:ext>
             </a:extLst>
           </p:cNvPr>
@@ -8044,16 +8046,16 @@
         </p:nvSpPr>
         <p:spPr>
           <a:xfrm>
-            <a:off x="10833692" y="1512878"/>
-            <a:ext cx="1096813" cy="3010209"/>
+            <a:off x="12108543" y="3721760"/>
+            <a:ext cx="5400000" cy="3600000"/>
           </a:xfrm>
           <a:prstGeom prst="rect">
             <a:avLst/>
           </a:prstGeom>
           <a:solidFill>
-            <a:schemeClr val="accent2">
-              <a:lumMod val="60000"/>
-              <a:lumOff val="40000"/>
+            <a:schemeClr val="tx1">
+              <a:lumMod val="85000"/>
+              <a:lumOff val="15000"/>
             </a:schemeClr>
           </a:solidFill>
           <a:ln>
@@ -8081,3665 +8083,7 @@
           <a:lstStyle/>
           <a:p>
             <a:pPr algn="ctr"/>
-            <a:r>
-              <a:rPr lang="en-US" altLang="ko-KR" dirty="0">
-                <a:solidFill>
-                  <a:schemeClr val="tx1"/>
-                </a:solidFill>
-              </a:rPr>
-              <a:t>2</a:t>
-            </a:r>
-            <a:r>
-              <a:rPr lang="ko-KR" altLang="en-US" dirty="0">
-                <a:solidFill>
-                  <a:schemeClr val="tx1"/>
-                </a:solidFill>
-              </a:rPr>
-              <a:t>차</a:t>
-            </a:r>
-            <a:endParaRPr lang="en-US" altLang="ko-KR" dirty="0">
-              <a:solidFill>
-                <a:schemeClr val="tx1"/>
-              </a:solidFill>
-            </a:endParaRPr>
-          </a:p>
-          <a:p>
-            <a:pPr algn="ctr"/>
-            <a:r>
-              <a:rPr lang="ko-KR" altLang="en-US" dirty="0">
-                <a:solidFill>
-                  <a:schemeClr val="tx1"/>
-                </a:solidFill>
-              </a:rPr>
-              <a:t>발사</a:t>
-            </a:r>
-          </a:p>
-        </p:txBody>
-      </p:sp>
-      <p:grpSp>
-        <p:nvGrpSpPr>
-          <p:cNvPr id="95" name="그룹 94">
-            <a:extLst>
-              <a:ext uri="{FF2B5EF4-FFF2-40B4-BE49-F238E27FC236}">
-                <a16:creationId xmlns:a16="http://schemas.microsoft.com/office/drawing/2014/main" id="{F4D1EFD0-9AFA-4793-BF5B-7B4A38FC47F9}"/>
-              </a:ext>
-            </a:extLst>
-          </p:cNvPr>
-          <p:cNvGrpSpPr/>
-          <p:nvPr/>
-        </p:nvGrpSpPr>
-        <p:grpSpPr>
-          <a:xfrm>
-            <a:off x="12071181" y="1508273"/>
-            <a:ext cx="3846436" cy="3014814"/>
-            <a:chOff x="10488543" y="1348869"/>
-            <a:chExt cx="7020000" cy="5502235"/>
-          </a:xfrm>
-        </p:grpSpPr>
-        <p:sp>
-          <p:nvSpPr>
-            <p:cNvPr id="96" name="직사각형 95">
-              <a:extLst>
-                <a:ext uri="{FF2B5EF4-FFF2-40B4-BE49-F238E27FC236}">
-                  <a16:creationId xmlns:a16="http://schemas.microsoft.com/office/drawing/2014/main" id="{188D9122-DE0C-4BCB-B74C-2D0D2A312988}"/>
-                </a:ext>
-              </a:extLst>
-            </p:cNvPr>
-            <p:cNvSpPr/>
-            <p:nvPr/>
-          </p:nvSpPr>
-          <p:spPr>
-            <a:xfrm>
-              <a:off x="10488543" y="1348869"/>
-              <a:ext cx="7020000" cy="5502235"/>
-            </a:xfrm>
-            <a:prstGeom prst="rect">
-              <a:avLst/>
-            </a:prstGeom>
-            <a:solidFill>
-              <a:schemeClr val="tx1">
-                <a:lumMod val="85000"/>
-                <a:lumOff val="15000"/>
-              </a:schemeClr>
-            </a:solidFill>
-            <a:ln>
-              <a:noFill/>
-            </a:ln>
-          </p:spPr>
-          <p:style>
-            <a:lnRef idx="2">
-              <a:schemeClr val="accent1">
-                <a:shade val="50000"/>
-              </a:schemeClr>
-            </a:lnRef>
-            <a:fillRef idx="1">
-              <a:schemeClr val="accent1"/>
-            </a:fillRef>
-            <a:effectRef idx="0">
-              <a:schemeClr val="accent1"/>
-            </a:effectRef>
-            <a:fontRef idx="minor">
-              <a:schemeClr val="lt1"/>
-            </a:fontRef>
-          </p:style>
-          <p:txBody>
-            <a:bodyPr rtlCol="0" anchor="ctr"/>
-            <a:lstStyle/>
-            <a:p>
-              <a:pPr algn="ctr"/>
-              <a:endParaRPr lang="ko-KR" altLang="en-US"/>
-            </a:p>
-          </p:txBody>
-        </p:sp>
-        <p:pic>
-          <p:nvPicPr>
-            <p:cNvPr id="97" name="Picture 2" descr="Gore Icon #207998 - Free Icons Library">
-              <a:extLst>
-                <a:ext uri="{FF2B5EF4-FFF2-40B4-BE49-F238E27FC236}">
-                  <a16:creationId xmlns:a16="http://schemas.microsoft.com/office/drawing/2014/main" id="{84E54A88-E80B-4527-A4B1-E0A79CFBBB94}"/>
-                </a:ext>
-              </a:extLst>
-            </p:cNvPr>
-            <p:cNvPicPr>
-              <a:picLocks noChangeAspect="1" noChangeArrowheads="1"/>
-            </p:cNvPicPr>
-            <p:nvPr/>
-          </p:nvPicPr>
-          <p:blipFill>
-            <a:blip r:embed="rId2">
-              <a:duotone>
-                <a:schemeClr val="accent2">
-                  <a:shade val="45000"/>
-                  <a:satMod val="135000"/>
-                </a:schemeClr>
-                <a:prstClr val="white"/>
-              </a:duotone>
-              <a:extLst>
-                <a:ext uri="{BEBA8EAE-BF5A-486C-A8C5-ECC9F3942E4B}">
-                  <a14:imgProps xmlns:a14="http://schemas.microsoft.com/office/drawing/2010/main">
-                    <a14:imgLayer r:embed="rId3">
-                      <a14:imgEffect>
-                        <a14:backgroundRemoval t="7000" b="93500" l="10000" r="90000">
-                          <a14:foregroundMark x1="36029" y1="78500" x2="56500" y2="84500"/>
-                          <a14:foregroundMark x1="31272" y1="77106" x2="32618" y2="77500"/>
-                          <a14:foregroundMark x1="27500" y1="76000" x2="29644" y2="76628"/>
-                          <a14:foregroundMark x1="56500" y1="84500" x2="69500" y2="81000"/>
-                          <a14:foregroundMark x1="48000" y1="92000" x2="52000" y2="93500"/>
-                          <a14:foregroundMark x1="16000" y1="10000" x2="16500" y2="9000"/>
-                          <a14:foregroundMark x1="82500" y1="7000" x2="82500" y2="7000"/>
-                          <a14:backgroundMark x1="32500" y1="77500" x2="32500" y2="78500"/>
-                          <a14:backgroundMark x1="32500" y1="75500" x2="32000" y2="77000"/>
-                          <a14:backgroundMark x1="31000" y1="76000" x2="31500" y2="77000"/>
-                          <a14:backgroundMark x1="31500" y1="77500" x2="31000" y2="77500"/>
-                          <a14:backgroundMark x1="30500" y1="77000" x2="30500" y2="77000"/>
-                          <a14:backgroundMark x1="30500" y1="76000" x2="30500" y2="76000"/>
-                        </a14:backgroundRemoval>
-                      </a14:imgEffect>
-                    </a14:imgLayer>
-                  </a14:imgProps>
-                </a:ext>
-                <a:ext uri="{28A0092B-C50C-407E-A947-70E740481C1C}">
-                  <a14:useLocalDpi xmlns:a14="http://schemas.microsoft.com/office/drawing/2010/main" val="0"/>
-                </a:ext>
-              </a:extLst>
-            </a:blip>
-            <a:srcRect/>
-            <a:stretch>
-              <a:fillRect/>
-            </a:stretch>
-          </p:blipFill>
-          <p:spPr bwMode="auto">
-            <a:xfrm>
-              <a:off x="13586161" y="2129374"/>
-              <a:ext cx="780161" cy="780161"/>
-            </a:xfrm>
-            <a:prstGeom prst="rect">
-              <a:avLst/>
-            </a:prstGeom>
-            <a:noFill/>
-            <a:extLst>
-              <a:ext uri="{909E8E84-426E-40DD-AFC4-6F175D3DCCD1}">
-                <a14:hiddenFill xmlns:a14="http://schemas.microsoft.com/office/drawing/2010/main">
-                  <a:solidFill>
-                    <a:srgbClr val="FFFFFF"/>
-                  </a:solidFill>
-                </a14:hiddenFill>
-              </a:ext>
-            </a:extLst>
-          </p:spPr>
-        </p:pic>
-        <p:grpSp>
-          <p:nvGrpSpPr>
-            <p:cNvPr id="98" name="그룹 97">
-              <a:extLst>
-                <a:ext uri="{FF2B5EF4-FFF2-40B4-BE49-F238E27FC236}">
-                  <a16:creationId xmlns:a16="http://schemas.microsoft.com/office/drawing/2014/main" id="{3E3DBAE4-00D4-4A4E-8468-E48D53A85DF9}"/>
-                </a:ext>
-              </a:extLst>
-            </p:cNvPr>
-            <p:cNvGrpSpPr/>
-            <p:nvPr/>
-          </p:nvGrpSpPr>
-          <p:grpSpPr>
-            <a:xfrm>
-              <a:off x="12356242" y="3559987"/>
-              <a:ext cx="3240000" cy="2160000"/>
-              <a:chOff x="10900979" y="4604282"/>
-              <a:chExt cx="3240000" cy="2160000"/>
-            </a:xfrm>
-          </p:grpSpPr>
-          <p:sp>
-            <p:nvSpPr>
-              <p:cNvPr id="99" name="직사각형 98">
-                <a:extLst>
-                  <a:ext uri="{FF2B5EF4-FFF2-40B4-BE49-F238E27FC236}">
-                    <a16:creationId xmlns:a16="http://schemas.microsoft.com/office/drawing/2014/main" id="{04180F6B-A264-4D2F-9320-0F84141A2F3F}"/>
-                  </a:ext>
-                </a:extLst>
-              </p:cNvPr>
-              <p:cNvSpPr/>
-              <p:nvPr/>
-            </p:nvSpPr>
-            <p:spPr>
-              <a:xfrm>
-                <a:off x="10900979" y="4604282"/>
-                <a:ext cx="1080000" cy="1080000"/>
-              </a:xfrm>
-              <a:prstGeom prst="rect">
-                <a:avLst/>
-              </a:prstGeom>
-              <a:solidFill>
-                <a:schemeClr val="tx2">
-                  <a:lumMod val="20000"/>
-                  <a:lumOff val="80000"/>
-                </a:schemeClr>
-              </a:solidFill>
-              <a:ln>
-                <a:solidFill>
-                  <a:schemeClr val="tx1"/>
-                </a:solidFill>
-              </a:ln>
-            </p:spPr>
-            <p:style>
-              <a:lnRef idx="2">
-                <a:schemeClr val="accent1">
-                  <a:shade val="50000"/>
-                </a:schemeClr>
-              </a:lnRef>
-              <a:fillRef idx="1">
-                <a:schemeClr val="accent1"/>
-              </a:fillRef>
-              <a:effectRef idx="0">
-                <a:schemeClr val="accent1"/>
-              </a:effectRef>
-              <a:fontRef idx="minor">
-                <a:schemeClr val="lt1"/>
-              </a:fontRef>
-            </p:style>
-            <p:txBody>
-              <a:bodyPr rtlCol="0" anchor="ctr"/>
-              <a:lstStyle/>
-              <a:p>
-                <a:pPr algn="ctr"/>
-                <a:endParaRPr lang="en-US" altLang="ko-KR" dirty="0"/>
-              </a:p>
-            </p:txBody>
-          </p:sp>
-          <p:sp>
-            <p:nvSpPr>
-              <p:cNvPr id="100" name="직사각형 99">
-                <a:extLst>
-                  <a:ext uri="{FF2B5EF4-FFF2-40B4-BE49-F238E27FC236}">
-                    <a16:creationId xmlns:a16="http://schemas.microsoft.com/office/drawing/2014/main" id="{E7A89377-F886-4F9C-8675-14D842B40778}"/>
-                  </a:ext>
-                </a:extLst>
-              </p:cNvPr>
-              <p:cNvSpPr/>
-              <p:nvPr/>
-            </p:nvSpPr>
-            <p:spPr>
-              <a:xfrm>
-                <a:off x="11980979" y="4604282"/>
-                <a:ext cx="1080000" cy="1080000"/>
-              </a:xfrm>
-              <a:prstGeom prst="rect">
-                <a:avLst/>
-              </a:prstGeom>
-              <a:solidFill>
-                <a:schemeClr val="tx2">
-                  <a:lumMod val="20000"/>
-                  <a:lumOff val="80000"/>
-                </a:schemeClr>
-              </a:solidFill>
-              <a:ln>
-                <a:solidFill>
-                  <a:schemeClr val="tx1"/>
-                </a:solidFill>
-              </a:ln>
-            </p:spPr>
-            <p:style>
-              <a:lnRef idx="2">
-                <a:schemeClr val="accent1">
-                  <a:shade val="50000"/>
-                </a:schemeClr>
-              </a:lnRef>
-              <a:fillRef idx="1">
-                <a:schemeClr val="accent1"/>
-              </a:fillRef>
-              <a:effectRef idx="0">
-                <a:schemeClr val="accent1"/>
-              </a:effectRef>
-              <a:fontRef idx="minor">
-                <a:schemeClr val="lt1"/>
-              </a:fontRef>
-            </p:style>
-            <p:txBody>
-              <a:bodyPr rtlCol="0" anchor="ctr"/>
-              <a:lstStyle/>
-              <a:p>
-                <a:pPr algn="ctr"/>
-                <a:endParaRPr lang="en-US" altLang="ko-KR" dirty="0"/>
-              </a:p>
-            </p:txBody>
-          </p:sp>
-          <p:sp>
-            <p:nvSpPr>
-              <p:cNvPr id="101" name="직사각형 100">
-                <a:extLst>
-                  <a:ext uri="{FF2B5EF4-FFF2-40B4-BE49-F238E27FC236}">
-                    <a16:creationId xmlns:a16="http://schemas.microsoft.com/office/drawing/2014/main" id="{8BF0B50B-5561-4E74-B31B-51FA2616AF47}"/>
-                  </a:ext>
-                </a:extLst>
-              </p:cNvPr>
-              <p:cNvSpPr/>
-              <p:nvPr/>
-            </p:nvSpPr>
-            <p:spPr>
-              <a:xfrm>
-                <a:off x="13060979" y="4604282"/>
-                <a:ext cx="1080000" cy="1080000"/>
-              </a:xfrm>
-              <a:prstGeom prst="rect">
-                <a:avLst/>
-              </a:prstGeom>
-              <a:solidFill>
-                <a:schemeClr val="tx2">
-                  <a:lumMod val="20000"/>
-                  <a:lumOff val="80000"/>
-                </a:schemeClr>
-              </a:solidFill>
-              <a:ln>
-                <a:solidFill>
-                  <a:schemeClr val="tx1"/>
-                </a:solidFill>
-              </a:ln>
-            </p:spPr>
-            <p:style>
-              <a:lnRef idx="2">
-                <a:schemeClr val="accent1">
-                  <a:shade val="50000"/>
-                </a:schemeClr>
-              </a:lnRef>
-              <a:fillRef idx="1">
-                <a:schemeClr val="accent1"/>
-              </a:fillRef>
-              <a:effectRef idx="0">
-                <a:schemeClr val="accent1"/>
-              </a:effectRef>
-              <a:fontRef idx="minor">
-                <a:schemeClr val="lt1"/>
-              </a:fontRef>
-            </p:style>
-            <p:txBody>
-              <a:bodyPr rtlCol="0" anchor="ctr"/>
-              <a:lstStyle/>
-              <a:p>
-                <a:pPr algn="ctr"/>
-                <a:endParaRPr lang="en-US" altLang="ko-KR" dirty="0"/>
-              </a:p>
-            </p:txBody>
-          </p:sp>
-          <p:sp>
-            <p:nvSpPr>
-              <p:cNvPr id="102" name="직사각형 101">
-                <a:extLst>
-                  <a:ext uri="{FF2B5EF4-FFF2-40B4-BE49-F238E27FC236}">
-                    <a16:creationId xmlns:a16="http://schemas.microsoft.com/office/drawing/2014/main" id="{40432ED3-8D1E-455D-B043-968A47ABDFD5}"/>
-                  </a:ext>
-                </a:extLst>
-              </p:cNvPr>
-              <p:cNvSpPr/>
-              <p:nvPr/>
-            </p:nvSpPr>
-            <p:spPr>
-              <a:xfrm>
-                <a:off x="10900979" y="5684282"/>
-                <a:ext cx="1080000" cy="1080000"/>
-              </a:xfrm>
-              <a:prstGeom prst="rect">
-                <a:avLst/>
-              </a:prstGeom>
-              <a:solidFill>
-                <a:schemeClr val="tx2">
-                  <a:lumMod val="20000"/>
-                  <a:lumOff val="80000"/>
-                </a:schemeClr>
-              </a:solidFill>
-              <a:ln>
-                <a:solidFill>
-                  <a:schemeClr val="tx1"/>
-                </a:solidFill>
-              </a:ln>
-            </p:spPr>
-            <p:style>
-              <a:lnRef idx="2">
-                <a:schemeClr val="accent1">
-                  <a:shade val="50000"/>
-                </a:schemeClr>
-              </a:lnRef>
-              <a:fillRef idx="1">
-                <a:schemeClr val="accent1"/>
-              </a:fillRef>
-              <a:effectRef idx="0">
-                <a:schemeClr val="accent1"/>
-              </a:effectRef>
-              <a:fontRef idx="minor">
-                <a:schemeClr val="lt1"/>
-              </a:fontRef>
-            </p:style>
-            <p:txBody>
-              <a:bodyPr rtlCol="0" anchor="ctr"/>
-              <a:lstStyle/>
-              <a:p>
-                <a:pPr algn="ctr"/>
-                <a:endParaRPr lang="en-US" altLang="ko-KR" dirty="0"/>
-              </a:p>
-            </p:txBody>
-          </p:sp>
-          <p:sp>
-            <p:nvSpPr>
-              <p:cNvPr id="103" name="직사각형 102">
-                <a:extLst>
-                  <a:ext uri="{FF2B5EF4-FFF2-40B4-BE49-F238E27FC236}">
-                    <a16:creationId xmlns:a16="http://schemas.microsoft.com/office/drawing/2014/main" id="{A5325E02-B3D4-4B35-93E6-2312C5776999}"/>
-                  </a:ext>
-                </a:extLst>
-              </p:cNvPr>
-              <p:cNvSpPr/>
-              <p:nvPr/>
-            </p:nvSpPr>
-            <p:spPr>
-              <a:xfrm>
-                <a:off x="11980979" y="5684282"/>
-                <a:ext cx="1080000" cy="1080000"/>
-              </a:xfrm>
-              <a:prstGeom prst="rect">
-                <a:avLst/>
-              </a:prstGeom>
-              <a:solidFill>
-                <a:schemeClr val="tx2">
-                  <a:lumMod val="20000"/>
-                  <a:lumOff val="80000"/>
-                </a:schemeClr>
-              </a:solidFill>
-              <a:ln>
-                <a:solidFill>
-                  <a:schemeClr val="tx1"/>
-                </a:solidFill>
-              </a:ln>
-            </p:spPr>
-            <p:style>
-              <a:lnRef idx="2">
-                <a:schemeClr val="accent1">
-                  <a:shade val="50000"/>
-                </a:schemeClr>
-              </a:lnRef>
-              <a:fillRef idx="1">
-                <a:schemeClr val="accent1"/>
-              </a:fillRef>
-              <a:effectRef idx="0">
-                <a:schemeClr val="accent1"/>
-              </a:effectRef>
-              <a:fontRef idx="minor">
-                <a:schemeClr val="lt1"/>
-              </a:fontRef>
-            </p:style>
-            <p:txBody>
-              <a:bodyPr rtlCol="0" anchor="ctr"/>
-              <a:lstStyle/>
-              <a:p>
-                <a:pPr algn="ctr"/>
-                <a:endParaRPr lang="en-US" altLang="ko-KR" dirty="0"/>
-              </a:p>
-            </p:txBody>
-          </p:sp>
-          <p:sp>
-            <p:nvSpPr>
-              <p:cNvPr id="104" name="직사각형 103">
-                <a:extLst>
-                  <a:ext uri="{FF2B5EF4-FFF2-40B4-BE49-F238E27FC236}">
-                    <a16:creationId xmlns:a16="http://schemas.microsoft.com/office/drawing/2014/main" id="{57E0CB19-759D-411A-93D9-B6C1B264686A}"/>
-                  </a:ext>
-                </a:extLst>
-              </p:cNvPr>
-              <p:cNvSpPr/>
-              <p:nvPr/>
-            </p:nvSpPr>
-            <p:spPr>
-              <a:xfrm>
-                <a:off x="13060979" y="5684282"/>
-                <a:ext cx="1080000" cy="1080000"/>
-              </a:xfrm>
-              <a:prstGeom prst="rect">
-                <a:avLst/>
-              </a:prstGeom>
-              <a:solidFill>
-                <a:schemeClr val="tx2">
-                  <a:lumMod val="20000"/>
-                  <a:lumOff val="80000"/>
-                </a:schemeClr>
-              </a:solidFill>
-              <a:ln>
-                <a:solidFill>
-                  <a:schemeClr val="tx1"/>
-                </a:solidFill>
-              </a:ln>
-            </p:spPr>
-            <p:style>
-              <a:lnRef idx="2">
-                <a:schemeClr val="accent1">
-                  <a:shade val="50000"/>
-                </a:schemeClr>
-              </a:lnRef>
-              <a:fillRef idx="1">
-                <a:schemeClr val="accent1"/>
-              </a:fillRef>
-              <a:effectRef idx="0">
-                <a:schemeClr val="accent1"/>
-              </a:effectRef>
-              <a:fontRef idx="minor">
-                <a:schemeClr val="lt1"/>
-              </a:fontRef>
-            </p:style>
-            <p:txBody>
-              <a:bodyPr rtlCol="0" anchor="ctr"/>
-              <a:lstStyle/>
-              <a:p>
-                <a:pPr algn="ctr"/>
-                <a:endParaRPr lang="en-US" altLang="ko-KR" dirty="0"/>
-              </a:p>
-            </p:txBody>
-          </p:sp>
-        </p:grpSp>
-      </p:grpSp>
-      <p:sp>
-        <p:nvSpPr>
-          <p:cNvPr id="111" name="타원 110">
-            <a:extLst>
-              <a:ext uri="{FF2B5EF4-FFF2-40B4-BE49-F238E27FC236}">
-                <a16:creationId xmlns:a16="http://schemas.microsoft.com/office/drawing/2014/main" id="{6BCC834B-739B-48E1-A21D-5CA453604FFD}"/>
-              </a:ext>
-            </a:extLst>
-          </p:cNvPr>
-          <p:cNvSpPr/>
-          <p:nvPr/>
-        </p:nvSpPr>
-        <p:spPr>
-          <a:xfrm>
-            <a:off x="13338309" y="3558473"/>
-            <a:ext cx="271471" cy="271471"/>
-          </a:xfrm>
-          <a:prstGeom prst="ellipse">
-            <a:avLst/>
-          </a:prstGeom>
-          <a:solidFill>
-            <a:srgbClr val="92D050"/>
-          </a:solidFill>
-          <a:ln>
-            <a:solidFill>
-              <a:schemeClr val="accent6">
-                <a:lumMod val="75000"/>
-              </a:schemeClr>
-            </a:solidFill>
-          </a:ln>
-        </p:spPr>
-        <p:style>
-          <a:lnRef idx="2">
-            <a:schemeClr val="accent1">
-              <a:shade val="50000"/>
-            </a:schemeClr>
-          </a:lnRef>
-          <a:fillRef idx="1">
-            <a:schemeClr val="accent1"/>
-          </a:fillRef>
-          <a:effectRef idx="0">
-            <a:schemeClr val="accent1"/>
-          </a:effectRef>
-          <a:fontRef idx="minor">
-            <a:schemeClr val="lt1"/>
-          </a:fontRef>
-        </p:style>
-        <p:txBody>
-          <a:bodyPr rtlCol="0" anchor="ctr"/>
-          <a:lstStyle/>
-          <a:p>
-            <a:pPr algn="ctr"/>
-            <a:r>
-              <a:rPr lang="en-US" altLang="ko-KR" dirty="0"/>
-              <a:t>P</a:t>
-            </a:r>
-            <a:endParaRPr lang="ko-KR" altLang="en-US" dirty="0"/>
-          </a:p>
-        </p:txBody>
-      </p:sp>
-      <p:cxnSp>
-        <p:nvCxnSpPr>
-          <p:cNvPr id="114" name="직선 화살표 연결선 113">
-            <a:extLst>
-              <a:ext uri="{FF2B5EF4-FFF2-40B4-BE49-F238E27FC236}">
-                <a16:creationId xmlns:a16="http://schemas.microsoft.com/office/drawing/2014/main" id="{986FD392-B60C-427F-84AA-4F94858B0E46}"/>
-              </a:ext>
-            </a:extLst>
-          </p:cNvPr>
-          <p:cNvCxnSpPr>
-            <a:cxnSpLocks/>
-          </p:cNvCxnSpPr>
-          <p:nvPr/>
-        </p:nvCxnSpPr>
-        <p:spPr>
-          <a:xfrm>
-            <a:off x="12900314" y="3527838"/>
-            <a:ext cx="2968336" cy="915334"/>
-          </a:xfrm>
-          <a:prstGeom prst="straightConnector1">
-            <a:avLst/>
-          </a:prstGeom>
-          <a:ln>
-            <a:solidFill>
-              <a:srgbClr val="FF0000"/>
-            </a:solidFill>
-            <a:tailEnd type="triangle"/>
-          </a:ln>
-        </p:spPr>
-        <p:style>
-          <a:lnRef idx="1">
-            <a:schemeClr val="accent1"/>
-          </a:lnRef>
-          <a:fillRef idx="0">
-            <a:schemeClr val="accent1"/>
-          </a:fillRef>
-          <a:effectRef idx="0">
-            <a:schemeClr val="accent1"/>
-          </a:effectRef>
-          <a:fontRef idx="minor">
-            <a:schemeClr val="tx1"/>
-          </a:fontRef>
-        </p:style>
-      </p:cxnSp>
-      <p:cxnSp>
-        <p:nvCxnSpPr>
-          <p:cNvPr id="121" name="직선 화살표 연결선 120">
-            <a:extLst>
-              <a:ext uri="{FF2B5EF4-FFF2-40B4-BE49-F238E27FC236}">
-                <a16:creationId xmlns:a16="http://schemas.microsoft.com/office/drawing/2014/main" id="{A4B49112-AC8E-410D-BF6C-5199C3639B8B}"/>
-              </a:ext>
-            </a:extLst>
-          </p:cNvPr>
-          <p:cNvCxnSpPr>
-            <a:cxnSpLocks/>
-          </p:cNvCxnSpPr>
-          <p:nvPr/>
-        </p:nvCxnSpPr>
-        <p:spPr>
-          <a:xfrm>
-            <a:off x="13066967" y="2559114"/>
-            <a:ext cx="650813" cy="1963973"/>
-          </a:xfrm>
-          <a:prstGeom prst="straightConnector1">
-            <a:avLst/>
-          </a:prstGeom>
-          <a:ln>
-            <a:solidFill>
-              <a:srgbClr val="FF0000"/>
-            </a:solidFill>
-            <a:tailEnd type="triangle"/>
-          </a:ln>
-        </p:spPr>
-        <p:style>
-          <a:lnRef idx="1">
-            <a:schemeClr val="accent1"/>
-          </a:lnRef>
-          <a:fillRef idx="0">
-            <a:schemeClr val="accent1"/>
-          </a:fillRef>
-          <a:effectRef idx="0">
-            <a:schemeClr val="accent1"/>
-          </a:effectRef>
-          <a:fontRef idx="minor">
-            <a:schemeClr val="tx1"/>
-          </a:fontRef>
-        </p:style>
-      </p:cxnSp>
-      <p:cxnSp>
-        <p:nvCxnSpPr>
-          <p:cNvPr id="124" name="직선 화살표 연결선 123">
-            <a:extLst>
-              <a:ext uri="{FF2B5EF4-FFF2-40B4-BE49-F238E27FC236}">
-                <a16:creationId xmlns:a16="http://schemas.microsoft.com/office/drawing/2014/main" id="{B3B572BC-8D7B-499A-8863-1DF912FCAFED}"/>
-              </a:ext>
-            </a:extLst>
-          </p:cNvPr>
-          <p:cNvCxnSpPr>
-            <a:cxnSpLocks/>
-          </p:cNvCxnSpPr>
-          <p:nvPr/>
-        </p:nvCxnSpPr>
-        <p:spPr>
-          <a:xfrm flipH="1">
-            <a:off x="13243534" y="2996210"/>
-            <a:ext cx="420246" cy="1485228"/>
-          </a:xfrm>
-          <a:prstGeom prst="straightConnector1">
-            <a:avLst/>
-          </a:prstGeom>
-          <a:ln>
-            <a:solidFill>
-              <a:srgbClr val="FF0000"/>
-            </a:solidFill>
-            <a:tailEnd type="triangle"/>
-          </a:ln>
-        </p:spPr>
-        <p:style>
-          <a:lnRef idx="1">
-            <a:schemeClr val="accent1"/>
-          </a:lnRef>
-          <a:fillRef idx="0">
-            <a:schemeClr val="accent1"/>
-          </a:fillRef>
-          <a:effectRef idx="0">
-            <a:schemeClr val="accent1"/>
-          </a:effectRef>
-          <a:fontRef idx="minor">
-            <a:schemeClr val="tx1"/>
-          </a:fontRef>
-        </p:style>
-      </p:cxnSp>
-      <p:cxnSp>
-        <p:nvCxnSpPr>
-          <p:cNvPr id="126" name="직선 화살표 연결선 125">
-            <a:extLst>
-              <a:ext uri="{FF2B5EF4-FFF2-40B4-BE49-F238E27FC236}">
-                <a16:creationId xmlns:a16="http://schemas.microsoft.com/office/drawing/2014/main" id="{838ED1D9-B06C-4189-999A-DA1E2072ADBE}"/>
-              </a:ext>
-            </a:extLst>
-          </p:cNvPr>
-          <p:cNvCxnSpPr>
-            <a:cxnSpLocks/>
-          </p:cNvCxnSpPr>
-          <p:nvPr/>
-        </p:nvCxnSpPr>
-        <p:spPr>
-          <a:xfrm flipH="1">
-            <a:off x="12463746" y="3202934"/>
-            <a:ext cx="1579506" cy="1294398"/>
-          </a:xfrm>
-          <a:prstGeom prst="straightConnector1">
-            <a:avLst/>
-          </a:prstGeom>
-          <a:ln>
-            <a:solidFill>
-              <a:srgbClr val="FF0000"/>
-            </a:solidFill>
-            <a:tailEnd type="triangle"/>
-          </a:ln>
-        </p:spPr>
-        <p:style>
-          <a:lnRef idx="1">
-            <a:schemeClr val="accent1"/>
-          </a:lnRef>
-          <a:fillRef idx="0">
-            <a:schemeClr val="accent1"/>
-          </a:fillRef>
-          <a:effectRef idx="0">
-            <a:schemeClr val="accent1"/>
-          </a:effectRef>
-          <a:fontRef idx="minor">
-            <a:schemeClr val="tx1"/>
-          </a:fontRef>
-        </p:style>
-      </p:cxnSp>
-      <p:cxnSp>
-        <p:nvCxnSpPr>
-          <p:cNvPr id="129" name="직선 화살표 연결선 128">
-            <a:extLst>
-              <a:ext uri="{FF2B5EF4-FFF2-40B4-BE49-F238E27FC236}">
-                <a16:creationId xmlns:a16="http://schemas.microsoft.com/office/drawing/2014/main" id="{3E8C41F6-B30E-40D7-963C-FEA71F332314}"/>
-              </a:ext>
-            </a:extLst>
-          </p:cNvPr>
-          <p:cNvCxnSpPr>
-            <a:cxnSpLocks/>
-          </p:cNvCxnSpPr>
-          <p:nvPr/>
-        </p:nvCxnSpPr>
-        <p:spPr>
-          <a:xfrm flipH="1">
-            <a:off x="12175821" y="2927730"/>
-            <a:ext cx="3069447" cy="1322024"/>
-          </a:xfrm>
-          <a:prstGeom prst="straightConnector1">
-            <a:avLst/>
-          </a:prstGeom>
-          <a:ln>
-            <a:solidFill>
-              <a:srgbClr val="FF0000"/>
-            </a:solidFill>
-            <a:tailEnd type="triangle"/>
-          </a:ln>
-        </p:spPr>
-        <p:style>
-          <a:lnRef idx="1">
-            <a:schemeClr val="accent1"/>
-          </a:lnRef>
-          <a:fillRef idx="0">
-            <a:schemeClr val="accent1"/>
-          </a:fillRef>
-          <a:effectRef idx="0">
-            <a:schemeClr val="accent1"/>
-          </a:effectRef>
-          <a:fontRef idx="minor">
-            <a:schemeClr val="tx1"/>
-          </a:fontRef>
-        </p:style>
-      </p:cxnSp>
-      <p:cxnSp>
-        <p:nvCxnSpPr>
-          <p:cNvPr id="131" name="직선 화살표 연결선 130">
-            <a:extLst>
-              <a:ext uri="{FF2B5EF4-FFF2-40B4-BE49-F238E27FC236}">
-                <a16:creationId xmlns:a16="http://schemas.microsoft.com/office/drawing/2014/main" id="{DE561894-75F0-4858-9E84-1F3B2FD7689A}"/>
-              </a:ext>
-            </a:extLst>
-          </p:cNvPr>
-          <p:cNvCxnSpPr>
-            <a:cxnSpLocks/>
-          </p:cNvCxnSpPr>
-          <p:nvPr/>
-        </p:nvCxnSpPr>
-        <p:spPr>
-          <a:xfrm flipH="1">
-            <a:off x="12214225" y="3615822"/>
-            <a:ext cx="3171720" cy="141502"/>
-          </a:xfrm>
-          <a:prstGeom prst="straightConnector1">
-            <a:avLst/>
-          </a:prstGeom>
-          <a:ln>
-            <a:solidFill>
-              <a:srgbClr val="FF0000"/>
-            </a:solidFill>
-            <a:tailEnd type="triangle"/>
-          </a:ln>
-        </p:spPr>
-        <p:style>
-          <a:lnRef idx="1">
-            <a:schemeClr val="accent1"/>
-          </a:lnRef>
-          <a:fillRef idx="0">
-            <a:schemeClr val="accent1"/>
-          </a:fillRef>
-          <a:effectRef idx="0">
-            <a:schemeClr val="accent1"/>
-          </a:effectRef>
-          <a:fontRef idx="minor">
-            <a:schemeClr val="tx1"/>
-          </a:fontRef>
-        </p:style>
-      </p:cxnSp>
-      <p:sp>
-        <p:nvSpPr>
-          <p:cNvPr id="105" name="타원 104">
-            <a:extLst>
-              <a:ext uri="{FF2B5EF4-FFF2-40B4-BE49-F238E27FC236}">
-                <a16:creationId xmlns:a16="http://schemas.microsoft.com/office/drawing/2014/main" id="{39367344-BB72-49C4-906F-73BD1F92FE20}"/>
-              </a:ext>
-            </a:extLst>
-          </p:cNvPr>
-          <p:cNvSpPr/>
-          <p:nvPr/>
-        </p:nvSpPr>
-        <p:spPr>
-          <a:xfrm>
-            <a:off x="13015292" y="2513677"/>
-            <a:ext cx="108000" cy="108000"/>
-          </a:xfrm>
-          <a:prstGeom prst="ellipse">
-            <a:avLst/>
-          </a:prstGeom>
-          <a:gradFill flip="none" rotWithShape="1">
-            <a:gsLst>
-              <a:gs pos="0">
-                <a:schemeClr val="accent3">
-                  <a:lumMod val="40000"/>
-                  <a:lumOff val="60000"/>
-                </a:schemeClr>
-              </a:gs>
-              <a:gs pos="46000">
-                <a:schemeClr val="accent3">
-                  <a:lumMod val="95000"/>
-                  <a:lumOff val="5000"/>
-                </a:schemeClr>
-              </a:gs>
-              <a:gs pos="100000">
-                <a:schemeClr val="accent3">
-                  <a:lumMod val="60000"/>
-                </a:schemeClr>
-              </a:gs>
-            </a:gsLst>
-            <a:path path="circle">
-              <a:fillToRect l="50000" t="130000" r="50000" b="-30000"/>
-            </a:path>
-            <a:tileRect/>
-          </a:gradFill>
-          <a:ln w="6350">
-            <a:solidFill>
-              <a:schemeClr val="bg1"/>
-            </a:solidFill>
-          </a:ln>
-        </p:spPr>
-        <p:style>
-          <a:lnRef idx="2">
-            <a:schemeClr val="accent1">
-              <a:shade val="50000"/>
-            </a:schemeClr>
-          </a:lnRef>
-          <a:fillRef idx="1">
-            <a:schemeClr val="accent1"/>
-          </a:fillRef>
-          <a:effectRef idx="0">
-            <a:schemeClr val="accent1"/>
-          </a:effectRef>
-          <a:fontRef idx="minor">
-            <a:schemeClr val="lt1"/>
-          </a:fontRef>
-        </p:style>
-        <p:txBody>
-          <a:bodyPr rtlCol="0" anchor="ctr"/>
-          <a:lstStyle/>
-          <a:p>
-            <a:pPr algn="ctr"/>
             <a:endParaRPr lang="ko-KR" altLang="en-US"/>
-          </a:p>
-        </p:txBody>
-      </p:sp>
-      <p:sp>
-        <p:nvSpPr>
-          <p:cNvPr id="106" name="타원 105">
-            <a:extLst>
-              <a:ext uri="{FF2B5EF4-FFF2-40B4-BE49-F238E27FC236}">
-                <a16:creationId xmlns:a16="http://schemas.microsoft.com/office/drawing/2014/main" id="{14E20AB2-730D-47FA-A9B4-3F4F13C59AC4}"/>
-              </a:ext>
-            </a:extLst>
-          </p:cNvPr>
-          <p:cNvSpPr/>
-          <p:nvPr/>
-        </p:nvSpPr>
-        <p:spPr>
-          <a:xfrm>
-            <a:off x="12846314" y="3473678"/>
-            <a:ext cx="108000" cy="108000"/>
-          </a:xfrm>
-          <a:prstGeom prst="ellipse">
-            <a:avLst/>
-          </a:prstGeom>
-          <a:gradFill flip="none" rotWithShape="1">
-            <a:gsLst>
-              <a:gs pos="0">
-                <a:schemeClr val="accent3">
-                  <a:lumMod val="40000"/>
-                  <a:lumOff val="60000"/>
-                </a:schemeClr>
-              </a:gs>
-              <a:gs pos="46000">
-                <a:schemeClr val="accent3">
-                  <a:lumMod val="95000"/>
-                  <a:lumOff val="5000"/>
-                </a:schemeClr>
-              </a:gs>
-              <a:gs pos="100000">
-                <a:schemeClr val="accent3">
-                  <a:lumMod val="60000"/>
-                </a:schemeClr>
-              </a:gs>
-            </a:gsLst>
-            <a:path path="circle">
-              <a:fillToRect l="50000" t="130000" r="50000" b="-30000"/>
-            </a:path>
-            <a:tileRect/>
-          </a:gradFill>
-          <a:ln w="6350">
-            <a:solidFill>
-              <a:schemeClr val="bg1"/>
-            </a:solidFill>
-          </a:ln>
-        </p:spPr>
-        <p:style>
-          <a:lnRef idx="2">
-            <a:schemeClr val="accent1">
-              <a:shade val="50000"/>
-            </a:schemeClr>
-          </a:lnRef>
-          <a:fillRef idx="1">
-            <a:schemeClr val="accent1"/>
-          </a:fillRef>
-          <a:effectRef idx="0">
-            <a:schemeClr val="accent1"/>
-          </a:effectRef>
-          <a:fontRef idx="minor">
-            <a:schemeClr val="lt1"/>
-          </a:fontRef>
-        </p:style>
-        <p:txBody>
-          <a:bodyPr rtlCol="0" anchor="ctr"/>
-          <a:lstStyle/>
-          <a:p>
-            <a:pPr algn="ctr"/>
-            <a:endParaRPr lang="ko-KR" altLang="en-US" dirty="0"/>
-          </a:p>
-        </p:txBody>
-      </p:sp>
-      <p:sp>
-        <p:nvSpPr>
-          <p:cNvPr id="107" name="타원 106">
-            <a:extLst>
-              <a:ext uri="{FF2B5EF4-FFF2-40B4-BE49-F238E27FC236}">
-                <a16:creationId xmlns:a16="http://schemas.microsoft.com/office/drawing/2014/main" id="{05A810FA-6AF5-4284-92D8-D8D0CECAC694}"/>
-              </a:ext>
-            </a:extLst>
-          </p:cNvPr>
-          <p:cNvSpPr/>
-          <p:nvPr/>
-        </p:nvSpPr>
-        <p:spPr>
-          <a:xfrm>
-            <a:off x="13609780" y="2945636"/>
-            <a:ext cx="108000" cy="108000"/>
-          </a:xfrm>
-          <a:prstGeom prst="ellipse">
-            <a:avLst/>
-          </a:prstGeom>
-          <a:gradFill flip="none" rotWithShape="1">
-            <a:gsLst>
-              <a:gs pos="0">
-                <a:schemeClr val="accent3">
-                  <a:lumMod val="40000"/>
-                  <a:lumOff val="60000"/>
-                </a:schemeClr>
-              </a:gs>
-              <a:gs pos="46000">
-                <a:schemeClr val="accent3">
-                  <a:lumMod val="95000"/>
-                  <a:lumOff val="5000"/>
-                </a:schemeClr>
-              </a:gs>
-              <a:gs pos="100000">
-                <a:schemeClr val="accent3">
-                  <a:lumMod val="60000"/>
-                </a:schemeClr>
-              </a:gs>
-            </a:gsLst>
-            <a:path path="circle">
-              <a:fillToRect l="50000" t="130000" r="50000" b="-30000"/>
-            </a:path>
-            <a:tileRect/>
-          </a:gradFill>
-          <a:ln w="6350">
-            <a:solidFill>
-              <a:schemeClr val="bg1"/>
-            </a:solidFill>
-          </a:ln>
-        </p:spPr>
-        <p:style>
-          <a:lnRef idx="2">
-            <a:schemeClr val="accent1">
-              <a:shade val="50000"/>
-            </a:schemeClr>
-          </a:lnRef>
-          <a:fillRef idx="1">
-            <a:schemeClr val="accent1"/>
-          </a:fillRef>
-          <a:effectRef idx="0">
-            <a:schemeClr val="accent1"/>
-          </a:effectRef>
-          <a:fontRef idx="minor">
-            <a:schemeClr val="lt1"/>
-          </a:fontRef>
-        </p:style>
-        <p:txBody>
-          <a:bodyPr rtlCol="0" anchor="ctr"/>
-          <a:lstStyle/>
-          <a:p>
-            <a:pPr algn="ctr"/>
-            <a:endParaRPr lang="ko-KR" altLang="en-US"/>
-          </a:p>
-        </p:txBody>
-      </p:sp>
-      <p:sp>
-        <p:nvSpPr>
-          <p:cNvPr id="108" name="타원 107">
-            <a:extLst>
-              <a:ext uri="{FF2B5EF4-FFF2-40B4-BE49-F238E27FC236}">
-                <a16:creationId xmlns:a16="http://schemas.microsoft.com/office/drawing/2014/main" id="{4EE8F8A7-4993-4F9B-9DB2-79CDBAF8AE27}"/>
-              </a:ext>
-            </a:extLst>
-          </p:cNvPr>
-          <p:cNvSpPr/>
-          <p:nvPr/>
-        </p:nvSpPr>
-        <p:spPr>
-          <a:xfrm>
-            <a:off x="13989251" y="3159437"/>
-            <a:ext cx="108000" cy="108000"/>
-          </a:xfrm>
-          <a:prstGeom prst="ellipse">
-            <a:avLst/>
-          </a:prstGeom>
-          <a:gradFill flip="none" rotWithShape="1">
-            <a:gsLst>
-              <a:gs pos="0">
-                <a:schemeClr val="accent3">
-                  <a:lumMod val="40000"/>
-                  <a:lumOff val="60000"/>
-                </a:schemeClr>
-              </a:gs>
-              <a:gs pos="46000">
-                <a:schemeClr val="accent3">
-                  <a:lumMod val="95000"/>
-                  <a:lumOff val="5000"/>
-                </a:schemeClr>
-              </a:gs>
-              <a:gs pos="100000">
-                <a:schemeClr val="accent3">
-                  <a:lumMod val="60000"/>
-                </a:schemeClr>
-              </a:gs>
-            </a:gsLst>
-            <a:path path="circle">
-              <a:fillToRect l="50000" t="130000" r="50000" b="-30000"/>
-            </a:path>
-            <a:tileRect/>
-          </a:gradFill>
-          <a:ln w="6350">
-            <a:solidFill>
-              <a:schemeClr val="bg1"/>
-            </a:solidFill>
-          </a:ln>
-        </p:spPr>
-        <p:style>
-          <a:lnRef idx="2">
-            <a:schemeClr val="accent1">
-              <a:shade val="50000"/>
-            </a:schemeClr>
-          </a:lnRef>
-          <a:fillRef idx="1">
-            <a:schemeClr val="accent1"/>
-          </a:fillRef>
-          <a:effectRef idx="0">
-            <a:schemeClr val="accent1"/>
-          </a:effectRef>
-          <a:fontRef idx="minor">
-            <a:schemeClr val="lt1"/>
-          </a:fontRef>
-        </p:style>
-        <p:txBody>
-          <a:bodyPr rtlCol="0" anchor="ctr"/>
-          <a:lstStyle/>
-          <a:p>
-            <a:pPr algn="ctr"/>
-            <a:endParaRPr lang="ko-KR" altLang="en-US"/>
-          </a:p>
-        </p:txBody>
-      </p:sp>
-      <p:sp>
-        <p:nvSpPr>
-          <p:cNvPr id="109" name="타원 108">
-            <a:extLst>
-              <a:ext uri="{FF2B5EF4-FFF2-40B4-BE49-F238E27FC236}">
-                <a16:creationId xmlns:a16="http://schemas.microsoft.com/office/drawing/2014/main" id="{146B30ED-70C5-4668-8426-AC78FB7C3585}"/>
-              </a:ext>
-            </a:extLst>
-          </p:cNvPr>
-          <p:cNvSpPr/>
-          <p:nvPr/>
-        </p:nvSpPr>
-        <p:spPr>
-          <a:xfrm>
-            <a:off x="15332200" y="3566257"/>
-            <a:ext cx="108000" cy="108000"/>
-          </a:xfrm>
-          <a:prstGeom prst="ellipse">
-            <a:avLst/>
-          </a:prstGeom>
-          <a:gradFill flip="none" rotWithShape="1">
-            <a:gsLst>
-              <a:gs pos="0">
-                <a:schemeClr val="accent3">
-                  <a:lumMod val="40000"/>
-                  <a:lumOff val="60000"/>
-                </a:schemeClr>
-              </a:gs>
-              <a:gs pos="46000">
-                <a:schemeClr val="accent3">
-                  <a:lumMod val="95000"/>
-                  <a:lumOff val="5000"/>
-                </a:schemeClr>
-              </a:gs>
-              <a:gs pos="100000">
-                <a:schemeClr val="accent3">
-                  <a:lumMod val="60000"/>
-                </a:schemeClr>
-              </a:gs>
-            </a:gsLst>
-            <a:path path="circle">
-              <a:fillToRect l="50000" t="130000" r="50000" b="-30000"/>
-            </a:path>
-            <a:tileRect/>
-          </a:gradFill>
-          <a:ln w="6350">
-            <a:solidFill>
-              <a:schemeClr val="bg1"/>
-            </a:solidFill>
-          </a:ln>
-        </p:spPr>
-        <p:style>
-          <a:lnRef idx="2">
-            <a:schemeClr val="accent1">
-              <a:shade val="50000"/>
-            </a:schemeClr>
-          </a:lnRef>
-          <a:fillRef idx="1">
-            <a:schemeClr val="accent1"/>
-          </a:fillRef>
-          <a:effectRef idx="0">
-            <a:schemeClr val="accent1"/>
-          </a:effectRef>
-          <a:fontRef idx="minor">
-            <a:schemeClr val="lt1"/>
-          </a:fontRef>
-        </p:style>
-        <p:txBody>
-          <a:bodyPr rtlCol="0" anchor="ctr"/>
-          <a:lstStyle/>
-          <a:p>
-            <a:pPr algn="ctr"/>
-            <a:endParaRPr lang="ko-KR" altLang="en-US"/>
-          </a:p>
-        </p:txBody>
-      </p:sp>
-      <p:sp>
-        <p:nvSpPr>
-          <p:cNvPr id="110" name="타원 109">
-            <a:extLst>
-              <a:ext uri="{FF2B5EF4-FFF2-40B4-BE49-F238E27FC236}">
-                <a16:creationId xmlns:a16="http://schemas.microsoft.com/office/drawing/2014/main" id="{A028F3AB-AFB4-47AF-8A9C-EF5FA2142347}"/>
-              </a:ext>
-            </a:extLst>
-          </p:cNvPr>
-          <p:cNvSpPr/>
-          <p:nvPr/>
-        </p:nvSpPr>
-        <p:spPr>
-          <a:xfrm>
-            <a:off x="15184223" y="2876230"/>
-            <a:ext cx="108000" cy="108000"/>
-          </a:xfrm>
-          <a:prstGeom prst="ellipse">
-            <a:avLst/>
-          </a:prstGeom>
-          <a:gradFill flip="none" rotWithShape="1">
-            <a:gsLst>
-              <a:gs pos="0">
-                <a:schemeClr val="accent3">
-                  <a:lumMod val="40000"/>
-                  <a:lumOff val="60000"/>
-                </a:schemeClr>
-              </a:gs>
-              <a:gs pos="46000">
-                <a:schemeClr val="accent3">
-                  <a:lumMod val="95000"/>
-                  <a:lumOff val="5000"/>
-                </a:schemeClr>
-              </a:gs>
-              <a:gs pos="100000">
-                <a:schemeClr val="accent3">
-                  <a:lumMod val="60000"/>
-                </a:schemeClr>
-              </a:gs>
-            </a:gsLst>
-            <a:path path="circle">
-              <a:fillToRect l="50000" t="130000" r="50000" b="-30000"/>
-            </a:path>
-            <a:tileRect/>
-          </a:gradFill>
-          <a:ln w="6350">
-            <a:solidFill>
-              <a:schemeClr val="bg1"/>
-            </a:solidFill>
-          </a:ln>
-        </p:spPr>
-        <p:style>
-          <a:lnRef idx="2">
-            <a:schemeClr val="accent1">
-              <a:shade val="50000"/>
-            </a:schemeClr>
-          </a:lnRef>
-          <a:fillRef idx="1">
-            <a:schemeClr val="accent1"/>
-          </a:fillRef>
-          <a:effectRef idx="0">
-            <a:schemeClr val="accent1"/>
-          </a:effectRef>
-          <a:fontRef idx="minor">
-            <a:schemeClr val="lt1"/>
-          </a:fontRef>
-        </p:style>
-        <p:txBody>
-          <a:bodyPr rtlCol="0" anchor="ctr"/>
-          <a:lstStyle/>
-          <a:p>
-            <a:pPr algn="ctr"/>
-            <a:endParaRPr lang="ko-KR" altLang="en-US"/>
-          </a:p>
-        </p:txBody>
-      </p:sp>
-      <p:sp>
-        <p:nvSpPr>
-          <p:cNvPr id="145" name="TextBox 144">
-            <a:extLst>
-              <a:ext uri="{FF2B5EF4-FFF2-40B4-BE49-F238E27FC236}">
-                <a16:creationId xmlns:a16="http://schemas.microsoft.com/office/drawing/2014/main" id="{CD14B1B0-0976-4A3E-BFB9-F8533B037D9E}"/>
-              </a:ext>
-            </a:extLst>
-          </p:cNvPr>
-          <p:cNvSpPr txBox="1"/>
-          <p:nvPr/>
-        </p:nvSpPr>
-        <p:spPr>
-          <a:xfrm>
-            <a:off x="10833691" y="4646630"/>
-            <a:ext cx="5083925" cy="369332"/>
-          </a:xfrm>
-          <a:prstGeom prst="rect">
-            <a:avLst/>
-          </a:prstGeom>
-          <a:solidFill>
-            <a:schemeClr val="accent1">
-              <a:lumMod val="40000"/>
-              <a:lumOff val="60000"/>
-            </a:schemeClr>
-          </a:solidFill>
-          <a:ln>
-            <a:solidFill>
-              <a:schemeClr val="bg1"/>
-            </a:solidFill>
-          </a:ln>
-        </p:spPr>
-        <p:txBody>
-          <a:bodyPr wrap="square" rtlCol="0">
-            <a:spAutoFit/>
-          </a:bodyPr>
-          <a:lstStyle/>
-          <a:p>
-            <a:pPr algn="ctr"/>
-            <a:r>
-              <a:rPr lang="ko-KR" altLang="en-US" dirty="0"/>
-              <a:t>동시 발사</a:t>
-            </a:r>
-            <a:r>
-              <a:rPr lang="en-US" altLang="ko-KR" dirty="0"/>
-              <a:t>X </a:t>
-            </a:r>
-            <a:r>
-              <a:rPr lang="en-US" altLang="ko-KR" sz="1400" dirty="0">
-                <a:solidFill>
-                  <a:srgbClr val="FF0000"/>
-                </a:solidFill>
-              </a:rPr>
-              <a:t>(</a:t>
-            </a:r>
-            <a:r>
-              <a:rPr lang="ko-KR" altLang="en-US" sz="1400" dirty="0" err="1">
-                <a:solidFill>
-                  <a:srgbClr val="FF0000"/>
-                </a:solidFill>
-              </a:rPr>
-              <a:t>랜덤한</a:t>
-            </a:r>
-            <a:r>
-              <a:rPr lang="ko-KR" altLang="en-US" sz="1400" dirty="0">
-                <a:solidFill>
-                  <a:srgbClr val="FF0000"/>
-                </a:solidFill>
-              </a:rPr>
-              <a:t> 순서로 발사</a:t>
-            </a:r>
-            <a:r>
-              <a:rPr lang="en-US" altLang="ko-KR" sz="1400" dirty="0">
-                <a:solidFill>
-                  <a:srgbClr val="FF0000"/>
-                </a:solidFill>
-              </a:rPr>
-              <a:t>)</a:t>
-            </a:r>
-            <a:endParaRPr lang="ko-KR" altLang="en-US" dirty="0">
-              <a:solidFill>
-                <a:srgbClr val="FF0000"/>
-              </a:solidFill>
-            </a:endParaRPr>
-          </a:p>
-        </p:txBody>
-      </p:sp>
-      <p:grpSp>
-        <p:nvGrpSpPr>
-          <p:cNvPr id="152" name="그룹 151">
-            <a:extLst>
-              <a:ext uri="{FF2B5EF4-FFF2-40B4-BE49-F238E27FC236}">
-                <a16:creationId xmlns:a16="http://schemas.microsoft.com/office/drawing/2014/main" id="{280AAC81-15D0-42DD-B97F-68914FD6CC37}"/>
-              </a:ext>
-            </a:extLst>
-          </p:cNvPr>
-          <p:cNvGrpSpPr/>
-          <p:nvPr/>
-        </p:nvGrpSpPr>
-        <p:grpSpPr>
-          <a:xfrm>
-            <a:off x="5349791" y="1508273"/>
-            <a:ext cx="5115703" cy="7987420"/>
-            <a:chOff x="5947155" y="1508273"/>
-            <a:chExt cx="5115703" cy="7987420"/>
-          </a:xfrm>
-        </p:grpSpPr>
-        <p:grpSp>
-          <p:nvGrpSpPr>
-            <p:cNvPr id="18" name="그룹 17">
-              <a:extLst>
-                <a:ext uri="{FF2B5EF4-FFF2-40B4-BE49-F238E27FC236}">
-                  <a16:creationId xmlns:a16="http://schemas.microsoft.com/office/drawing/2014/main" id="{31F9C2BB-8143-4ED2-9AA4-86189D82CD8A}"/>
-                </a:ext>
-              </a:extLst>
-            </p:cNvPr>
-            <p:cNvGrpSpPr/>
-            <p:nvPr/>
-          </p:nvGrpSpPr>
-          <p:grpSpPr>
-            <a:xfrm>
-              <a:off x="7216422" y="1508273"/>
-              <a:ext cx="3846436" cy="3014814"/>
-              <a:chOff x="10488543" y="1348869"/>
-              <a:chExt cx="7020000" cy="5502235"/>
-            </a:xfrm>
-          </p:grpSpPr>
-          <p:sp>
-            <p:nvSpPr>
-              <p:cNvPr id="6" name="직사각형 5">
-                <a:extLst>
-                  <a:ext uri="{FF2B5EF4-FFF2-40B4-BE49-F238E27FC236}">
-                    <a16:creationId xmlns:a16="http://schemas.microsoft.com/office/drawing/2014/main" id="{DF2AF17B-9335-43D3-B94F-6C1AADA397DC}"/>
-                  </a:ext>
-                </a:extLst>
-              </p:cNvPr>
-              <p:cNvSpPr/>
-              <p:nvPr/>
-            </p:nvSpPr>
-            <p:spPr>
-              <a:xfrm>
-                <a:off x="10488543" y="1348869"/>
-                <a:ext cx="7020000" cy="5502235"/>
-              </a:xfrm>
-              <a:prstGeom prst="rect">
-                <a:avLst/>
-              </a:prstGeom>
-              <a:solidFill>
-                <a:schemeClr val="tx1">
-                  <a:lumMod val="85000"/>
-                  <a:lumOff val="15000"/>
-                </a:schemeClr>
-              </a:solidFill>
-              <a:ln>
-                <a:noFill/>
-              </a:ln>
-            </p:spPr>
-            <p:style>
-              <a:lnRef idx="2">
-                <a:schemeClr val="accent1">
-                  <a:shade val="50000"/>
-                </a:schemeClr>
-              </a:lnRef>
-              <a:fillRef idx="1">
-                <a:schemeClr val="accent1"/>
-              </a:fillRef>
-              <a:effectRef idx="0">
-                <a:schemeClr val="accent1"/>
-              </a:effectRef>
-              <a:fontRef idx="minor">
-                <a:schemeClr val="lt1"/>
-              </a:fontRef>
-            </p:style>
-            <p:txBody>
-              <a:bodyPr rtlCol="0" anchor="ctr"/>
-              <a:lstStyle/>
-              <a:p>
-                <a:pPr algn="ctr"/>
-                <a:endParaRPr lang="ko-KR" altLang="en-US"/>
-              </a:p>
-            </p:txBody>
-          </p:sp>
-          <p:pic>
-            <p:nvPicPr>
-              <p:cNvPr id="7" name="Picture 2" descr="Gore Icon #207998 - Free Icons Library">
-                <a:extLst>
-                  <a:ext uri="{FF2B5EF4-FFF2-40B4-BE49-F238E27FC236}">
-                    <a16:creationId xmlns:a16="http://schemas.microsoft.com/office/drawing/2014/main" id="{5DBD8415-1508-4D02-BC7C-C154D8AAA946}"/>
-                  </a:ext>
-                </a:extLst>
-              </p:cNvPr>
-              <p:cNvPicPr>
-                <a:picLocks noChangeAspect="1" noChangeArrowheads="1"/>
-              </p:cNvPicPr>
-              <p:nvPr/>
-            </p:nvPicPr>
-            <p:blipFill>
-              <a:blip r:embed="rId2">
-                <a:duotone>
-                  <a:schemeClr val="accent2">
-                    <a:shade val="45000"/>
-                    <a:satMod val="135000"/>
-                  </a:schemeClr>
-                  <a:prstClr val="white"/>
-                </a:duotone>
-                <a:extLst>
-                  <a:ext uri="{BEBA8EAE-BF5A-486C-A8C5-ECC9F3942E4B}">
-                    <a14:imgProps xmlns:a14="http://schemas.microsoft.com/office/drawing/2010/main">
-                      <a14:imgLayer r:embed="rId3">
-                        <a14:imgEffect>
-                          <a14:backgroundRemoval t="7000" b="93500" l="10000" r="90000">
-                            <a14:foregroundMark x1="36029" y1="78500" x2="56500" y2="84500"/>
-                            <a14:foregroundMark x1="31272" y1="77106" x2="32618" y2="77500"/>
-                            <a14:foregroundMark x1="27500" y1="76000" x2="29644" y2="76628"/>
-                            <a14:foregroundMark x1="56500" y1="84500" x2="69500" y2="81000"/>
-                            <a14:foregroundMark x1="48000" y1="92000" x2="52000" y2="93500"/>
-                            <a14:foregroundMark x1="16000" y1="10000" x2="16500" y2="9000"/>
-                            <a14:foregroundMark x1="82500" y1="7000" x2="82500" y2="7000"/>
-                            <a14:backgroundMark x1="32500" y1="77500" x2="32500" y2="78500"/>
-                            <a14:backgroundMark x1="32500" y1="75500" x2="32000" y2="77000"/>
-                            <a14:backgroundMark x1="31000" y1="76000" x2="31500" y2="77000"/>
-                            <a14:backgroundMark x1="31500" y1="77500" x2="31000" y2="77500"/>
-                            <a14:backgroundMark x1="30500" y1="77000" x2="30500" y2="77000"/>
-                            <a14:backgroundMark x1="30500" y1="76000" x2="30500" y2="76000"/>
-                          </a14:backgroundRemoval>
-                        </a14:imgEffect>
-                      </a14:imgLayer>
-                    </a14:imgProps>
-                  </a:ext>
-                  <a:ext uri="{28A0092B-C50C-407E-A947-70E740481C1C}">
-                    <a14:useLocalDpi xmlns:a14="http://schemas.microsoft.com/office/drawing/2010/main" val="0"/>
-                  </a:ext>
-                </a:extLst>
-              </a:blip>
-              <a:srcRect/>
-              <a:stretch>
-                <a:fillRect/>
-              </a:stretch>
-            </p:blipFill>
-            <p:spPr bwMode="auto">
-              <a:xfrm>
-                <a:off x="13586161" y="2129374"/>
-                <a:ext cx="780161" cy="780161"/>
-              </a:xfrm>
-              <a:prstGeom prst="rect">
-                <a:avLst/>
-              </a:prstGeom>
-              <a:noFill/>
-              <a:extLst>
-                <a:ext uri="{909E8E84-426E-40DD-AFC4-6F175D3DCCD1}">
-                  <a14:hiddenFill xmlns:a14="http://schemas.microsoft.com/office/drawing/2010/main">
-                    <a:solidFill>
-                      <a:srgbClr val="FFFFFF"/>
-                    </a:solidFill>
-                  </a14:hiddenFill>
-                </a:ext>
-              </a:extLst>
-            </p:spPr>
-          </p:pic>
-          <p:grpSp>
-            <p:nvGrpSpPr>
-              <p:cNvPr id="8" name="그룹 7">
-                <a:extLst>
-                  <a:ext uri="{FF2B5EF4-FFF2-40B4-BE49-F238E27FC236}">
-                    <a16:creationId xmlns:a16="http://schemas.microsoft.com/office/drawing/2014/main" id="{D50C0584-EA13-4132-986F-7CB57FBCE36E}"/>
-                  </a:ext>
-                </a:extLst>
-              </p:cNvPr>
-              <p:cNvGrpSpPr/>
-              <p:nvPr/>
-            </p:nvGrpSpPr>
-            <p:grpSpPr>
-              <a:xfrm>
-                <a:off x="12356242" y="3559987"/>
-                <a:ext cx="3240000" cy="2160000"/>
-                <a:chOff x="10900979" y="4604282"/>
-                <a:chExt cx="3240000" cy="2160000"/>
-              </a:xfrm>
-            </p:grpSpPr>
-            <p:sp>
-              <p:nvSpPr>
-                <p:cNvPr id="9" name="직사각형 8">
-                  <a:extLst>
-                    <a:ext uri="{FF2B5EF4-FFF2-40B4-BE49-F238E27FC236}">
-                      <a16:creationId xmlns:a16="http://schemas.microsoft.com/office/drawing/2014/main" id="{1A0F8829-D67F-42A7-BD62-A82C74C76F81}"/>
-                    </a:ext>
-                  </a:extLst>
-                </p:cNvPr>
-                <p:cNvSpPr/>
-                <p:nvPr/>
-              </p:nvSpPr>
-              <p:spPr>
-                <a:xfrm>
-                  <a:off x="10900979" y="4604282"/>
-                  <a:ext cx="1080000" cy="1080000"/>
-                </a:xfrm>
-                <a:prstGeom prst="rect">
-                  <a:avLst/>
-                </a:prstGeom>
-                <a:solidFill>
-                  <a:schemeClr val="tx2">
-                    <a:lumMod val="20000"/>
-                    <a:lumOff val="80000"/>
-                  </a:schemeClr>
-                </a:solidFill>
-                <a:ln>
-                  <a:solidFill>
-                    <a:schemeClr val="tx1"/>
-                  </a:solidFill>
-                </a:ln>
-              </p:spPr>
-              <p:style>
-                <a:lnRef idx="2">
-                  <a:schemeClr val="accent1">
-                    <a:shade val="50000"/>
-                  </a:schemeClr>
-                </a:lnRef>
-                <a:fillRef idx="1">
-                  <a:schemeClr val="accent1"/>
-                </a:fillRef>
-                <a:effectRef idx="0">
-                  <a:schemeClr val="accent1"/>
-                </a:effectRef>
-                <a:fontRef idx="minor">
-                  <a:schemeClr val="lt1"/>
-                </a:fontRef>
-              </p:style>
-              <p:txBody>
-                <a:bodyPr rtlCol="0" anchor="ctr"/>
-                <a:lstStyle/>
-                <a:p>
-                  <a:pPr algn="ctr"/>
-                  <a:endParaRPr lang="en-US" altLang="ko-KR" dirty="0"/>
-                </a:p>
-              </p:txBody>
-            </p:sp>
-            <p:sp>
-              <p:nvSpPr>
-                <p:cNvPr id="10" name="직사각형 9">
-                  <a:extLst>
-                    <a:ext uri="{FF2B5EF4-FFF2-40B4-BE49-F238E27FC236}">
-                      <a16:creationId xmlns:a16="http://schemas.microsoft.com/office/drawing/2014/main" id="{176B1815-AB5E-474E-B12A-6E143B74C52A}"/>
-                    </a:ext>
-                  </a:extLst>
-                </p:cNvPr>
-                <p:cNvSpPr/>
-                <p:nvPr/>
-              </p:nvSpPr>
-              <p:spPr>
-                <a:xfrm>
-                  <a:off x="11980979" y="4604282"/>
-                  <a:ext cx="1080000" cy="1080000"/>
-                </a:xfrm>
-                <a:prstGeom prst="rect">
-                  <a:avLst/>
-                </a:prstGeom>
-                <a:solidFill>
-                  <a:schemeClr val="tx2">
-                    <a:lumMod val="20000"/>
-                    <a:lumOff val="80000"/>
-                  </a:schemeClr>
-                </a:solidFill>
-                <a:ln>
-                  <a:solidFill>
-                    <a:schemeClr val="tx1"/>
-                  </a:solidFill>
-                </a:ln>
-              </p:spPr>
-              <p:style>
-                <a:lnRef idx="2">
-                  <a:schemeClr val="accent1">
-                    <a:shade val="50000"/>
-                  </a:schemeClr>
-                </a:lnRef>
-                <a:fillRef idx="1">
-                  <a:schemeClr val="accent1"/>
-                </a:fillRef>
-                <a:effectRef idx="0">
-                  <a:schemeClr val="accent1"/>
-                </a:effectRef>
-                <a:fontRef idx="minor">
-                  <a:schemeClr val="lt1"/>
-                </a:fontRef>
-              </p:style>
-              <p:txBody>
-                <a:bodyPr rtlCol="0" anchor="ctr"/>
-                <a:lstStyle/>
-                <a:p>
-                  <a:pPr algn="ctr"/>
-                  <a:endParaRPr lang="en-US" altLang="ko-KR" dirty="0"/>
-                </a:p>
-              </p:txBody>
-            </p:sp>
-            <p:sp>
-              <p:nvSpPr>
-                <p:cNvPr id="11" name="직사각형 10">
-                  <a:extLst>
-                    <a:ext uri="{FF2B5EF4-FFF2-40B4-BE49-F238E27FC236}">
-                      <a16:creationId xmlns:a16="http://schemas.microsoft.com/office/drawing/2014/main" id="{F2123935-4EDB-4132-A5B7-6BD95EB78269}"/>
-                    </a:ext>
-                  </a:extLst>
-                </p:cNvPr>
-                <p:cNvSpPr/>
-                <p:nvPr/>
-              </p:nvSpPr>
-              <p:spPr>
-                <a:xfrm>
-                  <a:off x="13060979" y="4604282"/>
-                  <a:ext cx="1080000" cy="1080000"/>
-                </a:xfrm>
-                <a:prstGeom prst="rect">
-                  <a:avLst/>
-                </a:prstGeom>
-                <a:solidFill>
-                  <a:schemeClr val="tx2">
-                    <a:lumMod val="20000"/>
-                    <a:lumOff val="80000"/>
-                  </a:schemeClr>
-                </a:solidFill>
-                <a:ln>
-                  <a:solidFill>
-                    <a:schemeClr val="tx1"/>
-                  </a:solidFill>
-                </a:ln>
-              </p:spPr>
-              <p:style>
-                <a:lnRef idx="2">
-                  <a:schemeClr val="accent1">
-                    <a:shade val="50000"/>
-                  </a:schemeClr>
-                </a:lnRef>
-                <a:fillRef idx="1">
-                  <a:schemeClr val="accent1"/>
-                </a:fillRef>
-                <a:effectRef idx="0">
-                  <a:schemeClr val="accent1"/>
-                </a:effectRef>
-                <a:fontRef idx="minor">
-                  <a:schemeClr val="lt1"/>
-                </a:fontRef>
-              </p:style>
-              <p:txBody>
-                <a:bodyPr rtlCol="0" anchor="ctr"/>
-                <a:lstStyle/>
-                <a:p>
-                  <a:pPr algn="ctr"/>
-                  <a:endParaRPr lang="en-US" altLang="ko-KR" dirty="0"/>
-                </a:p>
-              </p:txBody>
-            </p:sp>
-            <p:sp>
-              <p:nvSpPr>
-                <p:cNvPr id="12" name="직사각형 11">
-                  <a:extLst>
-                    <a:ext uri="{FF2B5EF4-FFF2-40B4-BE49-F238E27FC236}">
-                      <a16:creationId xmlns:a16="http://schemas.microsoft.com/office/drawing/2014/main" id="{A20D5ADA-D66E-4FE8-A141-373153AAAA6A}"/>
-                    </a:ext>
-                  </a:extLst>
-                </p:cNvPr>
-                <p:cNvSpPr/>
-                <p:nvPr/>
-              </p:nvSpPr>
-              <p:spPr>
-                <a:xfrm>
-                  <a:off x="10900979" y="5684282"/>
-                  <a:ext cx="1080000" cy="1080000"/>
-                </a:xfrm>
-                <a:prstGeom prst="rect">
-                  <a:avLst/>
-                </a:prstGeom>
-                <a:solidFill>
-                  <a:schemeClr val="tx2">
-                    <a:lumMod val="20000"/>
-                    <a:lumOff val="80000"/>
-                  </a:schemeClr>
-                </a:solidFill>
-                <a:ln>
-                  <a:solidFill>
-                    <a:schemeClr val="tx1"/>
-                  </a:solidFill>
-                </a:ln>
-              </p:spPr>
-              <p:style>
-                <a:lnRef idx="2">
-                  <a:schemeClr val="accent1">
-                    <a:shade val="50000"/>
-                  </a:schemeClr>
-                </a:lnRef>
-                <a:fillRef idx="1">
-                  <a:schemeClr val="accent1"/>
-                </a:fillRef>
-                <a:effectRef idx="0">
-                  <a:schemeClr val="accent1"/>
-                </a:effectRef>
-                <a:fontRef idx="minor">
-                  <a:schemeClr val="lt1"/>
-                </a:fontRef>
-              </p:style>
-              <p:txBody>
-                <a:bodyPr rtlCol="0" anchor="ctr"/>
-                <a:lstStyle/>
-                <a:p>
-                  <a:pPr algn="ctr"/>
-                  <a:endParaRPr lang="en-US" altLang="ko-KR" dirty="0"/>
-                </a:p>
-              </p:txBody>
-            </p:sp>
-            <p:sp>
-              <p:nvSpPr>
-                <p:cNvPr id="13" name="직사각형 12">
-                  <a:extLst>
-                    <a:ext uri="{FF2B5EF4-FFF2-40B4-BE49-F238E27FC236}">
-                      <a16:creationId xmlns:a16="http://schemas.microsoft.com/office/drawing/2014/main" id="{B6E4A1BD-43F4-4947-9016-24C9D74F0F39}"/>
-                    </a:ext>
-                  </a:extLst>
-                </p:cNvPr>
-                <p:cNvSpPr/>
-                <p:nvPr/>
-              </p:nvSpPr>
-              <p:spPr>
-                <a:xfrm>
-                  <a:off x="11980979" y="5684282"/>
-                  <a:ext cx="1080000" cy="1080000"/>
-                </a:xfrm>
-                <a:prstGeom prst="rect">
-                  <a:avLst/>
-                </a:prstGeom>
-                <a:solidFill>
-                  <a:schemeClr val="tx2">
-                    <a:lumMod val="20000"/>
-                    <a:lumOff val="80000"/>
-                  </a:schemeClr>
-                </a:solidFill>
-                <a:ln>
-                  <a:solidFill>
-                    <a:schemeClr val="tx1"/>
-                  </a:solidFill>
-                </a:ln>
-              </p:spPr>
-              <p:style>
-                <a:lnRef idx="2">
-                  <a:schemeClr val="accent1">
-                    <a:shade val="50000"/>
-                  </a:schemeClr>
-                </a:lnRef>
-                <a:fillRef idx="1">
-                  <a:schemeClr val="accent1"/>
-                </a:fillRef>
-                <a:effectRef idx="0">
-                  <a:schemeClr val="accent1"/>
-                </a:effectRef>
-                <a:fontRef idx="minor">
-                  <a:schemeClr val="lt1"/>
-                </a:fontRef>
-              </p:style>
-              <p:txBody>
-                <a:bodyPr rtlCol="0" anchor="ctr"/>
-                <a:lstStyle/>
-                <a:p>
-                  <a:pPr algn="ctr"/>
-                  <a:endParaRPr lang="en-US" altLang="ko-KR" dirty="0"/>
-                </a:p>
-              </p:txBody>
-            </p:sp>
-            <p:sp>
-              <p:nvSpPr>
-                <p:cNvPr id="14" name="직사각형 13">
-                  <a:extLst>
-                    <a:ext uri="{FF2B5EF4-FFF2-40B4-BE49-F238E27FC236}">
-                      <a16:creationId xmlns:a16="http://schemas.microsoft.com/office/drawing/2014/main" id="{2AF2DBD0-4088-4791-8C31-637359410B9C}"/>
-                    </a:ext>
-                  </a:extLst>
-                </p:cNvPr>
-                <p:cNvSpPr/>
-                <p:nvPr/>
-              </p:nvSpPr>
-              <p:spPr>
-                <a:xfrm>
-                  <a:off x="13060979" y="5684282"/>
-                  <a:ext cx="1080000" cy="1080000"/>
-                </a:xfrm>
-                <a:prstGeom prst="rect">
-                  <a:avLst/>
-                </a:prstGeom>
-                <a:solidFill>
-                  <a:schemeClr val="tx2">
-                    <a:lumMod val="20000"/>
-                    <a:lumOff val="80000"/>
-                  </a:schemeClr>
-                </a:solidFill>
-                <a:ln>
-                  <a:solidFill>
-                    <a:schemeClr val="tx1"/>
-                  </a:solidFill>
-                </a:ln>
-              </p:spPr>
-              <p:style>
-                <a:lnRef idx="2">
-                  <a:schemeClr val="accent1">
-                    <a:shade val="50000"/>
-                  </a:schemeClr>
-                </a:lnRef>
-                <a:fillRef idx="1">
-                  <a:schemeClr val="accent1"/>
-                </a:fillRef>
-                <a:effectRef idx="0">
-                  <a:schemeClr val="accent1"/>
-                </a:effectRef>
-                <a:fontRef idx="minor">
-                  <a:schemeClr val="lt1"/>
-                </a:fontRef>
-              </p:style>
-              <p:txBody>
-                <a:bodyPr rtlCol="0" anchor="ctr"/>
-                <a:lstStyle/>
-                <a:p>
-                  <a:pPr algn="ctr"/>
-                  <a:endParaRPr lang="en-US" altLang="ko-KR" dirty="0"/>
-                </a:p>
-              </p:txBody>
-            </p:sp>
-          </p:grpSp>
-        </p:grpSp>
-        <p:sp>
-          <p:nvSpPr>
-            <p:cNvPr id="20" name="직사각형 19">
-              <a:extLst>
-                <a:ext uri="{FF2B5EF4-FFF2-40B4-BE49-F238E27FC236}">
-                  <a16:creationId xmlns:a16="http://schemas.microsoft.com/office/drawing/2014/main" id="{201A431F-993B-480C-BA75-9A054836852A}"/>
-                </a:ext>
-              </a:extLst>
-            </p:cNvPr>
-            <p:cNvSpPr/>
-            <p:nvPr/>
-          </p:nvSpPr>
-          <p:spPr>
-            <a:xfrm>
-              <a:off x="5947155" y="1512878"/>
-              <a:ext cx="1096813" cy="7982815"/>
-            </a:xfrm>
-            <a:prstGeom prst="rect">
-              <a:avLst/>
-            </a:prstGeom>
-            <a:solidFill>
-              <a:srgbClr val="92D050"/>
-            </a:solidFill>
-            <a:ln>
-              <a:noFill/>
-            </a:ln>
-          </p:spPr>
-          <p:style>
-            <a:lnRef idx="2">
-              <a:schemeClr val="accent1">
-                <a:shade val="50000"/>
-              </a:schemeClr>
-            </a:lnRef>
-            <a:fillRef idx="1">
-              <a:schemeClr val="accent1"/>
-            </a:fillRef>
-            <a:effectRef idx="0">
-              <a:schemeClr val="accent1"/>
-            </a:effectRef>
-            <a:fontRef idx="minor">
-              <a:schemeClr val="lt1"/>
-            </a:fontRef>
-          </p:style>
-          <p:txBody>
-            <a:bodyPr rtlCol="0" anchor="ctr"/>
-            <a:lstStyle/>
-            <a:p>
-              <a:pPr algn="ctr"/>
-              <a:r>
-                <a:rPr lang="en-US" altLang="ko-KR" dirty="0">
-                  <a:solidFill>
-                    <a:schemeClr val="tx1"/>
-                  </a:solidFill>
-                </a:rPr>
-                <a:t>1</a:t>
-              </a:r>
-              <a:r>
-                <a:rPr lang="ko-KR" altLang="en-US" dirty="0">
-                  <a:solidFill>
-                    <a:schemeClr val="tx1"/>
-                  </a:solidFill>
-                </a:rPr>
-                <a:t>차</a:t>
-              </a:r>
-              <a:endParaRPr lang="en-US" altLang="ko-KR" dirty="0">
-                <a:solidFill>
-                  <a:schemeClr val="tx1"/>
-                </a:solidFill>
-              </a:endParaRPr>
-            </a:p>
-            <a:p>
-              <a:pPr algn="ctr"/>
-              <a:r>
-                <a:rPr lang="ko-KR" altLang="en-US" dirty="0">
-                  <a:solidFill>
-                    <a:schemeClr val="tx1"/>
-                  </a:solidFill>
-                </a:rPr>
-                <a:t>발사</a:t>
-              </a:r>
-            </a:p>
-          </p:txBody>
-        </p:sp>
-        <p:sp>
-          <p:nvSpPr>
-            <p:cNvPr id="31" name="화살표: 아래쪽 30">
-              <a:extLst>
-                <a:ext uri="{FF2B5EF4-FFF2-40B4-BE49-F238E27FC236}">
-                  <a16:creationId xmlns:a16="http://schemas.microsoft.com/office/drawing/2014/main" id="{CABE2FE0-0153-4898-877B-D08C53225EB8}"/>
-                </a:ext>
-              </a:extLst>
-            </p:cNvPr>
-            <p:cNvSpPr/>
-            <p:nvPr/>
-          </p:nvSpPr>
-          <p:spPr>
-            <a:xfrm rot="4136066">
-              <a:off x="8489337" y="2139472"/>
-              <a:ext cx="131615" cy="591760"/>
-            </a:xfrm>
-            <a:prstGeom prst="downArrow">
-              <a:avLst/>
-            </a:prstGeom>
-            <a:solidFill>
-              <a:srgbClr val="FF0000"/>
-            </a:solidFill>
-            <a:ln>
-              <a:noFill/>
-            </a:ln>
-          </p:spPr>
-          <p:style>
-            <a:lnRef idx="2">
-              <a:schemeClr val="accent1">
-                <a:shade val="50000"/>
-              </a:schemeClr>
-            </a:lnRef>
-            <a:fillRef idx="1">
-              <a:schemeClr val="accent1"/>
-            </a:fillRef>
-            <a:effectRef idx="0">
-              <a:schemeClr val="accent1"/>
-            </a:effectRef>
-            <a:fontRef idx="minor">
-              <a:schemeClr val="lt1"/>
-            </a:fontRef>
-          </p:style>
-          <p:txBody>
-            <a:bodyPr rtlCol="0" anchor="ctr"/>
-            <a:lstStyle/>
-            <a:p>
-              <a:pPr algn="ctr"/>
-              <a:endParaRPr lang="ko-KR" altLang="en-US"/>
-            </a:p>
-          </p:txBody>
-        </p:sp>
-        <p:sp>
-          <p:nvSpPr>
-            <p:cNvPr id="44" name="화살표: 아래쪽 43">
-              <a:extLst>
-                <a:ext uri="{FF2B5EF4-FFF2-40B4-BE49-F238E27FC236}">
-                  <a16:creationId xmlns:a16="http://schemas.microsoft.com/office/drawing/2014/main" id="{55391DE1-D0CD-473A-AD8A-464A9E1056E5}"/>
-                </a:ext>
-              </a:extLst>
-            </p:cNvPr>
-            <p:cNvSpPr/>
-            <p:nvPr/>
-          </p:nvSpPr>
-          <p:spPr>
-            <a:xfrm rot="2141200">
-              <a:off x="8407635" y="2255374"/>
-              <a:ext cx="131615" cy="1302176"/>
-            </a:xfrm>
-            <a:prstGeom prst="downArrow">
-              <a:avLst/>
-            </a:prstGeom>
-            <a:solidFill>
-              <a:srgbClr val="FF0000"/>
-            </a:solidFill>
-            <a:ln>
-              <a:noFill/>
-            </a:ln>
-          </p:spPr>
-          <p:style>
-            <a:lnRef idx="2">
-              <a:schemeClr val="accent1">
-                <a:shade val="50000"/>
-              </a:schemeClr>
-            </a:lnRef>
-            <a:fillRef idx="1">
-              <a:schemeClr val="accent1"/>
-            </a:fillRef>
-            <a:effectRef idx="0">
-              <a:schemeClr val="accent1"/>
-            </a:effectRef>
-            <a:fontRef idx="minor">
-              <a:schemeClr val="lt1"/>
-            </a:fontRef>
-          </p:style>
-          <p:txBody>
-            <a:bodyPr rtlCol="0" anchor="ctr"/>
-            <a:lstStyle/>
-            <a:p>
-              <a:pPr algn="ctr"/>
-              <a:endParaRPr lang="ko-KR" altLang="en-US"/>
-            </a:p>
-          </p:txBody>
-        </p:sp>
-        <p:sp>
-          <p:nvSpPr>
-            <p:cNvPr id="45" name="화살표: 아래쪽 44">
-              <a:extLst>
-                <a:ext uri="{FF2B5EF4-FFF2-40B4-BE49-F238E27FC236}">
-                  <a16:creationId xmlns:a16="http://schemas.microsoft.com/office/drawing/2014/main" id="{0CAFA4F4-4251-4253-BDDB-45152CBE967F}"/>
-                </a:ext>
-              </a:extLst>
-            </p:cNvPr>
-            <p:cNvSpPr/>
-            <p:nvPr/>
-          </p:nvSpPr>
-          <p:spPr>
-            <a:xfrm rot="529138">
-              <a:off x="8798170" y="2398287"/>
-              <a:ext cx="131615" cy="524956"/>
-            </a:xfrm>
-            <a:prstGeom prst="downArrow">
-              <a:avLst/>
-            </a:prstGeom>
-            <a:solidFill>
-              <a:srgbClr val="FF0000"/>
-            </a:solidFill>
-            <a:ln>
-              <a:noFill/>
-            </a:ln>
-          </p:spPr>
-          <p:style>
-            <a:lnRef idx="2">
-              <a:schemeClr val="accent1">
-                <a:shade val="50000"/>
-              </a:schemeClr>
-            </a:lnRef>
-            <a:fillRef idx="1">
-              <a:schemeClr val="accent1"/>
-            </a:fillRef>
-            <a:effectRef idx="0">
-              <a:schemeClr val="accent1"/>
-            </a:effectRef>
-            <a:fontRef idx="minor">
-              <a:schemeClr val="lt1"/>
-            </a:fontRef>
-          </p:style>
-          <p:txBody>
-            <a:bodyPr rtlCol="0" anchor="ctr"/>
-            <a:lstStyle/>
-            <a:p>
-              <a:pPr algn="ctr"/>
-              <a:endParaRPr lang="ko-KR" altLang="en-US"/>
-            </a:p>
-          </p:txBody>
-        </p:sp>
-        <p:sp>
-          <p:nvSpPr>
-            <p:cNvPr id="46" name="화살표: 아래쪽 45">
-              <a:extLst>
-                <a:ext uri="{FF2B5EF4-FFF2-40B4-BE49-F238E27FC236}">
-                  <a16:creationId xmlns:a16="http://schemas.microsoft.com/office/drawing/2014/main" id="{99263455-26FA-43D8-8A12-3E4B7BEBC08E}"/>
-                </a:ext>
-              </a:extLst>
-            </p:cNvPr>
-            <p:cNvSpPr/>
-            <p:nvPr/>
-          </p:nvSpPr>
-          <p:spPr>
-            <a:xfrm rot="20637766">
-              <a:off x="9002607" y="2391859"/>
-              <a:ext cx="131615" cy="766675"/>
-            </a:xfrm>
-            <a:prstGeom prst="downArrow">
-              <a:avLst/>
-            </a:prstGeom>
-            <a:solidFill>
-              <a:srgbClr val="FF0000"/>
-            </a:solidFill>
-            <a:ln>
-              <a:noFill/>
-            </a:ln>
-          </p:spPr>
-          <p:style>
-            <a:lnRef idx="2">
-              <a:schemeClr val="accent1">
-                <a:shade val="50000"/>
-              </a:schemeClr>
-            </a:lnRef>
-            <a:fillRef idx="1">
-              <a:schemeClr val="accent1"/>
-            </a:fillRef>
-            <a:effectRef idx="0">
-              <a:schemeClr val="accent1"/>
-            </a:effectRef>
-            <a:fontRef idx="minor">
-              <a:schemeClr val="lt1"/>
-            </a:fontRef>
-          </p:style>
-          <p:txBody>
-            <a:bodyPr rtlCol="0" anchor="ctr"/>
-            <a:lstStyle/>
-            <a:p>
-              <a:pPr algn="ctr"/>
-              <a:endParaRPr lang="ko-KR" altLang="en-US"/>
-            </a:p>
-          </p:txBody>
-        </p:sp>
-        <p:sp>
-          <p:nvSpPr>
-            <p:cNvPr id="47" name="화살표: 아래쪽 46">
-              <a:extLst>
-                <a:ext uri="{FF2B5EF4-FFF2-40B4-BE49-F238E27FC236}">
-                  <a16:creationId xmlns:a16="http://schemas.microsoft.com/office/drawing/2014/main" id="{EF158D50-7427-4170-9907-C25EC8FDF9AB}"/>
-                </a:ext>
-              </a:extLst>
-            </p:cNvPr>
-            <p:cNvSpPr/>
-            <p:nvPr/>
-          </p:nvSpPr>
-          <p:spPr>
-            <a:xfrm rot="17596510">
-              <a:off x="9591164" y="1902853"/>
-              <a:ext cx="131615" cy="1437649"/>
-            </a:xfrm>
-            <a:prstGeom prst="downArrow">
-              <a:avLst/>
-            </a:prstGeom>
-            <a:solidFill>
-              <a:srgbClr val="FF0000"/>
-            </a:solidFill>
-            <a:ln>
-              <a:noFill/>
-            </a:ln>
-          </p:spPr>
-          <p:style>
-            <a:lnRef idx="2">
-              <a:schemeClr val="accent1">
-                <a:shade val="50000"/>
-              </a:schemeClr>
-            </a:lnRef>
-            <a:fillRef idx="1">
-              <a:schemeClr val="accent1"/>
-            </a:fillRef>
-            <a:effectRef idx="0">
-              <a:schemeClr val="accent1"/>
-            </a:effectRef>
-            <a:fontRef idx="minor">
-              <a:schemeClr val="lt1"/>
-            </a:fontRef>
-          </p:style>
-          <p:txBody>
-            <a:bodyPr rtlCol="0" anchor="ctr"/>
-            <a:lstStyle/>
-            <a:p>
-              <a:pPr algn="ctr"/>
-              <a:endParaRPr lang="ko-KR" altLang="en-US"/>
-            </a:p>
-          </p:txBody>
-        </p:sp>
-        <p:sp>
-          <p:nvSpPr>
-            <p:cNvPr id="48" name="화살표: 아래쪽 47">
-              <a:extLst>
-                <a:ext uri="{FF2B5EF4-FFF2-40B4-BE49-F238E27FC236}">
-                  <a16:creationId xmlns:a16="http://schemas.microsoft.com/office/drawing/2014/main" id="{FCC19D90-D686-4E23-AE1D-5FFC364E1540}"/>
-                </a:ext>
-              </a:extLst>
-            </p:cNvPr>
-            <p:cNvSpPr/>
-            <p:nvPr/>
-          </p:nvSpPr>
-          <p:spPr>
-            <a:xfrm rot="18543833">
-              <a:off x="9646688" y="2004321"/>
-              <a:ext cx="131615" cy="1919829"/>
-            </a:xfrm>
-            <a:prstGeom prst="downArrow">
-              <a:avLst/>
-            </a:prstGeom>
-            <a:solidFill>
-              <a:srgbClr val="FF0000"/>
-            </a:solidFill>
-            <a:ln>
-              <a:noFill/>
-            </a:ln>
-          </p:spPr>
-          <p:style>
-            <a:lnRef idx="2">
-              <a:schemeClr val="accent1">
-                <a:shade val="50000"/>
-              </a:schemeClr>
-            </a:lnRef>
-            <a:fillRef idx="1">
-              <a:schemeClr val="accent1"/>
-            </a:fillRef>
-            <a:effectRef idx="0">
-              <a:schemeClr val="accent1"/>
-            </a:effectRef>
-            <a:fontRef idx="minor">
-              <a:schemeClr val="lt1"/>
-            </a:fontRef>
-          </p:style>
-          <p:txBody>
-            <a:bodyPr rtlCol="0" anchor="ctr"/>
-            <a:lstStyle/>
-            <a:p>
-              <a:pPr algn="ctr"/>
-              <a:endParaRPr lang="ko-KR" altLang="en-US"/>
-            </a:p>
-          </p:txBody>
-        </p:sp>
-        <p:sp>
-          <p:nvSpPr>
-            <p:cNvPr id="49" name="타원 48">
-              <a:extLst>
-                <a:ext uri="{FF2B5EF4-FFF2-40B4-BE49-F238E27FC236}">
-                  <a16:creationId xmlns:a16="http://schemas.microsoft.com/office/drawing/2014/main" id="{8B096057-15C6-47DF-B696-C45C72C6E4E9}"/>
-                </a:ext>
-              </a:extLst>
-            </p:cNvPr>
-            <p:cNvSpPr/>
-            <p:nvPr/>
-          </p:nvSpPr>
-          <p:spPr>
-            <a:xfrm>
-              <a:off x="8805069" y="2194116"/>
-              <a:ext cx="229805" cy="229805"/>
-            </a:xfrm>
-            <a:prstGeom prst="ellipse">
-              <a:avLst/>
-            </a:prstGeom>
-            <a:solidFill>
-              <a:schemeClr val="accent2">
-                <a:lumMod val="75000"/>
-              </a:schemeClr>
-            </a:solidFill>
-            <a:ln>
-              <a:noFill/>
-            </a:ln>
-          </p:spPr>
-          <p:style>
-            <a:lnRef idx="2">
-              <a:schemeClr val="accent1">
-                <a:shade val="50000"/>
-              </a:schemeClr>
-            </a:lnRef>
-            <a:fillRef idx="1">
-              <a:schemeClr val="accent1"/>
-            </a:fillRef>
-            <a:effectRef idx="0">
-              <a:schemeClr val="accent1"/>
-            </a:effectRef>
-            <a:fontRef idx="minor">
-              <a:schemeClr val="lt1"/>
-            </a:fontRef>
-          </p:style>
-          <p:txBody>
-            <a:bodyPr rtlCol="0" anchor="ctr"/>
-            <a:lstStyle/>
-            <a:p>
-              <a:pPr algn="ctr"/>
-              <a:endParaRPr lang="ko-KR" altLang="en-US"/>
-            </a:p>
-          </p:txBody>
-        </p:sp>
-        <p:grpSp>
-          <p:nvGrpSpPr>
-            <p:cNvPr id="56" name="그룹 55">
-              <a:extLst>
-                <a:ext uri="{FF2B5EF4-FFF2-40B4-BE49-F238E27FC236}">
-                  <a16:creationId xmlns:a16="http://schemas.microsoft.com/office/drawing/2014/main" id="{1C3B93E1-5633-43C6-8924-ABA0B13AE764}"/>
-                </a:ext>
-              </a:extLst>
-            </p:cNvPr>
-            <p:cNvGrpSpPr/>
-            <p:nvPr/>
-          </p:nvGrpSpPr>
-          <p:grpSpPr>
-            <a:xfrm>
-              <a:off x="7211274" y="6480879"/>
-              <a:ext cx="3846436" cy="3014814"/>
-              <a:chOff x="10488543" y="1348869"/>
-              <a:chExt cx="7020000" cy="5502235"/>
-            </a:xfrm>
-          </p:grpSpPr>
-          <p:sp>
-            <p:nvSpPr>
-              <p:cNvPr id="57" name="직사각형 56">
-                <a:extLst>
-                  <a:ext uri="{FF2B5EF4-FFF2-40B4-BE49-F238E27FC236}">
-                    <a16:creationId xmlns:a16="http://schemas.microsoft.com/office/drawing/2014/main" id="{BE5E7799-A71C-45D9-BEE5-62387BAAA607}"/>
-                  </a:ext>
-                </a:extLst>
-              </p:cNvPr>
-              <p:cNvSpPr/>
-              <p:nvPr/>
-            </p:nvSpPr>
-            <p:spPr>
-              <a:xfrm>
-                <a:off x="10488543" y="1348869"/>
-                <a:ext cx="7020000" cy="5502235"/>
-              </a:xfrm>
-              <a:prstGeom prst="rect">
-                <a:avLst/>
-              </a:prstGeom>
-              <a:solidFill>
-                <a:schemeClr val="tx1">
-                  <a:lumMod val="85000"/>
-                  <a:lumOff val="15000"/>
-                </a:schemeClr>
-              </a:solidFill>
-              <a:ln>
-                <a:noFill/>
-              </a:ln>
-            </p:spPr>
-            <p:style>
-              <a:lnRef idx="2">
-                <a:schemeClr val="accent1">
-                  <a:shade val="50000"/>
-                </a:schemeClr>
-              </a:lnRef>
-              <a:fillRef idx="1">
-                <a:schemeClr val="accent1"/>
-              </a:fillRef>
-              <a:effectRef idx="0">
-                <a:schemeClr val="accent1"/>
-              </a:effectRef>
-              <a:fontRef idx="minor">
-                <a:schemeClr val="lt1"/>
-              </a:fontRef>
-            </p:style>
-            <p:txBody>
-              <a:bodyPr rtlCol="0" anchor="ctr"/>
-              <a:lstStyle/>
-              <a:p>
-                <a:pPr algn="ctr"/>
-                <a:endParaRPr lang="ko-KR" altLang="en-US"/>
-              </a:p>
-            </p:txBody>
-          </p:sp>
-          <p:pic>
-            <p:nvPicPr>
-              <p:cNvPr id="58" name="Picture 2" descr="Gore Icon #207998 - Free Icons Library">
-                <a:extLst>
-                  <a:ext uri="{FF2B5EF4-FFF2-40B4-BE49-F238E27FC236}">
-                    <a16:creationId xmlns:a16="http://schemas.microsoft.com/office/drawing/2014/main" id="{89B90FB0-2BCE-418B-81AB-1240C2402C5F}"/>
-                  </a:ext>
-                </a:extLst>
-              </p:cNvPr>
-              <p:cNvPicPr>
-                <a:picLocks noChangeAspect="1" noChangeArrowheads="1"/>
-              </p:cNvPicPr>
-              <p:nvPr/>
-            </p:nvPicPr>
-            <p:blipFill>
-              <a:blip r:embed="rId2">
-                <a:duotone>
-                  <a:schemeClr val="accent2">
-                    <a:shade val="45000"/>
-                    <a:satMod val="135000"/>
-                  </a:schemeClr>
-                  <a:prstClr val="white"/>
-                </a:duotone>
-                <a:extLst>
-                  <a:ext uri="{BEBA8EAE-BF5A-486C-A8C5-ECC9F3942E4B}">
-                    <a14:imgProps xmlns:a14="http://schemas.microsoft.com/office/drawing/2010/main">
-                      <a14:imgLayer r:embed="rId3">
-                        <a14:imgEffect>
-                          <a14:backgroundRemoval t="7000" b="93500" l="10000" r="90000">
-                            <a14:foregroundMark x1="36029" y1="78500" x2="56500" y2="84500"/>
-                            <a14:foregroundMark x1="31272" y1="77106" x2="32618" y2="77500"/>
-                            <a14:foregroundMark x1="27500" y1="76000" x2="29644" y2="76628"/>
-                            <a14:foregroundMark x1="56500" y1="84500" x2="69500" y2="81000"/>
-                            <a14:foregroundMark x1="48000" y1="92000" x2="52000" y2="93500"/>
-                            <a14:foregroundMark x1="16000" y1="10000" x2="16500" y2="9000"/>
-                            <a14:foregroundMark x1="82500" y1="7000" x2="82500" y2="7000"/>
-                            <a14:backgroundMark x1="32500" y1="77500" x2="32500" y2="78500"/>
-                            <a14:backgroundMark x1="32500" y1="75500" x2="32000" y2="77000"/>
-                            <a14:backgroundMark x1="31000" y1="76000" x2="31500" y2="77000"/>
-                            <a14:backgroundMark x1="31500" y1="77500" x2="31000" y2="77500"/>
-                            <a14:backgroundMark x1="30500" y1="77000" x2="30500" y2="77000"/>
-                            <a14:backgroundMark x1="30500" y1="76000" x2="30500" y2="76000"/>
-                          </a14:backgroundRemoval>
-                        </a14:imgEffect>
-                      </a14:imgLayer>
-                    </a14:imgProps>
-                  </a:ext>
-                  <a:ext uri="{28A0092B-C50C-407E-A947-70E740481C1C}">
-                    <a14:useLocalDpi xmlns:a14="http://schemas.microsoft.com/office/drawing/2010/main" val="0"/>
-                  </a:ext>
-                </a:extLst>
-              </a:blip>
-              <a:srcRect/>
-              <a:stretch>
-                <a:fillRect/>
-              </a:stretch>
-            </p:blipFill>
-            <p:spPr bwMode="auto">
-              <a:xfrm>
-                <a:off x="13586161" y="2129374"/>
-                <a:ext cx="780161" cy="780161"/>
-              </a:xfrm>
-              <a:prstGeom prst="rect">
-                <a:avLst/>
-              </a:prstGeom>
-              <a:noFill/>
-              <a:extLst>
-                <a:ext uri="{909E8E84-426E-40DD-AFC4-6F175D3DCCD1}">
-                  <a14:hiddenFill xmlns:a14="http://schemas.microsoft.com/office/drawing/2010/main">
-                    <a:solidFill>
-                      <a:srgbClr val="FFFFFF"/>
-                    </a:solidFill>
-                  </a14:hiddenFill>
-                </a:ext>
-              </a:extLst>
-            </p:spPr>
-          </p:pic>
-          <p:grpSp>
-            <p:nvGrpSpPr>
-              <p:cNvPr id="59" name="그룹 58">
-                <a:extLst>
-                  <a:ext uri="{FF2B5EF4-FFF2-40B4-BE49-F238E27FC236}">
-                    <a16:creationId xmlns:a16="http://schemas.microsoft.com/office/drawing/2014/main" id="{224678DF-F012-41DA-A11E-223F5AE6F4B3}"/>
-                  </a:ext>
-                </a:extLst>
-              </p:cNvPr>
-              <p:cNvGrpSpPr/>
-              <p:nvPr/>
-            </p:nvGrpSpPr>
-            <p:grpSpPr>
-              <a:xfrm>
-                <a:off x="12356242" y="3559987"/>
-                <a:ext cx="3240000" cy="2160000"/>
-                <a:chOff x="10900979" y="4604282"/>
-                <a:chExt cx="3240000" cy="2160000"/>
-              </a:xfrm>
-            </p:grpSpPr>
-            <p:sp>
-              <p:nvSpPr>
-                <p:cNvPr id="60" name="직사각형 59">
-                  <a:extLst>
-                    <a:ext uri="{FF2B5EF4-FFF2-40B4-BE49-F238E27FC236}">
-                      <a16:creationId xmlns:a16="http://schemas.microsoft.com/office/drawing/2014/main" id="{00B10DC0-C971-4559-A948-C8869BEBD199}"/>
-                    </a:ext>
-                  </a:extLst>
-                </p:cNvPr>
-                <p:cNvSpPr/>
-                <p:nvPr/>
-              </p:nvSpPr>
-              <p:spPr>
-                <a:xfrm>
-                  <a:off x="10900979" y="4604282"/>
-                  <a:ext cx="1080000" cy="1080000"/>
-                </a:xfrm>
-                <a:prstGeom prst="rect">
-                  <a:avLst/>
-                </a:prstGeom>
-                <a:solidFill>
-                  <a:schemeClr val="tx2">
-                    <a:lumMod val="20000"/>
-                    <a:lumOff val="80000"/>
-                  </a:schemeClr>
-                </a:solidFill>
-                <a:ln>
-                  <a:solidFill>
-                    <a:schemeClr val="tx1"/>
-                  </a:solidFill>
-                </a:ln>
-              </p:spPr>
-              <p:style>
-                <a:lnRef idx="2">
-                  <a:schemeClr val="accent1">
-                    <a:shade val="50000"/>
-                  </a:schemeClr>
-                </a:lnRef>
-                <a:fillRef idx="1">
-                  <a:schemeClr val="accent1"/>
-                </a:fillRef>
-                <a:effectRef idx="0">
-                  <a:schemeClr val="accent1"/>
-                </a:effectRef>
-                <a:fontRef idx="minor">
-                  <a:schemeClr val="lt1"/>
-                </a:fontRef>
-              </p:style>
-              <p:txBody>
-                <a:bodyPr rtlCol="0" anchor="ctr"/>
-                <a:lstStyle/>
-                <a:p>
-                  <a:pPr algn="ctr"/>
-                  <a:endParaRPr lang="en-US" altLang="ko-KR" dirty="0"/>
-                </a:p>
-              </p:txBody>
-            </p:sp>
-            <p:sp>
-              <p:nvSpPr>
-                <p:cNvPr id="61" name="직사각형 60">
-                  <a:extLst>
-                    <a:ext uri="{FF2B5EF4-FFF2-40B4-BE49-F238E27FC236}">
-                      <a16:creationId xmlns:a16="http://schemas.microsoft.com/office/drawing/2014/main" id="{718DD6D8-8A14-4C19-ACD1-BD8994012998}"/>
-                    </a:ext>
-                  </a:extLst>
-                </p:cNvPr>
-                <p:cNvSpPr/>
-                <p:nvPr/>
-              </p:nvSpPr>
-              <p:spPr>
-                <a:xfrm>
-                  <a:off x="11980979" y="4604282"/>
-                  <a:ext cx="1080000" cy="1080000"/>
-                </a:xfrm>
-                <a:prstGeom prst="rect">
-                  <a:avLst/>
-                </a:prstGeom>
-                <a:solidFill>
-                  <a:schemeClr val="tx2">
-                    <a:lumMod val="20000"/>
-                    <a:lumOff val="80000"/>
-                  </a:schemeClr>
-                </a:solidFill>
-                <a:ln>
-                  <a:solidFill>
-                    <a:schemeClr val="tx1"/>
-                  </a:solidFill>
-                </a:ln>
-              </p:spPr>
-              <p:style>
-                <a:lnRef idx="2">
-                  <a:schemeClr val="accent1">
-                    <a:shade val="50000"/>
-                  </a:schemeClr>
-                </a:lnRef>
-                <a:fillRef idx="1">
-                  <a:schemeClr val="accent1"/>
-                </a:fillRef>
-                <a:effectRef idx="0">
-                  <a:schemeClr val="accent1"/>
-                </a:effectRef>
-                <a:fontRef idx="minor">
-                  <a:schemeClr val="lt1"/>
-                </a:fontRef>
-              </p:style>
-              <p:txBody>
-                <a:bodyPr rtlCol="0" anchor="ctr"/>
-                <a:lstStyle/>
-                <a:p>
-                  <a:pPr algn="ctr"/>
-                  <a:endParaRPr lang="en-US" altLang="ko-KR" dirty="0"/>
-                </a:p>
-              </p:txBody>
-            </p:sp>
-            <p:sp>
-              <p:nvSpPr>
-                <p:cNvPr id="62" name="직사각형 61">
-                  <a:extLst>
-                    <a:ext uri="{FF2B5EF4-FFF2-40B4-BE49-F238E27FC236}">
-                      <a16:creationId xmlns:a16="http://schemas.microsoft.com/office/drawing/2014/main" id="{84B1A16F-063D-4CD7-B586-A8B270221909}"/>
-                    </a:ext>
-                  </a:extLst>
-                </p:cNvPr>
-                <p:cNvSpPr/>
-                <p:nvPr/>
-              </p:nvSpPr>
-              <p:spPr>
-                <a:xfrm>
-                  <a:off x="13060979" y="4604282"/>
-                  <a:ext cx="1080000" cy="1080000"/>
-                </a:xfrm>
-                <a:prstGeom prst="rect">
-                  <a:avLst/>
-                </a:prstGeom>
-                <a:solidFill>
-                  <a:schemeClr val="tx2">
-                    <a:lumMod val="20000"/>
-                    <a:lumOff val="80000"/>
-                  </a:schemeClr>
-                </a:solidFill>
-                <a:ln>
-                  <a:solidFill>
-                    <a:schemeClr val="tx1"/>
-                  </a:solidFill>
-                </a:ln>
-              </p:spPr>
-              <p:style>
-                <a:lnRef idx="2">
-                  <a:schemeClr val="accent1">
-                    <a:shade val="50000"/>
-                  </a:schemeClr>
-                </a:lnRef>
-                <a:fillRef idx="1">
-                  <a:schemeClr val="accent1"/>
-                </a:fillRef>
-                <a:effectRef idx="0">
-                  <a:schemeClr val="accent1"/>
-                </a:effectRef>
-                <a:fontRef idx="minor">
-                  <a:schemeClr val="lt1"/>
-                </a:fontRef>
-              </p:style>
-              <p:txBody>
-                <a:bodyPr rtlCol="0" anchor="ctr"/>
-                <a:lstStyle/>
-                <a:p>
-                  <a:pPr algn="ctr"/>
-                  <a:endParaRPr lang="en-US" altLang="ko-KR" dirty="0"/>
-                </a:p>
-              </p:txBody>
-            </p:sp>
-            <p:sp>
-              <p:nvSpPr>
-                <p:cNvPr id="63" name="직사각형 62">
-                  <a:extLst>
-                    <a:ext uri="{FF2B5EF4-FFF2-40B4-BE49-F238E27FC236}">
-                      <a16:creationId xmlns:a16="http://schemas.microsoft.com/office/drawing/2014/main" id="{4865522F-CA58-4133-A2DB-EDAC0DBBD0AE}"/>
-                    </a:ext>
-                  </a:extLst>
-                </p:cNvPr>
-                <p:cNvSpPr/>
-                <p:nvPr/>
-              </p:nvSpPr>
-              <p:spPr>
-                <a:xfrm>
-                  <a:off x="10900979" y="5684282"/>
-                  <a:ext cx="1080000" cy="1080000"/>
-                </a:xfrm>
-                <a:prstGeom prst="rect">
-                  <a:avLst/>
-                </a:prstGeom>
-                <a:solidFill>
-                  <a:schemeClr val="tx2">
-                    <a:lumMod val="20000"/>
-                    <a:lumOff val="80000"/>
-                  </a:schemeClr>
-                </a:solidFill>
-                <a:ln>
-                  <a:solidFill>
-                    <a:schemeClr val="tx1"/>
-                  </a:solidFill>
-                </a:ln>
-              </p:spPr>
-              <p:style>
-                <a:lnRef idx="2">
-                  <a:schemeClr val="accent1">
-                    <a:shade val="50000"/>
-                  </a:schemeClr>
-                </a:lnRef>
-                <a:fillRef idx="1">
-                  <a:schemeClr val="accent1"/>
-                </a:fillRef>
-                <a:effectRef idx="0">
-                  <a:schemeClr val="accent1"/>
-                </a:effectRef>
-                <a:fontRef idx="minor">
-                  <a:schemeClr val="lt1"/>
-                </a:fontRef>
-              </p:style>
-              <p:txBody>
-                <a:bodyPr rtlCol="0" anchor="ctr"/>
-                <a:lstStyle/>
-                <a:p>
-                  <a:pPr algn="ctr"/>
-                  <a:endParaRPr lang="en-US" altLang="ko-KR" dirty="0"/>
-                </a:p>
-              </p:txBody>
-            </p:sp>
-            <p:sp>
-              <p:nvSpPr>
-                <p:cNvPr id="64" name="직사각형 63">
-                  <a:extLst>
-                    <a:ext uri="{FF2B5EF4-FFF2-40B4-BE49-F238E27FC236}">
-                      <a16:creationId xmlns:a16="http://schemas.microsoft.com/office/drawing/2014/main" id="{C022A2C6-895C-4349-AC19-AEB268B7DB68}"/>
-                    </a:ext>
-                  </a:extLst>
-                </p:cNvPr>
-                <p:cNvSpPr/>
-                <p:nvPr/>
-              </p:nvSpPr>
-              <p:spPr>
-                <a:xfrm>
-                  <a:off x="11980979" y="5684282"/>
-                  <a:ext cx="1080000" cy="1080000"/>
-                </a:xfrm>
-                <a:prstGeom prst="rect">
-                  <a:avLst/>
-                </a:prstGeom>
-                <a:solidFill>
-                  <a:schemeClr val="tx2">
-                    <a:lumMod val="20000"/>
-                    <a:lumOff val="80000"/>
-                  </a:schemeClr>
-                </a:solidFill>
-                <a:ln>
-                  <a:solidFill>
-                    <a:schemeClr val="tx1"/>
-                  </a:solidFill>
-                </a:ln>
-              </p:spPr>
-              <p:style>
-                <a:lnRef idx="2">
-                  <a:schemeClr val="accent1">
-                    <a:shade val="50000"/>
-                  </a:schemeClr>
-                </a:lnRef>
-                <a:fillRef idx="1">
-                  <a:schemeClr val="accent1"/>
-                </a:fillRef>
-                <a:effectRef idx="0">
-                  <a:schemeClr val="accent1"/>
-                </a:effectRef>
-                <a:fontRef idx="minor">
-                  <a:schemeClr val="lt1"/>
-                </a:fontRef>
-              </p:style>
-              <p:txBody>
-                <a:bodyPr rtlCol="0" anchor="ctr"/>
-                <a:lstStyle/>
-                <a:p>
-                  <a:pPr algn="ctr"/>
-                  <a:endParaRPr lang="en-US" altLang="ko-KR" dirty="0"/>
-                </a:p>
-              </p:txBody>
-            </p:sp>
-            <p:sp>
-              <p:nvSpPr>
-                <p:cNvPr id="65" name="직사각형 64">
-                  <a:extLst>
-                    <a:ext uri="{FF2B5EF4-FFF2-40B4-BE49-F238E27FC236}">
-                      <a16:creationId xmlns:a16="http://schemas.microsoft.com/office/drawing/2014/main" id="{4431B446-7A64-4EB4-8FC4-65ABD0666DCD}"/>
-                    </a:ext>
-                  </a:extLst>
-                </p:cNvPr>
-                <p:cNvSpPr/>
-                <p:nvPr/>
-              </p:nvSpPr>
-              <p:spPr>
-                <a:xfrm>
-                  <a:off x="13060979" y="5684282"/>
-                  <a:ext cx="1080000" cy="1080000"/>
-                </a:xfrm>
-                <a:prstGeom prst="rect">
-                  <a:avLst/>
-                </a:prstGeom>
-                <a:solidFill>
-                  <a:schemeClr val="tx2">
-                    <a:lumMod val="20000"/>
-                    <a:lumOff val="80000"/>
-                  </a:schemeClr>
-                </a:solidFill>
-                <a:ln>
-                  <a:solidFill>
-                    <a:schemeClr val="tx1"/>
-                  </a:solidFill>
-                </a:ln>
-              </p:spPr>
-              <p:style>
-                <a:lnRef idx="2">
-                  <a:schemeClr val="accent1">
-                    <a:shade val="50000"/>
-                  </a:schemeClr>
-                </a:lnRef>
-                <a:fillRef idx="1">
-                  <a:schemeClr val="accent1"/>
-                </a:fillRef>
-                <a:effectRef idx="0">
-                  <a:schemeClr val="accent1"/>
-                </a:effectRef>
-                <a:fontRef idx="minor">
-                  <a:schemeClr val="lt1"/>
-                </a:fontRef>
-              </p:style>
-              <p:txBody>
-                <a:bodyPr rtlCol="0" anchor="ctr"/>
-                <a:lstStyle/>
-                <a:p>
-                  <a:pPr algn="ctr"/>
-                  <a:endParaRPr lang="en-US" altLang="ko-KR" dirty="0"/>
-                </a:p>
-              </p:txBody>
-            </p:sp>
-          </p:grpSp>
-        </p:grpSp>
-        <p:sp>
-          <p:nvSpPr>
-            <p:cNvPr id="66" name="타원 65">
-              <a:extLst>
-                <a:ext uri="{FF2B5EF4-FFF2-40B4-BE49-F238E27FC236}">
-                  <a16:creationId xmlns:a16="http://schemas.microsoft.com/office/drawing/2014/main" id="{011084E3-8C02-4F0C-B49A-011F2D0E1304}"/>
-                </a:ext>
-              </a:extLst>
-            </p:cNvPr>
-            <p:cNvSpPr/>
-            <p:nvPr/>
-          </p:nvSpPr>
-          <p:spPr>
-            <a:xfrm>
-              <a:off x="8155385" y="7486283"/>
-              <a:ext cx="108000" cy="108000"/>
-            </a:xfrm>
-            <a:prstGeom prst="ellipse">
-              <a:avLst/>
-            </a:prstGeom>
-            <a:gradFill flip="none" rotWithShape="1">
-              <a:gsLst>
-                <a:gs pos="0">
-                  <a:schemeClr val="accent3">
-                    <a:lumMod val="40000"/>
-                    <a:lumOff val="60000"/>
-                  </a:schemeClr>
-                </a:gs>
-                <a:gs pos="46000">
-                  <a:schemeClr val="accent3">
-                    <a:lumMod val="95000"/>
-                    <a:lumOff val="5000"/>
-                  </a:schemeClr>
-                </a:gs>
-                <a:gs pos="100000">
-                  <a:schemeClr val="accent3">
-                    <a:lumMod val="60000"/>
-                  </a:schemeClr>
-                </a:gs>
-              </a:gsLst>
-              <a:path path="circle">
-                <a:fillToRect l="50000" t="130000" r="50000" b="-30000"/>
-              </a:path>
-              <a:tileRect/>
-            </a:gradFill>
-            <a:ln>
-              <a:noFill/>
-            </a:ln>
-          </p:spPr>
-          <p:style>
-            <a:lnRef idx="2">
-              <a:schemeClr val="accent1">
-                <a:shade val="50000"/>
-              </a:schemeClr>
-            </a:lnRef>
-            <a:fillRef idx="1">
-              <a:schemeClr val="accent1"/>
-            </a:fillRef>
-            <a:effectRef idx="0">
-              <a:schemeClr val="accent1"/>
-            </a:effectRef>
-            <a:fontRef idx="minor">
-              <a:schemeClr val="lt1"/>
-            </a:fontRef>
-          </p:style>
-          <p:txBody>
-            <a:bodyPr rtlCol="0" anchor="ctr"/>
-            <a:lstStyle/>
-            <a:p>
-              <a:pPr algn="ctr"/>
-              <a:endParaRPr lang="ko-KR" altLang="en-US"/>
-            </a:p>
-          </p:txBody>
-        </p:sp>
-        <p:sp>
-          <p:nvSpPr>
-            <p:cNvPr id="67" name="타원 66">
-              <a:extLst>
-                <a:ext uri="{FF2B5EF4-FFF2-40B4-BE49-F238E27FC236}">
-                  <a16:creationId xmlns:a16="http://schemas.microsoft.com/office/drawing/2014/main" id="{60EF0D62-6733-4695-BAD5-05263F65C3E8}"/>
-                </a:ext>
-              </a:extLst>
-            </p:cNvPr>
-            <p:cNvSpPr/>
-            <p:nvPr/>
-          </p:nvSpPr>
-          <p:spPr>
-            <a:xfrm>
-              <a:off x="7986407" y="8446284"/>
-              <a:ext cx="108000" cy="108000"/>
-            </a:xfrm>
-            <a:prstGeom prst="ellipse">
-              <a:avLst/>
-            </a:prstGeom>
-            <a:gradFill flip="none" rotWithShape="1">
-              <a:gsLst>
-                <a:gs pos="0">
-                  <a:schemeClr val="accent3">
-                    <a:lumMod val="40000"/>
-                    <a:lumOff val="60000"/>
-                  </a:schemeClr>
-                </a:gs>
-                <a:gs pos="46000">
-                  <a:schemeClr val="accent3">
-                    <a:lumMod val="95000"/>
-                    <a:lumOff val="5000"/>
-                  </a:schemeClr>
-                </a:gs>
-                <a:gs pos="100000">
-                  <a:schemeClr val="accent3">
-                    <a:lumMod val="60000"/>
-                  </a:schemeClr>
-                </a:gs>
-              </a:gsLst>
-              <a:path path="circle">
-                <a:fillToRect l="50000" t="130000" r="50000" b="-30000"/>
-              </a:path>
-              <a:tileRect/>
-            </a:gradFill>
-            <a:ln>
-              <a:noFill/>
-            </a:ln>
-          </p:spPr>
-          <p:style>
-            <a:lnRef idx="2">
-              <a:schemeClr val="accent1">
-                <a:shade val="50000"/>
-              </a:schemeClr>
-            </a:lnRef>
-            <a:fillRef idx="1">
-              <a:schemeClr val="accent1"/>
-            </a:fillRef>
-            <a:effectRef idx="0">
-              <a:schemeClr val="accent1"/>
-            </a:effectRef>
-            <a:fontRef idx="minor">
-              <a:schemeClr val="lt1"/>
-            </a:fontRef>
-          </p:style>
-          <p:txBody>
-            <a:bodyPr rtlCol="0" anchor="ctr"/>
-            <a:lstStyle/>
-            <a:p>
-              <a:pPr algn="ctr"/>
-              <a:endParaRPr lang="ko-KR" altLang="en-US"/>
-            </a:p>
-          </p:txBody>
-        </p:sp>
-        <p:sp>
-          <p:nvSpPr>
-            <p:cNvPr id="68" name="타원 67">
-              <a:extLst>
-                <a:ext uri="{FF2B5EF4-FFF2-40B4-BE49-F238E27FC236}">
-                  <a16:creationId xmlns:a16="http://schemas.microsoft.com/office/drawing/2014/main" id="{5F94096B-E9CD-4692-8BF4-9A2341470C08}"/>
-                </a:ext>
-              </a:extLst>
-            </p:cNvPr>
-            <p:cNvSpPr/>
-            <p:nvPr/>
-          </p:nvSpPr>
-          <p:spPr>
-            <a:xfrm>
-              <a:off x="8749873" y="7918242"/>
-              <a:ext cx="108000" cy="108000"/>
-            </a:xfrm>
-            <a:prstGeom prst="ellipse">
-              <a:avLst/>
-            </a:prstGeom>
-            <a:gradFill flip="none" rotWithShape="1">
-              <a:gsLst>
-                <a:gs pos="0">
-                  <a:schemeClr val="accent3">
-                    <a:lumMod val="40000"/>
-                    <a:lumOff val="60000"/>
-                  </a:schemeClr>
-                </a:gs>
-                <a:gs pos="46000">
-                  <a:schemeClr val="accent3">
-                    <a:lumMod val="95000"/>
-                    <a:lumOff val="5000"/>
-                  </a:schemeClr>
-                </a:gs>
-                <a:gs pos="100000">
-                  <a:schemeClr val="accent3">
-                    <a:lumMod val="60000"/>
-                  </a:schemeClr>
-                </a:gs>
-              </a:gsLst>
-              <a:path path="circle">
-                <a:fillToRect l="50000" t="130000" r="50000" b="-30000"/>
-              </a:path>
-              <a:tileRect/>
-            </a:gradFill>
-            <a:ln>
-              <a:noFill/>
-            </a:ln>
-          </p:spPr>
-          <p:style>
-            <a:lnRef idx="2">
-              <a:schemeClr val="accent1">
-                <a:shade val="50000"/>
-              </a:schemeClr>
-            </a:lnRef>
-            <a:fillRef idx="1">
-              <a:schemeClr val="accent1"/>
-            </a:fillRef>
-            <a:effectRef idx="0">
-              <a:schemeClr val="accent1"/>
-            </a:effectRef>
-            <a:fontRef idx="minor">
-              <a:schemeClr val="lt1"/>
-            </a:fontRef>
-          </p:style>
-          <p:txBody>
-            <a:bodyPr rtlCol="0" anchor="ctr"/>
-            <a:lstStyle/>
-            <a:p>
-              <a:pPr algn="ctr"/>
-              <a:endParaRPr lang="ko-KR" altLang="en-US"/>
-            </a:p>
-          </p:txBody>
-        </p:sp>
-        <p:sp>
-          <p:nvSpPr>
-            <p:cNvPr id="69" name="타원 68">
-              <a:extLst>
-                <a:ext uri="{FF2B5EF4-FFF2-40B4-BE49-F238E27FC236}">
-                  <a16:creationId xmlns:a16="http://schemas.microsoft.com/office/drawing/2014/main" id="{2BDA4793-508B-47E2-A169-9C55F900981F}"/>
-                </a:ext>
-              </a:extLst>
-            </p:cNvPr>
-            <p:cNvSpPr/>
-            <p:nvPr/>
-          </p:nvSpPr>
-          <p:spPr>
-            <a:xfrm>
-              <a:off x="9129344" y="8132043"/>
-              <a:ext cx="108000" cy="108000"/>
-            </a:xfrm>
-            <a:prstGeom prst="ellipse">
-              <a:avLst/>
-            </a:prstGeom>
-            <a:gradFill flip="none" rotWithShape="1">
-              <a:gsLst>
-                <a:gs pos="0">
-                  <a:schemeClr val="accent3">
-                    <a:lumMod val="40000"/>
-                    <a:lumOff val="60000"/>
-                  </a:schemeClr>
-                </a:gs>
-                <a:gs pos="46000">
-                  <a:schemeClr val="accent3">
-                    <a:lumMod val="95000"/>
-                    <a:lumOff val="5000"/>
-                  </a:schemeClr>
-                </a:gs>
-                <a:gs pos="100000">
-                  <a:schemeClr val="accent3">
-                    <a:lumMod val="60000"/>
-                  </a:schemeClr>
-                </a:gs>
-              </a:gsLst>
-              <a:path path="circle">
-                <a:fillToRect l="50000" t="130000" r="50000" b="-30000"/>
-              </a:path>
-              <a:tileRect/>
-            </a:gradFill>
-            <a:ln>
-              <a:noFill/>
-            </a:ln>
-          </p:spPr>
-          <p:style>
-            <a:lnRef idx="2">
-              <a:schemeClr val="accent1">
-                <a:shade val="50000"/>
-              </a:schemeClr>
-            </a:lnRef>
-            <a:fillRef idx="1">
-              <a:schemeClr val="accent1"/>
-            </a:fillRef>
-            <a:effectRef idx="0">
-              <a:schemeClr val="accent1"/>
-            </a:effectRef>
-            <a:fontRef idx="minor">
-              <a:schemeClr val="lt1"/>
-            </a:fontRef>
-          </p:style>
-          <p:txBody>
-            <a:bodyPr rtlCol="0" anchor="ctr"/>
-            <a:lstStyle/>
-            <a:p>
-              <a:pPr algn="ctr"/>
-              <a:endParaRPr lang="ko-KR" altLang="en-US"/>
-            </a:p>
-          </p:txBody>
-        </p:sp>
-        <p:sp>
-          <p:nvSpPr>
-            <p:cNvPr id="70" name="타원 69">
-              <a:extLst>
-                <a:ext uri="{FF2B5EF4-FFF2-40B4-BE49-F238E27FC236}">
-                  <a16:creationId xmlns:a16="http://schemas.microsoft.com/office/drawing/2014/main" id="{BB3C194C-C334-441C-8321-4E24BCCE0053}"/>
-                </a:ext>
-              </a:extLst>
-            </p:cNvPr>
-            <p:cNvSpPr/>
-            <p:nvPr/>
-          </p:nvSpPr>
-          <p:spPr>
-            <a:xfrm>
-              <a:off x="10472293" y="8538863"/>
-              <a:ext cx="108000" cy="108000"/>
-            </a:xfrm>
-            <a:prstGeom prst="ellipse">
-              <a:avLst/>
-            </a:prstGeom>
-            <a:gradFill flip="none" rotWithShape="1">
-              <a:gsLst>
-                <a:gs pos="0">
-                  <a:schemeClr val="accent3">
-                    <a:lumMod val="40000"/>
-                    <a:lumOff val="60000"/>
-                  </a:schemeClr>
-                </a:gs>
-                <a:gs pos="46000">
-                  <a:schemeClr val="accent3">
-                    <a:lumMod val="95000"/>
-                    <a:lumOff val="5000"/>
-                  </a:schemeClr>
-                </a:gs>
-                <a:gs pos="100000">
-                  <a:schemeClr val="accent3">
-                    <a:lumMod val="60000"/>
-                  </a:schemeClr>
-                </a:gs>
-              </a:gsLst>
-              <a:path path="circle">
-                <a:fillToRect l="50000" t="130000" r="50000" b="-30000"/>
-              </a:path>
-              <a:tileRect/>
-            </a:gradFill>
-            <a:ln>
-              <a:noFill/>
-            </a:ln>
-          </p:spPr>
-          <p:style>
-            <a:lnRef idx="2">
-              <a:schemeClr val="accent1">
-                <a:shade val="50000"/>
-              </a:schemeClr>
-            </a:lnRef>
-            <a:fillRef idx="1">
-              <a:schemeClr val="accent1"/>
-            </a:fillRef>
-            <a:effectRef idx="0">
-              <a:schemeClr val="accent1"/>
-            </a:effectRef>
-            <a:fontRef idx="minor">
-              <a:schemeClr val="lt1"/>
-            </a:fontRef>
-          </p:style>
-          <p:txBody>
-            <a:bodyPr rtlCol="0" anchor="ctr"/>
-            <a:lstStyle/>
-            <a:p>
-              <a:pPr algn="ctr"/>
-              <a:endParaRPr lang="ko-KR" altLang="en-US"/>
-            </a:p>
-          </p:txBody>
-        </p:sp>
-        <p:sp>
-          <p:nvSpPr>
-            <p:cNvPr id="71" name="타원 70">
-              <a:extLst>
-                <a:ext uri="{FF2B5EF4-FFF2-40B4-BE49-F238E27FC236}">
-                  <a16:creationId xmlns:a16="http://schemas.microsoft.com/office/drawing/2014/main" id="{8EFF6D42-0343-4067-B3D8-0E749CCF7D6D}"/>
-                </a:ext>
-              </a:extLst>
-            </p:cNvPr>
-            <p:cNvSpPr/>
-            <p:nvPr/>
-          </p:nvSpPr>
-          <p:spPr>
-            <a:xfrm>
-              <a:off x="10324316" y="7848836"/>
-              <a:ext cx="108000" cy="108000"/>
-            </a:xfrm>
-            <a:prstGeom prst="ellipse">
-              <a:avLst/>
-            </a:prstGeom>
-            <a:gradFill flip="none" rotWithShape="1">
-              <a:gsLst>
-                <a:gs pos="0">
-                  <a:schemeClr val="accent3">
-                    <a:lumMod val="40000"/>
-                    <a:lumOff val="60000"/>
-                  </a:schemeClr>
-                </a:gs>
-                <a:gs pos="46000">
-                  <a:schemeClr val="accent3">
-                    <a:lumMod val="95000"/>
-                    <a:lumOff val="5000"/>
-                  </a:schemeClr>
-                </a:gs>
-                <a:gs pos="100000">
-                  <a:schemeClr val="accent3">
-                    <a:lumMod val="60000"/>
-                  </a:schemeClr>
-                </a:gs>
-              </a:gsLst>
-              <a:path path="circle">
-                <a:fillToRect l="50000" t="130000" r="50000" b="-30000"/>
-              </a:path>
-              <a:tileRect/>
-            </a:gradFill>
-            <a:ln>
-              <a:noFill/>
-            </a:ln>
-          </p:spPr>
-          <p:style>
-            <a:lnRef idx="2">
-              <a:schemeClr val="accent1">
-                <a:shade val="50000"/>
-              </a:schemeClr>
-            </a:lnRef>
-            <a:fillRef idx="1">
-              <a:schemeClr val="accent1"/>
-            </a:fillRef>
-            <a:effectRef idx="0">
-              <a:schemeClr val="accent1"/>
-            </a:effectRef>
-            <a:fontRef idx="minor">
-              <a:schemeClr val="lt1"/>
-            </a:fontRef>
-          </p:style>
-          <p:txBody>
-            <a:bodyPr rtlCol="0" anchor="ctr"/>
-            <a:lstStyle/>
-            <a:p>
-              <a:pPr algn="ctr"/>
-              <a:endParaRPr lang="ko-KR" altLang="en-US"/>
-            </a:p>
-          </p:txBody>
-        </p:sp>
-        <p:sp>
-          <p:nvSpPr>
-            <p:cNvPr id="72" name="화살표: 아래쪽 71">
-              <a:extLst>
-                <a:ext uri="{FF2B5EF4-FFF2-40B4-BE49-F238E27FC236}">
-                  <a16:creationId xmlns:a16="http://schemas.microsoft.com/office/drawing/2014/main" id="{69E41091-AD14-4370-9280-D48382DAF991}"/>
-                </a:ext>
-              </a:extLst>
-            </p:cNvPr>
-            <p:cNvSpPr/>
-            <p:nvPr/>
-          </p:nvSpPr>
-          <p:spPr>
-            <a:xfrm>
-              <a:off x="8741181" y="4607816"/>
-              <a:ext cx="796918" cy="1718559"/>
-            </a:xfrm>
-            <a:prstGeom prst="downArrow">
-              <a:avLst/>
-            </a:prstGeom>
-            <a:solidFill>
-              <a:schemeClr val="tx1">
-                <a:lumMod val="65000"/>
-                <a:lumOff val="35000"/>
-              </a:schemeClr>
-            </a:solidFill>
-            <a:ln>
-              <a:noFill/>
-            </a:ln>
-          </p:spPr>
-          <p:style>
-            <a:lnRef idx="2">
-              <a:schemeClr val="accent1">
-                <a:shade val="50000"/>
-              </a:schemeClr>
-            </a:lnRef>
-            <a:fillRef idx="1">
-              <a:schemeClr val="accent1"/>
-            </a:fillRef>
-            <a:effectRef idx="0">
-              <a:schemeClr val="accent1"/>
-            </a:effectRef>
-            <a:fontRef idx="minor">
-              <a:schemeClr val="lt1"/>
-            </a:fontRef>
-          </p:style>
-          <p:txBody>
-            <a:bodyPr rtlCol="0" anchor="ctr"/>
-            <a:lstStyle/>
-            <a:p>
-              <a:pPr algn="ctr"/>
-              <a:endParaRPr lang="ko-KR" altLang="en-US"/>
-            </a:p>
-          </p:txBody>
-        </p:sp>
-        <p:sp>
-          <p:nvSpPr>
-            <p:cNvPr id="146" name="타원 145">
-              <a:extLst>
-                <a:ext uri="{FF2B5EF4-FFF2-40B4-BE49-F238E27FC236}">
-                  <a16:creationId xmlns:a16="http://schemas.microsoft.com/office/drawing/2014/main" id="{5C195B1C-775E-4A28-95E8-0583F03107A6}"/>
-                </a:ext>
-              </a:extLst>
-            </p:cNvPr>
-            <p:cNvSpPr/>
-            <p:nvPr/>
-          </p:nvSpPr>
-          <p:spPr>
-            <a:xfrm>
-              <a:off x="9521125" y="8418548"/>
-              <a:ext cx="271471" cy="271471"/>
-            </a:xfrm>
-            <a:prstGeom prst="ellipse">
-              <a:avLst/>
-            </a:prstGeom>
-            <a:solidFill>
-              <a:srgbClr val="92D050"/>
-            </a:solidFill>
-            <a:ln>
-              <a:solidFill>
-                <a:schemeClr val="accent6">
-                  <a:lumMod val="75000"/>
-                </a:schemeClr>
-              </a:solidFill>
-            </a:ln>
-          </p:spPr>
-          <p:style>
-            <a:lnRef idx="2">
-              <a:schemeClr val="accent1">
-                <a:shade val="50000"/>
-              </a:schemeClr>
-            </a:lnRef>
-            <a:fillRef idx="1">
-              <a:schemeClr val="accent1"/>
-            </a:fillRef>
-            <a:effectRef idx="0">
-              <a:schemeClr val="accent1"/>
-            </a:effectRef>
-            <a:fontRef idx="minor">
-              <a:schemeClr val="lt1"/>
-            </a:fontRef>
-          </p:style>
-          <p:txBody>
-            <a:bodyPr rtlCol="0" anchor="ctr"/>
-            <a:lstStyle/>
-            <a:p>
-              <a:pPr algn="ctr"/>
-              <a:r>
-                <a:rPr lang="en-US" altLang="ko-KR" dirty="0"/>
-                <a:t>P</a:t>
-              </a:r>
-              <a:endParaRPr lang="ko-KR" altLang="en-US" dirty="0"/>
-            </a:p>
-          </p:txBody>
-        </p:sp>
-        <p:sp>
-          <p:nvSpPr>
-            <p:cNvPr id="147" name="타원 146">
-              <a:extLst>
-                <a:ext uri="{FF2B5EF4-FFF2-40B4-BE49-F238E27FC236}">
-                  <a16:creationId xmlns:a16="http://schemas.microsoft.com/office/drawing/2014/main" id="{20FFEEBE-2796-4B6A-AC5D-E32D4AE7EAD6}"/>
-                </a:ext>
-              </a:extLst>
-            </p:cNvPr>
-            <p:cNvSpPr/>
-            <p:nvPr/>
-          </p:nvSpPr>
-          <p:spPr>
-            <a:xfrm>
-              <a:off x="8894224" y="3437647"/>
-              <a:ext cx="271471" cy="271471"/>
-            </a:xfrm>
-            <a:prstGeom prst="ellipse">
-              <a:avLst/>
-            </a:prstGeom>
-            <a:solidFill>
-              <a:srgbClr val="92D050"/>
-            </a:solidFill>
-            <a:ln>
-              <a:solidFill>
-                <a:schemeClr val="accent6">
-                  <a:lumMod val="75000"/>
-                </a:schemeClr>
-              </a:solidFill>
-            </a:ln>
-          </p:spPr>
-          <p:style>
-            <a:lnRef idx="2">
-              <a:schemeClr val="accent1">
-                <a:shade val="50000"/>
-              </a:schemeClr>
-            </a:lnRef>
-            <a:fillRef idx="1">
-              <a:schemeClr val="accent1"/>
-            </a:fillRef>
-            <a:effectRef idx="0">
-              <a:schemeClr val="accent1"/>
-            </a:effectRef>
-            <a:fontRef idx="minor">
-              <a:schemeClr val="lt1"/>
-            </a:fontRef>
-          </p:style>
-          <p:txBody>
-            <a:bodyPr rtlCol="0" anchor="ctr"/>
-            <a:lstStyle/>
-            <a:p>
-              <a:pPr algn="ctr"/>
-              <a:r>
-                <a:rPr lang="en-US" altLang="ko-KR" dirty="0"/>
-                <a:t>P</a:t>
-              </a:r>
-              <a:endParaRPr lang="ko-KR" altLang="en-US" dirty="0"/>
-            </a:p>
-          </p:txBody>
-        </p:sp>
-      </p:grpSp>
-      <p:pic>
-        <p:nvPicPr>
-          <p:cNvPr id="154" name="그림 153">
-            <a:extLst>
-              <a:ext uri="{FF2B5EF4-FFF2-40B4-BE49-F238E27FC236}">
-                <a16:creationId xmlns:a16="http://schemas.microsoft.com/office/drawing/2014/main" id="{EF0BF182-8F8F-48F8-A4C2-6B6A4E01FD95}"/>
-              </a:ext>
-            </a:extLst>
-          </p:cNvPr>
-          <p:cNvPicPr>
-            <a:picLocks noChangeAspect="1"/>
-          </p:cNvPicPr>
-          <p:nvPr/>
-        </p:nvPicPr>
-        <p:blipFill>
-          <a:blip r:embed="rId4">
-            <a:extLst>
-              <a:ext uri="{28A0092B-C50C-407E-A947-70E740481C1C}">
-                <a14:useLocalDpi xmlns:a14="http://schemas.microsoft.com/office/drawing/2010/main" val="0"/>
-              </a:ext>
-            </a:extLst>
-          </a:blip>
-          <a:stretch>
-            <a:fillRect/>
-          </a:stretch>
-        </p:blipFill>
-        <p:spPr>
-          <a:xfrm>
-            <a:off x="106529" y="1518354"/>
-            <a:ext cx="4915021" cy="7977339"/>
-          </a:xfrm>
-          <a:prstGeom prst="rect">
-            <a:avLst/>
-          </a:prstGeom>
-        </p:spPr>
-      </p:pic>
-      <p:pic>
-        <p:nvPicPr>
-          <p:cNvPr id="156" name="그림 155">
-            <a:extLst>
-              <a:ext uri="{FF2B5EF4-FFF2-40B4-BE49-F238E27FC236}">
-                <a16:creationId xmlns:a16="http://schemas.microsoft.com/office/drawing/2014/main" id="{1EC9B8B5-22A7-4796-8DD5-2CBCE87F1FBF}"/>
-              </a:ext>
-            </a:extLst>
-          </p:cNvPr>
-          <p:cNvPicPr>
-            <a:picLocks noChangeAspect="1"/>
-          </p:cNvPicPr>
-          <p:nvPr/>
-        </p:nvPicPr>
-        <p:blipFill>
-          <a:blip r:embed="rId5">
-            <a:extLst>
-              <a:ext uri="{28A0092B-C50C-407E-A947-70E740481C1C}">
-                <a14:useLocalDpi xmlns:a14="http://schemas.microsoft.com/office/drawing/2010/main" val="0"/>
-              </a:ext>
-            </a:extLst>
-          </a:blip>
-          <a:stretch>
-            <a:fillRect/>
-          </a:stretch>
-        </p:blipFill>
-        <p:spPr>
-          <a:xfrm>
-            <a:off x="10779805" y="6063614"/>
-            <a:ext cx="5141691" cy="3432079"/>
-          </a:xfrm>
-          <a:prstGeom prst="rect">
-            <a:avLst/>
-          </a:prstGeom>
-        </p:spPr>
-      </p:pic>
-      <p:sp>
-        <p:nvSpPr>
-          <p:cNvPr id="157" name="TextBox 156">
-            <a:extLst>
-              <a:ext uri="{FF2B5EF4-FFF2-40B4-BE49-F238E27FC236}">
-                <a16:creationId xmlns:a16="http://schemas.microsoft.com/office/drawing/2014/main" id="{50635D8A-4A4D-4F93-90A5-0F667DC6CCB4}"/>
-              </a:ext>
-            </a:extLst>
-          </p:cNvPr>
-          <p:cNvSpPr txBox="1"/>
-          <p:nvPr/>
-        </p:nvSpPr>
-        <p:spPr>
-          <a:xfrm>
-            <a:off x="10770405" y="5597609"/>
-            <a:ext cx="5151091" cy="369332"/>
-          </a:xfrm>
-          <a:prstGeom prst="rect">
-            <a:avLst/>
-          </a:prstGeom>
-          <a:solidFill>
-            <a:schemeClr val="bg1">
-              <a:lumMod val="65000"/>
-            </a:schemeClr>
-          </a:solidFill>
-          <a:ln>
-            <a:noFill/>
-          </a:ln>
-        </p:spPr>
-        <p:txBody>
-          <a:bodyPr wrap="square" rtlCol="0">
-            <a:spAutoFit/>
-          </a:bodyPr>
-          <a:lstStyle/>
-          <a:p>
-            <a:pPr algn="ctr"/>
-            <a:r>
-              <a:rPr lang="ko-KR" altLang="en-US" dirty="0"/>
-              <a:t>예상 이미지 </a:t>
-            </a:r>
-            <a:r>
-              <a:rPr lang="en-US" altLang="ko-KR"/>
-              <a:t>(gif</a:t>
-            </a:r>
-            <a:r>
-              <a:rPr lang="en-US" altLang="ko-KR" dirty="0"/>
-              <a:t>)</a:t>
-            </a:r>
           </a:p>
         </p:txBody>
       </p:sp>
@@ -11900,130 +8244,12 @@
           </a:p>
         </p:txBody>
       </p:sp>
-      <p:sp>
-        <p:nvSpPr>
-          <p:cNvPr id="6" name="직사각형 5">
+      <p:pic>
+        <p:nvPicPr>
+          <p:cNvPr id="3" name="그림 2">
             <a:extLst>
               <a:ext uri="{FF2B5EF4-FFF2-40B4-BE49-F238E27FC236}">
-                <a16:creationId xmlns:a16="http://schemas.microsoft.com/office/drawing/2014/main" id="{6F11F13E-FA52-45EB-BAFC-030AA0351955}"/>
-              </a:ext>
-            </a:extLst>
-          </p:cNvPr>
-          <p:cNvSpPr/>
-          <p:nvPr/>
-        </p:nvSpPr>
-        <p:spPr>
-          <a:xfrm>
-            <a:off x="8132804" y="2722255"/>
-            <a:ext cx="8776353" cy="5850902"/>
-          </a:xfrm>
-          <a:prstGeom prst="rect">
-            <a:avLst/>
-          </a:prstGeom>
-          <a:solidFill>
-            <a:schemeClr val="tx1">
-              <a:lumMod val="85000"/>
-              <a:lumOff val="15000"/>
-            </a:schemeClr>
-          </a:solidFill>
-          <a:ln>
-            <a:noFill/>
-          </a:ln>
-        </p:spPr>
-        <p:style>
-          <a:lnRef idx="2">
-            <a:schemeClr val="accent1">
-              <a:shade val="50000"/>
-            </a:schemeClr>
-          </a:lnRef>
-          <a:fillRef idx="1">
-            <a:schemeClr val="accent1"/>
-          </a:fillRef>
-          <a:effectRef idx="0">
-            <a:schemeClr val="accent1"/>
-          </a:effectRef>
-          <a:fontRef idx="minor">
-            <a:schemeClr val="lt1"/>
-          </a:fontRef>
-        </p:style>
-        <p:txBody>
-          <a:bodyPr rtlCol="0" anchor="ctr"/>
-          <a:lstStyle/>
-          <a:p>
-            <a:pPr algn="ctr"/>
-            <a:endParaRPr lang="ko-KR" altLang="en-US"/>
-          </a:p>
-        </p:txBody>
-      </p:sp>
-      <p:sp>
-        <p:nvSpPr>
-          <p:cNvPr id="7" name="TextBox 6">
-            <a:extLst>
-              <a:ext uri="{FF2B5EF4-FFF2-40B4-BE49-F238E27FC236}">
-                <a16:creationId xmlns:a16="http://schemas.microsoft.com/office/drawing/2014/main" id="{85C08FB5-ED75-4261-BA30-59D751172FDB}"/>
-              </a:ext>
-            </a:extLst>
-          </p:cNvPr>
-          <p:cNvSpPr txBox="1"/>
-          <p:nvPr/>
-        </p:nvSpPr>
-        <p:spPr>
-          <a:xfrm>
-            <a:off x="8132803" y="2182575"/>
-            <a:ext cx="8776353" cy="369332"/>
-          </a:xfrm>
-          <a:prstGeom prst="rect">
-            <a:avLst/>
-          </a:prstGeom>
-          <a:solidFill>
-            <a:schemeClr val="tx1">
-              <a:lumMod val="85000"/>
-              <a:lumOff val="15000"/>
-            </a:schemeClr>
-          </a:solidFill>
-          <a:ln>
-            <a:noFill/>
-          </a:ln>
-        </p:spPr>
-        <p:txBody>
-          <a:bodyPr wrap="square" rtlCol="0">
-            <a:spAutoFit/>
-          </a:bodyPr>
-          <a:lstStyle/>
-          <a:p>
-            <a:r>
-              <a:rPr lang="en-US" altLang="ko-KR" dirty="0" err="1">
-                <a:solidFill>
-                  <a:schemeClr val="bg1"/>
-                </a:solidFill>
-              </a:rPr>
-              <a:t>Spike_Map</a:t>
-            </a:r>
-            <a:r>
-              <a:rPr lang="en-US" altLang="ko-KR" dirty="0">
-                <a:solidFill>
-                  <a:schemeClr val="bg1"/>
-                </a:solidFill>
-              </a:rPr>
-              <a:t> </a:t>
-            </a:r>
-            <a:r>
-              <a:rPr lang="ko-KR" altLang="en-US" dirty="0">
-                <a:solidFill>
-                  <a:schemeClr val="bg1"/>
-                </a:solidFill>
-              </a:rPr>
-              <a:t>생성 및 이동 예시</a:t>
-            </a:r>
-          </a:p>
-        </p:txBody>
-      </p:sp>
-      <p:pic>
-        <p:nvPicPr>
-          <p:cNvPr id="8" name="그림 7">
-            <a:extLst>
-              <a:ext uri="{FF2B5EF4-FFF2-40B4-BE49-F238E27FC236}">
-                <a16:creationId xmlns:a16="http://schemas.microsoft.com/office/drawing/2014/main" id="{484FC1BE-5906-41AF-BBE1-26A5527EE09B}"/>
+                <a16:creationId xmlns:a16="http://schemas.microsoft.com/office/drawing/2014/main" id="{527488DA-A396-48F8-8AD5-9F3CBAE244A1}"/>
               </a:ext>
             </a:extLst>
           </p:cNvPr>
@@ -12046,1703 +8272,18 @@
         </p:blipFill>
         <p:spPr>
           <a:xfrm>
-            <a:off x="526510" y="2182575"/>
-            <a:ext cx="5569490" cy="5723770"/>
+            <a:off x="101601" y="1475276"/>
+            <a:ext cx="7664703" cy="4603923"/>
           </a:xfrm>
           <a:prstGeom prst="rect">
             <a:avLst/>
           </a:prstGeom>
         </p:spPr>
       </p:pic>
-      <p:grpSp>
-        <p:nvGrpSpPr>
-          <p:cNvPr id="16" name="그룹 15">
-            <a:extLst>
-              <a:ext uri="{FF2B5EF4-FFF2-40B4-BE49-F238E27FC236}">
-                <a16:creationId xmlns:a16="http://schemas.microsoft.com/office/drawing/2014/main" id="{54C82077-CD23-43A1-81A7-4AD46955C259}"/>
-              </a:ext>
-            </a:extLst>
-          </p:cNvPr>
-          <p:cNvGrpSpPr/>
-          <p:nvPr/>
-        </p:nvGrpSpPr>
-        <p:grpSpPr>
-          <a:xfrm>
-            <a:off x="10900979" y="4567706"/>
-            <a:ext cx="3240000" cy="2160000"/>
-            <a:chOff x="10900979" y="4604282"/>
-            <a:chExt cx="3240000" cy="2160000"/>
-          </a:xfrm>
-        </p:grpSpPr>
-        <p:sp>
-          <p:nvSpPr>
-            <p:cNvPr id="9" name="직사각형 8">
-              <a:extLst>
-                <a:ext uri="{FF2B5EF4-FFF2-40B4-BE49-F238E27FC236}">
-                  <a16:creationId xmlns:a16="http://schemas.microsoft.com/office/drawing/2014/main" id="{5ECFCA14-C8D2-4BC9-92C2-AE00B2D17471}"/>
-                </a:ext>
-              </a:extLst>
-            </p:cNvPr>
-            <p:cNvSpPr/>
-            <p:nvPr/>
-          </p:nvSpPr>
-          <p:spPr>
-            <a:xfrm>
-              <a:off x="10900979" y="4604282"/>
-              <a:ext cx="1080000" cy="1080000"/>
-            </a:xfrm>
-            <a:prstGeom prst="rect">
-              <a:avLst/>
-            </a:prstGeom>
-            <a:solidFill>
-              <a:schemeClr val="tx2">
-                <a:lumMod val="20000"/>
-                <a:lumOff val="80000"/>
-              </a:schemeClr>
-            </a:solidFill>
-            <a:ln>
-              <a:solidFill>
-                <a:schemeClr val="tx1"/>
-              </a:solidFill>
-            </a:ln>
-          </p:spPr>
-          <p:style>
-            <a:lnRef idx="2">
-              <a:schemeClr val="accent1">
-                <a:shade val="50000"/>
-              </a:schemeClr>
-            </a:lnRef>
-            <a:fillRef idx="1">
-              <a:schemeClr val="accent1"/>
-            </a:fillRef>
-            <a:effectRef idx="0">
-              <a:schemeClr val="accent1"/>
-            </a:effectRef>
-            <a:fontRef idx="minor">
-              <a:schemeClr val="lt1"/>
-            </a:fontRef>
-          </p:style>
-          <p:txBody>
-            <a:bodyPr rtlCol="0" anchor="ctr"/>
-            <a:lstStyle/>
-            <a:p>
-              <a:pPr algn="ctr"/>
-              <a:endParaRPr lang="en-US" altLang="ko-KR" dirty="0"/>
-            </a:p>
-          </p:txBody>
-        </p:sp>
-        <p:sp>
-          <p:nvSpPr>
-            <p:cNvPr id="11" name="직사각형 10">
-              <a:extLst>
-                <a:ext uri="{FF2B5EF4-FFF2-40B4-BE49-F238E27FC236}">
-                  <a16:creationId xmlns:a16="http://schemas.microsoft.com/office/drawing/2014/main" id="{24A4D732-2BA5-411B-ACF6-A43530D34A9A}"/>
-                </a:ext>
-              </a:extLst>
-            </p:cNvPr>
-            <p:cNvSpPr/>
-            <p:nvPr/>
-          </p:nvSpPr>
-          <p:spPr>
-            <a:xfrm>
-              <a:off x="11980979" y="4604282"/>
-              <a:ext cx="1080000" cy="1080000"/>
-            </a:xfrm>
-            <a:prstGeom prst="rect">
-              <a:avLst/>
-            </a:prstGeom>
-            <a:solidFill>
-              <a:schemeClr val="tx2">
-                <a:lumMod val="20000"/>
-                <a:lumOff val="80000"/>
-              </a:schemeClr>
-            </a:solidFill>
-            <a:ln>
-              <a:solidFill>
-                <a:schemeClr val="tx1"/>
-              </a:solidFill>
-            </a:ln>
-          </p:spPr>
-          <p:style>
-            <a:lnRef idx="2">
-              <a:schemeClr val="accent1">
-                <a:shade val="50000"/>
-              </a:schemeClr>
-            </a:lnRef>
-            <a:fillRef idx="1">
-              <a:schemeClr val="accent1"/>
-            </a:fillRef>
-            <a:effectRef idx="0">
-              <a:schemeClr val="accent1"/>
-            </a:effectRef>
-            <a:fontRef idx="minor">
-              <a:schemeClr val="lt1"/>
-            </a:fontRef>
-          </p:style>
-          <p:txBody>
-            <a:bodyPr rtlCol="0" anchor="ctr"/>
-            <a:lstStyle/>
-            <a:p>
-              <a:pPr algn="ctr"/>
-              <a:endParaRPr lang="en-US" altLang="ko-KR" dirty="0"/>
-            </a:p>
-          </p:txBody>
-        </p:sp>
-        <p:sp>
-          <p:nvSpPr>
-            <p:cNvPr id="12" name="직사각형 11">
-              <a:extLst>
-                <a:ext uri="{FF2B5EF4-FFF2-40B4-BE49-F238E27FC236}">
-                  <a16:creationId xmlns:a16="http://schemas.microsoft.com/office/drawing/2014/main" id="{4C4F1C59-2E44-4780-8F2D-E7C35500914F}"/>
-                </a:ext>
-              </a:extLst>
-            </p:cNvPr>
-            <p:cNvSpPr/>
-            <p:nvPr/>
-          </p:nvSpPr>
-          <p:spPr>
-            <a:xfrm>
-              <a:off x="13060979" y="4604282"/>
-              <a:ext cx="1080000" cy="1080000"/>
-            </a:xfrm>
-            <a:prstGeom prst="rect">
-              <a:avLst/>
-            </a:prstGeom>
-            <a:solidFill>
-              <a:schemeClr val="tx2">
-                <a:lumMod val="20000"/>
-                <a:lumOff val="80000"/>
-              </a:schemeClr>
-            </a:solidFill>
-            <a:ln>
-              <a:solidFill>
-                <a:schemeClr val="tx1"/>
-              </a:solidFill>
-            </a:ln>
-          </p:spPr>
-          <p:style>
-            <a:lnRef idx="2">
-              <a:schemeClr val="accent1">
-                <a:shade val="50000"/>
-              </a:schemeClr>
-            </a:lnRef>
-            <a:fillRef idx="1">
-              <a:schemeClr val="accent1"/>
-            </a:fillRef>
-            <a:effectRef idx="0">
-              <a:schemeClr val="accent1"/>
-            </a:effectRef>
-            <a:fontRef idx="minor">
-              <a:schemeClr val="lt1"/>
-            </a:fontRef>
-          </p:style>
-          <p:txBody>
-            <a:bodyPr rtlCol="0" anchor="ctr"/>
-            <a:lstStyle/>
-            <a:p>
-              <a:pPr algn="ctr"/>
-              <a:endParaRPr lang="en-US" altLang="ko-KR" dirty="0"/>
-            </a:p>
-          </p:txBody>
-        </p:sp>
-        <p:sp>
-          <p:nvSpPr>
-            <p:cNvPr id="13" name="직사각형 12">
-              <a:extLst>
-                <a:ext uri="{FF2B5EF4-FFF2-40B4-BE49-F238E27FC236}">
-                  <a16:creationId xmlns:a16="http://schemas.microsoft.com/office/drawing/2014/main" id="{7797F4A3-E57F-4ECC-8769-2A3BBBA1360C}"/>
-                </a:ext>
-              </a:extLst>
-            </p:cNvPr>
-            <p:cNvSpPr/>
-            <p:nvPr/>
-          </p:nvSpPr>
-          <p:spPr>
-            <a:xfrm>
-              <a:off x="10900979" y="5684282"/>
-              <a:ext cx="1080000" cy="1080000"/>
-            </a:xfrm>
-            <a:prstGeom prst="rect">
-              <a:avLst/>
-            </a:prstGeom>
-            <a:solidFill>
-              <a:schemeClr val="tx2">
-                <a:lumMod val="20000"/>
-                <a:lumOff val="80000"/>
-              </a:schemeClr>
-            </a:solidFill>
-            <a:ln>
-              <a:solidFill>
-                <a:schemeClr val="tx1"/>
-              </a:solidFill>
-            </a:ln>
-          </p:spPr>
-          <p:style>
-            <a:lnRef idx="2">
-              <a:schemeClr val="accent1">
-                <a:shade val="50000"/>
-              </a:schemeClr>
-            </a:lnRef>
-            <a:fillRef idx="1">
-              <a:schemeClr val="accent1"/>
-            </a:fillRef>
-            <a:effectRef idx="0">
-              <a:schemeClr val="accent1"/>
-            </a:effectRef>
-            <a:fontRef idx="minor">
-              <a:schemeClr val="lt1"/>
-            </a:fontRef>
-          </p:style>
-          <p:txBody>
-            <a:bodyPr rtlCol="0" anchor="ctr"/>
-            <a:lstStyle/>
-            <a:p>
-              <a:pPr algn="ctr"/>
-              <a:endParaRPr lang="en-US" altLang="ko-KR" dirty="0"/>
-            </a:p>
-          </p:txBody>
-        </p:sp>
-        <p:sp>
-          <p:nvSpPr>
-            <p:cNvPr id="14" name="직사각형 13">
-              <a:extLst>
-                <a:ext uri="{FF2B5EF4-FFF2-40B4-BE49-F238E27FC236}">
-                  <a16:creationId xmlns:a16="http://schemas.microsoft.com/office/drawing/2014/main" id="{394CC29F-4F02-49A4-8DC4-29791B7C9FBC}"/>
-                </a:ext>
-              </a:extLst>
-            </p:cNvPr>
-            <p:cNvSpPr/>
-            <p:nvPr/>
-          </p:nvSpPr>
-          <p:spPr>
-            <a:xfrm>
-              <a:off x="11980979" y="5684282"/>
-              <a:ext cx="1080000" cy="1080000"/>
-            </a:xfrm>
-            <a:prstGeom prst="rect">
-              <a:avLst/>
-            </a:prstGeom>
-            <a:solidFill>
-              <a:schemeClr val="tx2">
-                <a:lumMod val="20000"/>
-                <a:lumOff val="80000"/>
-              </a:schemeClr>
-            </a:solidFill>
-            <a:ln>
-              <a:solidFill>
-                <a:schemeClr val="tx1"/>
-              </a:solidFill>
-            </a:ln>
-          </p:spPr>
-          <p:style>
-            <a:lnRef idx="2">
-              <a:schemeClr val="accent1">
-                <a:shade val="50000"/>
-              </a:schemeClr>
-            </a:lnRef>
-            <a:fillRef idx="1">
-              <a:schemeClr val="accent1"/>
-            </a:fillRef>
-            <a:effectRef idx="0">
-              <a:schemeClr val="accent1"/>
-            </a:effectRef>
-            <a:fontRef idx="minor">
-              <a:schemeClr val="lt1"/>
-            </a:fontRef>
-          </p:style>
-          <p:txBody>
-            <a:bodyPr rtlCol="0" anchor="ctr"/>
-            <a:lstStyle/>
-            <a:p>
-              <a:pPr algn="ctr"/>
-              <a:endParaRPr lang="en-US" altLang="ko-KR" dirty="0"/>
-            </a:p>
-          </p:txBody>
-        </p:sp>
-        <p:sp>
-          <p:nvSpPr>
-            <p:cNvPr id="15" name="직사각형 14">
-              <a:extLst>
-                <a:ext uri="{FF2B5EF4-FFF2-40B4-BE49-F238E27FC236}">
-                  <a16:creationId xmlns:a16="http://schemas.microsoft.com/office/drawing/2014/main" id="{6D5714E8-6B03-4186-9D1C-BBC46F0030CD}"/>
-                </a:ext>
-              </a:extLst>
-            </p:cNvPr>
-            <p:cNvSpPr/>
-            <p:nvPr/>
-          </p:nvSpPr>
-          <p:spPr>
-            <a:xfrm>
-              <a:off x="13060979" y="5684282"/>
-              <a:ext cx="1080000" cy="1080000"/>
-            </a:xfrm>
-            <a:prstGeom prst="rect">
-              <a:avLst/>
-            </a:prstGeom>
-            <a:solidFill>
-              <a:schemeClr val="tx2">
-                <a:lumMod val="20000"/>
-                <a:lumOff val="80000"/>
-              </a:schemeClr>
-            </a:solidFill>
-            <a:ln>
-              <a:solidFill>
-                <a:schemeClr val="tx1"/>
-              </a:solidFill>
-            </a:ln>
-          </p:spPr>
-          <p:style>
-            <a:lnRef idx="2">
-              <a:schemeClr val="accent1">
-                <a:shade val="50000"/>
-              </a:schemeClr>
-            </a:lnRef>
-            <a:fillRef idx="1">
-              <a:schemeClr val="accent1"/>
-            </a:fillRef>
-            <a:effectRef idx="0">
-              <a:schemeClr val="accent1"/>
-            </a:effectRef>
-            <a:fontRef idx="minor">
-              <a:schemeClr val="lt1"/>
-            </a:fontRef>
-          </p:style>
-          <p:txBody>
-            <a:bodyPr rtlCol="0" anchor="ctr"/>
-            <a:lstStyle/>
-            <a:p>
-              <a:pPr algn="ctr"/>
-              <a:endParaRPr lang="en-US" altLang="ko-KR" dirty="0"/>
-            </a:p>
-          </p:txBody>
-        </p:sp>
-      </p:grpSp>
-      <p:sp>
-        <p:nvSpPr>
-          <p:cNvPr id="17" name="직사각형 16">
-            <a:extLst>
-              <a:ext uri="{FF2B5EF4-FFF2-40B4-BE49-F238E27FC236}">
-                <a16:creationId xmlns:a16="http://schemas.microsoft.com/office/drawing/2014/main" id="{55A7B3ED-9BE9-4816-9AD1-179F26804E96}"/>
-              </a:ext>
-            </a:extLst>
-          </p:cNvPr>
-          <p:cNvSpPr/>
-          <p:nvPr/>
-        </p:nvSpPr>
-        <p:spPr>
-          <a:xfrm>
-            <a:off x="8864175" y="4351706"/>
-            <a:ext cx="216000" cy="2592000"/>
-          </a:xfrm>
-          <a:prstGeom prst="rect">
-            <a:avLst/>
-          </a:prstGeom>
-          <a:solidFill>
-            <a:schemeClr val="accent1">
-              <a:lumMod val="75000"/>
-            </a:schemeClr>
-          </a:solidFill>
-          <a:ln>
-            <a:solidFill>
-              <a:schemeClr val="bg1"/>
-            </a:solidFill>
-          </a:ln>
-        </p:spPr>
-        <p:style>
-          <a:lnRef idx="2">
-            <a:schemeClr val="accent1">
-              <a:shade val="50000"/>
-            </a:schemeClr>
-          </a:lnRef>
-          <a:fillRef idx="1">
-            <a:schemeClr val="accent1"/>
-          </a:fillRef>
-          <a:effectRef idx="0">
-            <a:schemeClr val="accent1"/>
-          </a:effectRef>
-          <a:fontRef idx="minor">
-            <a:schemeClr val="lt1"/>
-          </a:fontRef>
-        </p:style>
-        <p:txBody>
-          <a:bodyPr rtlCol="0" anchor="ctr"/>
-          <a:lstStyle/>
-          <a:p>
-            <a:pPr algn="ctr"/>
-            <a:endParaRPr lang="ko-KR" altLang="en-US"/>
-          </a:p>
-        </p:txBody>
-      </p:sp>
-      <p:sp>
-        <p:nvSpPr>
-          <p:cNvPr id="18" name="직사각형 17">
-            <a:extLst>
-              <a:ext uri="{FF2B5EF4-FFF2-40B4-BE49-F238E27FC236}">
-                <a16:creationId xmlns:a16="http://schemas.microsoft.com/office/drawing/2014/main" id="{D67FE6ED-3034-49F9-A95E-E7518F4D5ACC}"/>
-              </a:ext>
-            </a:extLst>
-          </p:cNvPr>
-          <p:cNvSpPr/>
-          <p:nvPr/>
-        </p:nvSpPr>
-        <p:spPr>
-          <a:xfrm>
-            <a:off x="15961783" y="4351706"/>
-            <a:ext cx="216000" cy="2592000"/>
-          </a:xfrm>
-          <a:prstGeom prst="rect">
-            <a:avLst/>
-          </a:prstGeom>
-          <a:solidFill>
-            <a:schemeClr val="accent1">
-              <a:lumMod val="75000"/>
-            </a:schemeClr>
-          </a:solidFill>
-          <a:ln>
-            <a:solidFill>
-              <a:schemeClr val="bg1"/>
-            </a:solidFill>
-          </a:ln>
-        </p:spPr>
-        <p:style>
-          <a:lnRef idx="2">
-            <a:schemeClr val="accent1">
-              <a:shade val="50000"/>
-            </a:schemeClr>
-          </a:lnRef>
-          <a:fillRef idx="1">
-            <a:schemeClr val="accent1"/>
-          </a:fillRef>
-          <a:effectRef idx="0">
-            <a:schemeClr val="accent1"/>
-          </a:effectRef>
-          <a:fontRef idx="minor">
-            <a:schemeClr val="lt1"/>
-          </a:fontRef>
-        </p:style>
-        <p:txBody>
-          <a:bodyPr rtlCol="0" anchor="ctr"/>
-          <a:lstStyle/>
-          <a:p>
-            <a:pPr algn="ctr"/>
-            <a:endParaRPr lang="ko-KR" altLang="en-US"/>
-          </a:p>
-        </p:txBody>
-      </p:sp>
-      <p:sp>
-        <p:nvSpPr>
-          <p:cNvPr id="19" name="타원 18">
-            <a:extLst>
-              <a:ext uri="{FF2B5EF4-FFF2-40B4-BE49-F238E27FC236}">
-                <a16:creationId xmlns:a16="http://schemas.microsoft.com/office/drawing/2014/main" id="{86C287E1-DA62-4982-A3D2-8C26CD08712B}"/>
-              </a:ext>
-            </a:extLst>
-          </p:cNvPr>
-          <p:cNvSpPr/>
-          <p:nvPr/>
-        </p:nvSpPr>
-        <p:spPr>
-          <a:xfrm>
-            <a:off x="8882175" y="5557706"/>
-            <a:ext cx="180000" cy="180000"/>
-          </a:xfrm>
-          <a:prstGeom prst="ellipse">
-            <a:avLst/>
-          </a:prstGeom>
-          <a:gradFill flip="none" rotWithShape="1">
-            <a:gsLst>
-              <a:gs pos="0">
-                <a:schemeClr val="accent3">
-                  <a:lumMod val="5000"/>
-                  <a:lumOff val="95000"/>
-                </a:schemeClr>
-              </a:gs>
-              <a:gs pos="74000">
-                <a:schemeClr val="accent3">
-                  <a:lumMod val="45000"/>
-                  <a:lumOff val="55000"/>
-                </a:schemeClr>
-              </a:gs>
-              <a:gs pos="83000">
-                <a:schemeClr val="accent3">
-                  <a:lumMod val="45000"/>
-                  <a:lumOff val="55000"/>
-                </a:schemeClr>
-              </a:gs>
-              <a:gs pos="100000">
-                <a:schemeClr val="accent3">
-                  <a:lumMod val="30000"/>
-                  <a:lumOff val="70000"/>
-                </a:schemeClr>
-              </a:gs>
-            </a:gsLst>
-            <a:lin ang="5400000" scaled="1"/>
-            <a:tileRect/>
-          </a:gradFill>
-          <a:ln>
-            <a:noFill/>
-          </a:ln>
-        </p:spPr>
-        <p:style>
-          <a:lnRef idx="2">
-            <a:schemeClr val="accent1">
-              <a:shade val="50000"/>
-            </a:schemeClr>
-          </a:lnRef>
-          <a:fillRef idx="1">
-            <a:schemeClr val="accent1"/>
-          </a:fillRef>
-          <a:effectRef idx="0">
-            <a:schemeClr val="accent1"/>
-          </a:effectRef>
-          <a:fontRef idx="minor">
-            <a:schemeClr val="lt1"/>
-          </a:fontRef>
-        </p:style>
-        <p:txBody>
-          <a:bodyPr rtlCol="0" anchor="ctr"/>
-          <a:lstStyle/>
-          <a:p>
-            <a:pPr algn="ctr"/>
-            <a:endParaRPr lang="ko-KR" altLang="en-US"/>
-          </a:p>
-        </p:txBody>
-      </p:sp>
-      <p:sp>
-        <p:nvSpPr>
-          <p:cNvPr id="20" name="타원 19">
-            <a:extLst>
-              <a:ext uri="{FF2B5EF4-FFF2-40B4-BE49-F238E27FC236}">
-                <a16:creationId xmlns:a16="http://schemas.microsoft.com/office/drawing/2014/main" id="{EB513906-95E1-425B-A222-15402B95817B}"/>
-              </a:ext>
-            </a:extLst>
-          </p:cNvPr>
-          <p:cNvSpPr/>
-          <p:nvPr/>
-        </p:nvSpPr>
-        <p:spPr>
-          <a:xfrm>
-            <a:off x="16453470" y="5557706"/>
-            <a:ext cx="180000" cy="180000"/>
-          </a:xfrm>
-          <a:prstGeom prst="ellipse">
-            <a:avLst/>
-          </a:prstGeom>
-          <a:gradFill flip="none" rotWithShape="1">
-            <a:gsLst>
-              <a:gs pos="0">
-                <a:schemeClr val="accent2">
-                  <a:lumMod val="0"/>
-                  <a:lumOff val="100000"/>
-                </a:schemeClr>
-              </a:gs>
-              <a:gs pos="35000">
-                <a:schemeClr val="accent2">
-                  <a:lumMod val="0"/>
-                  <a:lumOff val="100000"/>
-                </a:schemeClr>
-              </a:gs>
-              <a:gs pos="100000">
-                <a:schemeClr val="accent2">
-                  <a:lumMod val="100000"/>
-                </a:schemeClr>
-              </a:gs>
-            </a:gsLst>
-            <a:path path="circle">
-              <a:fillToRect l="50000" t="-80000" r="50000" b="180000"/>
-            </a:path>
-            <a:tileRect/>
-          </a:gradFill>
-          <a:ln>
-            <a:noFill/>
-          </a:ln>
-        </p:spPr>
-        <p:style>
-          <a:lnRef idx="2">
-            <a:schemeClr val="accent1">
-              <a:shade val="50000"/>
-            </a:schemeClr>
-          </a:lnRef>
-          <a:fillRef idx="1">
-            <a:schemeClr val="accent1"/>
-          </a:fillRef>
-          <a:effectRef idx="0">
-            <a:schemeClr val="accent1"/>
-          </a:effectRef>
-          <a:fontRef idx="minor">
-            <a:schemeClr val="lt1"/>
-          </a:fontRef>
-        </p:style>
-        <p:txBody>
-          <a:bodyPr rtlCol="0" anchor="ctr"/>
-          <a:lstStyle/>
-          <a:p>
-            <a:pPr algn="ctr"/>
-            <a:endParaRPr lang="ko-KR" altLang="en-US"/>
-          </a:p>
-        </p:txBody>
-      </p:sp>
-      <p:sp>
-        <p:nvSpPr>
-          <p:cNvPr id="21" name="타원 20">
-            <a:extLst>
-              <a:ext uri="{FF2B5EF4-FFF2-40B4-BE49-F238E27FC236}">
-                <a16:creationId xmlns:a16="http://schemas.microsoft.com/office/drawing/2014/main" id="{BA9975FA-CA07-4B9F-A896-E2589FEB595F}"/>
-              </a:ext>
-            </a:extLst>
-          </p:cNvPr>
-          <p:cNvSpPr/>
-          <p:nvPr/>
-        </p:nvSpPr>
-        <p:spPr>
-          <a:xfrm>
-            <a:off x="8408488" y="5557706"/>
-            <a:ext cx="180000" cy="180000"/>
-          </a:xfrm>
-          <a:prstGeom prst="ellipse">
-            <a:avLst/>
-          </a:prstGeom>
-          <a:gradFill flip="none" rotWithShape="1">
-            <a:gsLst>
-              <a:gs pos="0">
-                <a:schemeClr val="accent2">
-                  <a:lumMod val="0"/>
-                  <a:lumOff val="100000"/>
-                </a:schemeClr>
-              </a:gs>
-              <a:gs pos="35000">
-                <a:schemeClr val="accent2">
-                  <a:lumMod val="0"/>
-                  <a:lumOff val="100000"/>
-                </a:schemeClr>
-              </a:gs>
-              <a:gs pos="100000">
-                <a:schemeClr val="accent2">
-                  <a:lumMod val="100000"/>
-                </a:schemeClr>
-              </a:gs>
-            </a:gsLst>
-            <a:path path="circle">
-              <a:fillToRect l="50000" t="-80000" r="50000" b="180000"/>
-            </a:path>
-            <a:tileRect/>
-          </a:gradFill>
-          <a:ln>
-            <a:noFill/>
-          </a:ln>
-        </p:spPr>
-        <p:style>
-          <a:lnRef idx="2">
-            <a:schemeClr val="accent1">
-              <a:shade val="50000"/>
-            </a:schemeClr>
-          </a:lnRef>
-          <a:fillRef idx="1">
-            <a:schemeClr val="accent1"/>
-          </a:fillRef>
-          <a:effectRef idx="0">
-            <a:schemeClr val="accent1"/>
-          </a:effectRef>
-          <a:fontRef idx="minor">
-            <a:schemeClr val="lt1"/>
-          </a:fontRef>
-        </p:style>
-        <p:txBody>
-          <a:bodyPr rtlCol="0" anchor="ctr"/>
-          <a:lstStyle/>
-          <a:p>
-            <a:pPr algn="ctr"/>
-            <a:endParaRPr lang="ko-KR" altLang="en-US"/>
-          </a:p>
-        </p:txBody>
-      </p:sp>
-      <p:sp>
-        <p:nvSpPr>
-          <p:cNvPr id="22" name="타원 21">
-            <a:extLst>
-              <a:ext uri="{FF2B5EF4-FFF2-40B4-BE49-F238E27FC236}">
-                <a16:creationId xmlns:a16="http://schemas.microsoft.com/office/drawing/2014/main" id="{67EDC941-2006-4911-941E-F875018E1030}"/>
-              </a:ext>
-            </a:extLst>
-          </p:cNvPr>
-          <p:cNvSpPr/>
-          <p:nvPr/>
-        </p:nvSpPr>
-        <p:spPr>
-          <a:xfrm>
-            <a:off x="15979783" y="5557706"/>
-            <a:ext cx="180000" cy="180000"/>
-          </a:xfrm>
-          <a:prstGeom prst="ellipse">
-            <a:avLst/>
-          </a:prstGeom>
-          <a:gradFill flip="none" rotWithShape="1">
-            <a:gsLst>
-              <a:gs pos="0">
-                <a:schemeClr val="accent3">
-                  <a:lumMod val="5000"/>
-                  <a:lumOff val="95000"/>
-                </a:schemeClr>
-              </a:gs>
-              <a:gs pos="74000">
-                <a:schemeClr val="accent3">
-                  <a:lumMod val="45000"/>
-                  <a:lumOff val="55000"/>
-                </a:schemeClr>
-              </a:gs>
-              <a:gs pos="83000">
-                <a:schemeClr val="accent3">
-                  <a:lumMod val="45000"/>
-                  <a:lumOff val="55000"/>
-                </a:schemeClr>
-              </a:gs>
-              <a:gs pos="100000">
-                <a:schemeClr val="accent3">
-                  <a:lumMod val="30000"/>
-                  <a:lumOff val="70000"/>
-                </a:schemeClr>
-              </a:gs>
-            </a:gsLst>
-            <a:lin ang="5400000" scaled="1"/>
-            <a:tileRect/>
-          </a:gradFill>
-          <a:ln>
-            <a:noFill/>
-          </a:ln>
-        </p:spPr>
-        <p:style>
-          <a:lnRef idx="2">
-            <a:schemeClr val="accent1">
-              <a:shade val="50000"/>
-            </a:schemeClr>
-          </a:lnRef>
-          <a:fillRef idx="1">
-            <a:schemeClr val="accent1"/>
-          </a:fillRef>
-          <a:effectRef idx="0">
-            <a:schemeClr val="accent1"/>
-          </a:effectRef>
-          <a:fontRef idx="minor">
-            <a:schemeClr val="lt1"/>
-          </a:fontRef>
-        </p:style>
-        <p:txBody>
-          <a:bodyPr rtlCol="0" anchor="ctr"/>
-          <a:lstStyle/>
-          <a:p>
-            <a:pPr algn="ctr"/>
-            <a:endParaRPr lang="ko-KR" altLang="en-US"/>
-          </a:p>
-        </p:txBody>
-      </p:sp>
-      <p:sp>
-        <p:nvSpPr>
-          <p:cNvPr id="23" name="화살표: 오른쪽 22">
-            <a:extLst>
-              <a:ext uri="{FF2B5EF4-FFF2-40B4-BE49-F238E27FC236}">
-                <a16:creationId xmlns:a16="http://schemas.microsoft.com/office/drawing/2014/main" id="{40320259-58F3-4461-AE18-9AE4006CB475}"/>
-              </a:ext>
-            </a:extLst>
-          </p:cNvPr>
-          <p:cNvSpPr/>
-          <p:nvPr/>
-        </p:nvSpPr>
-        <p:spPr>
-          <a:xfrm>
-            <a:off x="9218689" y="5476469"/>
-            <a:ext cx="1184818" cy="342473"/>
-          </a:xfrm>
-          <a:prstGeom prst="rightArrow">
-            <a:avLst/>
-          </a:prstGeom>
-          <a:solidFill>
-            <a:srgbClr val="C00000"/>
-          </a:solidFill>
-          <a:ln>
-            <a:noFill/>
-          </a:ln>
-        </p:spPr>
-        <p:style>
-          <a:lnRef idx="2">
-            <a:schemeClr val="accent1">
-              <a:shade val="50000"/>
-            </a:schemeClr>
-          </a:lnRef>
-          <a:fillRef idx="1">
-            <a:schemeClr val="accent1"/>
-          </a:fillRef>
-          <a:effectRef idx="0">
-            <a:schemeClr val="accent1"/>
-          </a:effectRef>
-          <a:fontRef idx="minor">
-            <a:schemeClr val="lt1"/>
-          </a:fontRef>
-        </p:style>
-        <p:txBody>
-          <a:bodyPr rtlCol="0" anchor="ctr"/>
-          <a:lstStyle/>
-          <a:p>
-            <a:pPr algn="ctr"/>
-            <a:endParaRPr lang="ko-KR" altLang="en-US"/>
-          </a:p>
-        </p:txBody>
-      </p:sp>
-      <p:sp>
-        <p:nvSpPr>
-          <p:cNvPr id="24" name="화살표: 오른쪽 23">
-            <a:extLst>
-              <a:ext uri="{FF2B5EF4-FFF2-40B4-BE49-F238E27FC236}">
-                <a16:creationId xmlns:a16="http://schemas.microsoft.com/office/drawing/2014/main" id="{FCAC35A2-C378-4603-9E43-30336C6B1467}"/>
-              </a:ext>
-            </a:extLst>
-          </p:cNvPr>
-          <p:cNvSpPr/>
-          <p:nvPr/>
-        </p:nvSpPr>
-        <p:spPr>
-          <a:xfrm rot="10800000">
-            <a:off x="14638000" y="5476469"/>
-            <a:ext cx="1184818" cy="342473"/>
-          </a:xfrm>
-          <a:prstGeom prst="rightArrow">
-            <a:avLst/>
-          </a:prstGeom>
-          <a:solidFill>
-            <a:srgbClr val="C00000"/>
-          </a:solidFill>
-          <a:ln>
-            <a:noFill/>
-          </a:ln>
-        </p:spPr>
-        <p:style>
-          <a:lnRef idx="2">
-            <a:schemeClr val="accent1">
-              <a:shade val="50000"/>
-            </a:schemeClr>
-          </a:lnRef>
-          <a:fillRef idx="1">
-            <a:schemeClr val="accent1"/>
-          </a:fillRef>
-          <a:effectRef idx="0">
-            <a:schemeClr val="accent1"/>
-          </a:effectRef>
-          <a:fontRef idx="minor">
-            <a:schemeClr val="lt1"/>
-          </a:fontRef>
-        </p:style>
-        <p:txBody>
-          <a:bodyPr rtlCol="0" anchor="ctr"/>
-          <a:lstStyle/>
-          <a:p>
-            <a:pPr algn="ctr"/>
-            <a:endParaRPr lang="ko-KR" altLang="en-US"/>
-          </a:p>
-        </p:txBody>
-      </p:sp>
-      <p:sp>
-        <p:nvSpPr>
-          <p:cNvPr id="25" name="사각형: 둥근 모서리 24">
-            <a:extLst>
-              <a:ext uri="{FF2B5EF4-FFF2-40B4-BE49-F238E27FC236}">
-                <a16:creationId xmlns:a16="http://schemas.microsoft.com/office/drawing/2014/main" id="{53AE5A51-F6D9-4F0D-B28F-353FE2EDAE02}"/>
-              </a:ext>
-            </a:extLst>
-          </p:cNvPr>
-          <p:cNvSpPr/>
-          <p:nvPr/>
-        </p:nvSpPr>
-        <p:spPr>
-          <a:xfrm>
-            <a:off x="7709375" y="7774283"/>
-            <a:ext cx="2525599" cy="369332"/>
-          </a:xfrm>
-          <a:prstGeom prst="roundRect">
-            <a:avLst/>
-          </a:prstGeom>
-          <a:solidFill>
-            <a:schemeClr val="bg2">
-              <a:lumMod val="25000"/>
-            </a:schemeClr>
-          </a:solidFill>
-          <a:ln>
-            <a:solidFill>
-              <a:schemeClr val="bg1"/>
-            </a:solidFill>
-          </a:ln>
-        </p:spPr>
-        <p:style>
-          <a:lnRef idx="2">
-            <a:schemeClr val="accent1">
-              <a:shade val="50000"/>
-            </a:schemeClr>
-          </a:lnRef>
-          <a:fillRef idx="1">
-            <a:schemeClr val="accent1"/>
-          </a:fillRef>
-          <a:effectRef idx="0">
-            <a:schemeClr val="accent1"/>
-          </a:effectRef>
-          <a:fontRef idx="minor">
-            <a:schemeClr val="lt1"/>
-          </a:fontRef>
-        </p:style>
-        <p:txBody>
-          <a:bodyPr rtlCol="0" anchor="ctr"/>
-          <a:lstStyle/>
-          <a:p>
-            <a:pPr algn="ctr"/>
-            <a:r>
-              <a:rPr lang="en-US" altLang="ko-KR" dirty="0" err="1"/>
-              <a:t>Spike_Map</a:t>
-            </a:r>
-            <a:r>
-              <a:rPr lang="en-US" altLang="ko-KR" dirty="0"/>
-              <a:t>(x)</a:t>
-            </a:r>
-            <a:endParaRPr lang="ko-KR" altLang="en-US" dirty="0"/>
-          </a:p>
-        </p:txBody>
-      </p:sp>
-      <p:sp>
-        <p:nvSpPr>
-          <p:cNvPr id="26" name="사각형: 둥근 모서리 25">
-            <a:extLst>
-              <a:ext uri="{FF2B5EF4-FFF2-40B4-BE49-F238E27FC236}">
-                <a16:creationId xmlns:a16="http://schemas.microsoft.com/office/drawing/2014/main" id="{BE36E69F-978E-4EB1-BFF5-D69DA2042669}"/>
-              </a:ext>
-            </a:extLst>
-          </p:cNvPr>
-          <p:cNvSpPr/>
-          <p:nvPr/>
-        </p:nvSpPr>
-        <p:spPr>
-          <a:xfrm>
-            <a:off x="14806983" y="7774283"/>
-            <a:ext cx="2525599" cy="369332"/>
-          </a:xfrm>
-          <a:prstGeom prst="roundRect">
-            <a:avLst/>
-          </a:prstGeom>
-          <a:solidFill>
-            <a:schemeClr val="bg2">
-              <a:lumMod val="25000"/>
-            </a:schemeClr>
-          </a:solidFill>
-          <a:ln>
-            <a:solidFill>
-              <a:schemeClr val="bg1"/>
-            </a:solidFill>
-          </a:ln>
-        </p:spPr>
-        <p:style>
-          <a:lnRef idx="2">
-            <a:schemeClr val="accent1">
-              <a:shade val="50000"/>
-            </a:schemeClr>
-          </a:lnRef>
-          <a:fillRef idx="1">
-            <a:schemeClr val="accent1"/>
-          </a:fillRef>
-          <a:effectRef idx="0">
-            <a:schemeClr val="accent1"/>
-          </a:effectRef>
-          <a:fontRef idx="minor">
-            <a:schemeClr val="lt1"/>
-          </a:fontRef>
-        </p:style>
-        <p:txBody>
-          <a:bodyPr rtlCol="0" anchor="ctr"/>
-          <a:lstStyle/>
-          <a:p>
-            <a:pPr algn="ctr"/>
-            <a:r>
-              <a:rPr lang="en-US" altLang="ko-KR" dirty="0" err="1"/>
-              <a:t>Spike_Map</a:t>
-            </a:r>
-            <a:r>
-              <a:rPr lang="en-US" altLang="ko-KR" dirty="0"/>
-              <a:t>(y)</a:t>
-            </a:r>
-            <a:endParaRPr lang="ko-KR" altLang="en-US" dirty="0"/>
-          </a:p>
-        </p:txBody>
-      </p:sp>
-      <p:cxnSp>
-        <p:nvCxnSpPr>
-          <p:cNvPr id="28" name="직선 화살표 연결선 27">
-            <a:extLst>
-              <a:ext uri="{FF2B5EF4-FFF2-40B4-BE49-F238E27FC236}">
-                <a16:creationId xmlns:a16="http://schemas.microsoft.com/office/drawing/2014/main" id="{993BB743-60AC-48A5-AA21-39612FF6E42B}"/>
-              </a:ext>
-            </a:extLst>
-          </p:cNvPr>
-          <p:cNvCxnSpPr>
-            <a:stCxn id="25" idx="0"/>
-            <a:endCxn id="17" idx="2"/>
-          </p:cNvCxnSpPr>
-          <p:nvPr/>
-        </p:nvCxnSpPr>
-        <p:spPr>
-          <a:xfrm flipV="1">
-            <a:off x="8972175" y="6943706"/>
-            <a:ext cx="0" cy="830577"/>
-          </a:xfrm>
-          <a:prstGeom prst="straightConnector1">
-            <a:avLst/>
-          </a:prstGeom>
-          <a:ln w="38100">
-            <a:solidFill>
-              <a:schemeClr val="bg1"/>
-            </a:solidFill>
-            <a:tailEnd type="triangle"/>
-          </a:ln>
-        </p:spPr>
-        <p:style>
-          <a:lnRef idx="1">
-            <a:schemeClr val="accent1"/>
-          </a:lnRef>
-          <a:fillRef idx="0">
-            <a:schemeClr val="accent1"/>
-          </a:fillRef>
-          <a:effectRef idx="0">
-            <a:schemeClr val="accent1"/>
-          </a:effectRef>
-          <a:fontRef idx="minor">
-            <a:schemeClr val="tx1"/>
-          </a:fontRef>
-        </p:style>
-      </p:cxnSp>
-      <p:cxnSp>
-        <p:nvCxnSpPr>
-          <p:cNvPr id="29" name="직선 화살표 연결선 28">
-            <a:extLst>
-              <a:ext uri="{FF2B5EF4-FFF2-40B4-BE49-F238E27FC236}">
-                <a16:creationId xmlns:a16="http://schemas.microsoft.com/office/drawing/2014/main" id="{5366EE65-2A12-487D-BD83-DEFE75D9F95B}"/>
-              </a:ext>
-            </a:extLst>
-          </p:cNvPr>
-          <p:cNvCxnSpPr>
-            <a:cxnSpLocks/>
-            <a:stCxn id="26" idx="0"/>
-            <a:endCxn id="18" idx="2"/>
-          </p:cNvCxnSpPr>
-          <p:nvPr/>
-        </p:nvCxnSpPr>
-        <p:spPr>
-          <a:xfrm flipV="1">
-            <a:off x="16069783" y="6943706"/>
-            <a:ext cx="0" cy="830577"/>
-          </a:xfrm>
-          <a:prstGeom prst="straightConnector1">
-            <a:avLst/>
-          </a:prstGeom>
-          <a:ln w="38100">
-            <a:solidFill>
-              <a:schemeClr val="bg1"/>
-            </a:solidFill>
-            <a:tailEnd type="triangle"/>
-          </a:ln>
-        </p:spPr>
-        <p:style>
-          <a:lnRef idx="1">
-            <a:schemeClr val="accent1"/>
-          </a:lnRef>
-          <a:fillRef idx="0">
-            <a:schemeClr val="accent1"/>
-          </a:fillRef>
-          <a:effectRef idx="0">
-            <a:schemeClr val="accent1"/>
-          </a:effectRef>
-          <a:fontRef idx="minor">
-            <a:schemeClr val="tx1"/>
-          </a:fontRef>
-        </p:style>
-      </p:cxnSp>
-      <p:sp>
-        <p:nvSpPr>
-          <p:cNvPr id="32" name="사각형: 둥근 모서리 31">
-            <a:extLst>
-              <a:ext uri="{FF2B5EF4-FFF2-40B4-BE49-F238E27FC236}">
-                <a16:creationId xmlns:a16="http://schemas.microsoft.com/office/drawing/2014/main" id="{6710FC8D-F509-44E2-8FA2-89F1BC7ED42A}"/>
-              </a:ext>
-            </a:extLst>
-          </p:cNvPr>
-          <p:cNvSpPr/>
-          <p:nvPr/>
-        </p:nvSpPr>
-        <p:spPr>
-          <a:xfrm>
-            <a:off x="7709375" y="2955084"/>
-            <a:ext cx="2525599" cy="369332"/>
-          </a:xfrm>
-          <a:prstGeom prst="roundRect">
-            <a:avLst/>
-          </a:prstGeom>
-          <a:solidFill>
-            <a:schemeClr val="bg2">
-              <a:lumMod val="25000"/>
-            </a:schemeClr>
-          </a:solidFill>
-          <a:ln>
-            <a:solidFill>
-              <a:schemeClr val="bg1"/>
-            </a:solidFill>
-          </a:ln>
-        </p:spPr>
-        <p:style>
-          <a:lnRef idx="2">
-            <a:schemeClr val="accent1">
-              <a:shade val="50000"/>
-            </a:schemeClr>
-          </a:lnRef>
-          <a:fillRef idx="1">
-            <a:schemeClr val="accent1"/>
-          </a:fillRef>
-          <a:effectRef idx="0">
-            <a:schemeClr val="accent1"/>
-          </a:effectRef>
-          <a:fontRef idx="minor">
-            <a:schemeClr val="lt1"/>
-          </a:fontRef>
-        </p:style>
-        <p:txBody>
-          <a:bodyPr rtlCol="0" anchor="ctr"/>
-          <a:lstStyle/>
-          <a:p>
-            <a:pPr algn="ctr"/>
-            <a:r>
-              <a:rPr lang="en-US" altLang="ko-KR" dirty="0"/>
-              <a:t>S_M_Spawn1</a:t>
-            </a:r>
-            <a:endParaRPr lang="ko-KR" altLang="en-US" dirty="0"/>
-          </a:p>
-        </p:txBody>
-      </p:sp>
-      <p:sp>
-        <p:nvSpPr>
-          <p:cNvPr id="33" name="사각형: 둥근 모서리 32">
-            <a:extLst>
-              <a:ext uri="{FF2B5EF4-FFF2-40B4-BE49-F238E27FC236}">
-                <a16:creationId xmlns:a16="http://schemas.microsoft.com/office/drawing/2014/main" id="{3C2CC856-A68C-48D1-9DD6-772BCAD0F905}"/>
-              </a:ext>
-            </a:extLst>
-          </p:cNvPr>
-          <p:cNvSpPr/>
-          <p:nvPr/>
-        </p:nvSpPr>
-        <p:spPr>
-          <a:xfrm>
-            <a:off x="14806983" y="2955084"/>
-            <a:ext cx="2525599" cy="369332"/>
-          </a:xfrm>
-          <a:prstGeom prst="roundRect">
-            <a:avLst/>
-          </a:prstGeom>
-          <a:solidFill>
-            <a:schemeClr val="bg2">
-              <a:lumMod val="25000"/>
-            </a:schemeClr>
-          </a:solidFill>
-          <a:ln>
-            <a:solidFill>
-              <a:schemeClr val="bg1"/>
-            </a:solidFill>
-          </a:ln>
-        </p:spPr>
-        <p:style>
-          <a:lnRef idx="2">
-            <a:schemeClr val="accent1">
-              <a:shade val="50000"/>
-            </a:schemeClr>
-          </a:lnRef>
-          <a:fillRef idx="1">
-            <a:schemeClr val="accent1"/>
-          </a:fillRef>
-          <a:effectRef idx="0">
-            <a:schemeClr val="accent1"/>
-          </a:effectRef>
-          <a:fontRef idx="minor">
-            <a:schemeClr val="lt1"/>
-          </a:fontRef>
-        </p:style>
-        <p:txBody>
-          <a:bodyPr rtlCol="0" anchor="ctr"/>
-          <a:lstStyle/>
-          <a:p>
-            <a:pPr algn="ctr"/>
-            <a:r>
-              <a:rPr lang="en-US" altLang="ko-KR" dirty="0"/>
-              <a:t>S_M_Spawn2</a:t>
-            </a:r>
-            <a:endParaRPr lang="ko-KR" altLang="en-US" dirty="0"/>
-          </a:p>
-        </p:txBody>
-      </p:sp>
-      <p:cxnSp>
-        <p:nvCxnSpPr>
-          <p:cNvPr id="34" name="직선 화살표 연결선 33">
-            <a:extLst>
-              <a:ext uri="{FF2B5EF4-FFF2-40B4-BE49-F238E27FC236}">
-                <a16:creationId xmlns:a16="http://schemas.microsoft.com/office/drawing/2014/main" id="{0F948338-F92E-4D22-872F-DDEB04DF8AFD}"/>
-              </a:ext>
-            </a:extLst>
-          </p:cNvPr>
-          <p:cNvCxnSpPr>
-            <a:cxnSpLocks/>
-            <a:stCxn id="32" idx="2"/>
-            <a:endCxn id="19" idx="0"/>
-          </p:cNvCxnSpPr>
-          <p:nvPr/>
-        </p:nvCxnSpPr>
-        <p:spPr>
-          <a:xfrm>
-            <a:off x="8972175" y="3324416"/>
-            <a:ext cx="0" cy="2233290"/>
-          </a:xfrm>
-          <a:prstGeom prst="straightConnector1">
-            <a:avLst/>
-          </a:prstGeom>
-          <a:ln w="38100">
-            <a:solidFill>
-              <a:schemeClr val="bg1"/>
-            </a:solidFill>
-            <a:tailEnd type="triangle"/>
-          </a:ln>
-        </p:spPr>
-        <p:style>
-          <a:lnRef idx="1">
-            <a:schemeClr val="accent1"/>
-          </a:lnRef>
-          <a:fillRef idx="0">
-            <a:schemeClr val="accent1"/>
-          </a:fillRef>
-          <a:effectRef idx="0">
-            <a:schemeClr val="accent1"/>
-          </a:effectRef>
-          <a:fontRef idx="minor">
-            <a:schemeClr val="tx1"/>
-          </a:fontRef>
-        </p:style>
-      </p:cxnSp>
-      <p:cxnSp>
-        <p:nvCxnSpPr>
-          <p:cNvPr id="37" name="직선 화살표 연결선 36">
-            <a:extLst>
-              <a:ext uri="{FF2B5EF4-FFF2-40B4-BE49-F238E27FC236}">
-                <a16:creationId xmlns:a16="http://schemas.microsoft.com/office/drawing/2014/main" id="{A1C2B0BA-20BE-45E8-9B91-356E656E8DE0}"/>
-              </a:ext>
-            </a:extLst>
-          </p:cNvPr>
-          <p:cNvCxnSpPr>
-            <a:cxnSpLocks/>
-            <a:stCxn id="33" idx="2"/>
-            <a:endCxn id="22" idx="0"/>
-          </p:cNvCxnSpPr>
-          <p:nvPr/>
-        </p:nvCxnSpPr>
-        <p:spPr>
-          <a:xfrm>
-            <a:off x="16069783" y="3324416"/>
-            <a:ext cx="0" cy="2233290"/>
-          </a:xfrm>
-          <a:prstGeom prst="straightConnector1">
-            <a:avLst/>
-          </a:prstGeom>
-          <a:ln w="38100">
-            <a:solidFill>
-              <a:schemeClr val="bg1"/>
-            </a:solidFill>
-            <a:tailEnd type="triangle"/>
-          </a:ln>
-        </p:spPr>
-        <p:style>
-          <a:lnRef idx="1">
-            <a:schemeClr val="accent1"/>
-          </a:lnRef>
-          <a:fillRef idx="0">
-            <a:schemeClr val="accent1"/>
-          </a:fillRef>
-          <a:effectRef idx="0">
-            <a:schemeClr val="accent1"/>
-          </a:effectRef>
-          <a:fontRef idx="minor">
-            <a:schemeClr val="tx1"/>
-          </a:fontRef>
-        </p:style>
-      </p:cxnSp>
-      <p:sp>
-        <p:nvSpPr>
-          <p:cNvPr id="41" name="사각형: 둥근 모서리 40">
-            <a:extLst>
-              <a:ext uri="{FF2B5EF4-FFF2-40B4-BE49-F238E27FC236}">
-                <a16:creationId xmlns:a16="http://schemas.microsoft.com/office/drawing/2014/main" id="{79DB4BD8-973D-46A3-A8DE-A42C456C3232}"/>
-              </a:ext>
-            </a:extLst>
-          </p:cNvPr>
-          <p:cNvSpPr/>
-          <p:nvPr/>
-        </p:nvSpPr>
-        <p:spPr>
-          <a:xfrm>
-            <a:off x="16159783" y="3754724"/>
-            <a:ext cx="1325028" cy="369332"/>
-          </a:xfrm>
-          <a:prstGeom prst="roundRect">
-            <a:avLst/>
-          </a:prstGeom>
-          <a:solidFill>
-            <a:schemeClr val="bg2">
-              <a:lumMod val="25000"/>
-            </a:schemeClr>
-          </a:solidFill>
-          <a:ln>
-            <a:solidFill>
-              <a:schemeClr val="bg1"/>
-            </a:solidFill>
-          </a:ln>
-        </p:spPr>
-        <p:style>
-          <a:lnRef idx="2">
-            <a:schemeClr val="accent1">
-              <a:shade val="50000"/>
-            </a:schemeClr>
-          </a:lnRef>
-          <a:fillRef idx="1">
-            <a:schemeClr val="accent1"/>
-          </a:fillRef>
-          <a:effectRef idx="0">
-            <a:schemeClr val="accent1"/>
-          </a:effectRef>
-          <a:fontRef idx="minor">
-            <a:schemeClr val="lt1"/>
-          </a:fontRef>
-        </p:style>
-        <p:txBody>
-          <a:bodyPr rtlCol="0" anchor="ctr"/>
-          <a:lstStyle/>
-          <a:p>
-            <a:pPr algn="ctr"/>
-            <a:r>
-              <a:rPr lang="en-US" altLang="ko-KR" dirty="0"/>
-              <a:t>S_M_Goal1</a:t>
-            </a:r>
-            <a:endParaRPr lang="ko-KR" altLang="en-US" dirty="0"/>
-          </a:p>
-        </p:txBody>
-      </p:sp>
-      <p:cxnSp>
-        <p:nvCxnSpPr>
-          <p:cNvPr id="42" name="직선 화살표 연결선 41">
-            <a:extLst>
-              <a:ext uri="{FF2B5EF4-FFF2-40B4-BE49-F238E27FC236}">
-                <a16:creationId xmlns:a16="http://schemas.microsoft.com/office/drawing/2014/main" id="{E25EC41C-4021-4B6A-9811-AE39AFE3CDAF}"/>
-              </a:ext>
-            </a:extLst>
-          </p:cNvPr>
-          <p:cNvCxnSpPr>
-            <a:cxnSpLocks/>
-            <a:stCxn id="54" idx="2"/>
-            <a:endCxn id="21" idx="0"/>
-          </p:cNvCxnSpPr>
-          <p:nvPr/>
-        </p:nvCxnSpPr>
-        <p:spPr>
-          <a:xfrm>
-            <a:off x="8219661" y="4124056"/>
-            <a:ext cx="278827" cy="1433650"/>
-          </a:xfrm>
-          <a:prstGeom prst="straightConnector1">
-            <a:avLst/>
-          </a:prstGeom>
-          <a:ln w="38100">
-            <a:solidFill>
-              <a:schemeClr val="bg1"/>
-            </a:solidFill>
-            <a:tailEnd type="triangle"/>
-          </a:ln>
-        </p:spPr>
-        <p:style>
-          <a:lnRef idx="1">
-            <a:schemeClr val="accent1"/>
-          </a:lnRef>
-          <a:fillRef idx="0">
-            <a:schemeClr val="accent1"/>
-          </a:fillRef>
-          <a:effectRef idx="0">
-            <a:schemeClr val="accent1"/>
-          </a:effectRef>
-          <a:fontRef idx="minor">
-            <a:schemeClr val="tx1"/>
-          </a:fontRef>
-        </p:style>
-      </p:cxnSp>
-      <p:cxnSp>
-        <p:nvCxnSpPr>
-          <p:cNvPr id="45" name="직선 화살표 연결선 44">
-            <a:extLst>
-              <a:ext uri="{FF2B5EF4-FFF2-40B4-BE49-F238E27FC236}">
-                <a16:creationId xmlns:a16="http://schemas.microsoft.com/office/drawing/2014/main" id="{D3044BF6-A961-4F2D-80A9-C873EACA63A1}"/>
-              </a:ext>
-            </a:extLst>
-          </p:cNvPr>
-          <p:cNvCxnSpPr>
-            <a:cxnSpLocks/>
-            <a:stCxn id="41" idx="2"/>
-            <a:endCxn id="20" idx="0"/>
-          </p:cNvCxnSpPr>
-          <p:nvPr/>
-        </p:nvCxnSpPr>
-        <p:spPr>
-          <a:xfrm flipH="1">
-            <a:off x="16543470" y="4124056"/>
-            <a:ext cx="278827" cy="1433650"/>
-          </a:xfrm>
-          <a:prstGeom prst="straightConnector1">
-            <a:avLst/>
-          </a:prstGeom>
-          <a:ln w="38100">
-            <a:solidFill>
-              <a:schemeClr val="bg1"/>
-            </a:solidFill>
-            <a:tailEnd type="triangle"/>
-          </a:ln>
-        </p:spPr>
-        <p:style>
-          <a:lnRef idx="1">
-            <a:schemeClr val="accent1"/>
-          </a:lnRef>
-          <a:fillRef idx="0">
-            <a:schemeClr val="accent1"/>
-          </a:fillRef>
-          <a:effectRef idx="0">
-            <a:schemeClr val="accent1"/>
-          </a:effectRef>
-          <a:fontRef idx="minor">
-            <a:schemeClr val="tx1"/>
-          </a:fontRef>
-        </p:style>
-      </p:cxnSp>
-      <p:sp>
-        <p:nvSpPr>
-          <p:cNvPr id="54" name="사각형: 둥근 모서리 53">
-            <a:extLst>
-              <a:ext uri="{FF2B5EF4-FFF2-40B4-BE49-F238E27FC236}">
-                <a16:creationId xmlns:a16="http://schemas.microsoft.com/office/drawing/2014/main" id="{8962C636-36FE-49D1-A075-D03717B14B2B}"/>
-              </a:ext>
-            </a:extLst>
-          </p:cNvPr>
-          <p:cNvSpPr/>
-          <p:nvPr/>
-        </p:nvSpPr>
-        <p:spPr>
-          <a:xfrm>
-            <a:off x="7557147" y="3754724"/>
-            <a:ext cx="1325028" cy="369332"/>
-          </a:xfrm>
-          <a:prstGeom prst="roundRect">
-            <a:avLst/>
-          </a:prstGeom>
-          <a:solidFill>
-            <a:schemeClr val="bg2">
-              <a:lumMod val="25000"/>
-            </a:schemeClr>
-          </a:solidFill>
-          <a:ln>
-            <a:solidFill>
-              <a:schemeClr val="bg1"/>
-            </a:solidFill>
-          </a:ln>
-        </p:spPr>
-        <p:style>
-          <a:lnRef idx="2">
-            <a:schemeClr val="accent1">
-              <a:shade val="50000"/>
-            </a:schemeClr>
-          </a:lnRef>
-          <a:fillRef idx="1">
-            <a:schemeClr val="accent1"/>
-          </a:fillRef>
-          <a:effectRef idx="0">
-            <a:schemeClr val="accent1"/>
-          </a:effectRef>
-          <a:fontRef idx="minor">
-            <a:schemeClr val="lt1"/>
-          </a:fontRef>
-        </p:style>
-        <p:txBody>
-          <a:bodyPr rtlCol="0" anchor="ctr"/>
-          <a:lstStyle/>
-          <a:p>
-            <a:pPr algn="ctr"/>
-            <a:r>
-              <a:rPr lang="en-US" altLang="ko-KR" dirty="0"/>
-              <a:t>S_M_Goal2</a:t>
-            </a:r>
-            <a:endParaRPr lang="ko-KR" altLang="en-US" dirty="0"/>
-          </a:p>
-        </p:txBody>
-      </p:sp>
     </p:spTree>
     <p:extLst>
       <p:ext uri="{BB962C8B-B14F-4D97-AF65-F5344CB8AC3E}">
         <p14:creationId xmlns:p14="http://schemas.microsoft.com/office/powerpoint/2010/main" val="1335835539"/>
-      </p:ext>
-    </p:extLst>
-  </p:cSld>
-  <p:clrMapOvr>
-    <a:masterClrMapping/>
-  </p:clrMapOvr>
-</p:sld>
-</file>
-
-<file path=ppt/slides/slide9.xml><?xml version="1.0" encoding="utf-8"?>
-<p:sld xmlns:a="http://schemas.openxmlformats.org/drawingml/2006/main" xmlns:r="http://schemas.openxmlformats.org/officeDocument/2006/relationships" xmlns:p="http://schemas.openxmlformats.org/presentationml/2006/main">
-  <p:cSld>
-    <p:spTree>
-      <p:nvGrpSpPr>
-        <p:cNvPr id="1" name=""/>
-        <p:cNvGrpSpPr/>
-        <p:nvPr/>
-      </p:nvGrpSpPr>
-      <p:grpSpPr>
-        <a:xfrm>
-          <a:off x="0" y="0"/>
-          <a:ext cx="0" cy="0"/>
-          <a:chOff x="0" y="0"/>
-          <a:chExt cx="0" cy="0"/>
-        </a:xfrm>
-      </p:grpSpPr>
-      <p:sp>
-        <p:nvSpPr>
-          <p:cNvPr id="4" name="사각형: 둥근 모서리 3">
-            <a:extLst>
-              <a:ext uri="{FF2B5EF4-FFF2-40B4-BE49-F238E27FC236}">
-                <a16:creationId xmlns:a16="http://schemas.microsoft.com/office/drawing/2014/main" id="{C3EDDF7F-C7DA-4344-A53E-3B2080B67532}"/>
-              </a:ext>
-            </a:extLst>
-          </p:cNvPr>
-          <p:cNvSpPr/>
-          <p:nvPr/>
-        </p:nvSpPr>
-        <p:spPr>
-          <a:xfrm>
-            <a:off x="101601" y="993855"/>
-            <a:ext cx="17406942" cy="318170"/>
-          </a:xfrm>
-          <a:prstGeom prst="roundRect">
-            <a:avLst/>
-          </a:prstGeom>
-          <a:solidFill>
-            <a:schemeClr val="tx1"/>
-          </a:solidFill>
-          <a:ln>
-            <a:noFill/>
-          </a:ln>
-        </p:spPr>
-        <p:style>
-          <a:lnRef idx="2">
-            <a:schemeClr val="accent1">
-              <a:shade val="50000"/>
-            </a:schemeClr>
-          </a:lnRef>
-          <a:fillRef idx="1">
-            <a:schemeClr val="accent1"/>
-          </a:fillRef>
-          <a:effectRef idx="0">
-            <a:schemeClr val="accent1"/>
-          </a:effectRef>
-          <a:fontRef idx="minor">
-            <a:schemeClr val="lt1"/>
-          </a:fontRef>
-        </p:style>
-        <p:txBody>
-          <a:bodyPr rtlCol="0" anchor="ctr"/>
-          <a:lstStyle/>
-          <a:p>
-            <a:pPr algn="ctr"/>
-            <a:r>
-              <a:rPr lang="ko-KR" altLang="en-US" b="1" dirty="0">
-                <a:latin typeface="메이플스토리" panose="02000300000000000000" pitchFamily="2" charset="-127"/>
-                <a:ea typeface="메이플스토리" panose="02000300000000000000" pitchFamily="2" charset="-127"/>
-              </a:rPr>
-              <a:t>보스</a:t>
-            </a:r>
-            <a:r>
-              <a:rPr lang="en-US" altLang="ko-KR" b="1" dirty="0">
-                <a:latin typeface="메이플스토리" panose="02000300000000000000" pitchFamily="2" charset="-127"/>
-                <a:ea typeface="메이플스토리" panose="02000300000000000000" pitchFamily="2" charset="-127"/>
-              </a:rPr>
-              <a:t> </a:t>
-            </a:r>
-            <a:r>
-              <a:rPr lang="ko-KR" altLang="en-US" b="1" dirty="0">
-                <a:latin typeface="메이플스토리" panose="02000300000000000000" pitchFamily="2" charset="-127"/>
-                <a:ea typeface="메이플스토리" panose="02000300000000000000" pitchFamily="2" charset="-127"/>
-              </a:rPr>
-              <a:t>전투 패턴</a:t>
-            </a:r>
-            <a:r>
-              <a:rPr lang="en-US" altLang="ko-KR" b="1" dirty="0">
-                <a:latin typeface="메이플스토리" panose="02000300000000000000" pitchFamily="2" charset="-127"/>
-                <a:ea typeface="메이플스토리" panose="02000300000000000000" pitchFamily="2" charset="-127"/>
-              </a:rPr>
-              <a:t>4</a:t>
-            </a:r>
-            <a:endParaRPr lang="ko-KR" altLang="en-US" b="1" dirty="0">
-              <a:latin typeface="메이플스토리" panose="02000300000000000000" pitchFamily="2" charset="-127"/>
-              <a:ea typeface="메이플스토리" panose="02000300000000000000" pitchFamily="2" charset="-127"/>
-            </a:endParaRPr>
-          </a:p>
-        </p:txBody>
-      </p:sp>
-      <p:sp>
-        <p:nvSpPr>
-          <p:cNvPr id="5" name="직사각형 4">
-            <a:extLst>
-              <a:ext uri="{FF2B5EF4-FFF2-40B4-BE49-F238E27FC236}">
-                <a16:creationId xmlns:a16="http://schemas.microsoft.com/office/drawing/2014/main" id="{D81A64FA-EA23-440A-B69D-0844B84B5458}"/>
-              </a:ext>
-            </a:extLst>
-          </p:cNvPr>
-          <p:cNvSpPr/>
-          <p:nvPr/>
-        </p:nvSpPr>
-        <p:spPr>
-          <a:xfrm>
-            <a:off x="8132804" y="33681"/>
-            <a:ext cx="1344535" cy="923330"/>
-          </a:xfrm>
-          <a:prstGeom prst="rect">
-            <a:avLst/>
-          </a:prstGeom>
-          <a:noFill/>
-        </p:spPr>
-        <p:txBody>
-          <a:bodyPr wrap="none" lIns="91440" tIns="45720" rIns="91440" bIns="45720">
-            <a:spAutoFit/>
-          </a:bodyPr>
-          <a:lstStyle/>
-          <a:p>
-            <a:pPr algn="ctr"/>
-            <a:r>
-              <a:rPr lang="en-US" altLang="ko-KR" sz="5400" b="1" dirty="0">
-                <a:ln w="0">
-                  <a:solidFill>
-                    <a:schemeClr val="bg1"/>
-                  </a:solidFill>
-                </a:ln>
-                <a:latin typeface="+mj-ea"/>
-                <a:ea typeface="+mj-ea"/>
-              </a:rPr>
-              <a:t>WA</a:t>
-            </a:r>
-          </a:p>
-        </p:txBody>
-      </p:sp>
-    </p:spTree>
-    <p:extLst>
-      <p:ext uri="{BB962C8B-B14F-4D97-AF65-F5344CB8AC3E}">
-        <p14:creationId xmlns:p14="http://schemas.microsoft.com/office/powerpoint/2010/main" val="296902530"/>
       </p:ext>
     </p:extLst>
   </p:cSld>

--- a/기획서/문서/보스 기획서.pptx
+++ b/기획서/문서/보스 기획서.pptx
@@ -5,20 +5,15 @@
     <p:sldMasterId id="2147483684" r:id="rId1"/>
   </p:sldMasterIdLst>
   <p:notesMasterIdLst>
-    <p:notesMasterId r:id="rId10"/>
+    <p:notesMasterId r:id="rId5"/>
   </p:notesMasterIdLst>
   <p:handoutMasterIdLst>
-    <p:handoutMasterId r:id="rId11"/>
+    <p:handoutMasterId r:id="rId6"/>
   </p:handoutMasterIdLst>
   <p:sldIdLst>
     <p:sldId id="256" r:id="rId2"/>
     <p:sldId id="257" r:id="rId3"/>
     <p:sldId id="260" r:id="rId4"/>
-    <p:sldId id="264" r:id="rId5"/>
-    <p:sldId id="265" r:id="rId6"/>
-    <p:sldId id="261" r:id="rId7"/>
-    <p:sldId id="266" r:id="rId8"/>
-    <p:sldId id="267" r:id="rId9"/>
   </p:sldIdLst>
   <p:sldSz cx="17610138" cy="9906000"/>
   <p:notesSz cx="6858000" cy="9144000"/>
@@ -231,7 +226,7 @@
           <a:p>
             <a:fld id="{D686C50E-113A-4B4A-8A5C-9EE1E9DBA064}" type="datetimeFigureOut">
               <a:rPr lang="ko-KR" altLang="en-US" smtClean="0"/>
-              <a:t>2021-06-04</a:t>
+              <a:t>2021-05-20</a:t>
             </a:fld>
             <a:endParaRPr lang="ko-KR" altLang="en-US" dirty="0"/>
           </a:p>
@@ -408,7 +403,7 @@
           <a:p>
             <a:fld id="{40EC3B2E-CA71-40FC-A78E-FA212ABD0BB7}" type="datetimeFigureOut">
               <a:rPr lang="ko-KR" altLang="en-US" smtClean="0"/>
-              <a:t>2021-06-04</a:t>
+              <a:t>2021-05-20</a:t>
             </a:fld>
             <a:endParaRPr lang="ko-KR" altLang="en-US" dirty="0"/>
           </a:p>
@@ -806,7 +801,7 @@
           <a:p>
             <a:fld id="{F8CAAD71-D53C-4447-AAA3-BC9075A67E69}" type="datetimeFigureOut">
               <a:rPr lang="ko-KR" altLang="en-US" smtClean="0"/>
-              <a:t>2021-06-04</a:t>
+              <a:t>2021-05-20</a:t>
             </a:fld>
             <a:endParaRPr lang="ko-KR" altLang="en-US" dirty="0"/>
           </a:p>
@@ -976,7 +971,7 @@
           <a:p>
             <a:fld id="{F8CAAD71-D53C-4447-AAA3-BC9075A67E69}" type="datetimeFigureOut">
               <a:rPr lang="ko-KR" altLang="en-US" smtClean="0"/>
-              <a:t>2021-06-04</a:t>
+              <a:t>2021-05-20</a:t>
             </a:fld>
             <a:endParaRPr lang="ko-KR" altLang="en-US" dirty="0"/>
           </a:p>
@@ -1156,7 +1151,7 @@
           <a:p>
             <a:fld id="{F8CAAD71-D53C-4447-AAA3-BC9075A67E69}" type="datetimeFigureOut">
               <a:rPr lang="ko-KR" altLang="en-US" smtClean="0"/>
-              <a:t>2021-06-04</a:t>
+              <a:t>2021-05-20</a:t>
             </a:fld>
             <a:endParaRPr lang="ko-KR" altLang="en-US" dirty="0"/>
           </a:p>
@@ -1326,7 +1321,7 @@
           <a:p>
             <a:fld id="{F8CAAD71-D53C-4447-AAA3-BC9075A67E69}" type="datetimeFigureOut">
               <a:rPr lang="ko-KR" altLang="en-US" smtClean="0"/>
-              <a:t>2021-06-04</a:t>
+              <a:t>2021-05-20</a:t>
             </a:fld>
             <a:endParaRPr lang="ko-KR" altLang="en-US" dirty="0"/>
           </a:p>
@@ -1572,7 +1567,7 @@
           <a:p>
             <a:fld id="{F8CAAD71-D53C-4447-AAA3-BC9075A67E69}" type="datetimeFigureOut">
               <a:rPr lang="ko-KR" altLang="en-US" smtClean="0"/>
-              <a:t>2021-06-04</a:t>
+              <a:t>2021-05-20</a:t>
             </a:fld>
             <a:endParaRPr lang="ko-KR" altLang="en-US" dirty="0"/>
           </a:p>
@@ -1804,7 +1799,7 @@
           <a:p>
             <a:fld id="{F8CAAD71-D53C-4447-AAA3-BC9075A67E69}" type="datetimeFigureOut">
               <a:rPr lang="ko-KR" altLang="en-US" smtClean="0"/>
-              <a:t>2021-06-04</a:t>
+              <a:t>2021-05-20</a:t>
             </a:fld>
             <a:endParaRPr lang="ko-KR" altLang="en-US" dirty="0"/>
           </a:p>
@@ -2171,7 +2166,7 @@
           <a:p>
             <a:fld id="{F8CAAD71-D53C-4447-AAA3-BC9075A67E69}" type="datetimeFigureOut">
               <a:rPr lang="ko-KR" altLang="en-US" smtClean="0"/>
-              <a:t>2021-06-04</a:t>
+              <a:t>2021-05-20</a:t>
             </a:fld>
             <a:endParaRPr lang="ko-KR" altLang="en-US" dirty="0"/>
           </a:p>
@@ -2289,7 +2284,7 @@
           <a:p>
             <a:fld id="{F8CAAD71-D53C-4447-AAA3-BC9075A67E69}" type="datetimeFigureOut">
               <a:rPr lang="ko-KR" altLang="en-US" smtClean="0"/>
-              <a:t>2021-06-04</a:t>
+              <a:t>2021-05-20</a:t>
             </a:fld>
             <a:endParaRPr lang="ko-KR" altLang="en-US" dirty="0"/>
           </a:p>
@@ -2384,7 +2379,7 @@
           <a:p>
             <a:fld id="{F8CAAD71-D53C-4447-AAA3-BC9075A67E69}" type="datetimeFigureOut">
               <a:rPr lang="ko-KR" altLang="en-US" smtClean="0"/>
-              <a:t>2021-06-04</a:t>
+              <a:t>2021-05-20</a:t>
             </a:fld>
             <a:endParaRPr lang="ko-KR" altLang="en-US" dirty="0"/>
           </a:p>
@@ -2661,7 +2656,7 @@
           <a:p>
             <a:fld id="{F8CAAD71-D53C-4447-AAA3-BC9075A67E69}" type="datetimeFigureOut">
               <a:rPr lang="ko-KR" altLang="en-US" smtClean="0"/>
-              <a:t>2021-06-04</a:t>
+              <a:t>2021-05-20</a:t>
             </a:fld>
             <a:endParaRPr lang="ko-KR" altLang="en-US" dirty="0"/>
           </a:p>
@@ -2918,7 +2913,7 @@
           <a:p>
             <a:fld id="{F8CAAD71-D53C-4447-AAA3-BC9075A67E69}" type="datetimeFigureOut">
               <a:rPr lang="ko-KR" altLang="en-US" smtClean="0"/>
-              <a:t>2021-06-04</a:t>
+              <a:t>2021-05-20</a:t>
             </a:fld>
             <a:endParaRPr lang="ko-KR" altLang="en-US" dirty="0"/>
           </a:p>
@@ -3136,7 +3131,7 @@
           <a:p>
             <a:fld id="{F8CAAD71-D53C-4447-AAA3-BC9075A67E69}" type="datetimeFigureOut">
               <a:rPr lang="ko-KR" altLang="en-US" smtClean="0"/>
-              <a:t>2021-06-04</a:t>
+              <a:t>2021-05-20</a:t>
             </a:fld>
             <a:endParaRPr lang="ko-KR" altLang="en-US" dirty="0"/>
           </a:p>
@@ -3952,18 +3947,25 @@
           <a:p>
             <a:pPr algn="ctr"/>
             <a:r>
+              <a:rPr lang="en-US" altLang="ko-KR" b="1" dirty="0">
+                <a:latin typeface="메이플스토리" panose="02000300000000000000" pitchFamily="2" charset="-127"/>
+                <a:ea typeface="메이플스토리" panose="02000300000000000000" pitchFamily="2" charset="-127"/>
+              </a:rPr>
+              <a:t>Level 2 Boss (</a:t>
+            </a:r>
+            <a:r>
               <a:rPr lang="ko-KR" altLang="en-US" b="1" dirty="0">
                 <a:latin typeface="메이플스토리" panose="02000300000000000000" pitchFamily="2" charset="-127"/>
                 <a:ea typeface="메이플스토리" panose="02000300000000000000" pitchFamily="2" charset="-127"/>
               </a:rPr>
-              <a:t>보스</a:t>
+              <a:t>거대메카</a:t>
             </a:r>
             <a:r>
               <a:rPr lang="en-US" altLang="ko-KR" b="1" dirty="0">
                 <a:latin typeface="메이플스토리" panose="02000300000000000000" pitchFamily="2" charset="-127"/>
                 <a:ea typeface="메이플스토리" panose="02000300000000000000" pitchFamily="2" charset="-127"/>
               </a:rPr>
-              <a:t> </a:t>
+              <a:t>) </a:t>
             </a:r>
             <a:r>
               <a:rPr lang="ko-KR" altLang="en-US" b="1" dirty="0">
@@ -4737,3553 +4739,6 @@
     <p:extLst>
       <p:ext uri="{BB962C8B-B14F-4D97-AF65-F5344CB8AC3E}">
         <p14:creationId xmlns:p14="http://schemas.microsoft.com/office/powerpoint/2010/main" val="3082644402"/>
-      </p:ext>
-    </p:extLst>
-  </p:cSld>
-  <p:clrMapOvr>
-    <a:masterClrMapping/>
-  </p:clrMapOvr>
-</p:sld>
-</file>
-
-<file path=ppt/slides/slide4.xml><?xml version="1.0" encoding="utf-8"?>
-<p:sld xmlns:a="http://schemas.openxmlformats.org/drawingml/2006/main" xmlns:r="http://schemas.openxmlformats.org/officeDocument/2006/relationships" xmlns:p="http://schemas.openxmlformats.org/presentationml/2006/main">
-  <p:cSld>
-    <p:spTree>
-      <p:nvGrpSpPr>
-        <p:cNvPr id="1" name=""/>
-        <p:cNvGrpSpPr/>
-        <p:nvPr/>
-      </p:nvGrpSpPr>
-      <p:grpSpPr>
-        <a:xfrm>
-          <a:off x="0" y="0"/>
-          <a:ext cx="0" cy="0"/>
-          <a:chOff x="0" y="0"/>
-          <a:chExt cx="0" cy="0"/>
-        </a:xfrm>
-      </p:grpSpPr>
-      <p:sp>
-        <p:nvSpPr>
-          <p:cNvPr id="8" name="사각형: 둥근 모서리 7">
-            <a:extLst>
-              <a:ext uri="{FF2B5EF4-FFF2-40B4-BE49-F238E27FC236}">
-                <a16:creationId xmlns:a16="http://schemas.microsoft.com/office/drawing/2014/main" id="{6621E09A-072E-4221-9694-044F1CE109E0}"/>
-              </a:ext>
-            </a:extLst>
-          </p:cNvPr>
-          <p:cNvSpPr/>
-          <p:nvPr/>
-        </p:nvSpPr>
-        <p:spPr>
-          <a:xfrm>
-            <a:off x="101601" y="993855"/>
-            <a:ext cx="17406942" cy="318170"/>
-          </a:xfrm>
-          <a:prstGeom prst="roundRect">
-            <a:avLst/>
-          </a:prstGeom>
-          <a:solidFill>
-            <a:schemeClr val="tx1"/>
-          </a:solidFill>
-          <a:ln>
-            <a:noFill/>
-          </a:ln>
-        </p:spPr>
-        <p:style>
-          <a:lnRef idx="2">
-            <a:schemeClr val="accent1">
-              <a:shade val="50000"/>
-            </a:schemeClr>
-          </a:lnRef>
-          <a:fillRef idx="1">
-            <a:schemeClr val="accent1"/>
-          </a:fillRef>
-          <a:effectRef idx="0">
-            <a:schemeClr val="accent1"/>
-          </a:effectRef>
-          <a:fontRef idx="minor">
-            <a:schemeClr val="lt1"/>
-          </a:fontRef>
-        </p:style>
-        <p:txBody>
-          <a:bodyPr rtlCol="0" anchor="ctr"/>
-          <a:lstStyle/>
-          <a:p>
-            <a:pPr algn="ctr"/>
-            <a:r>
-              <a:rPr lang="ko-KR" altLang="en-US" b="1" dirty="0">
-                <a:latin typeface="메이플스토리" panose="02000300000000000000" pitchFamily="2" charset="-127"/>
-                <a:ea typeface="메이플스토리" panose="02000300000000000000" pitchFamily="2" charset="-127"/>
-              </a:rPr>
-              <a:t>보스</a:t>
-            </a:r>
-            <a:r>
-              <a:rPr lang="en-US" altLang="ko-KR" b="1" dirty="0">
-                <a:latin typeface="메이플스토리" panose="02000300000000000000" pitchFamily="2" charset="-127"/>
-                <a:ea typeface="메이플스토리" panose="02000300000000000000" pitchFamily="2" charset="-127"/>
-              </a:rPr>
-              <a:t> </a:t>
-            </a:r>
-            <a:r>
-              <a:rPr lang="ko-KR" altLang="en-US" b="1" dirty="0">
-                <a:latin typeface="메이플스토리" panose="02000300000000000000" pitchFamily="2" charset="-127"/>
-                <a:ea typeface="메이플스토리" panose="02000300000000000000" pitchFamily="2" charset="-127"/>
-              </a:rPr>
-              <a:t>등장 요소</a:t>
-            </a:r>
-          </a:p>
-        </p:txBody>
-      </p:sp>
-      <p:sp>
-        <p:nvSpPr>
-          <p:cNvPr id="9" name="직사각형 8">
-            <a:extLst>
-              <a:ext uri="{FF2B5EF4-FFF2-40B4-BE49-F238E27FC236}">
-                <a16:creationId xmlns:a16="http://schemas.microsoft.com/office/drawing/2014/main" id="{94F2371C-0352-412D-8908-A2E16DD190D5}"/>
-              </a:ext>
-            </a:extLst>
-          </p:cNvPr>
-          <p:cNvSpPr/>
-          <p:nvPr/>
-        </p:nvSpPr>
-        <p:spPr>
-          <a:xfrm>
-            <a:off x="8132804" y="33681"/>
-            <a:ext cx="1344535" cy="923330"/>
-          </a:xfrm>
-          <a:prstGeom prst="rect">
-            <a:avLst/>
-          </a:prstGeom>
-          <a:noFill/>
-        </p:spPr>
-        <p:txBody>
-          <a:bodyPr wrap="none" lIns="91440" tIns="45720" rIns="91440" bIns="45720">
-            <a:spAutoFit/>
-          </a:bodyPr>
-          <a:lstStyle/>
-          <a:p>
-            <a:pPr algn="ctr"/>
-            <a:r>
-              <a:rPr lang="en-US" altLang="ko-KR" sz="5400" b="1" dirty="0">
-                <a:ln w="0">
-                  <a:solidFill>
-                    <a:schemeClr val="bg1"/>
-                  </a:solidFill>
-                </a:ln>
-                <a:latin typeface="+mj-ea"/>
-                <a:ea typeface="+mj-ea"/>
-              </a:rPr>
-              <a:t>WA</a:t>
-            </a:r>
-          </a:p>
-        </p:txBody>
-      </p:sp>
-      <p:graphicFrame>
-        <p:nvGraphicFramePr>
-          <p:cNvPr id="2" name="표 2">
-            <a:extLst>
-              <a:ext uri="{FF2B5EF4-FFF2-40B4-BE49-F238E27FC236}">
-                <a16:creationId xmlns:a16="http://schemas.microsoft.com/office/drawing/2014/main" id="{FEA0F547-5237-41AE-AC7C-2839CEF6CB0C}"/>
-              </a:ext>
-            </a:extLst>
-          </p:cNvPr>
-          <p:cNvGraphicFramePr>
-            <a:graphicFrameLocks noGrp="1"/>
-          </p:cNvGraphicFramePr>
-          <p:nvPr>
-            <p:extLst>
-              <p:ext uri="{D42A27DB-BD31-4B8C-83A1-F6EECF244321}">
-                <p14:modId xmlns:p14="http://schemas.microsoft.com/office/powerpoint/2010/main" val="148367736"/>
-              </p:ext>
-            </p:extLst>
-          </p:nvPr>
-        </p:nvGraphicFramePr>
-        <p:xfrm>
-          <a:off x="101600" y="1454164"/>
-          <a:ext cx="17406941" cy="1981200"/>
-        </p:xfrm>
-        <a:graphic>
-          <a:graphicData uri="http://schemas.openxmlformats.org/drawingml/2006/table">
-            <a:tbl>
-              <a:tblPr firstRow="1" bandRow="1">
-                <a:tableStyleId>{5C22544A-7EE6-4342-B048-85BDC9FD1C3A}</a:tableStyleId>
-              </a:tblPr>
-              <a:tblGrid>
-                <a:gridCol w="4595185">
-                  <a:extLst>
-                    <a:ext uri="{9D8B030D-6E8A-4147-A177-3AD203B41FA5}">
-                      <a16:colId xmlns:a16="http://schemas.microsoft.com/office/drawing/2014/main" val="2045934317"/>
-                    </a:ext>
-                  </a:extLst>
-                </a:gridCol>
-                <a:gridCol w="12811756">
-                  <a:extLst>
-                    <a:ext uri="{9D8B030D-6E8A-4147-A177-3AD203B41FA5}">
-                      <a16:colId xmlns:a16="http://schemas.microsoft.com/office/drawing/2014/main" val="1006964532"/>
-                    </a:ext>
-                  </a:extLst>
-                </a:gridCol>
-              </a:tblGrid>
-              <a:tr h="124139">
-                <a:tc>
-                  <a:txBody>
-                    <a:bodyPr/>
-                    <a:lstStyle/>
-                    <a:p>
-                      <a:pPr algn="ctr" latinLnBrk="1"/>
-                      <a:r>
-                        <a:rPr lang="ko-KR" altLang="en-US" sz="2000" dirty="0">
-                          <a:solidFill>
-                            <a:sysClr val="windowText" lastClr="000000"/>
-                          </a:solidFill>
-                        </a:rPr>
-                        <a:t>등장 </a:t>
-                      </a:r>
-                      <a:r>
-                        <a:rPr lang="ko-KR" altLang="en-US" sz="2000" dirty="0" err="1">
-                          <a:solidFill>
-                            <a:sysClr val="windowText" lastClr="000000"/>
-                          </a:solidFill>
-                        </a:rPr>
-                        <a:t>기믹들</a:t>
-                      </a:r>
-                      <a:endParaRPr lang="ko-KR" altLang="en-US" sz="2000" dirty="0">
-                        <a:solidFill>
-                          <a:sysClr val="windowText" lastClr="000000"/>
-                        </a:solidFill>
-                      </a:endParaRPr>
-                    </a:p>
-                  </a:txBody>
-                  <a:tcPr anchor="ctr">
-                    <a:lnL w="12700" cap="flat" cmpd="sng" algn="ctr">
-                      <a:solidFill>
-                        <a:schemeClr val="tx1"/>
-                      </a:solidFill>
-                      <a:prstDash val="solid"/>
-                      <a:round/>
-                      <a:headEnd type="none" w="med" len="med"/>
-                      <a:tailEnd type="none" w="med" len="med"/>
-                    </a:lnL>
-                    <a:lnR w="12700" cap="flat" cmpd="sng" algn="ctr">
-                      <a:solidFill>
-                        <a:schemeClr val="tx1"/>
-                      </a:solidFill>
-                      <a:prstDash val="solid"/>
-                      <a:round/>
-                      <a:headEnd type="none" w="med" len="med"/>
-                      <a:tailEnd type="none" w="med" len="med"/>
-                    </a:lnR>
-                    <a:lnT w="12700" cap="flat" cmpd="sng" algn="ctr">
-                      <a:solidFill>
-                        <a:schemeClr val="tx1"/>
-                      </a:solidFill>
-                      <a:prstDash val="solid"/>
-                      <a:round/>
-                      <a:headEnd type="none" w="med" len="med"/>
-                      <a:tailEnd type="none" w="med" len="med"/>
-                    </a:lnT>
-                    <a:lnB w="12700" cap="flat" cmpd="sng" algn="ctr">
-                      <a:solidFill>
-                        <a:schemeClr val="tx1"/>
-                      </a:solidFill>
-                      <a:prstDash val="solid"/>
-                      <a:round/>
-                      <a:headEnd type="none" w="med" len="med"/>
-                      <a:tailEnd type="none" w="med" len="med"/>
-                    </a:lnB>
-                    <a:lnTlToBr w="12700" cmpd="sng">
-                      <a:noFill/>
-                      <a:prstDash val="solid"/>
-                    </a:lnTlToBr>
-                    <a:lnBlToTr w="12700" cmpd="sng">
-                      <a:noFill/>
-                      <a:prstDash val="solid"/>
-                    </a:lnBlToTr>
-                    <a:solidFill>
-                      <a:schemeClr val="bg1"/>
-                    </a:solidFill>
-                  </a:tcPr>
-                </a:tc>
-                <a:tc>
-                  <a:txBody>
-                    <a:bodyPr/>
-                    <a:lstStyle/>
-                    <a:p>
-                      <a:pPr algn="ctr" latinLnBrk="1"/>
-                      <a:r>
-                        <a:rPr lang="ko-KR" altLang="en-US" sz="2000" dirty="0">
-                          <a:solidFill>
-                            <a:sysClr val="windowText" lastClr="000000"/>
-                          </a:solidFill>
-                        </a:rPr>
-                        <a:t>요약</a:t>
-                      </a:r>
-                    </a:p>
-                  </a:txBody>
-                  <a:tcPr>
-                    <a:lnL w="12700" cap="flat" cmpd="sng" algn="ctr">
-                      <a:solidFill>
-                        <a:schemeClr val="tx1"/>
-                      </a:solidFill>
-                      <a:prstDash val="solid"/>
-                      <a:round/>
-                      <a:headEnd type="none" w="med" len="med"/>
-                      <a:tailEnd type="none" w="med" len="med"/>
-                    </a:lnL>
-                    <a:lnR w="12700" cap="flat" cmpd="sng" algn="ctr">
-                      <a:solidFill>
-                        <a:schemeClr val="tx1"/>
-                      </a:solidFill>
-                      <a:prstDash val="solid"/>
-                      <a:round/>
-                      <a:headEnd type="none" w="med" len="med"/>
-                      <a:tailEnd type="none" w="med" len="med"/>
-                    </a:lnR>
-                    <a:lnT w="12700" cap="flat" cmpd="sng" algn="ctr">
-                      <a:solidFill>
-                        <a:schemeClr val="tx1"/>
-                      </a:solidFill>
-                      <a:prstDash val="solid"/>
-                      <a:round/>
-                      <a:headEnd type="none" w="med" len="med"/>
-                      <a:tailEnd type="none" w="med" len="med"/>
-                    </a:lnT>
-                    <a:lnB w="12700" cap="flat" cmpd="sng" algn="ctr">
-                      <a:solidFill>
-                        <a:schemeClr val="tx1"/>
-                      </a:solidFill>
-                      <a:prstDash val="solid"/>
-                      <a:round/>
-                      <a:headEnd type="none" w="med" len="med"/>
-                      <a:tailEnd type="none" w="med" len="med"/>
-                    </a:lnB>
-                    <a:lnTlToBr w="12700" cmpd="sng">
-                      <a:noFill/>
-                      <a:prstDash val="solid"/>
-                    </a:lnTlToBr>
-                    <a:lnBlToTr w="12700" cmpd="sng">
-                      <a:noFill/>
-                      <a:prstDash val="solid"/>
-                    </a:lnBlToTr>
-                    <a:solidFill>
-                      <a:schemeClr val="bg1"/>
-                    </a:solidFill>
-                  </a:tcPr>
-                </a:tc>
-                <a:extLst>
-                  <a:ext uri="{0D108BD9-81ED-4DB2-BD59-A6C34878D82A}">
-                    <a16:rowId xmlns:a16="http://schemas.microsoft.com/office/drawing/2014/main" val="3215791778"/>
-                  </a:ext>
-                </a:extLst>
-              </a:tr>
-              <a:tr h="124139">
-                <a:tc>
-                  <a:txBody>
-                    <a:bodyPr/>
-                    <a:lstStyle/>
-                    <a:p>
-                      <a:pPr algn="ctr" latinLnBrk="1"/>
-                      <a:r>
-                        <a:rPr lang="en-US" altLang="ko-KR" sz="2000" dirty="0">
-                          <a:solidFill>
-                            <a:sysClr val="windowText" lastClr="000000"/>
-                          </a:solidFill>
-                        </a:rPr>
-                        <a:t>Shooter</a:t>
-                      </a:r>
-                      <a:endParaRPr lang="ko-KR" altLang="en-US" sz="2000" dirty="0">
-                        <a:solidFill>
-                          <a:sysClr val="windowText" lastClr="000000"/>
-                        </a:solidFill>
-                      </a:endParaRPr>
-                    </a:p>
-                  </a:txBody>
-                  <a:tcPr anchor="ctr">
-                    <a:lnL w="12700" cap="flat" cmpd="sng" algn="ctr">
-                      <a:solidFill>
-                        <a:schemeClr val="tx1"/>
-                      </a:solidFill>
-                      <a:prstDash val="solid"/>
-                      <a:round/>
-                      <a:headEnd type="none" w="med" len="med"/>
-                      <a:tailEnd type="none" w="med" len="med"/>
-                    </a:lnL>
-                    <a:lnR w="12700" cap="flat" cmpd="sng" algn="ctr">
-                      <a:solidFill>
-                        <a:schemeClr val="tx1"/>
-                      </a:solidFill>
-                      <a:prstDash val="solid"/>
-                      <a:round/>
-                      <a:headEnd type="none" w="med" len="med"/>
-                      <a:tailEnd type="none" w="med" len="med"/>
-                    </a:lnR>
-                    <a:lnT w="12700" cap="flat" cmpd="sng" algn="ctr">
-                      <a:solidFill>
-                        <a:schemeClr val="tx1"/>
-                      </a:solidFill>
-                      <a:prstDash val="solid"/>
-                      <a:round/>
-                      <a:headEnd type="none" w="med" len="med"/>
-                      <a:tailEnd type="none" w="med" len="med"/>
-                    </a:lnT>
-                    <a:lnB w="12700" cap="flat" cmpd="sng" algn="ctr">
-                      <a:solidFill>
-                        <a:schemeClr val="tx1"/>
-                      </a:solidFill>
-                      <a:prstDash val="solid"/>
-                      <a:round/>
-                      <a:headEnd type="none" w="med" len="med"/>
-                      <a:tailEnd type="none" w="med" len="med"/>
-                    </a:lnB>
-                    <a:lnTlToBr w="12700" cmpd="sng">
-                      <a:noFill/>
-                      <a:prstDash val="solid"/>
-                    </a:lnTlToBr>
-                    <a:lnBlToTr w="12700" cmpd="sng">
-                      <a:noFill/>
-                      <a:prstDash val="solid"/>
-                    </a:lnBlToTr>
-                    <a:solidFill>
-                      <a:schemeClr val="bg1"/>
-                    </a:solidFill>
-                  </a:tcPr>
-                </a:tc>
-                <a:tc>
-                  <a:txBody>
-                    <a:bodyPr/>
-                    <a:lstStyle/>
-                    <a:p>
-                      <a:pPr algn="l" latinLnBrk="1"/>
-                      <a:r>
-                        <a:rPr lang="ko-KR" altLang="en-US" sz="2000" dirty="0">
-                          <a:solidFill>
-                            <a:sysClr val="windowText" lastClr="000000"/>
-                          </a:solidFill>
-                        </a:rPr>
-                        <a:t>퍼즐요소의 </a:t>
-                      </a:r>
-                      <a:r>
-                        <a:rPr lang="en-US" altLang="ko-KR" sz="2000" dirty="0">
-                          <a:solidFill>
-                            <a:sysClr val="windowText" lastClr="000000"/>
-                          </a:solidFill>
-                        </a:rPr>
-                        <a:t>Shooter </a:t>
-                      </a:r>
-                      <a:r>
-                        <a:rPr lang="ko-KR" altLang="en-US" sz="2000" dirty="0">
-                          <a:solidFill>
-                            <a:sysClr val="windowText" lastClr="000000"/>
-                          </a:solidFill>
-                        </a:rPr>
-                        <a:t>와 동일하지만 한번 발사하면 스스로를 제거한다</a:t>
-                      </a:r>
-                      <a:r>
-                        <a:rPr lang="en-US" altLang="ko-KR" sz="2000" dirty="0">
-                          <a:solidFill>
-                            <a:sysClr val="windowText" lastClr="000000"/>
-                          </a:solidFill>
-                        </a:rPr>
-                        <a:t>.</a:t>
-                      </a:r>
-                      <a:endParaRPr lang="ko-KR" altLang="en-US" sz="2000" dirty="0">
-                        <a:solidFill>
-                          <a:sysClr val="windowText" lastClr="000000"/>
-                        </a:solidFill>
-                      </a:endParaRPr>
-                    </a:p>
-                  </a:txBody>
-                  <a:tcPr>
-                    <a:lnL w="12700" cap="flat" cmpd="sng" algn="ctr">
-                      <a:solidFill>
-                        <a:schemeClr val="tx1"/>
-                      </a:solidFill>
-                      <a:prstDash val="solid"/>
-                      <a:round/>
-                      <a:headEnd type="none" w="med" len="med"/>
-                      <a:tailEnd type="none" w="med" len="med"/>
-                    </a:lnL>
-                    <a:lnR w="12700" cap="flat" cmpd="sng" algn="ctr">
-                      <a:solidFill>
-                        <a:schemeClr val="tx1"/>
-                      </a:solidFill>
-                      <a:prstDash val="solid"/>
-                      <a:round/>
-                      <a:headEnd type="none" w="med" len="med"/>
-                      <a:tailEnd type="none" w="med" len="med"/>
-                    </a:lnR>
-                    <a:lnT w="12700" cap="flat" cmpd="sng" algn="ctr">
-                      <a:solidFill>
-                        <a:schemeClr val="tx1"/>
-                      </a:solidFill>
-                      <a:prstDash val="solid"/>
-                      <a:round/>
-                      <a:headEnd type="none" w="med" len="med"/>
-                      <a:tailEnd type="none" w="med" len="med"/>
-                    </a:lnT>
-                    <a:lnB w="12700" cap="flat" cmpd="sng" algn="ctr">
-                      <a:solidFill>
-                        <a:schemeClr val="tx1"/>
-                      </a:solidFill>
-                      <a:prstDash val="solid"/>
-                      <a:round/>
-                      <a:headEnd type="none" w="med" len="med"/>
-                      <a:tailEnd type="none" w="med" len="med"/>
-                    </a:lnB>
-                    <a:lnTlToBr w="12700" cmpd="sng">
-                      <a:noFill/>
-                      <a:prstDash val="solid"/>
-                    </a:lnTlToBr>
-                    <a:lnBlToTr w="12700" cmpd="sng">
-                      <a:noFill/>
-                      <a:prstDash val="solid"/>
-                    </a:lnBlToTr>
-                    <a:solidFill>
-                      <a:schemeClr val="bg1"/>
-                    </a:solidFill>
-                  </a:tcPr>
-                </a:tc>
-                <a:extLst>
-                  <a:ext uri="{0D108BD9-81ED-4DB2-BD59-A6C34878D82A}">
-                    <a16:rowId xmlns:a16="http://schemas.microsoft.com/office/drawing/2014/main" val="2230394961"/>
-                  </a:ext>
-                </a:extLst>
-              </a:tr>
-              <a:tr h="124139">
-                <a:tc>
-                  <a:txBody>
-                    <a:bodyPr/>
-                    <a:lstStyle/>
-                    <a:p>
-                      <a:pPr algn="ctr" latinLnBrk="1"/>
-                      <a:r>
-                        <a:rPr lang="en-US" altLang="ko-KR" sz="2000" dirty="0" err="1"/>
-                        <a:t>Spike_map</a:t>
-                      </a:r>
-                      <a:endParaRPr lang="ko-KR" altLang="en-US" sz="2000" dirty="0"/>
-                    </a:p>
-                  </a:txBody>
-                  <a:tcPr anchor="ctr">
-                    <a:lnL w="12700" cap="flat" cmpd="sng" algn="ctr">
-                      <a:solidFill>
-                        <a:schemeClr val="tx1"/>
-                      </a:solidFill>
-                      <a:prstDash val="solid"/>
-                      <a:round/>
-                      <a:headEnd type="none" w="med" len="med"/>
-                      <a:tailEnd type="none" w="med" len="med"/>
-                    </a:lnL>
-                    <a:lnR w="12700" cap="flat" cmpd="sng" algn="ctr">
-                      <a:solidFill>
-                        <a:schemeClr val="tx1"/>
-                      </a:solidFill>
-                      <a:prstDash val="solid"/>
-                      <a:round/>
-                      <a:headEnd type="none" w="med" len="med"/>
-                      <a:tailEnd type="none" w="med" len="med"/>
-                    </a:lnR>
-                    <a:lnT w="12700" cap="flat" cmpd="sng" algn="ctr">
-                      <a:solidFill>
-                        <a:schemeClr val="tx1"/>
-                      </a:solidFill>
-                      <a:prstDash val="solid"/>
-                      <a:round/>
-                      <a:headEnd type="none" w="med" len="med"/>
-                      <a:tailEnd type="none" w="med" len="med"/>
-                    </a:lnT>
-                    <a:lnB w="12700" cap="flat" cmpd="sng" algn="ctr">
-                      <a:solidFill>
-                        <a:schemeClr val="tx1"/>
-                      </a:solidFill>
-                      <a:prstDash val="solid"/>
-                      <a:round/>
-                      <a:headEnd type="none" w="med" len="med"/>
-                      <a:tailEnd type="none" w="med" len="med"/>
-                    </a:lnB>
-                    <a:lnTlToBr w="12700" cmpd="sng">
-                      <a:noFill/>
-                      <a:prstDash val="solid"/>
-                    </a:lnTlToBr>
-                    <a:lnBlToTr w="12700" cmpd="sng">
-                      <a:noFill/>
-                      <a:prstDash val="solid"/>
-                    </a:lnBlToTr>
-                    <a:solidFill>
-                      <a:schemeClr val="bg1"/>
-                    </a:solidFill>
-                  </a:tcPr>
-                </a:tc>
-                <a:tc>
-                  <a:txBody>
-                    <a:bodyPr/>
-                    <a:lstStyle/>
-                    <a:p>
-                      <a:pPr algn="l" latinLnBrk="1"/>
-                      <a:endParaRPr lang="ko-KR" altLang="en-US" sz="2000" dirty="0"/>
-                    </a:p>
-                  </a:txBody>
-                  <a:tcPr>
-                    <a:lnL w="12700" cap="flat" cmpd="sng" algn="ctr">
-                      <a:solidFill>
-                        <a:schemeClr val="tx1"/>
-                      </a:solidFill>
-                      <a:prstDash val="solid"/>
-                      <a:round/>
-                      <a:headEnd type="none" w="med" len="med"/>
-                      <a:tailEnd type="none" w="med" len="med"/>
-                    </a:lnL>
-                    <a:lnR w="12700" cap="flat" cmpd="sng" algn="ctr">
-                      <a:solidFill>
-                        <a:schemeClr val="tx1"/>
-                      </a:solidFill>
-                      <a:prstDash val="solid"/>
-                      <a:round/>
-                      <a:headEnd type="none" w="med" len="med"/>
-                      <a:tailEnd type="none" w="med" len="med"/>
-                    </a:lnR>
-                    <a:lnT w="12700" cap="flat" cmpd="sng" algn="ctr">
-                      <a:solidFill>
-                        <a:schemeClr val="tx1"/>
-                      </a:solidFill>
-                      <a:prstDash val="solid"/>
-                      <a:round/>
-                      <a:headEnd type="none" w="med" len="med"/>
-                      <a:tailEnd type="none" w="med" len="med"/>
-                    </a:lnT>
-                    <a:lnB w="12700" cap="flat" cmpd="sng" algn="ctr">
-                      <a:solidFill>
-                        <a:schemeClr val="tx1"/>
-                      </a:solidFill>
-                      <a:prstDash val="solid"/>
-                      <a:round/>
-                      <a:headEnd type="none" w="med" len="med"/>
-                      <a:tailEnd type="none" w="med" len="med"/>
-                    </a:lnB>
-                    <a:lnTlToBr w="12700" cmpd="sng">
-                      <a:noFill/>
-                      <a:prstDash val="solid"/>
-                    </a:lnTlToBr>
-                    <a:lnBlToTr w="12700" cmpd="sng">
-                      <a:noFill/>
-                      <a:prstDash val="solid"/>
-                    </a:lnBlToTr>
-                    <a:solidFill>
-                      <a:schemeClr val="bg1"/>
-                    </a:solidFill>
-                  </a:tcPr>
-                </a:tc>
-                <a:extLst>
-                  <a:ext uri="{0D108BD9-81ED-4DB2-BD59-A6C34878D82A}">
-                    <a16:rowId xmlns:a16="http://schemas.microsoft.com/office/drawing/2014/main" val="3357624662"/>
-                  </a:ext>
-                </a:extLst>
-              </a:tr>
-              <a:tr h="124139">
-                <a:tc>
-                  <a:txBody>
-                    <a:bodyPr/>
-                    <a:lstStyle/>
-                    <a:p>
-                      <a:pPr algn="ctr" latinLnBrk="1"/>
-                      <a:r>
-                        <a:rPr lang="en-US" altLang="ko-KR" sz="2000" dirty="0" err="1"/>
-                        <a:t>Laser_Barrel</a:t>
-                      </a:r>
-                      <a:endParaRPr lang="ko-KR" altLang="en-US" sz="2000" dirty="0"/>
-                    </a:p>
-                  </a:txBody>
-                  <a:tcPr anchor="ctr">
-                    <a:lnL w="12700" cap="flat" cmpd="sng" algn="ctr">
-                      <a:solidFill>
-                        <a:schemeClr val="tx1"/>
-                      </a:solidFill>
-                      <a:prstDash val="solid"/>
-                      <a:round/>
-                      <a:headEnd type="none" w="med" len="med"/>
-                      <a:tailEnd type="none" w="med" len="med"/>
-                    </a:lnL>
-                    <a:lnR w="12700" cap="flat" cmpd="sng" algn="ctr">
-                      <a:solidFill>
-                        <a:schemeClr val="tx1"/>
-                      </a:solidFill>
-                      <a:prstDash val="solid"/>
-                      <a:round/>
-                      <a:headEnd type="none" w="med" len="med"/>
-                      <a:tailEnd type="none" w="med" len="med"/>
-                    </a:lnR>
-                    <a:lnT w="12700" cap="flat" cmpd="sng" algn="ctr">
-                      <a:solidFill>
-                        <a:schemeClr val="tx1"/>
-                      </a:solidFill>
-                      <a:prstDash val="solid"/>
-                      <a:round/>
-                      <a:headEnd type="none" w="med" len="med"/>
-                      <a:tailEnd type="none" w="med" len="med"/>
-                    </a:lnT>
-                    <a:lnB w="12700" cap="flat" cmpd="sng" algn="ctr">
-                      <a:solidFill>
-                        <a:schemeClr val="tx1"/>
-                      </a:solidFill>
-                      <a:prstDash val="solid"/>
-                      <a:round/>
-                      <a:headEnd type="none" w="med" len="med"/>
-                      <a:tailEnd type="none" w="med" len="med"/>
-                    </a:lnB>
-                    <a:lnTlToBr w="12700" cmpd="sng">
-                      <a:noFill/>
-                      <a:prstDash val="solid"/>
-                    </a:lnTlToBr>
-                    <a:lnBlToTr w="12700" cmpd="sng">
-                      <a:noFill/>
-                      <a:prstDash val="solid"/>
-                    </a:lnBlToTr>
-                    <a:solidFill>
-                      <a:schemeClr val="bg1"/>
-                    </a:solidFill>
-                  </a:tcPr>
-                </a:tc>
-                <a:tc>
-                  <a:txBody>
-                    <a:bodyPr/>
-                    <a:lstStyle/>
-                    <a:p>
-                      <a:pPr algn="l" latinLnBrk="1"/>
-                      <a:r>
-                        <a:rPr lang="ko-KR" altLang="en-US" sz="2000" dirty="0"/>
-                        <a:t>원기둥에 </a:t>
-                      </a:r>
-                      <a:r>
-                        <a:rPr lang="en-US" altLang="ko-KR" sz="2000" dirty="0"/>
-                        <a:t>Laser</a:t>
-                      </a:r>
-                      <a:r>
-                        <a:rPr lang="ko-KR" altLang="en-US" sz="2000" dirty="0"/>
-                        <a:t>를 </a:t>
-                      </a:r>
-                      <a:r>
-                        <a:rPr lang="ko-KR" altLang="en-US" sz="2000" dirty="0" err="1"/>
-                        <a:t>달아놓은</a:t>
-                      </a:r>
-                      <a:r>
-                        <a:rPr lang="ko-KR" altLang="en-US" sz="2000" dirty="0"/>
-                        <a:t> 방해요소</a:t>
-                      </a:r>
-                    </a:p>
-                  </a:txBody>
-                  <a:tcPr>
-                    <a:lnL w="12700" cap="flat" cmpd="sng" algn="ctr">
-                      <a:solidFill>
-                        <a:schemeClr val="tx1"/>
-                      </a:solidFill>
-                      <a:prstDash val="solid"/>
-                      <a:round/>
-                      <a:headEnd type="none" w="med" len="med"/>
-                      <a:tailEnd type="none" w="med" len="med"/>
-                    </a:lnL>
-                    <a:lnR w="12700" cap="flat" cmpd="sng" algn="ctr">
-                      <a:solidFill>
-                        <a:schemeClr val="tx1"/>
-                      </a:solidFill>
-                      <a:prstDash val="solid"/>
-                      <a:round/>
-                      <a:headEnd type="none" w="med" len="med"/>
-                      <a:tailEnd type="none" w="med" len="med"/>
-                    </a:lnR>
-                    <a:lnT w="12700" cap="flat" cmpd="sng" algn="ctr">
-                      <a:solidFill>
-                        <a:schemeClr val="tx1"/>
-                      </a:solidFill>
-                      <a:prstDash val="solid"/>
-                      <a:round/>
-                      <a:headEnd type="none" w="med" len="med"/>
-                      <a:tailEnd type="none" w="med" len="med"/>
-                    </a:lnT>
-                    <a:lnB w="12700" cap="flat" cmpd="sng" algn="ctr">
-                      <a:solidFill>
-                        <a:schemeClr val="tx1"/>
-                      </a:solidFill>
-                      <a:prstDash val="solid"/>
-                      <a:round/>
-                      <a:headEnd type="none" w="med" len="med"/>
-                      <a:tailEnd type="none" w="med" len="med"/>
-                    </a:lnB>
-                    <a:lnTlToBr w="12700" cmpd="sng">
-                      <a:noFill/>
-                      <a:prstDash val="solid"/>
-                    </a:lnTlToBr>
-                    <a:lnBlToTr w="12700" cmpd="sng">
-                      <a:noFill/>
-                      <a:prstDash val="solid"/>
-                    </a:lnBlToTr>
-                    <a:solidFill>
-                      <a:schemeClr val="bg1"/>
-                    </a:solidFill>
-                  </a:tcPr>
-                </a:tc>
-                <a:extLst>
-                  <a:ext uri="{0D108BD9-81ED-4DB2-BD59-A6C34878D82A}">
-                    <a16:rowId xmlns:a16="http://schemas.microsoft.com/office/drawing/2014/main" val="3394986258"/>
-                  </a:ext>
-                </a:extLst>
-              </a:tr>
-              <a:tr h="124139">
-                <a:tc>
-                  <a:txBody>
-                    <a:bodyPr/>
-                    <a:lstStyle/>
-                    <a:p>
-                      <a:pPr algn="ctr" latinLnBrk="1"/>
-                      <a:endParaRPr lang="ko-KR" altLang="en-US" sz="2000" dirty="0"/>
-                    </a:p>
-                  </a:txBody>
-                  <a:tcPr anchor="ctr">
-                    <a:lnL w="12700" cap="flat" cmpd="sng" algn="ctr">
-                      <a:solidFill>
-                        <a:schemeClr val="tx1"/>
-                      </a:solidFill>
-                      <a:prstDash val="solid"/>
-                      <a:round/>
-                      <a:headEnd type="none" w="med" len="med"/>
-                      <a:tailEnd type="none" w="med" len="med"/>
-                    </a:lnL>
-                    <a:lnR w="12700" cap="flat" cmpd="sng" algn="ctr">
-                      <a:solidFill>
-                        <a:schemeClr val="tx1"/>
-                      </a:solidFill>
-                      <a:prstDash val="solid"/>
-                      <a:round/>
-                      <a:headEnd type="none" w="med" len="med"/>
-                      <a:tailEnd type="none" w="med" len="med"/>
-                    </a:lnR>
-                    <a:lnT w="12700" cap="flat" cmpd="sng" algn="ctr">
-                      <a:solidFill>
-                        <a:schemeClr val="tx1"/>
-                      </a:solidFill>
-                      <a:prstDash val="solid"/>
-                      <a:round/>
-                      <a:headEnd type="none" w="med" len="med"/>
-                      <a:tailEnd type="none" w="med" len="med"/>
-                    </a:lnT>
-                    <a:lnB w="12700" cap="flat" cmpd="sng" algn="ctr">
-                      <a:solidFill>
-                        <a:schemeClr val="tx1"/>
-                      </a:solidFill>
-                      <a:prstDash val="solid"/>
-                      <a:round/>
-                      <a:headEnd type="none" w="med" len="med"/>
-                      <a:tailEnd type="none" w="med" len="med"/>
-                    </a:lnB>
-                    <a:lnTlToBr w="12700" cmpd="sng">
-                      <a:noFill/>
-                      <a:prstDash val="solid"/>
-                    </a:lnTlToBr>
-                    <a:lnBlToTr w="12700" cmpd="sng">
-                      <a:noFill/>
-                      <a:prstDash val="solid"/>
-                    </a:lnBlToTr>
-                    <a:solidFill>
-                      <a:schemeClr val="bg1"/>
-                    </a:solidFill>
-                  </a:tcPr>
-                </a:tc>
-                <a:tc>
-                  <a:txBody>
-                    <a:bodyPr/>
-                    <a:lstStyle/>
-                    <a:p>
-                      <a:pPr algn="l" latinLnBrk="1"/>
-                      <a:endParaRPr lang="ko-KR" altLang="en-US" sz="2000" dirty="0"/>
-                    </a:p>
-                  </a:txBody>
-                  <a:tcPr>
-                    <a:lnL w="12700" cap="flat" cmpd="sng" algn="ctr">
-                      <a:solidFill>
-                        <a:schemeClr val="tx1"/>
-                      </a:solidFill>
-                      <a:prstDash val="solid"/>
-                      <a:round/>
-                      <a:headEnd type="none" w="med" len="med"/>
-                      <a:tailEnd type="none" w="med" len="med"/>
-                    </a:lnL>
-                    <a:lnR w="12700" cap="flat" cmpd="sng" algn="ctr">
-                      <a:solidFill>
-                        <a:schemeClr val="tx1"/>
-                      </a:solidFill>
-                      <a:prstDash val="solid"/>
-                      <a:round/>
-                      <a:headEnd type="none" w="med" len="med"/>
-                      <a:tailEnd type="none" w="med" len="med"/>
-                    </a:lnR>
-                    <a:lnT w="12700" cap="flat" cmpd="sng" algn="ctr">
-                      <a:solidFill>
-                        <a:schemeClr val="tx1"/>
-                      </a:solidFill>
-                      <a:prstDash val="solid"/>
-                      <a:round/>
-                      <a:headEnd type="none" w="med" len="med"/>
-                      <a:tailEnd type="none" w="med" len="med"/>
-                    </a:lnT>
-                    <a:lnB w="12700" cap="flat" cmpd="sng" algn="ctr">
-                      <a:solidFill>
-                        <a:schemeClr val="tx1"/>
-                      </a:solidFill>
-                      <a:prstDash val="solid"/>
-                      <a:round/>
-                      <a:headEnd type="none" w="med" len="med"/>
-                      <a:tailEnd type="none" w="med" len="med"/>
-                    </a:lnB>
-                    <a:lnTlToBr w="12700" cmpd="sng">
-                      <a:noFill/>
-                      <a:prstDash val="solid"/>
-                    </a:lnTlToBr>
-                    <a:lnBlToTr w="12700" cmpd="sng">
-                      <a:noFill/>
-                      <a:prstDash val="solid"/>
-                    </a:lnBlToTr>
-                    <a:solidFill>
-                      <a:schemeClr val="bg1"/>
-                    </a:solidFill>
-                  </a:tcPr>
-                </a:tc>
-                <a:extLst>
-                  <a:ext uri="{0D108BD9-81ED-4DB2-BD59-A6C34878D82A}">
-                    <a16:rowId xmlns:a16="http://schemas.microsoft.com/office/drawing/2014/main" val="167414824"/>
-                  </a:ext>
-                </a:extLst>
-              </a:tr>
-            </a:tbl>
-          </a:graphicData>
-        </a:graphic>
-      </p:graphicFrame>
-    </p:spTree>
-    <p:extLst>
-      <p:ext uri="{BB962C8B-B14F-4D97-AF65-F5344CB8AC3E}">
-        <p14:creationId xmlns:p14="http://schemas.microsoft.com/office/powerpoint/2010/main" val="3496579384"/>
-      </p:ext>
-    </p:extLst>
-  </p:cSld>
-  <p:clrMapOvr>
-    <a:masterClrMapping/>
-  </p:clrMapOvr>
-</p:sld>
-</file>
-
-<file path=ppt/slides/slide5.xml><?xml version="1.0" encoding="utf-8"?>
-<p:sld xmlns:a="http://schemas.openxmlformats.org/drawingml/2006/main" xmlns:r="http://schemas.openxmlformats.org/officeDocument/2006/relationships" xmlns:p="http://schemas.openxmlformats.org/presentationml/2006/main">
-  <p:cSld>
-    <p:spTree>
-      <p:nvGrpSpPr>
-        <p:cNvPr id="1" name=""/>
-        <p:cNvGrpSpPr/>
-        <p:nvPr/>
-      </p:nvGrpSpPr>
-      <p:grpSpPr>
-        <a:xfrm>
-          <a:off x="0" y="0"/>
-          <a:ext cx="0" cy="0"/>
-          <a:chOff x="0" y="0"/>
-          <a:chExt cx="0" cy="0"/>
-        </a:xfrm>
-      </p:grpSpPr>
-      <p:sp>
-        <p:nvSpPr>
-          <p:cNvPr id="8" name="사각형: 둥근 모서리 7">
-            <a:extLst>
-              <a:ext uri="{FF2B5EF4-FFF2-40B4-BE49-F238E27FC236}">
-                <a16:creationId xmlns:a16="http://schemas.microsoft.com/office/drawing/2014/main" id="{6621E09A-072E-4221-9694-044F1CE109E0}"/>
-              </a:ext>
-            </a:extLst>
-          </p:cNvPr>
-          <p:cNvSpPr/>
-          <p:nvPr/>
-        </p:nvSpPr>
-        <p:spPr>
-          <a:xfrm>
-            <a:off x="101601" y="993855"/>
-            <a:ext cx="17406942" cy="318170"/>
-          </a:xfrm>
-          <a:prstGeom prst="roundRect">
-            <a:avLst/>
-          </a:prstGeom>
-          <a:solidFill>
-            <a:schemeClr val="tx1"/>
-          </a:solidFill>
-          <a:ln>
-            <a:noFill/>
-          </a:ln>
-        </p:spPr>
-        <p:style>
-          <a:lnRef idx="2">
-            <a:schemeClr val="accent1">
-              <a:shade val="50000"/>
-            </a:schemeClr>
-          </a:lnRef>
-          <a:fillRef idx="1">
-            <a:schemeClr val="accent1"/>
-          </a:fillRef>
-          <a:effectRef idx="0">
-            <a:schemeClr val="accent1"/>
-          </a:effectRef>
-          <a:fontRef idx="minor">
-            <a:schemeClr val="lt1"/>
-          </a:fontRef>
-        </p:style>
-        <p:txBody>
-          <a:bodyPr rtlCol="0" anchor="ctr"/>
-          <a:lstStyle/>
-          <a:p>
-            <a:pPr algn="ctr"/>
-            <a:r>
-              <a:rPr lang="ko-KR" altLang="en-US" b="1" dirty="0">
-                <a:latin typeface="메이플스토리" panose="02000300000000000000" pitchFamily="2" charset="-127"/>
-                <a:ea typeface="메이플스토리" panose="02000300000000000000" pitchFamily="2" charset="-127"/>
-              </a:rPr>
-              <a:t>보스 패턴 루틴</a:t>
-            </a:r>
-          </a:p>
-        </p:txBody>
-      </p:sp>
-      <p:sp>
-        <p:nvSpPr>
-          <p:cNvPr id="9" name="직사각형 8">
-            <a:extLst>
-              <a:ext uri="{FF2B5EF4-FFF2-40B4-BE49-F238E27FC236}">
-                <a16:creationId xmlns:a16="http://schemas.microsoft.com/office/drawing/2014/main" id="{94F2371C-0352-412D-8908-A2E16DD190D5}"/>
-              </a:ext>
-            </a:extLst>
-          </p:cNvPr>
-          <p:cNvSpPr/>
-          <p:nvPr/>
-        </p:nvSpPr>
-        <p:spPr>
-          <a:xfrm>
-            <a:off x="8132804" y="33681"/>
-            <a:ext cx="1344535" cy="923330"/>
-          </a:xfrm>
-          <a:prstGeom prst="rect">
-            <a:avLst/>
-          </a:prstGeom>
-          <a:noFill/>
-        </p:spPr>
-        <p:txBody>
-          <a:bodyPr wrap="none" lIns="91440" tIns="45720" rIns="91440" bIns="45720">
-            <a:spAutoFit/>
-          </a:bodyPr>
-          <a:lstStyle/>
-          <a:p>
-            <a:pPr algn="ctr"/>
-            <a:r>
-              <a:rPr lang="en-US" altLang="ko-KR" sz="5400" b="1" dirty="0">
-                <a:ln w="0">
-                  <a:solidFill>
-                    <a:schemeClr val="bg1"/>
-                  </a:solidFill>
-                </a:ln>
-                <a:latin typeface="+mj-ea"/>
-                <a:ea typeface="+mj-ea"/>
-              </a:rPr>
-              <a:t>WA</a:t>
-            </a:r>
-          </a:p>
-        </p:txBody>
-      </p:sp>
-      <p:grpSp>
-        <p:nvGrpSpPr>
-          <p:cNvPr id="22" name="그룹 21">
-            <a:extLst>
-              <a:ext uri="{FF2B5EF4-FFF2-40B4-BE49-F238E27FC236}">
-                <a16:creationId xmlns:a16="http://schemas.microsoft.com/office/drawing/2014/main" id="{9CA8963E-8485-4BAC-83D6-1AEA9DF62E4B}"/>
-              </a:ext>
-            </a:extLst>
-          </p:cNvPr>
-          <p:cNvGrpSpPr/>
-          <p:nvPr/>
-        </p:nvGrpSpPr>
-        <p:grpSpPr>
-          <a:xfrm>
-            <a:off x="3259091" y="3028659"/>
-            <a:ext cx="11091956" cy="3848681"/>
-            <a:chOff x="2648109" y="2966466"/>
-            <a:chExt cx="8022336" cy="2783586"/>
-          </a:xfrm>
-        </p:grpSpPr>
-        <p:sp>
-          <p:nvSpPr>
-            <p:cNvPr id="21" name="화살표: U자형 20">
-              <a:extLst>
-                <a:ext uri="{FF2B5EF4-FFF2-40B4-BE49-F238E27FC236}">
-                  <a16:creationId xmlns:a16="http://schemas.microsoft.com/office/drawing/2014/main" id="{F0DE6018-0478-4DBD-97DA-BF86BED516B0}"/>
-                </a:ext>
-              </a:extLst>
-            </p:cNvPr>
-            <p:cNvSpPr/>
-            <p:nvPr/>
-          </p:nvSpPr>
-          <p:spPr>
-            <a:xfrm flipH="1">
-              <a:off x="3035807" y="2966466"/>
-              <a:ext cx="6950022" cy="1207770"/>
-            </a:xfrm>
-            <a:prstGeom prst="uturnArrow">
-              <a:avLst>
-                <a:gd name="adj1" fmla="val 21972"/>
-                <a:gd name="adj2" fmla="val 25000"/>
-                <a:gd name="adj3" fmla="val 19801"/>
-                <a:gd name="adj4" fmla="val 43750"/>
-                <a:gd name="adj5" fmla="val 75000"/>
-              </a:avLst>
-            </a:prstGeom>
-            <a:solidFill>
-              <a:schemeClr val="accent2">
-                <a:lumMod val="60000"/>
-                <a:lumOff val="40000"/>
-              </a:schemeClr>
-            </a:solidFill>
-            <a:ln>
-              <a:solidFill>
-                <a:schemeClr val="bg1"/>
-              </a:solidFill>
-            </a:ln>
-          </p:spPr>
-          <p:style>
-            <a:lnRef idx="2">
-              <a:schemeClr val="accent1">
-                <a:shade val="50000"/>
-              </a:schemeClr>
-            </a:lnRef>
-            <a:fillRef idx="1">
-              <a:schemeClr val="accent1"/>
-            </a:fillRef>
-            <a:effectRef idx="0">
-              <a:schemeClr val="accent1"/>
-            </a:effectRef>
-            <a:fontRef idx="minor">
-              <a:schemeClr val="lt1"/>
-            </a:fontRef>
-          </p:style>
-          <p:txBody>
-            <a:bodyPr rtlCol="0" anchor="ctr"/>
-            <a:lstStyle/>
-            <a:p>
-              <a:pPr algn="ctr"/>
-              <a:endParaRPr lang="ko-KR" altLang="en-US">
-                <a:solidFill>
-                  <a:schemeClr val="tx1"/>
-                </a:solidFill>
-              </a:endParaRPr>
-            </a:p>
-          </p:txBody>
-        </p:sp>
-        <p:sp>
-          <p:nvSpPr>
-            <p:cNvPr id="16" name="화살표: 오른쪽 15">
-              <a:extLst>
-                <a:ext uri="{FF2B5EF4-FFF2-40B4-BE49-F238E27FC236}">
-                  <a16:creationId xmlns:a16="http://schemas.microsoft.com/office/drawing/2014/main" id="{60C8BD17-6070-46EF-A745-E813865E2480}"/>
-                </a:ext>
-              </a:extLst>
-            </p:cNvPr>
-            <p:cNvSpPr/>
-            <p:nvPr/>
-          </p:nvSpPr>
-          <p:spPr>
-            <a:xfrm>
-              <a:off x="4233069" y="4698492"/>
-              <a:ext cx="560832" cy="499872"/>
-            </a:xfrm>
-            <a:prstGeom prst="rightArrow">
-              <a:avLst/>
-            </a:prstGeom>
-            <a:solidFill>
-              <a:schemeClr val="accent2">
-                <a:lumMod val="60000"/>
-                <a:lumOff val="40000"/>
-              </a:schemeClr>
-            </a:solidFill>
-            <a:ln>
-              <a:solidFill>
-                <a:schemeClr val="bg1"/>
-              </a:solidFill>
-            </a:ln>
-          </p:spPr>
-          <p:style>
-            <a:lnRef idx="2">
-              <a:schemeClr val="accent1">
-                <a:shade val="50000"/>
-              </a:schemeClr>
-            </a:lnRef>
-            <a:fillRef idx="1">
-              <a:schemeClr val="accent1"/>
-            </a:fillRef>
-            <a:effectRef idx="0">
-              <a:schemeClr val="accent1"/>
-            </a:effectRef>
-            <a:fontRef idx="minor">
-              <a:schemeClr val="lt1"/>
-            </a:fontRef>
-          </p:style>
-          <p:txBody>
-            <a:bodyPr rtlCol="0" anchor="ctr"/>
-            <a:lstStyle/>
-            <a:p>
-              <a:pPr algn="ctr"/>
-              <a:endParaRPr lang="ko-KR" altLang="en-US"/>
-            </a:p>
-          </p:txBody>
-        </p:sp>
-        <p:sp>
-          <p:nvSpPr>
-            <p:cNvPr id="17" name="화살표: 오른쪽 16">
-              <a:extLst>
-                <a:ext uri="{FF2B5EF4-FFF2-40B4-BE49-F238E27FC236}">
-                  <a16:creationId xmlns:a16="http://schemas.microsoft.com/office/drawing/2014/main" id="{99676225-DF1E-4618-8327-C4FE8954FAE0}"/>
-                </a:ext>
-              </a:extLst>
-            </p:cNvPr>
-            <p:cNvSpPr/>
-            <p:nvPr/>
-          </p:nvSpPr>
-          <p:spPr>
-            <a:xfrm>
-              <a:off x="6378861" y="4707636"/>
-              <a:ext cx="560832" cy="499872"/>
-            </a:xfrm>
-            <a:prstGeom prst="rightArrow">
-              <a:avLst/>
-            </a:prstGeom>
-            <a:solidFill>
-              <a:schemeClr val="accent2">
-                <a:lumMod val="60000"/>
-                <a:lumOff val="40000"/>
-              </a:schemeClr>
-            </a:solidFill>
-            <a:ln>
-              <a:solidFill>
-                <a:schemeClr val="bg1"/>
-              </a:solidFill>
-            </a:ln>
-          </p:spPr>
-          <p:style>
-            <a:lnRef idx="2">
-              <a:schemeClr val="accent1">
-                <a:shade val="50000"/>
-              </a:schemeClr>
-            </a:lnRef>
-            <a:fillRef idx="1">
-              <a:schemeClr val="accent1"/>
-            </a:fillRef>
-            <a:effectRef idx="0">
-              <a:schemeClr val="accent1"/>
-            </a:effectRef>
-            <a:fontRef idx="minor">
-              <a:schemeClr val="lt1"/>
-            </a:fontRef>
-          </p:style>
-          <p:txBody>
-            <a:bodyPr rtlCol="0" anchor="ctr"/>
-            <a:lstStyle/>
-            <a:p>
-              <a:pPr algn="ctr"/>
-              <a:endParaRPr lang="ko-KR" altLang="en-US"/>
-            </a:p>
-          </p:txBody>
-        </p:sp>
-        <p:sp>
-          <p:nvSpPr>
-            <p:cNvPr id="18" name="화살표: 오른쪽 17">
-              <a:extLst>
-                <a:ext uri="{FF2B5EF4-FFF2-40B4-BE49-F238E27FC236}">
-                  <a16:creationId xmlns:a16="http://schemas.microsoft.com/office/drawing/2014/main" id="{2E1F25B7-FB68-40EC-9790-4E998111C5AC}"/>
-                </a:ext>
-              </a:extLst>
-            </p:cNvPr>
-            <p:cNvSpPr/>
-            <p:nvPr/>
-          </p:nvSpPr>
-          <p:spPr>
-            <a:xfrm>
-              <a:off x="8524653" y="4698492"/>
-              <a:ext cx="560832" cy="499872"/>
-            </a:xfrm>
-            <a:prstGeom prst="rightArrow">
-              <a:avLst/>
-            </a:prstGeom>
-            <a:solidFill>
-              <a:schemeClr val="accent2">
-                <a:lumMod val="60000"/>
-                <a:lumOff val="40000"/>
-              </a:schemeClr>
-            </a:solidFill>
-            <a:ln>
-              <a:solidFill>
-                <a:schemeClr val="bg1"/>
-              </a:solidFill>
-            </a:ln>
-          </p:spPr>
-          <p:style>
-            <a:lnRef idx="2">
-              <a:schemeClr val="accent1">
-                <a:shade val="50000"/>
-              </a:schemeClr>
-            </a:lnRef>
-            <a:fillRef idx="1">
-              <a:schemeClr val="accent1"/>
-            </a:fillRef>
-            <a:effectRef idx="0">
-              <a:schemeClr val="accent1"/>
-            </a:effectRef>
-            <a:fontRef idx="minor">
-              <a:schemeClr val="lt1"/>
-            </a:fontRef>
-          </p:style>
-          <p:txBody>
-            <a:bodyPr rtlCol="0" anchor="ctr"/>
-            <a:lstStyle/>
-            <a:p>
-              <a:pPr algn="ctr"/>
-              <a:endParaRPr lang="ko-KR" altLang="en-US"/>
-            </a:p>
-          </p:txBody>
-        </p:sp>
-        <p:grpSp>
-          <p:nvGrpSpPr>
-            <p:cNvPr id="6" name="그룹 5">
-              <a:extLst>
-                <a:ext uri="{FF2B5EF4-FFF2-40B4-BE49-F238E27FC236}">
-                  <a16:creationId xmlns:a16="http://schemas.microsoft.com/office/drawing/2014/main" id="{4B5AED00-992B-46AF-A014-DC82D5D8FF7B}"/>
-                </a:ext>
-              </a:extLst>
-            </p:cNvPr>
-            <p:cNvGrpSpPr/>
-            <p:nvPr/>
-          </p:nvGrpSpPr>
-          <p:grpSpPr>
-            <a:xfrm>
-              <a:off x="2648109" y="4155948"/>
-              <a:ext cx="8022336" cy="1594104"/>
-              <a:chOff x="2648109" y="3660648"/>
-              <a:chExt cx="8022336" cy="1594104"/>
-            </a:xfrm>
-          </p:grpSpPr>
-          <p:sp>
-            <p:nvSpPr>
-              <p:cNvPr id="4" name="사각형: 둥근 모서리 3">
-                <a:extLst>
-                  <a:ext uri="{FF2B5EF4-FFF2-40B4-BE49-F238E27FC236}">
-                    <a16:creationId xmlns:a16="http://schemas.microsoft.com/office/drawing/2014/main" id="{D7E8FC86-6833-4393-B18C-95906BB79F75}"/>
-                  </a:ext>
-                </a:extLst>
-              </p:cNvPr>
-              <p:cNvSpPr/>
-              <p:nvPr/>
-            </p:nvSpPr>
-            <p:spPr>
-              <a:xfrm>
-                <a:off x="2648109" y="3660648"/>
-                <a:ext cx="1584960" cy="1584960"/>
-              </a:xfrm>
-              <a:prstGeom prst="roundRect">
-                <a:avLst/>
-              </a:prstGeom>
-              <a:solidFill>
-                <a:schemeClr val="accent4">
-                  <a:lumMod val="40000"/>
-                  <a:lumOff val="60000"/>
-                </a:schemeClr>
-              </a:solidFill>
-              <a:ln w="38100">
-                <a:solidFill>
-                  <a:schemeClr val="bg1"/>
-                </a:solidFill>
-              </a:ln>
-            </p:spPr>
-            <p:style>
-              <a:lnRef idx="2">
-                <a:schemeClr val="accent1">
-                  <a:shade val="50000"/>
-                </a:schemeClr>
-              </a:lnRef>
-              <a:fillRef idx="1">
-                <a:schemeClr val="accent1"/>
-              </a:fillRef>
-              <a:effectRef idx="0">
-                <a:schemeClr val="accent1"/>
-              </a:effectRef>
-              <a:fontRef idx="minor">
-                <a:schemeClr val="lt1"/>
-              </a:fontRef>
-            </p:style>
-            <p:txBody>
-              <a:bodyPr rtlCol="0" anchor="ctr"/>
-              <a:lstStyle/>
-              <a:p>
-                <a:pPr algn="ctr"/>
-                <a:r>
-                  <a:rPr lang="ko-KR" altLang="en-US" sz="3200" b="1" dirty="0">
-                    <a:solidFill>
-                      <a:sysClr val="windowText" lastClr="000000"/>
-                    </a:solidFill>
-                  </a:rPr>
-                  <a:t>패턴</a:t>
-                </a:r>
-                <a:r>
-                  <a:rPr lang="en-US" altLang="ko-KR" sz="3200" b="1" dirty="0">
-                    <a:solidFill>
-                      <a:sysClr val="windowText" lastClr="000000"/>
-                    </a:solidFill>
-                  </a:rPr>
-                  <a:t>1</a:t>
-                </a:r>
-                <a:endParaRPr lang="ko-KR" altLang="en-US" sz="3200" b="1" dirty="0">
-                  <a:solidFill>
-                    <a:sysClr val="windowText" lastClr="000000"/>
-                  </a:solidFill>
-                </a:endParaRPr>
-              </a:p>
-            </p:txBody>
-          </p:sp>
-          <p:sp>
-            <p:nvSpPr>
-              <p:cNvPr id="7" name="사각형: 둥근 모서리 6">
-                <a:extLst>
-                  <a:ext uri="{FF2B5EF4-FFF2-40B4-BE49-F238E27FC236}">
-                    <a16:creationId xmlns:a16="http://schemas.microsoft.com/office/drawing/2014/main" id="{1BBC3A37-81C1-4302-9D0F-1058C6CE77FD}"/>
-                  </a:ext>
-                </a:extLst>
-              </p:cNvPr>
-              <p:cNvSpPr/>
-              <p:nvPr/>
-            </p:nvSpPr>
-            <p:spPr>
-              <a:xfrm>
-                <a:off x="4793901" y="3660648"/>
-                <a:ext cx="1584960" cy="1584960"/>
-              </a:xfrm>
-              <a:prstGeom prst="roundRect">
-                <a:avLst/>
-              </a:prstGeom>
-              <a:ln w="38100">
-                <a:solidFill>
-                  <a:schemeClr val="tx1"/>
-                </a:solidFill>
-              </a:ln>
-            </p:spPr>
-            <p:style>
-              <a:lnRef idx="2">
-                <a:schemeClr val="accent1">
-                  <a:shade val="50000"/>
-                </a:schemeClr>
-              </a:lnRef>
-              <a:fillRef idx="1">
-                <a:schemeClr val="accent1"/>
-              </a:fillRef>
-              <a:effectRef idx="0">
-                <a:schemeClr val="accent1"/>
-              </a:effectRef>
-              <a:fontRef idx="minor">
-                <a:schemeClr val="lt1"/>
-              </a:fontRef>
-            </p:style>
-            <p:txBody>
-              <a:bodyPr rtlCol="0" anchor="ctr"/>
-              <a:lstStyle/>
-              <a:p>
-                <a:pPr algn="ctr"/>
-                <a:r>
-                  <a:rPr lang="ko-KR" altLang="en-US" sz="3200" b="1" dirty="0"/>
-                  <a:t>패턴</a:t>
-                </a:r>
-                <a:r>
-                  <a:rPr lang="en-US" altLang="ko-KR" sz="3200" b="1" dirty="0"/>
-                  <a:t>2</a:t>
-                </a:r>
-                <a:endParaRPr lang="ko-KR" altLang="en-US" sz="3200" b="1" dirty="0"/>
-              </a:p>
-            </p:txBody>
-          </p:sp>
-          <p:sp>
-            <p:nvSpPr>
-              <p:cNvPr id="10" name="사각형: 둥근 모서리 9">
-                <a:extLst>
-                  <a:ext uri="{FF2B5EF4-FFF2-40B4-BE49-F238E27FC236}">
-                    <a16:creationId xmlns:a16="http://schemas.microsoft.com/office/drawing/2014/main" id="{ED116475-8087-4C8F-91C9-49D2DBDDCE0E}"/>
-                  </a:ext>
-                </a:extLst>
-              </p:cNvPr>
-              <p:cNvSpPr/>
-              <p:nvPr/>
-            </p:nvSpPr>
-            <p:spPr>
-              <a:xfrm>
-                <a:off x="9085485" y="3669792"/>
-                <a:ext cx="1584960" cy="1584960"/>
-              </a:xfrm>
-              <a:prstGeom prst="roundRect">
-                <a:avLst/>
-              </a:prstGeom>
-              <a:ln w="38100">
-                <a:solidFill>
-                  <a:schemeClr val="tx1"/>
-                </a:solidFill>
-              </a:ln>
-            </p:spPr>
-            <p:style>
-              <a:lnRef idx="2">
-                <a:schemeClr val="accent1">
-                  <a:shade val="50000"/>
-                </a:schemeClr>
-              </a:lnRef>
-              <a:fillRef idx="1">
-                <a:schemeClr val="accent1"/>
-              </a:fillRef>
-              <a:effectRef idx="0">
-                <a:schemeClr val="accent1"/>
-              </a:effectRef>
-              <a:fontRef idx="minor">
-                <a:schemeClr val="lt1"/>
-              </a:fontRef>
-            </p:style>
-            <p:txBody>
-              <a:bodyPr rtlCol="0" anchor="ctr"/>
-              <a:lstStyle/>
-              <a:p>
-                <a:pPr algn="ctr"/>
-                <a:r>
-                  <a:rPr lang="ko-KR" altLang="en-US" sz="3200" b="1" dirty="0"/>
-                  <a:t>패턴</a:t>
-                </a:r>
-                <a:r>
-                  <a:rPr lang="en-US" altLang="ko-KR" sz="3200" b="1" dirty="0"/>
-                  <a:t>3</a:t>
-                </a:r>
-                <a:endParaRPr lang="ko-KR" altLang="en-US" sz="3200" b="1" dirty="0"/>
-              </a:p>
-            </p:txBody>
-          </p:sp>
-          <p:sp>
-            <p:nvSpPr>
-              <p:cNvPr id="12" name="사각형: 둥근 모서리 11">
-                <a:extLst>
-                  <a:ext uri="{FF2B5EF4-FFF2-40B4-BE49-F238E27FC236}">
-                    <a16:creationId xmlns:a16="http://schemas.microsoft.com/office/drawing/2014/main" id="{F510A881-9A22-4D84-908B-B2FBB193824D}"/>
-                  </a:ext>
-                </a:extLst>
-              </p:cNvPr>
-              <p:cNvSpPr/>
-              <p:nvPr/>
-            </p:nvSpPr>
-            <p:spPr>
-              <a:xfrm>
-                <a:off x="6939693" y="3660648"/>
-                <a:ext cx="1584960" cy="1584960"/>
-              </a:xfrm>
-              <a:prstGeom prst="roundRect">
-                <a:avLst/>
-              </a:prstGeom>
-              <a:solidFill>
-                <a:schemeClr val="accent4">
-                  <a:lumMod val="40000"/>
-                  <a:lumOff val="60000"/>
-                </a:schemeClr>
-              </a:solidFill>
-              <a:ln w="38100">
-                <a:solidFill>
-                  <a:schemeClr val="bg1"/>
-                </a:solidFill>
-              </a:ln>
-            </p:spPr>
-            <p:style>
-              <a:lnRef idx="2">
-                <a:schemeClr val="accent1">
-                  <a:shade val="50000"/>
-                </a:schemeClr>
-              </a:lnRef>
-              <a:fillRef idx="1">
-                <a:schemeClr val="accent1"/>
-              </a:fillRef>
-              <a:effectRef idx="0">
-                <a:schemeClr val="accent1"/>
-              </a:effectRef>
-              <a:fontRef idx="minor">
-                <a:schemeClr val="lt1"/>
-              </a:fontRef>
-            </p:style>
-            <p:txBody>
-              <a:bodyPr rtlCol="0" anchor="ctr"/>
-              <a:lstStyle/>
-              <a:p>
-                <a:pPr algn="ctr"/>
-                <a:r>
-                  <a:rPr lang="ko-KR" altLang="en-US" sz="3200" b="1" dirty="0">
-                    <a:solidFill>
-                      <a:sysClr val="windowText" lastClr="000000"/>
-                    </a:solidFill>
-                  </a:rPr>
-                  <a:t>패턴</a:t>
-                </a:r>
-                <a:r>
-                  <a:rPr lang="en-US" altLang="ko-KR" sz="3200" b="1" dirty="0">
-                    <a:solidFill>
-                      <a:sysClr val="windowText" lastClr="000000"/>
-                    </a:solidFill>
-                  </a:rPr>
-                  <a:t>1</a:t>
-                </a:r>
-                <a:endParaRPr lang="ko-KR" altLang="en-US" sz="3200" b="1" dirty="0">
-                  <a:solidFill>
-                    <a:sysClr val="windowText" lastClr="000000"/>
-                  </a:solidFill>
-                </a:endParaRPr>
-              </a:p>
-            </p:txBody>
-          </p:sp>
-        </p:grpSp>
-      </p:grpSp>
-    </p:spTree>
-    <p:extLst>
-      <p:ext uri="{BB962C8B-B14F-4D97-AF65-F5344CB8AC3E}">
-        <p14:creationId xmlns:p14="http://schemas.microsoft.com/office/powerpoint/2010/main" val="2618681647"/>
-      </p:ext>
-    </p:extLst>
-  </p:cSld>
-  <p:clrMapOvr>
-    <a:masterClrMapping/>
-  </p:clrMapOvr>
-</p:sld>
-</file>
-
-<file path=ppt/slides/slide6.xml><?xml version="1.0" encoding="utf-8"?>
-<p:sld xmlns:a="http://schemas.openxmlformats.org/drawingml/2006/main" xmlns:r="http://schemas.openxmlformats.org/officeDocument/2006/relationships" xmlns:p="http://schemas.openxmlformats.org/presentationml/2006/main">
-  <p:cSld>
-    <p:spTree>
-      <p:nvGrpSpPr>
-        <p:cNvPr id="1" name=""/>
-        <p:cNvGrpSpPr/>
-        <p:nvPr/>
-      </p:nvGrpSpPr>
-      <p:grpSpPr>
-        <a:xfrm>
-          <a:off x="0" y="0"/>
-          <a:ext cx="0" cy="0"/>
-          <a:chOff x="0" y="0"/>
-          <a:chExt cx="0" cy="0"/>
-        </a:xfrm>
-      </p:grpSpPr>
-      <p:sp>
-        <p:nvSpPr>
-          <p:cNvPr id="4" name="사각형: 둥근 모서리 3">
-            <a:extLst>
-              <a:ext uri="{FF2B5EF4-FFF2-40B4-BE49-F238E27FC236}">
-                <a16:creationId xmlns:a16="http://schemas.microsoft.com/office/drawing/2014/main" id="{C3EDDF7F-C7DA-4344-A53E-3B2080B67532}"/>
-              </a:ext>
-            </a:extLst>
-          </p:cNvPr>
-          <p:cNvSpPr/>
-          <p:nvPr/>
-        </p:nvSpPr>
-        <p:spPr>
-          <a:xfrm>
-            <a:off x="101601" y="993855"/>
-            <a:ext cx="17406942" cy="318170"/>
-          </a:xfrm>
-          <a:prstGeom prst="roundRect">
-            <a:avLst/>
-          </a:prstGeom>
-          <a:solidFill>
-            <a:schemeClr val="tx1"/>
-          </a:solidFill>
-          <a:ln>
-            <a:noFill/>
-          </a:ln>
-        </p:spPr>
-        <p:style>
-          <a:lnRef idx="2">
-            <a:schemeClr val="accent1">
-              <a:shade val="50000"/>
-            </a:schemeClr>
-          </a:lnRef>
-          <a:fillRef idx="1">
-            <a:schemeClr val="accent1"/>
-          </a:fillRef>
-          <a:effectRef idx="0">
-            <a:schemeClr val="accent1"/>
-          </a:effectRef>
-          <a:fontRef idx="minor">
-            <a:schemeClr val="lt1"/>
-          </a:fontRef>
-        </p:style>
-        <p:txBody>
-          <a:bodyPr rtlCol="0" anchor="ctr"/>
-          <a:lstStyle/>
-          <a:p>
-            <a:pPr algn="ctr"/>
-            <a:r>
-              <a:rPr lang="ko-KR" altLang="en-US" b="1" dirty="0">
-                <a:latin typeface="메이플스토리" panose="02000300000000000000" pitchFamily="2" charset="-127"/>
-                <a:ea typeface="메이플스토리" panose="02000300000000000000" pitchFamily="2" charset="-127"/>
-              </a:rPr>
-              <a:t>보스</a:t>
-            </a:r>
-            <a:r>
-              <a:rPr lang="en-US" altLang="ko-KR" b="1" dirty="0">
-                <a:latin typeface="메이플스토리" panose="02000300000000000000" pitchFamily="2" charset="-127"/>
-                <a:ea typeface="메이플스토리" panose="02000300000000000000" pitchFamily="2" charset="-127"/>
-              </a:rPr>
-              <a:t> </a:t>
-            </a:r>
-            <a:r>
-              <a:rPr lang="ko-KR" altLang="en-US" b="1" dirty="0">
-                <a:latin typeface="메이플스토리" panose="02000300000000000000" pitchFamily="2" charset="-127"/>
-                <a:ea typeface="메이플스토리" panose="02000300000000000000" pitchFamily="2" charset="-127"/>
-              </a:rPr>
-              <a:t>전투 패턴</a:t>
-            </a:r>
-            <a:r>
-              <a:rPr lang="en-US" altLang="ko-KR" b="1" dirty="0">
-                <a:latin typeface="메이플스토리" panose="02000300000000000000" pitchFamily="2" charset="-127"/>
-                <a:ea typeface="메이플스토리" panose="02000300000000000000" pitchFamily="2" charset="-127"/>
-              </a:rPr>
-              <a:t>1</a:t>
-            </a:r>
-            <a:endParaRPr lang="ko-KR" altLang="en-US" b="1" dirty="0">
-              <a:latin typeface="메이플스토리" panose="02000300000000000000" pitchFamily="2" charset="-127"/>
-              <a:ea typeface="메이플스토리" panose="02000300000000000000" pitchFamily="2" charset="-127"/>
-            </a:endParaRPr>
-          </a:p>
-        </p:txBody>
-      </p:sp>
-      <p:sp>
-        <p:nvSpPr>
-          <p:cNvPr id="5" name="직사각형 4">
-            <a:extLst>
-              <a:ext uri="{FF2B5EF4-FFF2-40B4-BE49-F238E27FC236}">
-                <a16:creationId xmlns:a16="http://schemas.microsoft.com/office/drawing/2014/main" id="{D81A64FA-EA23-440A-B69D-0844B84B5458}"/>
-              </a:ext>
-            </a:extLst>
-          </p:cNvPr>
-          <p:cNvSpPr/>
-          <p:nvPr/>
-        </p:nvSpPr>
-        <p:spPr>
-          <a:xfrm>
-            <a:off x="8132804" y="33681"/>
-            <a:ext cx="1344535" cy="923330"/>
-          </a:xfrm>
-          <a:prstGeom prst="rect">
-            <a:avLst/>
-          </a:prstGeom>
-          <a:noFill/>
-        </p:spPr>
-        <p:txBody>
-          <a:bodyPr wrap="none" lIns="91440" tIns="45720" rIns="91440" bIns="45720">
-            <a:spAutoFit/>
-          </a:bodyPr>
-          <a:lstStyle/>
-          <a:p>
-            <a:pPr algn="ctr"/>
-            <a:r>
-              <a:rPr lang="en-US" altLang="ko-KR" sz="5400" b="1" dirty="0">
-                <a:ln w="0">
-                  <a:solidFill>
-                    <a:schemeClr val="bg1"/>
-                  </a:solidFill>
-                </a:ln>
-                <a:latin typeface="+mj-ea"/>
-                <a:ea typeface="+mj-ea"/>
-              </a:rPr>
-              <a:t>WA</a:t>
-            </a:r>
-          </a:p>
-        </p:txBody>
-      </p:sp>
-      <p:grpSp>
-        <p:nvGrpSpPr>
-          <p:cNvPr id="90" name="그룹 89">
-            <a:extLst>
-              <a:ext uri="{FF2B5EF4-FFF2-40B4-BE49-F238E27FC236}">
-                <a16:creationId xmlns:a16="http://schemas.microsoft.com/office/drawing/2014/main" id="{21DAC304-BFEC-4E38-822B-79ECB15C2725}"/>
-              </a:ext>
-            </a:extLst>
-          </p:cNvPr>
-          <p:cNvGrpSpPr/>
-          <p:nvPr/>
-        </p:nvGrpSpPr>
-        <p:grpSpPr>
-          <a:xfrm>
-            <a:off x="8805069" y="1502033"/>
-            <a:ext cx="6296889" cy="7793564"/>
-            <a:chOff x="11110054" y="1770744"/>
-            <a:chExt cx="6296889" cy="7793564"/>
-          </a:xfrm>
-        </p:grpSpPr>
-        <p:grpSp>
-          <p:nvGrpSpPr>
-            <p:cNvPr id="87" name="그룹 86">
-              <a:extLst>
-                <a:ext uri="{FF2B5EF4-FFF2-40B4-BE49-F238E27FC236}">
-                  <a16:creationId xmlns:a16="http://schemas.microsoft.com/office/drawing/2014/main" id="{44AB9F80-D5EA-4B19-BBB8-5601CFE18B86}"/>
-                </a:ext>
-              </a:extLst>
-            </p:cNvPr>
-            <p:cNvGrpSpPr/>
-            <p:nvPr/>
-          </p:nvGrpSpPr>
-          <p:grpSpPr>
-            <a:xfrm>
-              <a:off x="11110054" y="2263272"/>
-              <a:ext cx="6296889" cy="7301036"/>
-              <a:chOff x="10631083" y="2002013"/>
-              <a:chExt cx="6296889" cy="7301036"/>
-            </a:xfrm>
-          </p:grpSpPr>
-          <p:sp>
-            <p:nvSpPr>
-              <p:cNvPr id="63" name="직사각형 62">
-                <a:extLst>
-                  <a:ext uri="{FF2B5EF4-FFF2-40B4-BE49-F238E27FC236}">
-                    <a16:creationId xmlns:a16="http://schemas.microsoft.com/office/drawing/2014/main" id="{226B775B-8D5D-4BE2-80C1-4488ACB0B01C}"/>
-                  </a:ext>
-                </a:extLst>
-              </p:cNvPr>
-              <p:cNvSpPr/>
-              <p:nvPr/>
-            </p:nvSpPr>
-            <p:spPr>
-              <a:xfrm>
-                <a:off x="10631083" y="2002013"/>
-                <a:ext cx="5400000" cy="3600000"/>
-              </a:xfrm>
-              <a:prstGeom prst="rect">
-                <a:avLst/>
-              </a:prstGeom>
-              <a:solidFill>
-                <a:schemeClr val="tx1">
-                  <a:lumMod val="85000"/>
-                  <a:lumOff val="15000"/>
-                </a:schemeClr>
-              </a:solidFill>
-              <a:ln>
-                <a:noFill/>
-              </a:ln>
-            </p:spPr>
-            <p:style>
-              <a:lnRef idx="2">
-                <a:schemeClr val="accent1">
-                  <a:shade val="50000"/>
-                </a:schemeClr>
-              </a:lnRef>
-              <a:fillRef idx="1">
-                <a:schemeClr val="accent1"/>
-              </a:fillRef>
-              <a:effectRef idx="0">
-                <a:schemeClr val="accent1"/>
-              </a:effectRef>
-              <a:fontRef idx="minor">
-                <a:schemeClr val="lt1"/>
-              </a:fontRef>
-            </p:style>
-            <p:txBody>
-              <a:bodyPr rtlCol="0" anchor="ctr"/>
-              <a:lstStyle/>
-              <a:p>
-                <a:pPr algn="ctr"/>
-                <a:endParaRPr lang="ko-KR" altLang="en-US"/>
-              </a:p>
-            </p:txBody>
-          </p:sp>
-          <p:grpSp>
-            <p:nvGrpSpPr>
-              <p:cNvPr id="56" name="그룹 55">
-                <a:extLst>
-                  <a:ext uri="{FF2B5EF4-FFF2-40B4-BE49-F238E27FC236}">
-                    <a16:creationId xmlns:a16="http://schemas.microsoft.com/office/drawing/2014/main" id="{3DD0853D-A75E-4BB8-91F5-D6C4150C8B40}"/>
-                  </a:ext>
-                </a:extLst>
-              </p:cNvPr>
-              <p:cNvGrpSpPr/>
-              <p:nvPr/>
-            </p:nvGrpSpPr>
-            <p:grpSpPr>
-              <a:xfrm>
-                <a:off x="14523548" y="2779181"/>
-                <a:ext cx="1080000" cy="1080000"/>
-                <a:chOff x="1335024" y="6116132"/>
-                <a:chExt cx="2160000" cy="2160000"/>
-              </a:xfrm>
-            </p:grpSpPr>
-            <p:sp>
-              <p:nvSpPr>
-                <p:cNvPr id="53" name="타원 52">
-                  <a:extLst>
-                    <a:ext uri="{FF2B5EF4-FFF2-40B4-BE49-F238E27FC236}">
-                      <a16:creationId xmlns:a16="http://schemas.microsoft.com/office/drawing/2014/main" id="{6D655177-175F-4C32-86EB-4EF92F7156D8}"/>
-                    </a:ext>
-                  </a:extLst>
-                </p:cNvPr>
-                <p:cNvSpPr/>
-                <p:nvPr/>
-              </p:nvSpPr>
-              <p:spPr>
-                <a:xfrm>
-                  <a:off x="1335024" y="6116132"/>
-                  <a:ext cx="2160000" cy="2160000"/>
-                </a:xfrm>
-                <a:prstGeom prst="ellipse">
-                  <a:avLst/>
-                </a:prstGeom>
-                <a:solidFill>
-                  <a:srgbClr val="FF0000">
-                    <a:alpha val="20000"/>
-                  </a:srgbClr>
-                </a:solidFill>
-                <a:ln>
-                  <a:solidFill>
-                    <a:schemeClr val="bg1"/>
-                  </a:solidFill>
-                </a:ln>
-              </p:spPr>
-              <p:style>
-                <a:lnRef idx="2">
-                  <a:schemeClr val="accent1">
-                    <a:shade val="50000"/>
-                  </a:schemeClr>
-                </a:lnRef>
-                <a:fillRef idx="1">
-                  <a:schemeClr val="accent1"/>
-                </a:fillRef>
-                <a:effectRef idx="0">
-                  <a:schemeClr val="accent1"/>
-                </a:effectRef>
-                <a:fontRef idx="minor">
-                  <a:schemeClr val="lt1"/>
-                </a:fontRef>
-              </p:style>
-              <p:txBody>
-                <a:bodyPr rtlCol="0" anchor="ctr"/>
-                <a:lstStyle/>
-                <a:p>
-                  <a:pPr algn="ctr"/>
-                  <a:endParaRPr lang="ko-KR" altLang="en-US"/>
-                </a:p>
-              </p:txBody>
-            </p:sp>
-            <p:sp>
-              <p:nvSpPr>
-                <p:cNvPr id="48" name="타원 47">
-                  <a:extLst>
-                    <a:ext uri="{FF2B5EF4-FFF2-40B4-BE49-F238E27FC236}">
-                      <a16:creationId xmlns:a16="http://schemas.microsoft.com/office/drawing/2014/main" id="{4FC910DE-B106-4C9C-80D4-999AE3AC5B2D}"/>
-                    </a:ext>
-                  </a:extLst>
-                </p:cNvPr>
-                <p:cNvSpPr/>
-                <p:nvPr/>
-              </p:nvSpPr>
-              <p:spPr>
-                <a:xfrm>
-                  <a:off x="2055024" y="6836132"/>
-                  <a:ext cx="720000" cy="720000"/>
-                </a:xfrm>
-                <a:prstGeom prst="ellipse">
-                  <a:avLst/>
-                </a:prstGeom>
-                <a:solidFill>
-                  <a:schemeClr val="tx2"/>
-                </a:solidFill>
-                <a:ln>
-                  <a:solidFill>
-                    <a:schemeClr val="tx1"/>
-                  </a:solidFill>
-                </a:ln>
-              </p:spPr>
-              <p:style>
-                <a:lnRef idx="2">
-                  <a:schemeClr val="accent1">
-                    <a:shade val="50000"/>
-                  </a:schemeClr>
-                </a:lnRef>
-                <a:fillRef idx="1">
-                  <a:schemeClr val="accent1"/>
-                </a:fillRef>
-                <a:effectRef idx="0">
-                  <a:schemeClr val="accent1"/>
-                </a:effectRef>
-                <a:fontRef idx="minor">
-                  <a:schemeClr val="lt1"/>
-                </a:fontRef>
-              </p:style>
-              <p:txBody>
-                <a:bodyPr rtlCol="0" anchor="ctr"/>
-                <a:lstStyle/>
-                <a:p>
-                  <a:pPr algn="ctr"/>
-                  <a:endParaRPr lang="ko-KR" altLang="en-US" dirty="0"/>
-                </a:p>
-              </p:txBody>
-            </p:sp>
-          </p:grpSp>
-          <p:grpSp>
-            <p:nvGrpSpPr>
-              <p:cNvPr id="57" name="그룹 56">
-                <a:extLst>
-                  <a:ext uri="{FF2B5EF4-FFF2-40B4-BE49-F238E27FC236}">
-                    <a16:creationId xmlns:a16="http://schemas.microsoft.com/office/drawing/2014/main" id="{2E3A5378-5295-4BF9-A652-FC6620833CBC}"/>
-                  </a:ext>
-                </a:extLst>
-              </p:cNvPr>
-              <p:cNvGrpSpPr/>
-              <p:nvPr/>
-            </p:nvGrpSpPr>
-            <p:grpSpPr>
-              <a:xfrm>
-                <a:off x="11079623" y="2235169"/>
-                <a:ext cx="1080000" cy="1080000"/>
-                <a:chOff x="1335024" y="6116132"/>
-                <a:chExt cx="2160000" cy="2160000"/>
-              </a:xfrm>
-            </p:grpSpPr>
-            <p:sp>
-              <p:nvSpPr>
-                <p:cNvPr id="58" name="타원 57">
-                  <a:extLst>
-                    <a:ext uri="{FF2B5EF4-FFF2-40B4-BE49-F238E27FC236}">
-                      <a16:creationId xmlns:a16="http://schemas.microsoft.com/office/drawing/2014/main" id="{1C5546C5-813E-404D-92D0-56F81D9CE913}"/>
-                    </a:ext>
-                  </a:extLst>
-                </p:cNvPr>
-                <p:cNvSpPr/>
-                <p:nvPr/>
-              </p:nvSpPr>
-              <p:spPr>
-                <a:xfrm>
-                  <a:off x="1335024" y="6116132"/>
-                  <a:ext cx="2160000" cy="2160000"/>
-                </a:xfrm>
-                <a:prstGeom prst="ellipse">
-                  <a:avLst/>
-                </a:prstGeom>
-                <a:solidFill>
-                  <a:srgbClr val="FF0000">
-                    <a:alpha val="20000"/>
-                  </a:srgbClr>
-                </a:solidFill>
-                <a:ln>
-                  <a:solidFill>
-                    <a:schemeClr val="bg1"/>
-                  </a:solidFill>
-                </a:ln>
-              </p:spPr>
-              <p:style>
-                <a:lnRef idx="2">
-                  <a:schemeClr val="accent1">
-                    <a:shade val="50000"/>
-                  </a:schemeClr>
-                </a:lnRef>
-                <a:fillRef idx="1">
-                  <a:schemeClr val="accent1"/>
-                </a:fillRef>
-                <a:effectRef idx="0">
-                  <a:schemeClr val="accent1"/>
-                </a:effectRef>
-                <a:fontRef idx="minor">
-                  <a:schemeClr val="lt1"/>
-                </a:fontRef>
-              </p:style>
-              <p:txBody>
-                <a:bodyPr rtlCol="0" anchor="ctr"/>
-                <a:lstStyle/>
-                <a:p>
-                  <a:pPr algn="ctr"/>
-                  <a:endParaRPr lang="ko-KR" altLang="en-US"/>
-                </a:p>
-              </p:txBody>
-            </p:sp>
-            <p:sp>
-              <p:nvSpPr>
-                <p:cNvPr id="59" name="타원 58">
-                  <a:extLst>
-                    <a:ext uri="{FF2B5EF4-FFF2-40B4-BE49-F238E27FC236}">
-                      <a16:creationId xmlns:a16="http://schemas.microsoft.com/office/drawing/2014/main" id="{1C35D61E-7DB3-4D61-ADA2-397E645A3987}"/>
-                    </a:ext>
-                  </a:extLst>
-                </p:cNvPr>
-                <p:cNvSpPr/>
-                <p:nvPr/>
-              </p:nvSpPr>
-              <p:spPr>
-                <a:xfrm>
-                  <a:off x="2055024" y="6836132"/>
-                  <a:ext cx="720000" cy="720000"/>
-                </a:xfrm>
-                <a:prstGeom prst="ellipse">
-                  <a:avLst/>
-                </a:prstGeom>
-                <a:solidFill>
-                  <a:schemeClr val="tx2"/>
-                </a:solidFill>
-                <a:ln>
-                  <a:solidFill>
-                    <a:schemeClr val="tx1"/>
-                  </a:solidFill>
-                </a:ln>
-              </p:spPr>
-              <p:style>
-                <a:lnRef idx="2">
-                  <a:schemeClr val="accent1">
-                    <a:shade val="50000"/>
-                  </a:schemeClr>
-                </a:lnRef>
-                <a:fillRef idx="1">
-                  <a:schemeClr val="accent1"/>
-                </a:fillRef>
-                <a:effectRef idx="0">
-                  <a:schemeClr val="accent1"/>
-                </a:effectRef>
-                <a:fontRef idx="minor">
-                  <a:schemeClr val="lt1"/>
-                </a:fontRef>
-              </p:style>
-              <p:txBody>
-                <a:bodyPr rtlCol="0" anchor="ctr"/>
-                <a:lstStyle/>
-                <a:p>
-                  <a:pPr algn="ctr"/>
-                  <a:endParaRPr lang="ko-KR" altLang="en-US" dirty="0"/>
-                </a:p>
-              </p:txBody>
-            </p:sp>
-          </p:grpSp>
-          <p:grpSp>
-            <p:nvGrpSpPr>
-              <p:cNvPr id="60" name="그룹 59">
-                <a:extLst>
-                  <a:ext uri="{FF2B5EF4-FFF2-40B4-BE49-F238E27FC236}">
-                    <a16:creationId xmlns:a16="http://schemas.microsoft.com/office/drawing/2014/main" id="{5FEEB4F8-135B-433D-BD36-94541678CC73}"/>
-                  </a:ext>
-                </a:extLst>
-              </p:cNvPr>
-              <p:cNvGrpSpPr/>
-              <p:nvPr/>
-            </p:nvGrpSpPr>
-            <p:grpSpPr>
-              <a:xfrm>
-                <a:off x="11799623" y="4150538"/>
-                <a:ext cx="1080000" cy="1080000"/>
-                <a:chOff x="1335024" y="6116132"/>
-                <a:chExt cx="2160000" cy="2160000"/>
-              </a:xfrm>
-            </p:grpSpPr>
-            <p:sp>
-              <p:nvSpPr>
-                <p:cNvPr id="61" name="타원 60">
-                  <a:extLst>
-                    <a:ext uri="{FF2B5EF4-FFF2-40B4-BE49-F238E27FC236}">
-                      <a16:creationId xmlns:a16="http://schemas.microsoft.com/office/drawing/2014/main" id="{530AFC74-DDBD-4758-8D7C-C4F2F63A9011}"/>
-                    </a:ext>
-                  </a:extLst>
-                </p:cNvPr>
-                <p:cNvSpPr/>
-                <p:nvPr/>
-              </p:nvSpPr>
-              <p:spPr>
-                <a:xfrm>
-                  <a:off x="1335024" y="6116132"/>
-                  <a:ext cx="2160000" cy="2160000"/>
-                </a:xfrm>
-                <a:prstGeom prst="ellipse">
-                  <a:avLst/>
-                </a:prstGeom>
-                <a:solidFill>
-                  <a:srgbClr val="FF0000">
-                    <a:alpha val="20000"/>
-                  </a:srgbClr>
-                </a:solidFill>
-                <a:ln>
-                  <a:solidFill>
-                    <a:schemeClr val="bg1"/>
-                  </a:solidFill>
-                </a:ln>
-              </p:spPr>
-              <p:style>
-                <a:lnRef idx="2">
-                  <a:schemeClr val="accent1">
-                    <a:shade val="50000"/>
-                  </a:schemeClr>
-                </a:lnRef>
-                <a:fillRef idx="1">
-                  <a:schemeClr val="accent1"/>
-                </a:fillRef>
-                <a:effectRef idx="0">
-                  <a:schemeClr val="accent1"/>
-                </a:effectRef>
-                <a:fontRef idx="minor">
-                  <a:schemeClr val="lt1"/>
-                </a:fontRef>
-              </p:style>
-              <p:txBody>
-                <a:bodyPr rtlCol="0" anchor="ctr"/>
-                <a:lstStyle/>
-                <a:p>
-                  <a:pPr algn="ctr"/>
-                  <a:endParaRPr lang="ko-KR" altLang="en-US"/>
-                </a:p>
-              </p:txBody>
-            </p:sp>
-            <p:sp>
-              <p:nvSpPr>
-                <p:cNvPr id="62" name="타원 61">
-                  <a:extLst>
-                    <a:ext uri="{FF2B5EF4-FFF2-40B4-BE49-F238E27FC236}">
-                      <a16:creationId xmlns:a16="http://schemas.microsoft.com/office/drawing/2014/main" id="{98AC89E4-19A8-4FE8-8D7A-8E16731D71F6}"/>
-                    </a:ext>
-                  </a:extLst>
-                </p:cNvPr>
-                <p:cNvSpPr/>
-                <p:nvPr/>
-              </p:nvSpPr>
-              <p:spPr>
-                <a:xfrm>
-                  <a:off x="2055024" y="6836132"/>
-                  <a:ext cx="720000" cy="720000"/>
-                </a:xfrm>
-                <a:prstGeom prst="ellipse">
-                  <a:avLst/>
-                </a:prstGeom>
-                <a:solidFill>
-                  <a:schemeClr val="tx2"/>
-                </a:solidFill>
-                <a:ln>
-                  <a:solidFill>
-                    <a:schemeClr val="tx1"/>
-                  </a:solidFill>
-                </a:ln>
-              </p:spPr>
-              <p:style>
-                <a:lnRef idx="2">
-                  <a:schemeClr val="accent1">
-                    <a:shade val="50000"/>
-                  </a:schemeClr>
-                </a:lnRef>
-                <a:fillRef idx="1">
-                  <a:schemeClr val="accent1"/>
-                </a:fillRef>
-                <a:effectRef idx="0">
-                  <a:schemeClr val="accent1"/>
-                </a:effectRef>
-                <a:fontRef idx="minor">
-                  <a:schemeClr val="lt1"/>
-                </a:fontRef>
-              </p:style>
-              <p:txBody>
-                <a:bodyPr rtlCol="0" anchor="ctr"/>
-                <a:lstStyle/>
-                <a:p>
-                  <a:pPr algn="ctr"/>
-                  <a:endParaRPr lang="ko-KR" altLang="en-US" dirty="0"/>
-                </a:p>
-              </p:txBody>
-            </p:sp>
-          </p:grpSp>
-          <p:sp>
-            <p:nvSpPr>
-              <p:cNvPr id="66" name="직사각형 65">
-                <a:extLst>
-                  <a:ext uri="{FF2B5EF4-FFF2-40B4-BE49-F238E27FC236}">
-                    <a16:creationId xmlns:a16="http://schemas.microsoft.com/office/drawing/2014/main" id="{E751F438-86AA-463B-8514-F04856C71885}"/>
-                  </a:ext>
-                </a:extLst>
-              </p:cNvPr>
-              <p:cNvSpPr/>
-              <p:nvPr/>
-            </p:nvSpPr>
-            <p:spPr>
-              <a:xfrm>
-                <a:off x="10631083" y="5703049"/>
-                <a:ext cx="5400000" cy="3600000"/>
-              </a:xfrm>
-              <a:prstGeom prst="rect">
-                <a:avLst/>
-              </a:prstGeom>
-              <a:solidFill>
-                <a:schemeClr val="tx1">
-                  <a:lumMod val="85000"/>
-                  <a:lumOff val="15000"/>
-                </a:schemeClr>
-              </a:solidFill>
-              <a:ln>
-                <a:noFill/>
-              </a:ln>
-            </p:spPr>
-            <p:style>
-              <a:lnRef idx="2">
-                <a:schemeClr val="accent1">
-                  <a:shade val="50000"/>
-                </a:schemeClr>
-              </a:lnRef>
-              <a:fillRef idx="1">
-                <a:schemeClr val="accent1"/>
-              </a:fillRef>
-              <a:effectRef idx="0">
-                <a:schemeClr val="accent1"/>
-              </a:effectRef>
-              <a:fontRef idx="minor">
-                <a:schemeClr val="lt1"/>
-              </a:fontRef>
-            </p:style>
-            <p:txBody>
-              <a:bodyPr rtlCol="0" anchor="ctr"/>
-              <a:lstStyle/>
-              <a:p>
-                <a:pPr algn="ctr"/>
-                <a:endParaRPr lang="ko-KR" altLang="en-US"/>
-              </a:p>
-            </p:txBody>
-          </p:sp>
-          <p:grpSp>
-            <p:nvGrpSpPr>
-              <p:cNvPr id="67" name="그룹 66">
-                <a:extLst>
-                  <a:ext uri="{FF2B5EF4-FFF2-40B4-BE49-F238E27FC236}">
-                    <a16:creationId xmlns:a16="http://schemas.microsoft.com/office/drawing/2014/main" id="{33B25AA0-2FE8-401C-B454-C9BB1087E9CB}"/>
-                  </a:ext>
-                </a:extLst>
-              </p:cNvPr>
-              <p:cNvGrpSpPr/>
-              <p:nvPr/>
-            </p:nvGrpSpPr>
-            <p:grpSpPr>
-              <a:xfrm>
-                <a:off x="14523548" y="6480217"/>
-                <a:ext cx="1080000" cy="1080000"/>
-                <a:chOff x="1335024" y="6116132"/>
-                <a:chExt cx="2160000" cy="2160000"/>
-              </a:xfrm>
-            </p:grpSpPr>
-            <p:sp>
-              <p:nvSpPr>
-                <p:cNvPr id="68" name="타원 67">
-                  <a:extLst>
-                    <a:ext uri="{FF2B5EF4-FFF2-40B4-BE49-F238E27FC236}">
-                      <a16:creationId xmlns:a16="http://schemas.microsoft.com/office/drawing/2014/main" id="{AB02998C-0D5C-4373-A927-083F16ED9DFF}"/>
-                    </a:ext>
-                  </a:extLst>
-                </p:cNvPr>
-                <p:cNvSpPr/>
-                <p:nvPr/>
-              </p:nvSpPr>
-              <p:spPr>
-                <a:xfrm>
-                  <a:off x="1335024" y="6116132"/>
-                  <a:ext cx="2160000" cy="2160000"/>
-                </a:xfrm>
-                <a:prstGeom prst="ellipse">
-                  <a:avLst/>
-                </a:prstGeom>
-                <a:solidFill>
-                  <a:srgbClr val="FF0000">
-                    <a:alpha val="20000"/>
-                  </a:srgbClr>
-                </a:solidFill>
-                <a:ln>
-                  <a:solidFill>
-                    <a:schemeClr val="bg1"/>
-                  </a:solidFill>
-                </a:ln>
-              </p:spPr>
-              <p:style>
-                <a:lnRef idx="2">
-                  <a:schemeClr val="accent1">
-                    <a:shade val="50000"/>
-                  </a:schemeClr>
-                </a:lnRef>
-                <a:fillRef idx="1">
-                  <a:schemeClr val="accent1"/>
-                </a:fillRef>
-                <a:effectRef idx="0">
-                  <a:schemeClr val="accent1"/>
-                </a:effectRef>
-                <a:fontRef idx="minor">
-                  <a:schemeClr val="lt1"/>
-                </a:fontRef>
-              </p:style>
-              <p:txBody>
-                <a:bodyPr rtlCol="0" anchor="ctr"/>
-                <a:lstStyle/>
-                <a:p>
-                  <a:pPr algn="ctr"/>
-                  <a:endParaRPr lang="ko-KR" altLang="en-US"/>
-                </a:p>
-              </p:txBody>
-            </p:sp>
-            <p:sp>
-              <p:nvSpPr>
-                <p:cNvPr id="69" name="타원 68">
-                  <a:extLst>
-                    <a:ext uri="{FF2B5EF4-FFF2-40B4-BE49-F238E27FC236}">
-                      <a16:creationId xmlns:a16="http://schemas.microsoft.com/office/drawing/2014/main" id="{540F390A-5EF2-47E6-B37B-FECD325DAA85}"/>
-                    </a:ext>
-                  </a:extLst>
-                </p:cNvPr>
-                <p:cNvSpPr/>
-                <p:nvPr/>
-              </p:nvSpPr>
-              <p:spPr>
-                <a:xfrm>
-                  <a:off x="2055024" y="6836132"/>
-                  <a:ext cx="720000" cy="720000"/>
-                </a:xfrm>
-                <a:prstGeom prst="ellipse">
-                  <a:avLst/>
-                </a:prstGeom>
-                <a:solidFill>
-                  <a:schemeClr val="tx2"/>
-                </a:solidFill>
-                <a:ln>
-                  <a:solidFill>
-                    <a:schemeClr val="tx1"/>
-                  </a:solidFill>
-                </a:ln>
-              </p:spPr>
-              <p:style>
-                <a:lnRef idx="2">
-                  <a:schemeClr val="accent1">
-                    <a:shade val="50000"/>
-                  </a:schemeClr>
-                </a:lnRef>
-                <a:fillRef idx="1">
-                  <a:schemeClr val="accent1"/>
-                </a:fillRef>
-                <a:effectRef idx="0">
-                  <a:schemeClr val="accent1"/>
-                </a:effectRef>
-                <a:fontRef idx="minor">
-                  <a:schemeClr val="lt1"/>
-                </a:fontRef>
-              </p:style>
-              <p:txBody>
-                <a:bodyPr rtlCol="0" anchor="ctr"/>
-                <a:lstStyle/>
-                <a:p>
-                  <a:pPr algn="ctr"/>
-                  <a:endParaRPr lang="ko-KR" altLang="en-US" dirty="0"/>
-                </a:p>
-              </p:txBody>
-            </p:sp>
-          </p:grpSp>
-          <p:grpSp>
-            <p:nvGrpSpPr>
-              <p:cNvPr id="70" name="그룹 69">
-                <a:extLst>
-                  <a:ext uri="{FF2B5EF4-FFF2-40B4-BE49-F238E27FC236}">
-                    <a16:creationId xmlns:a16="http://schemas.microsoft.com/office/drawing/2014/main" id="{5BE818E8-5D6F-46EE-90D4-634469F2B016}"/>
-                  </a:ext>
-                </a:extLst>
-              </p:cNvPr>
-              <p:cNvGrpSpPr/>
-              <p:nvPr/>
-            </p:nvGrpSpPr>
-            <p:grpSpPr>
-              <a:xfrm>
-                <a:off x="11079623" y="5936205"/>
-                <a:ext cx="1080000" cy="1080000"/>
-                <a:chOff x="1335024" y="6116132"/>
-                <a:chExt cx="2160000" cy="2160000"/>
-              </a:xfrm>
-            </p:grpSpPr>
-            <p:sp>
-              <p:nvSpPr>
-                <p:cNvPr id="71" name="타원 70">
-                  <a:extLst>
-                    <a:ext uri="{FF2B5EF4-FFF2-40B4-BE49-F238E27FC236}">
-                      <a16:creationId xmlns:a16="http://schemas.microsoft.com/office/drawing/2014/main" id="{DF6BD834-51E7-49D1-ACD2-7A2A02A76631}"/>
-                    </a:ext>
-                  </a:extLst>
-                </p:cNvPr>
-                <p:cNvSpPr/>
-                <p:nvPr/>
-              </p:nvSpPr>
-              <p:spPr>
-                <a:xfrm>
-                  <a:off x="1335024" y="6116132"/>
-                  <a:ext cx="2160000" cy="2160000"/>
-                </a:xfrm>
-                <a:prstGeom prst="ellipse">
-                  <a:avLst/>
-                </a:prstGeom>
-                <a:solidFill>
-                  <a:srgbClr val="FF0000">
-                    <a:alpha val="20000"/>
-                  </a:srgbClr>
-                </a:solidFill>
-                <a:ln>
-                  <a:solidFill>
-                    <a:schemeClr val="bg1"/>
-                  </a:solidFill>
-                </a:ln>
-              </p:spPr>
-              <p:style>
-                <a:lnRef idx="2">
-                  <a:schemeClr val="accent1">
-                    <a:shade val="50000"/>
-                  </a:schemeClr>
-                </a:lnRef>
-                <a:fillRef idx="1">
-                  <a:schemeClr val="accent1"/>
-                </a:fillRef>
-                <a:effectRef idx="0">
-                  <a:schemeClr val="accent1"/>
-                </a:effectRef>
-                <a:fontRef idx="minor">
-                  <a:schemeClr val="lt1"/>
-                </a:fontRef>
-              </p:style>
-              <p:txBody>
-                <a:bodyPr rtlCol="0" anchor="ctr"/>
-                <a:lstStyle/>
-                <a:p>
-                  <a:pPr algn="ctr"/>
-                  <a:endParaRPr lang="ko-KR" altLang="en-US"/>
-                </a:p>
-              </p:txBody>
-            </p:sp>
-            <p:sp>
-              <p:nvSpPr>
-                <p:cNvPr id="72" name="타원 71">
-                  <a:extLst>
-                    <a:ext uri="{FF2B5EF4-FFF2-40B4-BE49-F238E27FC236}">
-                      <a16:creationId xmlns:a16="http://schemas.microsoft.com/office/drawing/2014/main" id="{D7C000C5-2CDF-4951-804F-AA32089CF9FF}"/>
-                    </a:ext>
-                  </a:extLst>
-                </p:cNvPr>
-                <p:cNvSpPr/>
-                <p:nvPr/>
-              </p:nvSpPr>
-              <p:spPr>
-                <a:xfrm>
-                  <a:off x="2055024" y="6836132"/>
-                  <a:ext cx="720000" cy="720000"/>
-                </a:xfrm>
-                <a:prstGeom prst="ellipse">
-                  <a:avLst/>
-                </a:prstGeom>
-                <a:solidFill>
-                  <a:schemeClr val="tx2"/>
-                </a:solidFill>
-                <a:ln>
-                  <a:solidFill>
-                    <a:schemeClr val="tx1"/>
-                  </a:solidFill>
-                </a:ln>
-              </p:spPr>
-              <p:style>
-                <a:lnRef idx="2">
-                  <a:schemeClr val="accent1">
-                    <a:shade val="50000"/>
-                  </a:schemeClr>
-                </a:lnRef>
-                <a:fillRef idx="1">
-                  <a:schemeClr val="accent1"/>
-                </a:fillRef>
-                <a:effectRef idx="0">
-                  <a:schemeClr val="accent1"/>
-                </a:effectRef>
-                <a:fontRef idx="minor">
-                  <a:schemeClr val="lt1"/>
-                </a:fontRef>
-              </p:style>
-              <p:txBody>
-                <a:bodyPr rtlCol="0" anchor="ctr"/>
-                <a:lstStyle/>
-                <a:p>
-                  <a:pPr algn="ctr"/>
-                  <a:endParaRPr lang="ko-KR" altLang="en-US" dirty="0"/>
-                </a:p>
-              </p:txBody>
-            </p:sp>
-          </p:grpSp>
-          <p:grpSp>
-            <p:nvGrpSpPr>
-              <p:cNvPr id="73" name="그룹 72">
-                <a:extLst>
-                  <a:ext uri="{FF2B5EF4-FFF2-40B4-BE49-F238E27FC236}">
-                    <a16:creationId xmlns:a16="http://schemas.microsoft.com/office/drawing/2014/main" id="{7547DC9C-E71E-4B5E-A958-CBF3742C661E}"/>
-                  </a:ext>
-                </a:extLst>
-              </p:cNvPr>
-              <p:cNvGrpSpPr/>
-              <p:nvPr/>
-            </p:nvGrpSpPr>
-            <p:grpSpPr>
-              <a:xfrm>
-                <a:off x="11799623" y="7851574"/>
-                <a:ext cx="1080000" cy="1080000"/>
-                <a:chOff x="1335024" y="6116132"/>
-                <a:chExt cx="2160000" cy="2160000"/>
-              </a:xfrm>
-            </p:grpSpPr>
-            <p:sp>
-              <p:nvSpPr>
-                <p:cNvPr id="74" name="타원 73">
-                  <a:extLst>
-                    <a:ext uri="{FF2B5EF4-FFF2-40B4-BE49-F238E27FC236}">
-                      <a16:creationId xmlns:a16="http://schemas.microsoft.com/office/drawing/2014/main" id="{AC4979AA-1549-4528-BEFD-F5953874F54B}"/>
-                    </a:ext>
-                  </a:extLst>
-                </p:cNvPr>
-                <p:cNvSpPr/>
-                <p:nvPr/>
-              </p:nvSpPr>
-              <p:spPr>
-                <a:xfrm>
-                  <a:off x="1335024" y="6116132"/>
-                  <a:ext cx="2160000" cy="2160000"/>
-                </a:xfrm>
-                <a:prstGeom prst="ellipse">
-                  <a:avLst/>
-                </a:prstGeom>
-                <a:solidFill>
-                  <a:srgbClr val="FF0000">
-                    <a:alpha val="20000"/>
-                  </a:srgbClr>
-                </a:solidFill>
-                <a:ln>
-                  <a:solidFill>
-                    <a:schemeClr val="bg1"/>
-                  </a:solidFill>
-                </a:ln>
-              </p:spPr>
-              <p:style>
-                <a:lnRef idx="2">
-                  <a:schemeClr val="accent1">
-                    <a:shade val="50000"/>
-                  </a:schemeClr>
-                </a:lnRef>
-                <a:fillRef idx="1">
-                  <a:schemeClr val="accent1"/>
-                </a:fillRef>
-                <a:effectRef idx="0">
-                  <a:schemeClr val="accent1"/>
-                </a:effectRef>
-                <a:fontRef idx="minor">
-                  <a:schemeClr val="lt1"/>
-                </a:fontRef>
-              </p:style>
-              <p:txBody>
-                <a:bodyPr rtlCol="0" anchor="ctr"/>
-                <a:lstStyle/>
-                <a:p>
-                  <a:pPr algn="ctr"/>
-                  <a:endParaRPr lang="ko-KR" altLang="en-US"/>
-                </a:p>
-              </p:txBody>
-            </p:sp>
-            <p:sp>
-              <p:nvSpPr>
-                <p:cNvPr id="75" name="타원 74">
-                  <a:extLst>
-                    <a:ext uri="{FF2B5EF4-FFF2-40B4-BE49-F238E27FC236}">
-                      <a16:creationId xmlns:a16="http://schemas.microsoft.com/office/drawing/2014/main" id="{62780FE8-21E2-482F-98F9-2ABAAB977147}"/>
-                    </a:ext>
-                  </a:extLst>
-                </p:cNvPr>
-                <p:cNvSpPr/>
-                <p:nvPr/>
-              </p:nvSpPr>
-              <p:spPr>
-                <a:xfrm>
-                  <a:off x="2055024" y="6836132"/>
-                  <a:ext cx="720000" cy="720000"/>
-                </a:xfrm>
-                <a:prstGeom prst="ellipse">
-                  <a:avLst/>
-                </a:prstGeom>
-                <a:solidFill>
-                  <a:schemeClr val="tx2"/>
-                </a:solidFill>
-                <a:ln>
-                  <a:solidFill>
-                    <a:schemeClr val="tx1"/>
-                  </a:solidFill>
-                </a:ln>
-              </p:spPr>
-              <p:style>
-                <a:lnRef idx="2">
-                  <a:schemeClr val="accent1">
-                    <a:shade val="50000"/>
-                  </a:schemeClr>
-                </a:lnRef>
-                <a:fillRef idx="1">
-                  <a:schemeClr val="accent1"/>
-                </a:fillRef>
-                <a:effectRef idx="0">
-                  <a:schemeClr val="accent1"/>
-                </a:effectRef>
-                <a:fontRef idx="minor">
-                  <a:schemeClr val="lt1"/>
-                </a:fontRef>
-              </p:style>
-              <p:txBody>
-                <a:bodyPr rtlCol="0" anchor="ctr"/>
-                <a:lstStyle/>
-                <a:p>
-                  <a:pPr algn="ctr"/>
-                  <a:endParaRPr lang="ko-KR" altLang="en-US" dirty="0"/>
-                </a:p>
-              </p:txBody>
-            </p:sp>
-          </p:grpSp>
-          <p:sp>
-            <p:nvSpPr>
-              <p:cNvPr id="76" name="타원 75">
-                <a:extLst>
-                  <a:ext uri="{FF2B5EF4-FFF2-40B4-BE49-F238E27FC236}">
-                    <a16:creationId xmlns:a16="http://schemas.microsoft.com/office/drawing/2014/main" id="{13F18427-B8AD-4441-947D-9ED6592D632B}"/>
-                  </a:ext>
-                </a:extLst>
-              </p:cNvPr>
-              <p:cNvSpPr/>
-              <p:nvPr/>
-            </p:nvSpPr>
-            <p:spPr>
-              <a:xfrm>
-                <a:off x="12879623" y="3315169"/>
-                <a:ext cx="180000" cy="180000"/>
-              </a:xfrm>
-              <a:prstGeom prst="ellipse">
-                <a:avLst/>
-              </a:prstGeom>
-              <a:solidFill>
-                <a:srgbClr val="92D050"/>
-              </a:solidFill>
-              <a:ln>
-                <a:solidFill>
-                  <a:schemeClr val="tx1"/>
-                </a:solidFill>
-              </a:ln>
-            </p:spPr>
-            <p:style>
-              <a:lnRef idx="2">
-                <a:schemeClr val="accent1">
-                  <a:shade val="50000"/>
-                </a:schemeClr>
-              </a:lnRef>
-              <a:fillRef idx="1">
-                <a:schemeClr val="accent1"/>
-              </a:fillRef>
-              <a:effectRef idx="0">
-                <a:schemeClr val="accent1"/>
-              </a:effectRef>
-              <a:fontRef idx="minor">
-                <a:schemeClr val="lt1"/>
-              </a:fontRef>
-            </p:style>
-            <p:txBody>
-              <a:bodyPr rtlCol="0" anchor="ctr"/>
-              <a:lstStyle/>
-              <a:p>
-                <a:pPr algn="ctr"/>
-                <a:endParaRPr lang="ko-KR" altLang="en-US" dirty="0"/>
-              </a:p>
-            </p:txBody>
-          </p:sp>
-          <p:sp>
-            <p:nvSpPr>
-              <p:cNvPr id="78" name="직사각형 77">
-                <a:extLst>
-                  <a:ext uri="{FF2B5EF4-FFF2-40B4-BE49-F238E27FC236}">
-                    <a16:creationId xmlns:a16="http://schemas.microsoft.com/office/drawing/2014/main" id="{383A9B33-7E55-49D6-B244-EBB165BDC6F6}"/>
-                  </a:ext>
-                </a:extLst>
-              </p:cNvPr>
-              <p:cNvSpPr/>
-              <p:nvPr/>
-            </p:nvSpPr>
-            <p:spPr>
-              <a:xfrm>
-                <a:off x="16162539" y="2002013"/>
-                <a:ext cx="703658" cy="3600000"/>
-              </a:xfrm>
-              <a:prstGeom prst="rect">
-                <a:avLst/>
-              </a:prstGeom>
-              <a:solidFill>
-                <a:schemeClr val="tx1">
-                  <a:lumMod val="85000"/>
-                  <a:lumOff val="15000"/>
-                </a:schemeClr>
-              </a:solidFill>
-              <a:ln>
-                <a:noFill/>
-              </a:ln>
-            </p:spPr>
-            <p:style>
-              <a:lnRef idx="2">
-                <a:schemeClr val="accent1">
-                  <a:shade val="50000"/>
-                </a:schemeClr>
-              </a:lnRef>
-              <a:fillRef idx="1">
-                <a:schemeClr val="accent1"/>
-              </a:fillRef>
-              <a:effectRef idx="0">
-                <a:schemeClr val="accent1"/>
-              </a:effectRef>
-              <a:fontRef idx="minor">
-                <a:schemeClr val="lt1"/>
-              </a:fontRef>
-            </p:style>
-            <p:txBody>
-              <a:bodyPr rtlCol="0" anchor="ctr"/>
-              <a:lstStyle/>
-              <a:p>
-                <a:pPr algn="ctr"/>
-                <a:endParaRPr lang="ko-KR" altLang="en-US"/>
-              </a:p>
-            </p:txBody>
-          </p:sp>
-          <p:sp>
-            <p:nvSpPr>
-              <p:cNvPr id="79" name="직사각형 78">
-                <a:extLst>
-                  <a:ext uri="{FF2B5EF4-FFF2-40B4-BE49-F238E27FC236}">
-                    <a16:creationId xmlns:a16="http://schemas.microsoft.com/office/drawing/2014/main" id="{2AE3D17C-66D2-4B48-BF10-2DF9BB29A1BB}"/>
-                  </a:ext>
-                </a:extLst>
-              </p:cNvPr>
-              <p:cNvSpPr/>
-              <p:nvPr/>
-            </p:nvSpPr>
-            <p:spPr>
-              <a:xfrm>
-                <a:off x="16197796" y="5703049"/>
-                <a:ext cx="703658" cy="3600000"/>
-              </a:xfrm>
-              <a:prstGeom prst="rect">
-                <a:avLst/>
-              </a:prstGeom>
-              <a:solidFill>
-                <a:schemeClr val="tx1">
-                  <a:lumMod val="85000"/>
-                  <a:lumOff val="15000"/>
-                </a:schemeClr>
-              </a:solidFill>
-              <a:ln>
-                <a:noFill/>
-              </a:ln>
-            </p:spPr>
-            <p:style>
-              <a:lnRef idx="2">
-                <a:schemeClr val="accent1">
-                  <a:shade val="50000"/>
-                </a:schemeClr>
-              </a:lnRef>
-              <a:fillRef idx="1">
-                <a:schemeClr val="accent1"/>
-              </a:fillRef>
-              <a:effectRef idx="0">
-                <a:schemeClr val="accent1"/>
-              </a:effectRef>
-              <a:fontRef idx="minor">
-                <a:schemeClr val="lt1"/>
-              </a:fontRef>
-            </p:style>
-            <p:txBody>
-              <a:bodyPr rtlCol="0" anchor="ctr"/>
-              <a:lstStyle/>
-              <a:p>
-                <a:pPr algn="ctr"/>
-                <a:endParaRPr lang="ko-KR" altLang="en-US"/>
-              </a:p>
-            </p:txBody>
-          </p:sp>
-          <p:sp>
-            <p:nvSpPr>
-              <p:cNvPr id="80" name="곱하기 기호 79">
-                <a:extLst>
-                  <a:ext uri="{FF2B5EF4-FFF2-40B4-BE49-F238E27FC236}">
-                    <a16:creationId xmlns:a16="http://schemas.microsoft.com/office/drawing/2014/main" id="{DC24E799-2618-4D17-8CE4-F9B5F4378140}"/>
-                  </a:ext>
-                </a:extLst>
-              </p:cNvPr>
-              <p:cNvSpPr/>
-              <p:nvPr/>
-            </p:nvSpPr>
-            <p:spPr>
-              <a:xfrm>
-                <a:off x="16171277" y="7124701"/>
-                <a:ext cx="756695" cy="756695"/>
-              </a:xfrm>
-              <a:prstGeom prst="mathMultiply">
-                <a:avLst/>
-              </a:prstGeom>
-              <a:solidFill>
-                <a:srgbClr val="FF0000"/>
-              </a:solidFill>
-              <a:ln>
-                <a:solidFill>
-                  <a:srgbClr val="C00000"/>
-                </a:solidFill>
-              </a:ln>
-            </p:spPr>
-            <p:style>
-              <a:lnRef idx="2">
-                <a:schemeClr val="accent1">
-                  <a:shade val="50000"/>
-                </a:schemeClr>
-              </a:lnRef>
-              <a:fillRef idx="1">
-                <a:schemeClr val="accent1"/>
-              </a:fillRef>
-              <a:effectRef idx="0">
-                <a:schemeClr val="accent1"/>
-              </a:effectRef>
-              <a:fontRef idx="minor">
-                <a:schemeClr val="lt1"/>
-              </a:fontRef>
-            </p:style>
-            <p:txBody>
-              <a:bodyPr rtlCol="0" anchor="ctr"/>
-              <a:lstStyle/>
-              <a:p>
-                <a:pPr algn="ctr"/>
-                <a:endParaRPr lang="ko-KR" altLang="en-US"/>
-              </a:p>
-            </p:txBody>
-          </p:sp>
-          <p:sp>
-            <p:nvSpPr>
-              <p:cNvPr id="82" name="원형: 비어 있음 81">
-                <a:extLst>
-                  <a:ext uri="{FF2B5EF4-FFF2-40B4-BE49-F238E27FC236}">
-                    <a16:creationId xmlns:a16="http://schemas.microsoft.com/office/drawing/2014/main" id="{0D0A220E-4F14-4356-9B14-871AA5CCB26F}"/>
-                  </a:ext>
-                </a:extLst>
-              </p:cNvPr>
-              <p:cNvSpPr/>
-              <p:nvPr/>
-            </p:nvSpPr>
-            <p:spPr>
-              <a:xfrm>
-                <a:off x="16275061" y="3562706"/>
-                <a:ext cx="478613" cy="478613"/>
-              </a:xfrm>
-              <a:prstGeom prst="donut">
-                <a:avLst/>
-              </a:prstGeom>
-              <a:solidFill>
-                <a:srgbClr val="92D050"/>
-              </a:solidFill>
-              <a:ln>
-                <a:noFill/>
-              </a:ln>
-            </p:spPr>
-            <p:style>
-              <a:lnRef idx="2">
-                <a:schemeClr val="accent1">
-                  <a:shade val="50000"/>
-                </a:schemeClr>
-              </a:lnRef>
-              <a:fillRef idx="1">
-                <a:schemeClr val="accent1"/>
-              </a:fillRef>
-              <a:effectRef idx="0">
-                <a:schemeClr val="accent1"/>
-              </a:effectRef>
-              <a:fontRef idx="minor">
-                <a:schemeClr val="lt1"/>
-              </a:fontRef>
-            </p:style>
-            <p:txBody>
-              <a:bodyPr rtlCol="0" anchor="ctr"/>
-              <a:lstStyle/>
-              <a:p>
-                <a:pPr algn="ctr"/>
-                <a:endParaRPr lang="ko-KR" altLang="en-US">
-                  <a:solidFill>
-                    <a:srgbClr val="92D050"/>
-                  </a:solidFill>
-                </a:endParaRPr>
-              </a:p>
-            </p:txBody>
-          </p:sp>
-          <p:sp>
-            <p:nvSpPr>
-              <p:cNvPr id="84" name="타원 83">
-                <a:extLst>
-                  <a:ext uri="{FF2B5EF4-FFF2-40B4-BE49-F238E27FC236}">
-                    <a16:creationId xmlns:a16="http://schemas.microsoft.com/office/drawing/2014/main" id="{C8EA1668-9A15-4BCA-BEC2-3310B3FBEB27}"/>
-                  </a:ext>
-                </a:extLst>
-              </p:cNvPr>
-              <p:cNvSpPr/>
-              <p:nvPr/>
-            </p:nvSpPr>
-            <p:spPr>
-              <a:xfrm>
-                <a:off x="14529890" y="6656205"/>
-                <a:ext cx="180000" cy="180000"/>
-              </a:xfrm>
-              <a:prstGeom prst="ellipse">
-                <a:avLst/>
-              </a:prstGeom>
-              <a:solidFill>
-                <a:srgbClr val="92D050"/>
-              </a:solidFill>
-              <a:ln>
-                <a:solidFill>
-                  <a:schemeClr val="tx1"/>
-                </a:solidFill>
-              </a:ln>
-            </p:spPr>
-            <p:style>
-              <a:lnRef idx="2">
-                <a:schemeClr val="accent1">
-                  <a:shade val="50000"/>
-                </a:schemeClr>
-              </a:lnRef>
-              <a:fillRef idx="1">
-                <a:schemeClr val="accent1"/>
-              </a:fillRef>
-              <a:effectRef idx="0">
-                <a:schemeClr val="accent1"/>
-              </a:effectRef>
-              <a:fontRef idx="minor">
-                <a:schemeClr val="lt1"/>
-              </a:fontRef>
-            </p:style>
-            <p:txBody>
-              <a:bodyPr rtlCol="0" anchor="ctr"/>
-              <a:lstStyle/>
-              <a:p>
-                <a:pPr algn="ctr"/>
-                <a:endParaRPr lang="ko-KR" altLang="en-US" dirty="0"/>
-              </a:p>
-            </p:txBody>
-          </p:sp>
-        </p:grpSp>
-        <p:sp>
-          <p:nvSpPr>
-            <p:cNvPr id="89" name="TextBox 88">
-              <a:extLst>
-                <a:ext uri="{FF2B5EF4-FFF2-40B4-BE49-F238E27FC236}">
-                  <a16:creationId xmlns:a16="http://schemas.microsoft.com/office/drawing/2014/main" id="{2A6ACB24-370F-4E8D-ABD4-7C99378BAB63}"/>
-                </a:ext>
-              </a:extLst>
-            </p:cNvPr>
-            <p:cNvSpPr txBox="1"/>
-            <p:nvPr/>
-          </p:nvSpPr>
-          <p:spPr>
-            <a:xfrm>
-              <a:off x="11110054" y="1770744"/>
-              <a:ext cx="6235114" cy="369332"/>
-            </a:xfrm>
-            <a:prstGeom prst="rect">
-              <a:avLst/>
-            </a:prstGeom>
-            <a:solidFill>
-              <a:schemeClr val="tx1">
-                <a:lumMod val="85000"/>
-                <a:lumOff val="15000"/>
-              </a:schemeClr>
-            </a:solidFill>
-            <a:ln>
-              <a:noFill/>
-            </a:ln>
-          </p:spPr>
-          <p:txBody>
-            <a:bodyPr wrap="square" rtlCol="0">
-              <a:spAutoFit/>
-            </a:bodyPr>
-            <a:lstStyle/>
-            <a:p>
-              <a:r>
-                <a:rPr lang="ko-KR" altLang="en-US" dirty="0">
-                  <a:solidFill>
-                    <a:schemeClr val="bg1"/>
-                  </a:solidFill>
-                </a:rPr>
-                <a:t>새롭게 생성되는 </a:t>
-              </a:r>
-              <a:r>
-                <a:rPr lang="en-US" altLang="ko-KR" dirty="0" err="1">
-                  <a:solidFill>
-                    <a:schemeClr val="bg1"/>
-                  </a:solidFill>
-                </a:rPr>
-                <a:t>Laser_Barrel</a:t>
-              </a:r>
-              <a:r>
-                <a:rPr lang="ko-KR" altLang="en-US" dirty="0">
-                  <a:solidFill>
-                    <a:schemeClr val="bg1"/>
-                  </a:solidFill>
-                </a:rPr>
-                <a:t>의 </a:t>
-              </a:r>
-              <a:r>
-                <a:rPr lang="ko-KR" altLang="en-US" dirty="0" err="1">
-                  <a:solidFill>
-                    <a:schemeClr val="bg1"/>
-                  </a:solidFill>
-                </a:rPr>
-                <a:t>위치예시</a:t>
-              </a:r>
-              <a:endParaRPr lang="ko-KR" altLang="en-US" dirty="0">
-                <a:solidFill>
-                  <a:schemeClr val="bg1"/>
-                </a:solidFill>
-              </a:endParaRPr>
-            </a:p>
-          </p:txBody>
-        </p:sp>
-      </p:grpSp>
-      <p:pic>
-        <p:nvPicPr>
-          <p:cNvPr id="92" name="그림 91">
-            <a:extLst>
-              <a:ext uri="{FF2B5EF4-FFF2-40B4-BE49-F238E27FC236}">
-                <a16:creationId xmlns:a16="http://schemas.microsoft.com/office/drawing/2014/main" id="{E869217F-851B-4551-B802-F299D86B6492}"/>
-              </a:ext>
-            </a:extLst>
-          </p:cNvPr>
-          <p:cNvPicPr>
-            <a:picLocks noChangeAspect="1"/>
-          </p:cNvPicPr>
-          <p:nvPr/>
-        </p:nvPicPr>
-        <p:blipFill>
-          <a:blip r:embed="rId2">
-            <a:extLst>
-              <a:ext uri="{28A0092B-C50C-407E-A947-70E740481C1C}">
-                <a14:useLocalDpi xmlns:a14="http://schemas.microsoft.com/office/drawing/2010/main" val="0"/>
-              </a:ext>
-            </a:extLst>
-          </a:blip>
-          <a:stretch>
-            <a:fillRect/>
-          </a:stretch>
-        </p:blipFill>
-        <p:spPr>
-          <a:xfrm>
-            <a:off x="2287180" y="1348869"/>
-            <a:ext cx="6235114" cy="8309164"/>
-          </a:xfrm>
-          <a:prstGeom prst="rect">
-            <a:avLst/>
-          </a:prstGeom>
-        </p:spPr>
-      </p:pic>
-    </p:spTree>
-    <p:extLst>
-      <p:ext uri="{BB962C8B-B14F-4D97-AF65-F5344CB8AC3E}">
-        <p14:creationId xmlns:p14="http://schemas.microsoft.com/office/powerpoint/2010/main" val="1923584299"/>
-      </p:ext>
-    </p:extLst>
-  </p:cSld>
-  <p:clrMapOvr>
-    <a:masterClrMapping/>
-  </p:clrMapOvr>
-</p:sld>
-</file>
-
-<file path=ppt/slides/slide7.xml><?xml version="1.0" encoding="utf-8"?>
-<p:sld xmlns:a="http://schemas.openxmlformats.org/drawingml/2006/main" xmlns:r="http://schemas.openxmlformats.org/officeDocument/2006/relationships" xmlns:p="http://schemas.openxmlformats.org/presentationml/2006/main">
-  <p:cSld>
-    <p:spTree>
-      <p:nvGrpSpPr>
-        <p:cNvPr id="1" name=""/>
-        <p:cNvGrpSpPr/>
-        <p:nvPr/>
-      </p:nvGrpSpPr>
-      <p:grpSpPr>
-        <a:xfrm>
-          <a:off x="0" y="0"/>
-          <a:ext cx="0" cy="0"/>
-          <a:chOff x="0" y="0"/>
-          <a:chExt cx="0" cy="0"/>
-        </a:xfrm>
-      </p:grpSpPr>
-      <p:sp>
-        <p:nvSpPr>
-          <p:cNvPr id="4" name="사각형: 둥근 모서리 3">
-            <a:extLst>
-              <a:ext uri="{FF2B5EF4-FFF2-40B4-BE49-F238E27FC236}">
-                <a16:creationId xmlns:a16="http://schemas.microsoft.com/office/drawing/2014/main" id="{C3EDDF7F-C7DA-4344-A53E-3B2080B67532}"/>
-              </a:ext>
-            </a:extLst>
-          </p:cNvPr>
-          <p:cNvSpPr/>
-          <p:nvPr/>
-        </p:nvSpPr>
-        <p:spPr>
-          <a:xfrm>
-            <a:off x="101601" y="993855"/>
-            <a:ext cx="17406942" cy="318170"/>
-          </a:xfrm>
-          <a:prstGeom prst="roundRect">
-            <a:avLst/>
-          </a:prstGeom>
-          <a:solidFill>
-            <a:schemeClr val="tx1"/>
-          </a:solidFill>
-          <a:ln>
-            <a:noFill/>
-          </a:ln>
-        </p:spPr>
-        <p:style>
-          <a:lnRef idx="2">
-            <a:schemeClr val="accent1">
-              <a:shade val="50000"/>
-            </a:schemeClr>
-          </a:lnRef>
-          <a:fillRef idx="1">
-            <a:schemeClr val="accent1"/>
-          </a:fillRef>
-          <a:effectRef idx="0">
-            <a:schemeClr val="accent1"/>
-          </a:effectRef>
-          <a:fontRef idx="minor">
-            <a:schemeClr val="lt1"/>
-          </a:fontRef>
-        </p:style>
-        <p:txBody>
-          <a:bodyPr rtlCol="0" anchor="ctr"/>
-          <a:lstStyle/>
-          <a:p>
-            <a:pPr algn="ctr"/>
-            <a:r>
-              <a:rPr lang="ko-KR" altLang="en-US" b="1" dirty="0">
-                <a:latin typeface="메이플스토리" panose="02000300000000000000" pitchFamily="2" charset="-127"/>
-                <a:ea typeface="메이플스토리" panose="02000300000000000000" pitchFamily="2" charset="-127"/>
-              </a:rPr>
-              <a:t>보스</a:t>
-            </a:r>
-            <a:r>
-              <a:rPr lang="en-US" altLang="ko-KR" b="1" dirty="0">
-                <a:latin typeface="메이플스토리" panose="02000300000000000000" pitchFamily="2" charset="-127"/>
-                <a:ea typeface="메이플스토리" panose="02000300000000000000" pitchFamily="2" charset="-127"/>
-              </a:rPr>
-              <a:t> </a:t>
-            </a:r>
-            <a:r>
-              <a:rPr lang="ko-KR" altLang="en-US" b="1" dirty="0">
-                <a:latin typeface="메이플스토리" panose="02000300000000000000" pitchFamily="2" charset="-127"/>
-                <a:ea typeface="메이플스토리" panose="02000300000000000000" pitchFamily="2" charset="-127"/>
-              </a:rPr>
-              <a:t>전투 패턴</a:t>
-            </a:r>
-            <a:r>
-              <a:rPr lang="en-US" altLang="ko-KR" b="1" dirty="0">
-                <a:latin typeface="메이플스토리" panose="02000300000000000000" pitchFamily="2" charset="-127"/>
-                <a:ea typeface="메이플스토리" panose="02000300000000000000" pitchFamily="2" charset="-127"/>
-              </a:rPr>
-              <a:t>2</a:t>
-            </a:r>
-            <a:endParaRPr lang="ko-KR" altLang="en-US" b="1" dirty="0">
-              <a:latin typeface="메이플스토리" panose="02000300000000000000" pitchFamily="2" charset="-127"/>
-              <a:ea typeface="메이플스토리" panose="02000300000000000000" pitchFamily="2" charset="-127"/>
-            </a:endParaRPr>
-          </a:p>
-        </p:txBody>
-      </p:sp>
-      <p:sp>
-        <p:nvSpPr>
-          <p:cNvPr id="5" name="직사각형 4">
-            <a:extLst>
-              <a:ext uri="{FF2B5EF4-FFF2-40B4-BE49-F238E27FC236}">
-                <a16:creationId xmlns:a16="http://schemas.microsoft.com/office/drawing/2014/main" id="{D81A64FA-EA23-440A-B69D-0844B84B5458}"/>
-              </a:ext>
-            </a:extLst>
-          </p:cNvPr>
-          <p:cNvSpPr/>
-          <p:nvPr/>
-        </p:nvSpPr>
-        <p:spPr>
-          <a:xfrm>
-            <a:off x="8132804" y="33681"/>
-            <a:ext cx="1344535" cy="923330"/>
-          </a:xfrm>
-          <a:prstGeom prst="rect">
-            <a:avLst/>
-          </a:prstGeom>
-          <a:noFill/>
-        </p:spPr>
-        <p:txBody>
-          <a:bodyPr wrap="none" lIns="91440" tIns="45720" rIns="91440" bIns="45720">
-            <a:spAutoFit/>
-          </a:bodyPr>
-          <a:lstStyle/>
-          <a:p>
-            <a:pPr algn="ctr"/>
-            <a:r>
-              <a:rPr lang="en-US" altLang="ko-KR" sz="5400" b="1" dirty="0">
-                <a:ln w="0">
-                  <a:solidFill>
-                    <a:schemeClr val="bg1"/>
-                  </a:solidFill>
-                </a:ln>
-                <a:latin typeface="+mj-ea"/>
-                <a:ea typeface="+mj-ea"/>
-              </a:rPr>
-              <a:t>WA</a:t>
-            </a:r>
-          </a:p>
-        </p:txBody>
-      </p:sp>
-      <p:sp>
-        <p:nvSpPr>
-          <p:cNvPr id="34" name="직사각형 33">
-            <a:extLst>
-              <a:ext uri="{FF2B5EF4-FFF2-40B4-BE49-F238E27FC236}">
-                <a16:creationId xmlns:a16="http://schemas.microsoft.com/office/drawing/2014/main" id="{5D794C17-E28F-40F1-9CE7-C5B24616B277}"/>
-              </a:ext>
-            </a:extLst>
-          </p:cNvPr>
-          <p:cNvSpPr/>
-          <p:nvPr/>
-        </p:nvSpPr>
-        <p:spPr>
-          <a:xfrm>
-            <a:off x="12108543" y="3721760"/>
-            <a:ext cx="5400000" cy="3600000"/>
-          </a:xfrm>
-          <a:prstGeom prst="rect">
-            <a:avLst/>
-          </a:prstGeom>
-          <a:solidFill>
-            <a:schemeClr val="tx1">
-              <a:lumMod val="85000"/>
-              <a:lumOff val="15000"/>
-            </a:schemeClr>
-          </a:solidFill>
-          <a:ln>
-            <a:noFill/>
-          </a:ln>
-        </p:spPr>
-        <p:style>
-          <a:lnRef idx="2">
-            <a:schemeClr val="accent1">
-              <a:shade val="50000"/>
-            </a:schemeClr>
-          </a:lnRef>
-          <a:fillRef idx="1">
-            <a:schemeClr val="accent1"/>
-          </a:fillRef>
-          <a:effectRef idx="0">
-            <a:schemeClr val="accent1"/>
-          </a:effectRef>
-          <a:fontRef idx="minor">
-            <a:schemeClr val="lt1"/>
-          </a:fontRef>
-        </p:style>
-        <p:txBody>
-          <a:bodyPr rtlCol="0" anchor="ctr"/>
-          <a:lstStyle/>
-          <a:p>
-            <a:pPr algn="ctr"/>
-            <a:endParaRPr lang="ko-KR" altLang="en-US"/>
-          </a:p>
-        </p:txBody>
-      </p:sp>
-    </p:spTree>
-    <p:extLst>
-      <p:ext uri="{BB962C8B-B14F-4D97-AF65-F5344CB8AC3E}">
-        <p14:creationId xmlns:p14="http://schemas.microsoft.com/office/powerpoint/2010/main" val="1130128591"/>
-      </p:ext>
-    </p:extLst>
-  </p:cSld>
-  <p:clrMapOvr>
-    <a:masterClrMapping/>
-  </p:clrMapOvr>
-</p:sld>
-</file>
-
-<file path=ppt/slides/slide8.xml><?xml version="1.0" encoding="utf-8"?>
-<p:sld xmlns:a="http://schemas.openxmlformats.org/drawingml/2006/main" xmlns:r="http://schemas.openxmlformats.org/officeDocument/2006/relationships" xmlns:p="http://schemas.openxmlformats.org/presentationml/2006/main">
-  <p:cSld>
-    <p:spTree>
-      <p:nvGrpSpPr>
-        <p:cNvPr id="1" name=""/>
-        <p:cNvGrpSpPr/>
-        <p:nvPr/>
-      </p:nvGrpSpPr>
-      <p:grpSpPr>
-        <a:xfrm>
-          <a:off x="0" y="0"/>
-          <a:ext cx="0" cy="0"/>
-          <a:chOff x="0" y="0"/>
-          <a:chExt cx="0" cy="0"/>
-        </a:xfrm>
-      </p:grpSpPr>
-      <p:sp>
-        <p:nvSpPr>
-          <p:cNvPr id="4" name="사각형: 둥근 모서리 3">
-            <a:extLst>
-              <a:ext uri="{FF2B5EF4-FFF2-40B4-BE49-F238E27FC236}">
-                <a16:creationId xmlns:a16="http://schemas.microsoft.com/office/drawing/2014/main" id="{C3EDDF7F-C7DA-4344-A53E-3B2080B67532}"/>
-              </a:ext>
-            </a:extLst>
-          </p:cNvPr>
-          <p:cNvSpPr/>
-          <p:nvPr/>
-        </p:nvSpPr>
-        <p:spPr>
-          <a:xfrm>
-            <a:off x="101601" y="993855"/>
-            <a:ext cx="17406942" cy="318170"/>
-          </a:xfrm>
-          <a:prstGeom prst="roundRect">
-            <a:avLst/>
-          </a:prstGeom>
-          <a:solidFill>
-            <a:schemeClr val="tx1"/>
-          </a:solidFill>
-          <a:ln>
-            <a:noFill/>
-          </a:ln>
-        </p:spPr>
-        <p:style>
-          <a:lnRef idx="2">
-            <a:schemeClr val="accent1">
-              <a:shade val="50000"/>
-            </a:schemeClr>
-          </a:lnRef>
-          <a:fillRef idx="1">
-            <a:schemeClr val="accent1"/>
-          </a:fillRef>
-          <a:effectRef idx="0">
-            <a:schemeClr val="accent1"/>
-          </a:effectRef>
-          <a:fontRef idx="minor">
-            <a:schemeClr val="lt1"/>
-          </a:fontRef>
-        </p:style>
-        <p:txBody>
-          <a:bodyPr rtlCol="0" anchor="ctr"/>
-          <a:lstStyle/>
-          <a:p>
-            <a:pPr algn="ctr"/>
-            <a:r>
-              <a:rPr lang="ko-KR" altLang="en-US" b="1" dirty="0">
-                <a:latin typeface="메이플스토리" panose="02000300000000000000" pitchFamily="2" charset="-127"/>
-                <a:ea typeface="메이플스토리" panose="02000300000000000000" pitchFamily="2" charset="-127"/>
-              </a:rPr>
-              <a:t>보스</a:t>
-            </a:r>
-            <a:r>
-              <a:rPr lang="en-US" altLang="ko-KR" b="1" dirty="0">
-                <a:latin typeface="메이플스토리" panose="02000300000000000000" pitchFamily="2" charset="-127"/>
-                <a:ea typeface="메이플스토리" panose="02000300000000000000" pitchFamily="2" charset="-127"/>
-              </a:rPr>
-              <a:t> </a:t>
-            </a:r>
-            <a:r>
-              <a:rPr lang="ko-KR" altLang="en-US" b="1" dirty="0">
-                <a:latin typeface="메이플스토리" panose="02000300000000000000" pitchFamily="2" charset="-127"/>
-                <a:ea typeface="메이플스토리" panose="02000300000000000000" pitchFamily="2" charset="-127"/>
-              </a:rPr>
-              <a:t>전투 패턴</a:t>
-            </a:r>
-            <a:r>
-              <a:rPr lang="en-US" altLang="ko-KR" b="1" dirty="0">
-                <a:latin typeface="메이플스토리" panose="02000300000000000000" pitchFamily="2" charset="-127"/>
-                <a:ea typeface="메이플스토리" panose="02000300000000000000" pitchFamily="2" charset="-127"/>
-              </a:rPr>
-              <a:t>3</a:t>
-            </a:r>
-            <a:endParaRPr lang="ko-KR" altLang="en-US" b="1" dirty="0">
-              <a:latin typeface="메이플스토리" panose="02000300000000000000" pitchFamily="2" charset="-127"/>
-              <a:ea typeface="메이플스토리" panose="02000300000000000000" pitchFamily="2" charset="-127"/>
-            </a:endParaRPr>
-          </a:p>
-        </p:txBody>
-      </p:sp>
-      <p:sp>
-        <p:nvSpPr>
-          <p:cNvPr id="5" name="직사각형 4">
-            <a:extLst>
-              <a:ext uri="{FF2B5EF4-FFF2-40B4-BE49-F238E27FC236}">
-                <a16:creationId xmlns:a16="http://schemas.microsoft.com/office/drawing/2014/main" id="{D81A64FA-EA23-440A-B69D-0844B84B5458}"/>
-              </a:ext>
-            </a:extLst>
-          </p:cNvPr>
-          <p:cNvSpPr/>
-          <p:nvPr/>
-        </p:nvSpPr>
-        <p:spPr>
-          <a:xfrm>
-            <a:off x="8132804" y="33681"/>
-            <a:ext cx="1344535" cy="923330"/>
-          </a:xfrm>
-          <a:prstGeom prst="rect">
-            <a:avLst/>
-          </a:prstGeom>
-          <a:noFill/>
-        </p:spPr>
-        <p:txBody>
-          <a:bodyPr wrap="none" lIns="91440" tIns="45720" rIns="91440" bIns="45720">
-            <a:spAutoFit/>
-          </a:bodyPr>
-          <a:lstStyle/>
-          <a:p>
-            <a:pPr algn="ctr"/>
-            <a:r>
-              <a:rPr lang="en-US" altLang="ko-KR" sz="5400" b="1" dirty="0">
-                <a:ln w="0">
-                  <a:solidFill>
-                    <a:schemeClr val="bg1"/>
-                  </a:solidFill>
-                </a:ln>
-                <a:latin typeface="+mj-ea"/>
-                <a:ea typeface="+mj-ea"/>
-              </a:rPr>
-              <a:t>WA</a:t>
-            </a:r>
-          </a:p>
-        </p:txBody>
-      </p:sp>
-      <p:pic>
-        <p:nvPicPr>
-          <p:cNvPr id="3" name="그림 2">
-            <a:extLst>
-              <a:ext uri="{FF2B5EF4-FFF2-40B4-BE49-F238E27FC236}">
-                <a16:creationId xmlns:a16="http://schemas.microsoft.com/office/drawing/2014/main" id="{527488DA-A396-48F8-8AD5-9F3CBAE244A1}"/>
-              </a:ext>
-            </a:extLst>
-          </p:cNvPr>
-          <p:cNvPicPr>
-            <a:picLocks noChangeAspect="1"/>
-          </p:cNvPicPr>
-          <p:nvPr/>
-        </p:nvPicPr>
-        <p:blipFill>
-          <a:blip r:embed="rId2">
-            <a:extLst>
-              <a:ext uri="{28A0092B-C50C-407E-A947-70E740481C1C}">
-                <a14:useLocalDpi xmlns:a14="http://schemas.microsoft.com/office/drawing/2010/main" val="0"/>
-              </a:ext>
-            </a:extLst>
-          </a:blip>
-          <a:stretch>
-            <a:fillRect/>
-          </a:stretch>
-        </p:blipFill>
-        <p:spPr>
-          <a:xfrm>
-            <a:off x="101601" y="1475276"/>
-            <a:ext cx="7664703" cy="4603923"/>
-          </a:xfrm>
-          <a:prstGeom prst="rect">
-            <a:avLst/>
-          </a:prstGeom>
-        </p:spPr>
-      </p:pic>
-    </p:spTree>
-    <p:extLst>
-      <p:ext uri="{BB962C8B-B14F-4D97-AF65-F5344CB8AC3E}">
-        <p14:creationId xmlns:p14="http://schemas.microsoft.com/office/powerpoint/2010/main" val="1335835539"/>
       </p:ext>
     </p:extLst>
   </p:cSld>
